--- a/presentation/presentation.pptx
+++ b/presentation/presentation.pptx
@@ -5,10 +5,10 @@
     <p:sldMasterId id="2147483648" r:id="rId1"/>
   </p:sldMasterIdLst>
   <p:notesMasterIdLst>
-    <p:notesMasterId r:id="rId14"/>
+    <p:notesMasterId r:id="rId15"/>
   </p:notesMasterIdLst>
   <p:handoutMasterIdLst>
-    <p:handoutMasterId r:id="rId15"/>
+    <p:handoutMasterId r:id="rId16"/>
   </p:handoutMasterIdLst>
   <p:sldIdLst>
     <p:sldId id="256" r:id="rId2"/>
@@ -20,9 +20,10 @@
     <p:sldId id="266" r:id="rId8"/>
     <p:sldId id="268" r:id="rId9"/>
     <p:sldId id="271" r:id="rId10"/>
-    <p:sldId id="273" r:id="rId11"/>
-    <p:sldId id="274" r:id="rId12"/>
-    <p:sldId id="275" r:id="rId13"/>
+    <p:sldId id="276" r:id="rId11"/>
+    <p:sldId id="273" r:id="rId12"/>
+    <p:sldId id="274" r:id="rId13"/>
+    <p:sldId id="275" r:id="rId14"/>
   </p:sldIdLst>
   <p:sldSz cx="9144000" cy="6858000" type="screen4x3"/>
   <p:notesSz cx="6858000" cy="9144000"/>
@@ -154,6 +155,923 @@
 </p:presentation>
 </file>
 
+<file path=ppt/charts/chart1.xml><?xml version="1.0" encoding="utf-8"?>
+<c:chartSpace xmlns:c="http://schemas.openxmlformats.org/drawingml/2006/chart" xmlns:a="http://schemas.openxmlformats.org/drawingml/2006/main" xmlns:r="http://schemas.openxmlformats.org/officeDocument/2006/relationships">
+  <c:lang val="en-US"/>
+  <c:chart>
+    <c:plotArea>
+      <c:layout/>
+      <c:barChart>
+        <c:barDir val="col"/>
+        <c:grouping val="clustered"/>
+        <c:ser>
+          <c:idx val="0"/>
+          <c:order val="0"/>
+          <c:tx>
+            <c:strRef>
+              <c:f>LastFMWeight!$A$2</c:f>
+              <c:strCache>
+                <c:ptCount val="1"/>
+                <c:pt idx="0">
+                  <c:v>Johnny Cash</c:v>
+                </c:pt>
+              </c:strCache>
+            </c:strRef>
+          </c:tx>
+          <c:cat>
+            <c:strRef>
+              <c:f>LastFMWeight!$B$1:$G$1</c:f>
+              <c:strCache>
+                <c:ptCount val="6"/>
+                <c:pt idx="0">
+                  <c:v>Johnny Cash</c:v>
+                </c:pt>
+                <c:pt idx="1">
+                  <c:v>Bob Dylan</c:v>
+                </c:pt>
+                <c:pt idx="2">
+                  <c:v>Bob Marley</c:v>
+                </c:pt>
+                <c:pt idx="3">
+                  <c:v>Rolling Stones</c:v>
+                </c:pt>
+                <c:pt idx="4">
+                  <c:v>Eminem</c:v>
+                </c:pt>
+                <c:pt idx="5">
+                  <c:v>Mozart</c:v>
+                </c:pt>
+              </c:strCache>
+            </c:strRef>
+          </c:cat>
+          <c:val>
+            <c:numRef>
+              <c:f>LastFMWeight!$B$2:$G$2</c:f>
+              <c:numCache>
+                <c:formatCode>General</c:formatCode>
+                <c:ptCount val="6"/>
+                <c:pt idx="0">
+                  <c:v>1</c:v>
+                </c:pt>
+                <c:pt idx="1">
+                  <c:v>0.57564800000000016</c:v>
+                </c:pt>
+                <c:pt idx="2">
+                  <c:v>3.1970000000000005E-2</c:v>
+                </c:pt>
+                <c:pt idx="3">
+                  <c:v>0.2564240000000001</c:v>
+                </c:pt>
+                <c:pt idx="4">
+                  <c:v>8.9020000000000037E-3</c:v>
+                </c:pt>
+                <c:pt idx="5">
+                  <c:v>1.2710000000000002E-3</c:v>
+                </c:pt>
+              </c:numCache>
+            </c:numRef>
+          </c:val>
+        </c:ser>
+        <c:ser>
+          <c:idx val="1"/>
+          <c:order val="1"/>
+          <c:tx>
+            <c:strRef>
+              <c:f>LastFMWeight!$A$3</c:f>
+              <c:strCache>
+                <c:ptCount val="1"/>
+                <c:pt idx="0">
+                  <c:v>Bob Dylan</c:v>
+                </c:pt>
+              </c:strCache>
+            </c:strRef>
+          </c:tx>
+          <c:cat>
+            <c:strRef>
+              <c:f>LastFMWeight!$B$1:$G$1</c:f>
+              <c:strCache>
+                <c:ptCount val="6"/>
+                <c:pt idx="0">
+                  <c:v>Johnny Cash</c:v>
+                </c:pt>
+                <c:pt idx="1">
+                  <c:v>Bob Dylan</c:v>
+                </c:pt>
+                <c:pt idx="2">
+                  <c:v>Bob Marley</c:v>
+                </c:pt>
+                <c:pt idx="3">
+                  <c:v>Rolling Stones</c:v>
+                </c:pt>
+                <c:pt idx="4">
+                  <c:v>Eminem</c:v>
+                </c:pt>
+                <c:pt idx="5">
+                  <c:v>Mozart</c:v>
+                </c:pt>
+              </c:strCache>
+            </c:strRef>
+          </c:cat>
+          <c:val>
+            <c:numRef>
+              <c:f>LastFMWeight!$B$3:$G$3</c:f>
+              <c:numCache>
+                <c:formatCode>General</c:formatCode>
+                <c:ptCount val="6"/>
+                <c:pt idx="0">
+                  <c:v>0.57564800000000016</c:v>
+                </c:pt>
+                <c:pt idx="1">
+                  <c:v>1</c:v>
+                </c:pt>
+                <c:pt idx="2">
+                  <c:v>5.2012000000000017E-2</c:v>
+                </c:pt>
+                <c:pt idx="3">
+                  <c:v>0.50629999999999997</c:v>
+                </c:pt>
+                <c:pt idx="4">
+                  <c:v>1.2573000000000001E-2</c:v>
+                </c:pt>
+                <c:pt idx="5">
+                  <c:v>2.2190000000000005E-3</c:v>
+                </c:pt>
+              </c:numCache>
+            </c:numRef>
+          </c:val>
+        </c:ser>
+        <c:ser>
+          <c:idx val="2"/>
+          <c:order val="2"/>
+          <c:tx>
+            <c:strRef>
+              <c:f>LastFMWeight!$A$4</c:f>
+              <c:strCache>
+                <c:ptCount val="1"/>
+                <c:pt idx="0">
+                  <c:v>Bob Marley</c:v>
+                </c:pt>
+              </c:strCache>
+            </c:strRef>
+          </c:tx>
+          <c:cat>
+            <c:strRef>
+              <c:f>LastFMWeight!$B$1:$G$1</c:f>
+              <c:strCache>
+                <c:ptCount val="6"/>
+                <c:pt idx="0">
+                  <c:v>Johnny Cash</c:v>
+                </c:pt>
+                <c:pt idx="1">
+                  <c:v>Bob Dylan</c:v>
+                </c:pt>
+                <c:pt idx="2">
+                  <c:v>Bob Marley</c:v>
+                </c:pt>
+                <c:pt idx="3">
+                  <c:v>Rolling Stones</c:v>
+                </c:pt>
+                <c:pt idx="4">
+                  <c:v>Eminem</c:v>
+                </c:pt>
+                <c:pt idx="5">
+                  <c:v>Mozart</c:v>
+                </c:pt>
+              </c:strCache>
+            </c:strRef>
+          </c:cat>
+          <c:val>
+            <c:numRef>
+              <c:f>LastFMWeight!$B$4:$G$4</c:f>
+              <c:numCache>
+                <c:formatCode>General</c:formatCode>
+                <c:ptCount val="6"/>
+                <c:pt idx="0">
+                  <c:v>3.1970000000000005E-2</c:v>
+                </c:pt>
+                <c:pt idx="1">
+                  <c:v>5.2012000000000017E-2</c:v>
+                </c:pt>
+                <c:pt idx="2">
+                  <c:v>1</c:v>
+                </c:pt>
+                <c:pt idx="3">
+                  <c:v>7.2690000000000018E-2</c:v>
+                </c:pt>
+                <c:pt idx="4">
+                  <c:v>2.2490000000000006E-3</c:v>
+                </c:pt>
+                <c:pt idx="5">
+                  <c:v>0</c:v>
+                </c:pt>
+              </c:numCache>
+            </c:numRef>
+          </c:val>
+        </c:ser>
+        <c:ser>
+          <c:idx val="3"/>
+          <c:order val="3"/>
+          <c:tx>
+            <c:strRef>
+              <c:f>LastFMWeight!$A$5</c:f>
+              <c:strCache>
+                <c:ptCount val="1"/>
+                <c:pt idx="0">
+                  <c:v>Rolling Stones</c:v>
+                </c:pt>
+              </c:strCache>
+            </c:strRef>
+          </c:tx>
+          <c:cat>
+            <c:strRef>
+              <c:f>LastFMWeight!$B$1:$G$1</c:f>
+              <c:strCache>
+                <c:ptCount val="6"/>
+                <c:pt idx="0">
+                  <c:v>Johnny Cash</c:v>
+                </c:pt>
+                <c:pt idx="1">
+                  <c:v>Bob Dylan</c:v>
+                </c:pt>
+                <c:pt idx="2">
+                  <c:v>Bob Marley</c:v>
+                </c:pt>
+                <c:pt idx="3">
+                  <c:v>Rolling Stones</c:v>
+                </c:pt>
+                <c:pt idx="4">
+                  <c:v>Eminem</c:v>
+                </c:pt>
+                <c:pt idx="5">
+                  <c:v>Mozart</c:v>
+                </c:pt>
+              </c:strCache>
+            </c:strRef>
+          </c:cat>
+          <c:val>
+            <c:numRef>
+              <c:f>LastFMWeight!$B$5:$G$5</c:f>
+              <c:numCache>
+                <c:formatCode>General</c:formatCode>
+                <c:ptCount val="6"/>
+                <c:pt idx="0">
+                  <c:v>0.2564240000000001</c:v>
+                </c:pt>
+                <c:pt idx="1">
+                  <c:v>0.50629999999999997</c:v>
+                </c:pt>
+                <c:pt idx="2">
+                  <c:v>7.2690000000000018E-2</c:v>
+                </c:pt>
+                <c:pt idx="3">
+                  <c:v>1</c:v>
+                </c:pt>
+                <c:pt idx="4">
+                  <c:v>1.5345000000000001E-2</c:v>
+                </c:pt>
+                <c:pt idx="5">
+                  <c:v>1.1479999999999999E-3</c:v>
+                </c:pt>
+              </c:numCache>
+            </c:numRef>
+          </c:val>
+        </c:ser>
+        <c:ser>
+          <c:idx val="4"/>
+          <c:order val="4"/>
+          <c:tx>
+            <c:strRef>
+              <c:f>LastFMWeight!$A$6</c:f>
+              <c:strCache>
+                <c:ptCount val="1"/>
+                <c:pt idx="0">
+                  <c:v>Eminem</c:v>
+                </c:pt>
+              </c:strCache>
+            </c:strRef>
+          </c:tx>
+          <c:cat>
+            <c:strRef>
+              <c:f>LastFMWeight!$B$1:$G$1</c:f>
+              <c:strCache>
+                <c:ptCount val="6"/>
+                <c:pt idx="0">
+                  <c:v>Johnny Cash</c:v>
+                </c:pt>
+                <c:pt idx="1">
+                  <c:v>Bob Dylan</c:v>
+                </c:pt>
+                <c:pt idx="2">
+                  <c:v>Bob Marley</c:v>
+                </c:pt>
+                <c:pt idx="3">
+                  <c:v>Rolling Stones</c:v>
+                </c:pt>
+                <c:pt idx="4">
+                  <c:v>Eminem</c:v>
+                </c:pt>
+                <c:pt idx="5">
+                  <c:v>Mozart</c:v>
+                </c:pt>
+              </c:strCache>
+            </c:strRef>
+          </c:cat>
+          <c:val>
+            <c:numRef>
+              <c:f>LastFMWeight!$B$6:$G$6</c:f>
+              <c:numCache>
+                <c:formatCode>General</c:formatCode>
+                <c:ptCount val="6"/>
+                <c:pt idx="0">
+                  <c:v>8.9020000000000037E-3</c:v>
+                </c:pt>
+                <c:pt idx="1">
+                  <c:v>1.2573000000000001E-2</c:v>
+                </c:pt>
+                <c:pt idx="2">
+                  <c:v>2.2490000000000006E-3</c:v>
+                </c:pt>
+                <c:pt idx="3">
+                  <c:v>1.5345000000000001E-2</c:v>
+                </c:pt>
+                <c:pt idx="4">
+                  <c:v>1</c:v>
+                </c:pt>
+                <c:pt idx="5">
+                  <c:v>0</c:v>
+                </c:pt>
+              </c:numCache>
+            </c:numRef>
+          </c:val>
+        </c:ser>
+        <c:ser>
+          <c:idx val="5"/>
+          <c:order val="5"/>
+          <c:tx>
+            <c:strRef>
+              <c:f>LastFMWeight!$A$7</c:f>
+              <c:strCache>
+                <c:ptCount val="1"/>
+                <c:pt idx="0">
+                  <c:v>Mozart</c:v>
+                </c:pt>
+              </c:strCache>
+            </c:strRef>
+          </c:tx>
+          <c:cat>
+            <c:strRef>
+              <c:f>LastFMWeight!$B$1:$G$1</c:f>
+              <c:strCache>
+                <c:ptCount val="6"/>
+                <c:pt idx="0">
+                  <c:v>Johnny Cash</c:v>
+                </c:pt>
+                <c:pt idx="1">
+                  <c:v>Bob Dylan</c:v>
+                </c:pt>
+                <c:pt idx="2">
+                  <c:v>Bob Marley</c:v>
+                </c:pt>
+                <c:pt idx="3">
+                  <c:v>Rolling Stones</c:v>
+                </c:pt>
+                <c:pt idx="4">
+                  <c:v>Eminem</c:v>
+                </c:pt>
+                <c:pt idx="5">
+                  <c:v>Mozart</c:v>
+                </c:pt>
+              </c:strCache>
+            </c:strRef>
+          </c:cat>
+          <c:val>
+            <c:numRef>
+              <c:f>LastFMWeight!$B$7:$G$7</c:f>
+              <c:numCache>
+                <c:formatCode>General</c:formatCode>
+                <c:ptCount val="6"/>
+                <c:pt idx="0">
+                  <c:v>1.2710000000000002E-3</c:v>
+                </c:pt>
+                <c:pt idx="1">
+                  <c:v>2.2190000000000005E-3</c:v>
+                </c:pt>
+                <c:pt idx="2">
+                  <c:v>0</c:v>
+                </c:pt>
+                <c:pt idx="3">
+                  <c:v>1.1479999999999999E-3</c:v>
+                </c:pt>
+                <c:pt idx="4">
+                  <c:v>0</c:v>
+                </c:pt>
+                <c:pt idx="5">
+                  <c:v>1</c:v>
+                </c:pt>
+              </c:numCache>
+            </c:numRef>
+          </c:val>
+        </c:ser>
+        <c:axId val="69503616"/>
+        <c:axId val="69513600"/>
+      </c:barChart>
+      <c:catAx>
+        <c:axId val="69503616"/>
+        <c:scaling>
+          <c:orientation val="minMax"/>
+        </c:scaling>
+        <c:axPos val="b"/>
+        <c:tickLblPos val="nextTo"/>
+        <c:crossAx val="69513600"/>
+        <c:crosses val="autoZero"/>
+        <c:auto val="1"/>
+        <c:lblAlgn val="ctr"/>
+        <c:lblOffset val="100"/>
+      </c:catAx>
+      <c:valAx>
+        <c:axId val="69513600"/>
+        <c:scaling>
+          <c:orientation val="minMax"/>
+          <c:max val="1"/>
+        </c:scaling>
+        <c:axPos val="l"/>
+        <c:majorGridlines/>
+        <c:numFmt formatCode="General" sourceLinked="1"/>
+        <c:tickLblPos val="nextTo"/>
+        <c:crossAx val="69503616"/>
+        <c:crosses val="autoZero"/>
+        <c:crossBetween val="between"/>
+      </c:valAx>
+    </c:plotArea>
+    <c:legend>
+      <c:legendPos val="r"/>
+      <c:layout/>
+    </c:legend>
+    <c:plotVisOnly val="1"/>
+  </c:chart>
+  <c:externalData r:id="rId1"/>
+</c:chartSpace>
+</file>
+
+<file path=ppt/charts/chart2.xml><?xml version="1.0" encoding="utf-8"?>
+<c:chartSpace xmlns:c="http://schemas.openxmlformats.org/drawingml/2006/chart" xmlns:a="http://schemas.openxmlformats.org/drawingml/2006/main" xmlns:r="http://schemas.openxmlformats.org/officeDocument/2006/relationships">
+  <c:date1904 val="1"/>
+  <c:lang val="en-US"/>
+  <c:chart>
+    <c:plotArea>
+      <c:layout/>
+      <c:barChart>
+        <c:barDir val="col"/>
+        <c:grouping val="clustered"/>
+        <c:ser>
+          <c:idx val="0"/>
+          <c:order val="0"/>
+          <c:tx>
+            <c:strRef>
+              <c:f>'Google Weight'!$A$2</c:f>
+              <c:strCache>
+                <c:ptCount val="1"/>
+                <c:pt idx="0">
+                  <c:v>Johnny Cash</c:v>
+                </c:pt>
+              </c:strCache>
+            </c:strRef>
+          </c:tx>
+          <c:cat>
+            <c:strRef>
+              <c:f>'Google Weight'!$B$1:$G$1</c:f>
+              <c:strCache>
+                <c:ptCount val="6"/>
+                <c:pt idx="0">
+                  <c:v>Johnny Cash</c:v>
+                </c:pt>
+                <c:pt idx="1">
+                  <c:v>Bob Dylan</c:v>
+                </c:pt>
+                <c:pt idx="2">
+                  <c:v>Bob Marley</c:v>
+                </c:pt>
+                <c:pt idx="3">
+                  <c:v>Rolling Stones</c:v>
+                </c:pt>
+                <c:pt idx="4">
+                  <c:v>Eminem</c:v>
+                </c:pt>
+                <c:pt idx="5">
+                  <c:v>Mozart</c:v>
+                </c:pt>
+              </c:strCache>
+            </c:strRef>
+          </c:cat>
+          <c:val>
+            <c:numRef>
+              <c:f>'Google Weight'!$B$2:$G$2</c:f>
+              <c:numCache>
+                <c:formatCode>General</c:formatCode>
+                <c:ptCount val="6"/>
+                <c:pt idx="0">
+                  <c:v>1</c:v>
+                </c:pt>
+                <c:pt idx="1">
+                  <c:v>0.48331700000000005</c:v>
+                </c:pt>
+                <c:pt idx="2">
+                  <c:v>0.16111700000000001</c:v>
+                </c:pt>
+                <c:pt idx="3">
+                  <c:v>0.35282800000000009</c:v>
+                </c:pt>
+                <c:pt idx="4">
+                  <c:v>6.5276000000000001E-2</c:v>
+                </c:pt>
+                <c:pt idx="5">
+                  <c:v>3.8400000000000005E-3</c:v>
+                </c:pt>
+              </c:numCache>
+            </c:numRef>
+          </c:val>
+        </c:ser>
+        <c:ser>
+          <c:idx val="1"/>
+          <c:order val="1"/>
+          <c:tx>
+            <c:strRef>
+              <c:f>'Google Weight'!$A$3</c:f>
+              <c:strCache>
+                <c:ptCount val="1"/>
+                <c:pt idx="0">
+                  <c:v>Bob Dylan</c:v>
+                </c:pt>
+              </c:strCache>
+            </c:strRef>
+          </c:tx>
+          <c:cat>
+            <c:strRef>
+              <c:f>'Google Weight'!$B$1:$G$1</c:f>
+              <c:strCache>
+                <c:ptCount val="6"/>
+                <c:pt idx="0">
+                  <c:v>Johnny Cash</c:v>
+                </c:pt>
+                <c:pt idx="1">
+                  <c:v>Bob Dylan</c:v>
+                </c:pt>
+                <c:pt idx="2">
+                  <c:v>Bob Marley</c:v>
+                </c:pt>
+                <c:pt idx="3">
+                  <c:v>Rolling Stones</c:v>
+                </c:pt>
+                <c:pt idx="4">
+                  <c:v>Eminem</c:v>
+                </c:pt>
+                <c:pt idx="5">
+                  <c:v>Mozart</c:v>
+                </c:pt>
+              </c:strCache>
+            </c:strRef>
+          </c:cat>
+          <c:val>
+            <c:numRef>
+              <c:f>'Google Weight'!$B$3:$G$3</c:f>
+              <c:numCache>
+                <c:formatCode>General</c:formatCode>
+                <c:ptCount val="6"/>
+                <c:pt idx="0">
+                  <c:v>0.48331700000000005</c:v>
+                </c:pt>
+                <c:pt idx="1">
+                  <c:v>1</c:v>
+                </c:pt>
+                <c:pt idx="2">
+                  <c:v>0.22686799999999999</c:v>
+                </c:pt>
+                <c:pt idx="3">
+                  <c:v>0.56716999999999984</c:v>
+                </c:pt>
+                <c:pt idx="4">
+                  <c:v>0.118311</c:v>
+                </c:pt>
+                <c:pt idx="5">
+                  <c:v>5.8550000000000008E-3</c:v>
+                </c:pt>
+              </c:numCache>
+            </c:numRef>
+          </c:val>
+        </c:ser>
+        <c:ser>
+          <c:idx val="2"/>
+          <c:order val="2"/>
+          <c:tx>
+            <c:strRef>
+              <c:f>'Google Weight'!$A$4</c:f>
+              <c:strCache>
+                <c:ptCount val="1"/>
+                <c:pt idx="0">
+                  <c:v>Bob Marley</c:v>
+                </c:pt>
+              </c:strCache>
+            </c:strRef>
+          </c:tx>
+          <c:cat>
+            <c:strRef>
+              <c:f>'Google Weight'!$B$1:$G$1</c:f>
+              <c:strCache>
+                <c:ptCount val="6"/>
+                <c:pt idx="0">
+                  <c:v>Johnny Cash</c:v>
+                </c:pt>
+                <c:pt idx="1">
+                  <c:v>Bob Dylan</c:v>
+                </c:pt>
+                <c:pt idx="2">
+                  <c:v>Bob Marley</c:v>
+                </c:pt>
+                <c:pt idx="3">
+                  <c:v>Rolling Stones</c:v>
+                </c:pt>
+                <c:pt idx="4">
+                  <c:v>Eminem</c:v>
+                </c:pt>
+                <c:pt idx="5">
+                  <c:v>Mozart</c:v>
+                </c:pt>
+              </c:strCache>
+            </c:strRef>
+          </c:cat>
+          <c:val>
+            <c:numRef>
+              <c:f>'Google Weight'!$B$4:$G$4</c:f>
+              <c:numCache>
+                <c:formatCode>General</c:formatCode>
+                <c:ptCount val="6"/>
+                <c:pt idx="0">
+                  <c:v>0.16111700000000001</c:v>
+                </c:pt>
+                <c:pt idx="1">
+                  <c:v>0.22686799999999999</c:v>
+                </c:pt>
+                <c:pt idx="2">
+                  <c:v>1</c:v>
+                </c:pt>
+                <c:pt idx="3">
+                  <c:v>0.3036600000000001</c:v>
+                </c:pt>
+                <c:pt idx="4">
+                  <c:v>7.9821000000000003E-2</c:v>
+                </c:pt>
+                <c:pt idx="5">
+                  <c:v>0.32674600000000004</c:v>
+                </c:pt>
+              </c:numCache>
+            </c:numRef>
+          </c:val>
+        </c:ser>
+        <c:ser>
+          <c:idx val="3"/>
+          <c:order val="3"/>
+          <c:tx>
+            <c:strRef>
+              <c:f>'Google Weight'!$A$5</c:f>
+              <c:strCache>
+                <c:ptCount val="1"/>
+                <c:pt idx="0">
+                  <c:v>Rolling Stones</c:v>
+                </c:pt>
+              </c:strCache>
+            </c:strRef>
+          </c:tx>
+          <c:cat>
+            <c:strRef>
+              <c:f>'Google Weight'!$B$1:$G$1</c:f>
+              <c:strCache>
+                <c:ptCount val="6"/>
+                <c:pt idx="0">
+                  <c:v>Johnny Cash</c:v>
+                </c:pt>
+                <c:pt idx="1">
+                  <c:v>Bob Dylan</c:v>
+                </c:pt>
+                <c:pt idx="2">
+                  <c:v>Bob Marley</c:v>
+                </c:pt>
+                <c:pt idx="3">
+                  <c:v>Rolling Stones</c:v>
+                </c:pt>
+                <c:pt idx="4">
+                  <c:v>Eminem</c:v>
+                </c:pt>
+                <c:pt idx="5">
+                  <c:v>Mozart</c:v>
+                </c:pt>
+              </c:strCache>
+            </c:strRef>
+          </c:cat>
+          <c:val>
+            <c:numRef>
+              <c:f>'Google Weight'!$B$5:$G$5</c:f>
+              <c:numCache>
+                <c:formatCode>General</c:formatCode>
+                <c:ptCount val="6"/>
+                <c:pt idx="0">
+                  <c:v>0.35282800000000009</c:v>
+                </c:pt>
+                <c:pt idx="1">
+                  <c:v>0.56716999999999984</c:v>
+                </c:pt>
+                <c:pt idx="2">
+                  <c:v>0.3036600000000001</c:v>
+                </c:pt>
+                <c:pt idx="3">
+                  <c:v>1</c:v>
+                </c:pt>
+                <c:pt idx="4">
+                  <c:v>0.12371699999999999</c:v>
+                </c:pt>
+                <c:pt idx="5">
+                  <c:v>1.0199E-2</c:v>
+                </c:pt>
+              </c:numCache>
+            </c:numRef>
+          </c:val>
+        </c:ser>
+        <c:ser>
+          <c:idx val="4"/>
+          <c:order val="4"/>
+          <c:tx>
+            <c:strRef>
+              <c:f>'Google Weight'!$A$6</c:f>
+              <c:strCache>
+                <c:ptCount val="1"/>
+                <c:pt idx="0">
+                  <c:v>Eminem</c:v>
+                </c:pt>
+              </c:strCache>
+            </c:strRef>
+          </c:tx>
+          <c:cat>
+            <c:strRef>
+              <c:f>'Google Weight'!$B$1:$G$1</c:f>
+              <c:strCache>
+                <c:ptCount val="6"/>
+                <c:pt idx="0">
+                  <c:v>Johnny Cash</c:v>
+                </c:pt>
+                <c:pt idx="1">
+                  <c:v>Bob Dylan</c:v>
+                </c:pt>
+                <c:pt idx="2">
+                  <c:v>Bob Marley</c:v>
+                </c:pt>
+                <c:pt idx="3">
+                  <c:v>Rolling Stones</c:v>
+                </c:pt>
+                <c:pt idx="4">
+                  <c:v>Eminem</c:v>
+                </c:pt>
+                <c:pt idx="5">
+                  <c:v>Mozart</c:v>
+                </c:pt>
+              </c:strCache>
+            </c:strRef>
+          </c:cat>
+          <c:val>
+            <c:numRef>
+              <c:f>'Google Weight'!$B$6:$G$6</c:f>
+              <c:numCache>
+                <c:formatCode>General</c:formatCode>
+                <c:ptCount val="6"/>
+                <c:pt idx="0">
+                  <c:v>6.5276000000000001E-2</c:v>
+                </c:pt>
+                <c:pt idx="1">
+                  <c:v>0.118311</c:v>
+                </c:pt>
+                <c:pt idx="2">
+                  <c:v>7.9821000000000003E-2</c:v>
+                </c:pt>
+                <c:pt idx="3">
+                  <c:v>0.12371699999999999</c:v>
+                </c:pt>
+                <c:pt idx="4">
+                  <c:v>1</c:v>
+                </c:pt>
+                <c:pt idx="5">
+                  <c:v>4.1149999999999989E-3</c:v>
+                </c:pt>
+              </c:numCache>
+            </c:numRef>
+          </c:val>
+        </c:ser>
+        <c:ser>
+          <c:idx val="5"/>
+          <c:order val="5"/>
+          <c:tx>
+            <c:strRef>
+              <c:f>'Google Weight'!$A$7</c:f>
+              <c:strCache>
+                <c:ptCount val="1"/>
+                <c:pt idx="0">
+                  <c:v>Mozart</c:v>
+                </c:pt>
+              </c:strCache>
+            </c:strRef>
+          </c:tx>
+          <c:cat>
+            <c:strRef>
+              <c:f>'Google Weight'!$B$1:$G$1</c:f>
+              <c:strCache>
+                <c:ptCount val="6"/>
+                <c:pt idx="0">
+                  <c:v>Johnny Cash</c:v>
+                </c:pt>
+                <c:pt idx="1">
+                  <c:v>Bob Dylan</c:v>
+                </c:pt>
+                <c:pt idx="2">
+                  <c:v>Bob Marley</c:v>
+                </c:pt>
+                <c:pt idx="3">
+                  <c:v>Rolling Stones</c:v>
+                </c:pt>
+                <c:pt idx="4">
+                  <c:v>Eminem</c:v>
+                </c:pt>
+                <c:pt idx="5">
+                  <c:v>Mozart</c:v>
+                </c:pt>
+              </c:strCache>
+            </c:strRef>
+          </c:cat>
+          <c:val>
+            <c:numRef>
+              <c:f>'Google Weight'!$B$7:$G$7</c:f>
+              <c:numCache>
+                <c:formatCode>General</c:formatCode>
+                <c:ptCount val="6"/>
+                <c:pt idx="0">
+                  <c:v>3.8400000000000005E-3</c:v>
+                </c:pt>
+                <c:pt idx="1">
+                  <c:v>5.8550000000000008E-3</c:v>
+                </c:pt>
+                <c:pt idx="2">
+                  <c:v>0.32674600000000004</c:v>
+                </c:pt>
+                <c:pt idx="3">
+                  <c:v>1.0199E-2</c:v>
+                </c:pt>
+                <c:pt idx="4">
+                  <c:v>4.1149999999999989E-3</c:v>
+                </c:pt>
+                <c:pt idx="5">
+                  <c:v>1</c:v>
+                </c:pt>
+              </c:numCache>
+            </c:numRef>
+          </c:val>
+        </c:ser>
+        <c:axId val="69210496"/>
+        <c:axId val="69212032"/>
+      </c:barChart>
+      <c:catAx>
+        <c:axId val="69210496"/>
+        <c:scaling>
+          <c:orientation val="minMax"/>
+        </c:scaling>
+        <c:axPos val="b"/>
+        <c:tickLblPos val="nextTo"/>
+        <c:crossAx val="69212032"/>
+        <c:crosses val="autoZero"/>
+        <c:auto val="1"/>
+        <c:lblAlgn val="ctr"/>
+        <c:lblOffset val="100"/>
+      </c:catAx>
+      <c:valAx>
+        <c:axId val="69212032"/>
+        <c:scaling>
+          <c:orientation val="minMax"/>
+          <c:max val="1"/>
+        </c:scaling>
+        <c:axPos val="l"/>
+        <c:majorGridlines/>
+        <c:numFmt formatCode="General" sourceLinked="1"/>
+        <c:tickLblPos val="nextTo"/>
+        <c:crossAx val="69210496"/>
+        <c:crosses val="autoZero"/>
+        <c:crossBetween val="between"/>
+      </c:valAx>
+    </c:plotArea>
+    <c:legend>
+      <c:legendPos val="r"/>
+      <c:layout/>
+    </c:legend>
+    <c:plotVisOnly val="1"/>
+  </c:chart>
+  <c:externalData r:id="rId1"/>
+</c:chartSpace>
+</file>
+
 <file path=ppt/handoutMasters/handoutMaster1.xml><?xml version="1.0" encoding="utf-8"?>
 <p:handoutMaster xmlns:a="http://schemas.openxmlformats.org/drawingml/2006/main" xmlns:r="http://schemas.openxmlformats.org/officeDocument/2006/relationships" xmlns:p="http://schemas.openxmlformats.org/presentationml/2006/main">
   <p:cSld>
@@ -236,7 +1154,8 @@
           <a:p>
             <a:fld id="{DF7DD70F-D703-4354-AD66-FAAF0B67C4D3}" type="datetimeFigureOut">
               <a:rPr lang="de-DE" smtClean="0"/>
-              <a:t>23.06.2009</a:t>
+              <a:pPr/>
+              <a:t>24.06.2009</a:t>
             </a:fld>
             <a:endParaRPr lang="de-DE"/>
           </a:p>
@@ -302,6 +1221,7 @@
           <a:p>
             <a:fld id="{BD377EBC-885F-4565-8921-23C3DC95760B}" type="slidenum">
               <a:rPr lang="de-DE" smtClean="0"/>
+              <a:pPr/>
               <a:t>‹Nr.›</a:t>
             </a:fld>
             <a:endParaRPr lang="de-DE"/>
@@ -405,7 +1325,7 @@
               <a:pPr>
                 <a:defRPr/>
               </a:pPr>
-              <a:t>23.06.2009</a:t>
+              <a:t>24.06.2009</a:t>
             </a:fld>
             <a:endParaRPr lang="de-DE"/>
           </a:p>
@@ -675,6 +1595,1319 @@
 </p:notesMaster>
 </file>
 
+<file path=ppt/notesSlides/notesSlide1.xml><?xml version="1.0" encoding="utf-8"?>
+<p:notes xmlns:a="http://schemas.openxmlformats.org/drawingml/2006/main" xmlns:r="http://schemas.openxmlformats.org/officeDocument/2006/relationships" xmlns:p="http://schemas.openxmlformats.org/presentationml/2006/main">
+  <p:cSld>
+    <p:spTree>
+      <p:nvGrpSpPr>
+        <p:cNvPr id="1" name=""/>
+        <p:cNvGrpSpPr/>
+        <p:nvPr/>
+      </p:nvGrpSpPr>
+      <p:grpSpPr>
+        <a:xfrm>
+          <a:off x="0" y="0"/>
+          <a:ext cx="0" cy="0"/>
+          <a:chOff x="0" y="0"/>
+          <a:chExt cx="0" cy="0"/>
+        </a:xfrm>
+      </p:grpSpPr>
+      <p:sp>
+        <p:nvSpPr>
+          <p:cNvPr id="2" name="Folienbildplatzhalter 1"/>
+          <p:cNvSpPr>
+            <a:spLocks noGrp="1" noRot="1" noChangeAspect="1"/>
+          </p:cNvSpPr>
+          <p:nvPr>
+            <p:ph type="sldImg"/>
+          </p:nvPr>
+        </p:nvSpPr>
+        <p:spPr>
+          <a:xfrm>
+            <a:off x="1143000" y="685800"/>
+            <a:ext cx="4572000" cy="3429000"/>
+          </a:xfrm>
+          <a:prstGeom prst="rect">
+            <a:avLst/>
+          </a:prstGeom>
+          <a:noFill/>
+          <a:ln w="12700">
+            <a:solidFill>
+              <a:prstClr val="black"/>
+            </a:solidFill>
+          </a:ln>
+        </p:spPr>
+      </p:sp>
+      <p:sp>
+        <p:nvSpPr>
+          <p:cNvPr id="3" name="Notizenplatzhalter 2"/>
+          <p:cNvSpPr>
+            <a:spLocks noGrp="1"/>
+          </p:cNvSpPr>
+          <p:nvPr>
+            <p:ph type="body" idx="1"/>
+          </p:nvPr>
+        </p:nvSpPr>
+        <p:spPr/>
+        <p:txBody>
+          <a:bodyPr>
+            <a:normAutofit/>
+          </a:bodyPr>
+          <a:lstStyle/>
+          <a:p>
+            <a:endParaRPr lang="en-US"/>
+          </a:p>
+        </p:txBody>
+      </p:sp>
+      <p:sp>
+        <p:nvSpPr>
+          <p:cNvPr id="4" name="Foliennummernplatzhalter 3"/>
+          <p:cNvSpPr>
+            <a:spLocks noGrp="1"/>
+          </p:cNvSpPr>
+          <p:nvPr>
+            <p:ph type="sldNum" sz="quarter" idx="10"/>
+          </p:nvPr>
+        </p:nvSpPr>
+        <p:spPr/>
+        <p:txBody>
+          <a:bodyPr/>
+          <a:lstStyle/>
+          <a:p>
+            <a:pPr>
+              <a:defRPr/>
+            </a:pPr>
+            <a:fld id="{3C549A6F-F38E-4E7F-8356-DEE4D662C949}" type="slidenum">
+              <a:rPr lang="de-DE" smtClean="0"/>
+              <a:pPr>
+                <a:defRPr/>
+              </a:pPr>
+              <a:t>1</a:t>
+            </a:fld>
+            <a:endParaRPr lang="de-DE"/>
+          </a:p>
+        </p:txBody>
+      </p:sp>
+    </p:spTree>
+  </p:cSld>
+  <p:clrMapOvr>
+    <a:masterClrMapping/>
+  </p:clrMapOvr>
+</p:notes>
+</file>
+
+<file path=ppt/notesSlides/notesSlide10.xml><?xml version="1.0" encoding="utf-8"?>
+<p:notes xmlns:a="http://schemas.openxmlformats.org/drawingml/2006/main" xmlns:r="http://schemas.openxmlformats.org/officeDocument/2006/relationships" xmlns:p="http://schemas.openxmlformats.org/presentationml/2006/main">
+  <p:cSld>
+    <p:spTree>
+      <p:nvGrpSpPr>
+        <p:cNvPr id="1" name=""/>
+        <p:cNvGrpSpPr/>
+        <p:nvPr/>
+      </p:nvGrpSpPr>
+      <p:grpSpPr>
+        <a:xfrm>
+          <a:off x="0" y="0"/>
+          <a:ext cx="0" cy="0"/>
+          <a:chOff x="0" y="0"/>
+          <a:chExt cx="0" cy="0"/>
+        </a:xfrm>
+      </p:grpSpPr>
+      <p:sp>
+        <p:nvSpPr>
+          <p:cNvPr id="2" name="Folienbildplatzhalter 1"/>
+          <p:cNvSpPr>
+            <a:spLocks noGrp="1" noRot="1" noChangeAspect="1"/>
+          </p:cNvSpPr>
+          <p:nvPr>
+            <p:ph type="sldImg"/>
+          </p:nvPr>
+        </p:nvSpPr>
+        <p:spPr>
+          <a:xfrm>
+            <a:off x="1143000" y="685800"/>
+            <a:ext cx="4572000" cy="3429000"/>
+          </a:xfrm>
+          <a:prstGeom prst="rect">
+            <a:avLst/>
+          </a:prstGeom>
+          <a:noFill/>
+          <a:ln w="12700">
+            <a:solidFill>
+              <a:prstClr val="black"/>
+            </a:solidFill>
+          </a:ln>
+        </p:spPr>
+      </p:sp>
+      <p:sp>
+        <p:nvSpPr>
+          <p:cNvPr id="3" name="Notizenplatzhalter 2"/>
+          <p:cNvSpPr>
+            <a:spLocks noGrp="1"/>
+          </p:cNvSpPr>
+          <p:nvPr>
+            <p:ph type="body" idx="1"/>
+          </p:nvPr>
+        </p:nvSpPr>
+        <p:spPr/>
+        <p:txBody>
+          <a:bodyPr>
+            <a:normAutofit/>
+          </a:bodyPr>
+          <a:lstStyle/>
+          <a:p>
+            <a:endParaRPr lang="en-US"/>
+          </a:p>
+        </p:txBody>
+      </p:sp>
+      <p:sp>
+        <p:nvSpPr>
+          <p:cNvPr id="4" name="Foliennummernplatzhalter 3"/>
+          <p:cNvSpPr>
+            <a:spLocks noGrp="1"/>
+          </p:cNvSpPr>
+          <p:nvPr>
+            <p:ph type="sldNum" sz="quarter" idx="10"/>
+          </p:nvPr>
+        </p:nvSpPr>
+        <p:spPr/>
+        <p:txBody>
+          <a:bodyPr/>
+          <a:lstStyle/>
+          <a:p>
+            <a:pPr>
+              <a:defRPr/>
+            </a:pPr>
+            <a:fld id="{3C549A6F-F38E-4E7F-8356-DEE4D662C949}" type="slidenum">
+              <a:rPr lang="de-DE" smtClean="0"/>
+              <a:pPr>
+                <a:defRPr/>
+              </a:pPr>
+              <a:t>10</a:t>
+            </a:fld>
+            <a:endParaRPr lang="de-DE"/>
+          </a:p>
+        </p:txBody>
+      </p:sp>
+    </p:spTree>
+  </p:cSld>
+  <p:clrMapOvr>
+    <a:masterClrMapping/>
+  </p:clrMapOvr>
+</p:notes>
+</file>
+
+<file path=ppt/notesSlides/notesSlide11.xml><?xml version="1.0" encoding="utf-8"?>
+<p:notes xmlns:a="http://schemas.openxmlformats.org/drawingml/2006/main" xmlns:r="http://schemas.openxmlformats.org/officeDocument/2006/relationships" xmlns:p="http://schemas.openxmlformats.org/presentationml/2006/main">
+  <p:cSld>
+    <p:spTree>
+      <p:nvGrpSpPr>
+        <p:cNvPr id="1" name=""/>
+        <p:cNvGrpSpPr/>
+        <p:nvPr/>
+      </p:nvGrpSpPr>
+      <p:grpSpPr>
+        <a:xfrm>
+          <a:off x="0" y="0"/>
+          <a:ext cx="0" cy="0"/>
+          <a:chOff x="0" y="0"/>
+          <a:chExt cx="0" cy="0"/>
+        </a:xfrm>
+      </p:grpSpPr>
+      <p:sp>
+        <p:nvSpPr>
+          <p:cNvPr id="2" name="Folienbildplatzhalter 1"/>
+          <p:cNvSpPr>
+            <a:spLocks noGrp="1" noRot="1" noChangeAspect="1"/>
+          </p:cNvSpPr>
+          <p:nvPr>
+            <p:ph type="sldImg"/>
+          </p:nvPr>
+        </p:nvSpPr>
+        <p:spPr>
+          <a:xfrm>
+            <a:off x="1143000" y="685800"/>
+            <a:ext cx="4572000" cy="3429000"/>
+          </a:xfrm>
+          <a:prstGeom prst="rect">
+            <a:avLst/>
+          </a:prstGeom>
+          <a:noFill/>
+          <a:ln w="12700">
+            <a:solidFill>
+              <a:prstClr val="black"/>
+            </a:solidFill>
+          </a:ln>
+        </p:spPr>
+      </p:sp>
+      <p:sp>
+        <p:nvSpPr>
+          <p:cNvPr id="3" name="Notizenplatzhalter 2"/>
+          <p:cNvSpPr>
+            <a:spLocks noGrp="1"/>
+          </p:cNvSpPr>
+          <p:nvPr>
+            <p:ph type="body" idx="1"/>
+          </p:nvPr>
+        </p:nvSpPr>
+        <p:spPr/>
+        <p:txBody>
+          <a:bodyPr>
+            <a:normAutofit/>
+          </a:bodyPr>
+          <a:lstStyle/>
+          <a:p>
+            <a:endParaRPr lang="en-US"/>
+          </a:p>
+        </p:txBody>
+      </p:sp>
+      <p:sp>
+        <p:nvSpPr>
+          <p:cNvPr id="4" name="Foliennummernplatzhalter 3"/>
+          <p:cNvSpPr>
+            <a:spLocks noGrp="1"/>
+          </p:cNvSpPr>
+          <p:nvPr>
+            <p:ph type="sldNum" sz="quarter" idx="10"/>
+          </p:nvPr>
+        </p:nvSpPr>
+        <p:spPr/>
+        <p:txBody>
+          <a:bodyPr/>
+          <a:lstStyle/>
+          <a:p>
+            <a:pPr>
+              <a:defRPr/>
+            </a:pPr>
+            <a:fld id="{3C549A6F-F38E-4E7F-8356-DEE4D662C949}" type="slidenum">
+              <a:rPr lang="de-DE" smtClean="0"/>
+              <a:pPr>
+                <a:defRPr/>
+              </a:pPr>
+              <a:t>11</a:t>
+            </a:fld>
+            <a:endParaRPr lang="de-DE"/>
+          </a:p>
+        </p:txBody>
+      </p:sp>
+    </p:spTree>
+  </p:cSld>
+  <p:clrMapOvr>
+    <a:masterClrMapping/>
+  </p:clrMapOvr>
+</p:notes>
+</file>
+
+<file path=ppt/notesSlides/notesSlide12.xml><?xml version="1.0" encoding="utf-8"?>
+<p:notes xmlns:a="http://schemas.openxmlformats.org/drawingml/2006/main" xmlns:r="http://schemas.openxmlformats.org/officeDocument/2006/relationships" xmlns:p="http://schemas.openxmlformats.org/presentationml/2006/main">
+  <p:cSld>
+    <p:spTree>
+      <p:nvGrpSpPr>
+        <p:cNvPr id="1" name=""/>
+        <p:cNvGrpSpPr/>
+        <p:nvPr/>
+      </p:nvGrpSpPr>
+      <p:grpSpPr>
+        <a:xfrm>
+          <a:off x="0" y="0"/>
+          <a:ext cx="0" cy="0"/>
+          <a:chOff x="0" y="0"/>
+          <a:chExt cx="0" cy="0"/>
+        </a:xfrm>
+      </p:grpSpPr>
+      <p:sp>
+        <p:nvSpPr>
+          <p:cNvPr id="2" name="Folienbildplatzhalter 1"/>
+          <p:cNvSpPr>
+            <a:spLocks noGrp="1" noRot="1" noChangeAspect="1"/>
+          </p:cNvSpPr>
+          <p:nvPr>
+            <p:ph type="sldImg"/>
+          </p:nvPr>
+        </p:nvSpPr>
+        <p:spPr>
+          <a:xfrm>
+            <a:off x="1143000" y="685800"/>
+            <a:ext cx="4572000" cy="3429000"/>
+          </a:xfrm>
+          <a:prstGeom prst="rect">
+            <a:avLst/>
+          </a:prstGeom>
+          <a:noFill/>
+          <a:ln w="12700">
+            <a:solidFill>
+              <a:prstClr val="black"/>
+            </a:solidFill>
+          </a:ln>
+        </p:spPr>
+      </p:sp>
+      <p:sp>
+        <p:nvSpPr>
+          <p:cNvPr id="3" name="Notizenplatzhalter 2"/>
+          <p:cNvSpPr>
+            <a:spLocks noGrp="1"/>
+          </p:cNvSpPr>
+          <p:nvPr>
+            <p:ph type="body" idx="1"/>
+          </p:nvPr>
+        </p:nvSpPr>
+        <p:spPr/>
+        <p:txBody>
+          <a:bodyPr>
+            <a:normAutofit/>
+          </a:bodyPr>
+          <a:lstStyle/>
+          <a:p>
+            <a:endParaRPr lang="en-US"/>
+          </a:p>
+        </p:txBody>
+      </p:sp>
+      <p:sp>
+        <p:nvSpPr>
+          <p:cNvPr id="4" name="Foliennummernplatzhalter 3"/>
+          <p:cNvSpPr>
+            <a:spLocks noGrp="1"/>
+          </p:cNvSpPr>
+          <p:nvPr>
+            <p:ph type="sldNum" sz="quarter" idx="10"/>
+          </p:nvPr>
+        </p:nvSpPr>
+        <p:spPr/>
+        <p:txBody>
+          <a:bodyPr/>
+          <a:lstStyle/>
+          <a:p>
+            <a:pPr>
+              <a:defRPr/>
+            </a:pPr>
+            <a:fld id="{3C549A6F-F38E-4E7F-8356-DEE4D662C949}" type="slidenum">
+              <a:rPr lang="de-DE" smtClean="0"/>
+              <a:pPr>
+                <a:defRPr/>
+              </a:pPr>
+              <a:t>12</a:t>
+            </a:fld>
+            <a:endParaRPr lang="de-DE"/>
+          </a:p>
+        </p:txBody>
+      </p:sp>
+    </p:spTree>
+  </p:cSld>
+  <p:clrMapOvr>
+    <a:masterClrMapping/>
+  </p:clrMapOvr>
+</p:notes>
+</file>
+
+<file path=ppt/notesSlides/notesSlide13.xml><?xml version="1.0" encoding="utf-8"?>
+<p:notes xmlns:a="http://schemas.openxmlformats.org/drawingml/2006/main" xmlns:r="http://schemas.openxmlformats.org/officeDocument/2006/relationships" xmlns:p="http://schemas.openxmlformats.org/presentationml/2006/main">
+  <p:cSld>
+    <p:spTree>
+      <p:nvGrpSpPr>
+        <p:cNvPr id="1" name=""/>
+        <p:cNvGrpSpPr/>
+        <p:nvPr/>
+      </p:nvGrpSpPr>
+      <p:grpSpPr>
+        <a:xfrm>
+          <a:off x="0" y="0"/>
+          <a:ext cx="0" cy="0"/>
+          <a:chOff x="0" y="0"/>
+          <a:chExt cx="0" cy="0"/>
+        </a:xfrm>
+      </p:grpSpPr>
+      <p:sp>
+        <p:nvSpPr>
+          <p:cNvPr id="2" name="Folienbildplatzhalter 1"/>
+          <p:cNvSpPr>
+            <a:spLocks noGrp="1" noRot="1" noChangeAspect="1"/>
+          </p:cNvSpPr>
+          <p:nvPr>
+            <p:ph type="sldImg"/>
+          </p:nvPr>
+        </p:nvSpPr>
+        <p:spPr>
+          <a:xfrm>
+            <a:off x="1143000" y="685800"/>
+            <a:ext cx="4572000" cy="3429000"/>
+          </a:xfrm>
+          <a:prstGeom prst="rect">
+            <a:avLst/>
+          </a:prstGeom>
+          <a:noFill/>
+          <a:ln w="12700">
+            <a:solidFill>
+              <a:prstClr val="black"/>
+            </a:solidFill>
+          </a:ln>
+        </p:spPr>
+      </p:sp>
+      <p:sp>
+        <p:nvSpPr>
+          <p:cNvPr id="3" name="Notizenplatzhalter 2"/>
+          <p:cNvSpPr>
+            <a:spLocks noGrp="1"/>
+          </p:cNvSpPr>
+          <p:nvPr>
+            <p:ph type="body" idx="1"/>
+          </p:nvPr>
+        </p:nvSpPr>
+        <p:spPr/>
+        <p:txBody>
+          <a:bodyPr>
+            <a:normAutofit/>
+          </a:bodyPr>
+          <a:lstStyle/>
+          <a:p>
+            <a:endParaRPr lang="en-US"/>
+          </a:p>
+        </p:txBody>
+      </p:sp>
+      <p:sp>
+        <p:nvSpPr>
+          <p:cNvPr id="4" name="Foliennummernplatzhalter 3"/>
+          <p:cNvSpPr>
+            <a:spLocks noGrp="1"/>
+          </p:cNvSpPr>
+          <p:nvPr>
+            <p:ph type="sldNum" sz="quarter" idx="10"/>
+          </p:nvPr>
+        </p:nvSpPr>
+        <p:spPr/>
+        <p:txBody>
+          <a:bodyPr/>
+          <a:lstStyle/>
+          <a:p>
+            <a:pPr>
+              <a:defRPr/>
+            </a:pPr>
+            <a:fld id="{3C549A6F-F38E-4E7F-8356-DEE4D662C949}" type="slidenum">
+              <a:rPr lang="de-DE" smtClean="0"/>
+              <a:pPr>
+                <a:defRPr/>
+              </a:pPr>
+              <a:t>13</a:t>
+            </a:fld>
+            <a:endParaRPr lang="de-DE"/>
+          </a:p>
+        </p:txBody>
+      </p:sp>
+    </p:spTree>
+  </p:cSld>
+  <p:clrMapOvr>
+    <a:masterClrMapping/>
+  </p:clrMapOvr>
+</p:notes>
+</file>
+
+<file path=ppt/notesSlides/notesSlide2.xml><?xml version="1.0" encoding="utf-8"?>
+<p:notes xmlns:a="http://schemas.openxmlformats.org/drawingml/2006/main" xmlns:r="http://schemas.openxmlformats.org/officeDocument/2006/relationships" xmlns:p="http://schemas.openxmlformats.org/presentationml/2006/main">
+  <p:cSld>
+    <p:spTree>
+      <p:nvGrpSpPr>
+        <p:cNvPr id="1" name=""/>
+        <p:cNvGrpSpPr/>
+        <p:nvPr/>
+      </p:nvGrpSpPr>
+      <p:grpSpPr>
+        <a:xfrm>
+          <a:off x="0" y="0"/>
+          <a:ext cx="0" cy="0"/>
+          <a:chOff x="0" y="0"/>
+          <a:chExt cx="0" cy="0"/>
+        </a:xfrm>
+      </p:grpSpPr>
+      <p:sp>
+        <p:nvSpPr>
+          <p:cNvPr id="2" name="Folienbildplatzhalter 1"/>
+          <p:cNvSpPr>
+            <a:spLocks noGrp="1" noRot="1" noChangeAspect="1"/>
+          </p:cNvSpPr>
+          <p:nvPr>
+            <p:ph type="sldImg"/>
+          </p:nvPr>
+        </p:nvSpPr>
+        <p:spPr>
+          <a:xfrm>
+            <a:off x="1143000" y="685800"/>
+            <a:ext cx="4572000" cy="3429000"/>
+          </a:xfrm>
+          <a:prstGeom prst="rect">
+            <a:avLst/>
+          </a:prstGeom>
+          <a:noFill/>
+          <a:ln w="12700">
+            <a:solidFill>
+              <a:prstClr val="black"/>
+            </a:solidFill>
+          </a:ln>
+        </p:spPr>
+      </p:sp>
+      <p:sp>
+        <p:nvSpPr>
+          <p:cNvPr id="3" name="Notizenplatzhalter 2"/>
+          <p:cNvSpPr>
+            <a:spLocks noGrp="1"/>
+          </p:cNvSpPr>
+          <p:nvPr>
+            <p:ph type="body" idx="1"/>
+          </p:nvPr>
+        </p:nvSpPr>
+        <p:spPr/>
+        <p:txBody>
+          <a:bodyPr>
+            <a:normAutofit/>
+          </a:bodyPr>
+          <a:lstStyle/>
+          <a:p>
+            <a:endParaRPr lang="en-US"/>
+          </a:p>
+        </p:txBody>
+      </p:sp>
+      <p:sp>
+        <p:nvSpPr>
+          <p:cNvPr id="4" name="Foliennummernplatzhalter 3"/>
+          <p:cNvSpPr>
+            <a:spLocks noGrp="1"/>
+          </p:cNvSpPr>
+          <p:nvPr>
+            <p:ph type="sldNum" sz="quarter" idx="10"/>
+          </p:nvPr>
+        </p:nvSpPr>
+        <p:spPr/>
+        <p:txBody>
+          <a:bodyPr/>
+          <a:lstStyle/>
+          <a:p>
+            <a:pPr>
+              <a:defRPr/>
+            </a:pPr>
+            <a:fld id="{3C549A6F-F38E-4E7F-8356-DEE4D662C949}" type="slidenum">
+              <a:rPr lang="de-DE" smtClean="0"/>
+              <a:pPr>
+                <a:defRPr/>
+              </a:pPr>
+              <a:t>2</a:t>
+            </a:fld>
+            <a:endParaRPr lang="de-DE"/>
+          </a:p>
+        </p:txBody>
+      </p:sp>
+    </p:spTree>
+  </p:cSld>
+  <p:clrMapOvr>
+    <a:masterClrMapping/>
+  </p:clrMapOvr>
+</p:notes>
+</file>
+
+<file path=ppt/notesSlides/notesSlide3.xml><?xml version="1.0" encoding="utf-8"?>
+<p:notes xmlns:a="http://schemas.openxmlformats.org/drawingml/2006/main" xmlns:r="http://schemas.openxmlformats.org/officeDocument/2006/relationships" xmlns:p="http://schemas.openxmlformats.org/presentationml/2006/main">
+  <p:cSld>
+    <p:spTree>
+      <p:nvGrpSpPr>
+        <p:cNvPr id="1" name=""/>
+        <p:cNvGrpSpPr/>
+        <p:nvPr/>
+      </p:nvGrpSpPr>
+      <p:grpSpPr>
+        <a:xfrm>
+          <a:off x="0" y="0"/>
+          <a:ext cx="0" cy="0"/>
+          <a:chOff x="0" y="0"/>
+          <a:chExt cx="0" cy="0"/>
+        </a:xfrm>
+      </p:grpSpPr>
+      <p:sp>
+        <p:nvSpPr>
+          <p:cNvPr id="2" name="Folienbildplatzhalter 1"/>
+          <p:cNvSpPr>
+            <a:spLocks noGrp="1" noRot="1" noChangeAspect="1"/>
+          </p:cNvSpPr>
+          <p:nvPr>
+            <p:ph type="sldImg"/>
+          </p:nvPr>
+        </p:nvSpPr>
+        <p:spPr>
+          <a:xfrm>
+            <a:off x="1143000" y="685800"/>
+            <a:ext cx="4572000" cy="3429000"/>
+          </a:xfrm>
+          <a:prstGeom prst="rect">
+            <a:avLst/>
+          </a:prstGeom>
+          <a:noFill/>
+          <a:ln w="12700">
+            <a:solidFill>
+              <a:prstClr val="black"/>
+            </a:solidFill>
+          </a:ln>
+        </p:spPr>
+      </p:sp>
+      <p:sp>
+        <p:nvSpPr>
+          <p:cNvPr id="3" name="Notizenplatzhalter 2"/>
+          <p:cNvSpPr>
+            <a:spLocks noGrp="1"/>
+          </p:cNvSpPr>
+          <p:nvPr>
+            <p:ph type="body" idx="1"/>
+          </p:nvPr>
+        </p:nvSpPr>
+        <p:spPr/>
+        <p:txBody>
+          <a:bodyPr>
+            <a:normAutofit/>
+          </a:bodyPr>
+          <a:lstStyle/>
+          <a:p>
+            <a:endParaRPr lang="en-US"/>
+          </a:p>
+        </p:txBody>
+      </p:sp>
+      <p:sp>
+        <p:nvSpPr>
+          <p:cNvPr id="4" name="Foliennummernplatzhalter 3"/>
+          <p:cNvSpPr>
+            <a:spLocks noGrp="1"/>
+          </p:cNvSpPr>
+          <p:nvPr>
+            <p:ph type="sldNum" sz="quarter" idx="10"/>
+          </p:nvPr>
+        </p:nvSpPr>
+        <p:spPr/>
+        <p:txBody>
+          <a:bodyPr/>
+          <a:lstStyle/>
+          <a:p>
+            <a:pPr>
+              <a:defRPr/>
+            </a:pPr>
+            <a:fld id="{3C549A6F-F38E-4E7F-8356-DEE4D662C949}" type="slidenum">
+              <a:rPr lang="de-DE" smtClean="0"/>
+              <a:pPr>
+                <a:defRPr/>
+              </a:pPr>
+              <a:t>3</a:t>
+            </a:fld>
+            <a:endParaRPr lang="de-DE"/>
+          </a:p>
+        </p:txBody>
+      </p:sp>
+    </p:spTree>
+  </p:cSld>
+  <p:clrMapOvr>
+    <a:masterClrMapping/>
+  </p:clrMapOvr>
+</p:notes>
+</file>
+
+<file path=ppt/notesSlides/notesSlide4.xml><?xml version="1.0" encoding="utf-8"?>
+<p:notes xmlns:a="http://schemas.openxmlformats.org/drawingml/2006/main" xmlns:r="http://schemas.openxmlformats.org/officeDocument/2006/relationships" xmlns:p="http://schemas.openxmlformats.org/presentationml/2006/main">
+  <p:cSld>
+    <p:spTree>
+      <p:nvGrpSpPr>
+        <p:cNvPr id="1" name=""/>
+        <p:cNvGrpSpPr/>
+        <p:nvPr/>
+      </p:nvGrpSpPr>
+      <p:grpSpPr>
+        <a:xfrm>
+          <a:off x="0" y="0"/>
+          <a:ext cx="0" cy="0"/>
+          <a:chOff x="0" y="0"/>
+          <a:chExt cx="0" cy="0"/>
+        </a:xfrm>
+      </p:grpSpPr>
+      <p:sp>
+        <p:nvSpPr>
+          <p:cNvPr id="2" name="Folienbildplatzhalter 1"/>
+          <p:cNvSpPr>
+            <a:spLocks noGrp="1" noRot="1" noChangeAspect="1"/>
+          </p:cNvSpPr>
+          <p:nvPr>
+            <p:ph type="sldImg"/>
+          </p:nvPr>
+        </p:nvSpPr>
+        <p:spPr>
+          <a:xfrm>
+            <a:off x="1143000" y="685800"/>
+            <a:ext cx="4572000" cy="3429000"/>
+          </a:xfrm>
+          <a:prstGeom prst="rect">
+            <a:avLst/>
+          </a:prstGeom>
+          <a:noFill/>
+          <a:ln w="12700">
+            <a:solidFill>
+              <a:prstClr val="black"/>
+            </a:solidFill>
+          </a:ln>
+        </p:spPr>
+      </p:sp>
+      <p:sp>
+        <p:nvSpPr>
+          <p:cNvPr id="3" name="Notizenplatzhalter 2"/>
+          <p:cNvSpPr>
+            <a:spLocks noGrp="1"/>
+          </p:cNvSpPr>
+          <p:nvPr>
+            <p:ph type="body" idx="1"/>
+          </p:nvPr>
+        </p:nvSpPr>
+        <p:spPr/>
+        <p:txBody>
+          <a:bodyPr>
+            <a:normAutofit/>
+          </a:bodyPr>
+          <a:lstStyle/>
+          <a:p>
+            <a:endParaRPr lang="en-US"/>
+          </a:p>
+        </p:txBody>
+      </p:sp>
+      <p:sp>
+        <p:nvSpPr>
+          <p:cNvPr id="4" name="Foliennummernplatzhalter 3"/>
+          <p:cNvSpPr>
+            <a:spLocks noGrp="1"/>
+          </p:cNvSpPr>
+          <p:nvPr>
+            <p:ph type="sldNum" sz="quarter" idx="10"/>
+          </p:nvPr>
+        </p:nvSpPr>
+        <p:spPr/>
+        <p:txBody>
+          <a:bodyPr/>
+          <a:lstStyle/>
+          <a:p>
+            <a:pPr>
+              <a:defRPr/>
+            </a:pPr>
+            <a:fld id="{3C549A6F-F38E-4E7F-8356-DEE4D662C949}" type="slidenum">
+              <a:rPr lang="de-DE" smtClean="0"/>
+              <a:pPr>
+                <a:defRPr/>
+              </a:pPr>
+              <a:t>4</a:t>
+            </a:fld>
+            <a:endParaRPr lang="de-DE"/>
+          </a:p>
+        </p:txBody>
+      </p:sp>
+    </p:spTree>
+  </p:cSld>
+  <p:clrMapOvr>
+    <a:masterClrMapping/>
+  </p:clrMapOvr>
+</p:notes>
+</file>
+
+<file path=ppt/notesSlides/notesSlide5.xml><?xml version="1.0" encoding="utf-8"?>
+<p:notes xmlns:a="http://schemas.openxmlformats.org/drawingml/2006/main" xmlns:r="http://schemas.openxmlformats.org/officeDocument/2006/relationships" xmlns:p="http://schemas.openxmlformats.org/presentationml/2006/main">
+  <p:cSld>
+    <p:spTree>
+      <p:nvGrpSpPr>
+        <p:cNvPr id="1" name=""/>
+        <p:cNvGrpSpPr/>
+        <p:nvPr/>
+      </p:nvGrpSpPr>
+      <p:grpSpPr>
+        <a:xfrm>
+          <a:off x="0" y="0"/>
+          <a:ext cx="0" cy="0"/>
+          <a:chOff x="0" y="0"/>
+          <a:chExt cx="0" cy="0"/>
+        </a:xfrm>
+      </p:grpSpPr>
+      <p:sp>
+        <p:nvSpPr>
+          <p:cNvPr id="2" name="Folienbildplatzhalter 1"/>
+          <p:cNvSpPr>
+            <a:spLocks noGrp="1" noRot="1" noChangeAspect="1"/>
+          </p:cNvSpPr>
+          <p:nvPr>
+            <p:ph type="sldImg"/>
+          </p:nvPr>
+        </p:nvSpPr>
+        <p:spPr>
+          <a:xfrm>
+            <a:off x="1143000" y="685800"/>
+            <a:ext cx="4572000" cy="3429000"/>
+          </a:xfrm>
+          <a:prstGeom prst="rect">
+            <a:avLst/>
+          </a:prstGeom>
+          <a:noFill/>
+          <a:ln w="12700">
+            <a:solidFill>
+              <a:prstClr val="black"/>
+            </a:solidFill>
+          </a:ln>
+        </p:spPr>
+      </p:sp>
+      <p:sp>
+        <p:nvSpPr>
+          <p:cNvPr id="3" name="Notizenplatzhalter 2"/>
+          <p:cNvSpPr>
+            <a:spLocks noGrp="1"/>
+          </p:cNvSpPr>
+          <p:nvPr>
+            <p:ph type="body" idx="1"/>
+          </p:nvPr>
+        </p:nvSpPr>
+        <p:spPr/>
+        <p:txBody>
+          <a:bodyPr>
+            <a:normAutofit/>
+          </a:bodyPr>
+          <a:lstStyle/>
+          <a:p>
+            <a:endParaRPr lang="en-US"/>
+          </a:p>
+        </p:txBody>
+      </p:sp>
+      <p:sp>
+        <p:nvSpPr>
+          <p:cNvPr id="4" name="Foliennummernplatzhalter 3"/>
+          <p:cNvSpPr>
+            <a:spLocks noGrp="1"/>
+          </p:cNvSpPr>
+          <p:nvPr>
+            <p:ph type="sldNum" sz="quarter" idx="10"/>
+          </p:nvPr>
+        </p:nvSpPr>
+        <p:spPr/>
+        <p:txBody>
+          <a:bodyPr/>
+          <a:lstStyle/>
+          <a:p>
+            <a:pPr>
+              <a:defRPr/>
+            </a:pPr>
+            <a:fld id="{3C549A6F-F38E-4E7F-8356-DEE4D662C949}" type="slidenum">
+              <a:rPr lang="de-DE" smtClean="0"/>
+              <a:pPr>
+                <a:defRPr/>
+              </a:pPr>
+              <a:t>5</a:t>
+            </a:fld>
+            <a:endParaRPr lang="de-DE"/>
+          </a:p>
+        </p:txBody>
+      </p:sp>
+    </p:spTree>
+  </p:cSld>
+  <p:clrMapOvr>
+    <a:masterClrMapping/>
+  </p:clrMapOvr>
+</p:notes>
+</file>
+
+<file path=ppt/notesSlides/notesSlide6.xml><?xml version="1.0" encoding="utf-8"?>
+<p:notes xmlns:a="http://schemas.openxmlformats.org/drawingml/2006/main" xmlns:r="http://schemas.openxmlformats.org/officeDocument/2006/relationships" xmlns:p="http://schemas.openxmlformats.org/presentationml/2006/main">
+  <p:cSld>
+    <p:spTree>
+      <p:nvGrpSpPr>
+        <p:cNvPr id="1" name=""/>
+        <p:cNvGrpSpPr/>
+        <p:nvPr/>
+      </p:nvGrpSpPr>
+      <p:grpSpPr>
+        <a:xfrm>
+          <a:off x="0" y="0"/>
+          <a:ext cx="0" cy="0"/>
+          <a:chOff x="0" y="0"/>
+          <a:chExt cx="0" cy="0"/>
+        </a:xfrm>
+      </p:grpSpPr>
+      <p:sp>
+        <p:nvSpPr>
+          <p:cNvPr id="2" name="Folienbildplatzhalter 1"/>
+          <p:cNvSpPr>
+            <a:spLocks noGrp="1" noRot="1" noChangeAspect="1"/>
+          </p:cNvSpPr>
+          <p:nvPr>
+            <p:ph type="sldImg"/>
+          </p:nvPr>
+        </p:nvSpPr>
+        <p:spPr>
+          <a:xfrm>
+            <a:off x="1143000" y="685800"/>
+            <a:ext cx="4572000" cy="3429000"/>
+          </a:xfrm>
+          <a:prstGeom prst="rect">
+            <a:avLst/>
+          </a:prstGeom>
+          <a:noFill/>
+          <a:ln w="12700">
+            <a:solidFill>
+              <a:prstClr val="black"/>
+            </a:solidFill>
+          </a:ln>
+        </p:spPr>
+      </p:sp>
+      <p:sp>
+        <p:nvSpPr>
+          <p:cNvPr id="3" name="Notizenplatzhalter 2"/>
+          <p:cNvSpPr>
+            <a:spLocks noGrp="1"/>
+          </p:cNvSpPr>
+          <p:nvPr>
+            <p:ph type="body" idx="1"/>
+          </p:nvPr>
+        </p:nvSpPr>
+        <p:spPr/>
+        <p:txBody>
+          <a:bodyPr>
+            <a:normAutofit/>
+          </a:bodyPr>
+          <a:lstStyle/>
+          <a:p>
+            <a:endParaRPr lang="en-US"/>
+          </a:p>
+        </p:txBody>
+      </p:sp>
+      <p:sp>
+        <p:nvSpPr>
+          <p:cNvPr id="4" name="Foliennummernplatzhalter 3"/>
+          <p:cNvSpPr>
+            <a:spLocks noGrp="1"/>
+          </p:cNvSpPr>
+          <p:nvPr>
+            <p:ph type="sldNum" sz="quarter" idx="10"/>
+          </p:nvPr>
+        </p:nvSpPr>
+        <p:spPr/>
+        <p:txBody>
+          <a:bodyPr/>
+          <a:lstStyle/>
+          <a:p>
+            <a:pPr>
+              <a:defRPr/>
+            </a:pPr>
+            <a:fld id="{3C549A6F-F38E-4E7F-8356-DEE4D662C949}" type="slidenum">
+              <a:rPr lang="de-DE" smtClean="0"/>
+              <a:pPr>
+                <a:defRPr/>
+              </a:pPr>
+              <a:t>6</a:t>
+            </a:fld>
+            <a:endParaRPr lang="de-DE"/>
+          </a:p>
+        </p:txBody>
+      </p:sp>
+    </p:spTree>
+  </p:cSld>
+  <p:clrMapOvr>
+    <a:masterClrMapping/>
+  </p:clrMapOvr>
+</p:notes>
+</file>
+
+<file path=ppt/notesSlides/notesSlide7.xml><?xml version="1.0" encoding="utf-8"?>
+<p:notes xmlns:a="http://schemas.openxmlformats.org/drawingml/2006/main" xmlns:r="http://schemas.openxmlformats.org/officeDocument/2006/relationships" xmlns:p="http://schemas.openxmlformats.org/presentationml/2006/main">
+  <p:cSld>
+    <p:spTree>
+      <p:nvGrpSpPr>
+        <p:cNvPr id="1" name=""/>
+        <p:cNvGrpSpPr/>
+        <p:nvPr/>
+      </p:nvGrpSpPr>
+      <p:grpSpPr>
+        <a:xfrm>
+          <a:off x="0" y="0"/>
+          <a:ext cx="0" cy="0"/>
+          <a:chOff x="0" y="0"/>
+          <a:chExt cx="0" cy="0"/>
+        </a:xfrm>
+      </p:grpSpPr>
+      <p:sp>
+        <p:nvSpPr>
+          <p:cNvPr id="2" name="Folienbildplatzhalter 1"/>
+          <p:cNvSpPr>
+            <a:spLocks noGrp="1" noRot="1" noChangeAspect="1"/>
+          </p:cNvSpPr>
+          <p:nvPr>
+            <p:ph type="sldImg"/>
+          </p:nvPr>
+        </p:nvSpPr>
+        <p:spPr>
+          <a:xfrm>
+            <a:off x="1143000" y="685800"/>
+            <a:ext cx="4572000" cy="3429000"/>
+          </a:xfrm>
+          <a:prstGeom prst="rect">
+            <a:avLst/>
+          </a:prstGeom>
+          <a:noFill/>
+          <a:ln w="12700">
+            <a:solidFill>
+              <a:prstClr val="black"/>
+            </a:solidFill>
+          </a:ln>
+        </p:spPr>
+      </p:sp>
+      <p:sp>
+        <p:nvSpPr>
+          <p:cNvPr id="3" name="Notizenplatzhalter 2"/>
+          <p:cNvSpPr>
+            <a:spLocks noGrp="1"/>
+          </p:cNvSpPr>
+          <p:nvPr>
+            <p:ph type="body" idx="1"/>
+          </p:nvPr>
+        </p:nvSpPr>
+        <p:spPr/>
+        <p:txBody>
+          <a:bodyPr>
+            <a:normAutofit/>
+          </a:bodyPr>
+          <a:lstStyle/>
+          <a:p>
+            <a:endParaRPr lang="en-US"/>
+          </a:p>
+        </p:txBody>
+      </p:sp>
+      <p:sp>
+        <p:nvSpPr>
+          <p:cNvPr id="4" name="Foliennummernplatzhalter 3"/>
+          <p:cNvSpPr>
+            <a:spLocks noGrp="1"/>
+          </p:cNvSpPr>
+          <p:nvPr>
+            <p:ph type="sldNum" sz="quarter" idx="10"/>
+          </p:nvPr>
+        </p:nvSpPr>
+        <p:spPr/>
+        <p:txBody>
+          <a:bodyPr/>
+          <a:lstStyle/>
+          <a:p>
+            <a:pPr>
+              <a:defRPr/>
+            </a:pPr>
+            <a:fld id="{3C549A6F-F38E-4E7F-8356-DEE4D662C949}" type="slidenum">
+              <a:rPr lang="de-DE" smtClean="0"/>
+              <a:pPr>
+                <a:defRPr/>
+              </a:pPr>
+              <a:t>7</a:t>
+            </a:fld>
+            <a:endParaRPr lang="de-DE"/>
+          </a:p>
+        </p:txBody>
+      </p:sp>
+    </p:spTree>
+  </p:cSld>
+  <p:clrMapOvr>
+    <a:masterClrMapping/>
+  </p:clrMapOvr>
+</p:notes>
+</file>
+
+<file path=ppt/notesSlides/notesSlide8.xml><?xml version="1.0" encoding="utf-8"?>
+<p:notes xmlns:a="http://schemas.openxmlformats.org/drawingml/2006/main" xmlns:r="http://schemas.openxmlformats.org/officeDocument/2006/relationships" xmlns:p="http://schemas.openxmlformats.org/presentationml/2006/main">
+  <p:cSld>
+    <p:spTree>
+      <p:nvGrpSpPr>
+        <p:cNvPr id="1" name=""/>
+        <p:cNvGrpSpPr/>
+        <p:nvPr/>
+      </p:nvGrpSpPr>
+      <p:grpSpPr>
+        <a:xfrm>
+          <a:off x="0" y="0"/>
+          <a:ext cx="0" cy="0"/>
+          <a:chOff x="0" y="0"/>
+          <a:chExt cx="0" cy="0"/>
+        </a:xfrm>
+      </p:grpSpPr>
+      <p:sp>
+        <p:nvSpPr>
+          <p:cNvPr id="2" name="Folienbildplatzhalter 1"/>
+          <p:cNvSpPr>
+            <a:spLocks noGrp="1" noRot="1" noChangeAspect="1"/>
+          </p:cNvSpPr>
+          <p:nvPr>
+            <p:ph type="sldImg"/>
+          </p:nvPr>
+        </p:nvSpPr>
+        <p:spPr>
+          <a:xfrm>
+            <a:off x="1143000" y="685800"/>
+            <a:ext cx="4572000" cy="3429000"/>
+          </a:xfrm>
+          <a:prstGeom prst="rect">
+            <a:avLst/>
+          </a:prstGeom>
+          <a:noFill/>
+          <a:ln w="12700">
+            <a:solidFill>
+              <a:prstClr val="black"/>
+            </a:solidFill>
+          </a:ln>
+        </p:spPr>
+      </p:sp>
+      <p:sp>
+        <p:nvSpPr>
+          <p:cNvPr id="3" name="Notizenplatzhalter 2"/>
+          <p:cNvSpPr>
+            <a:spLocks noGrp="1"/>
+          </p:cNvSpPr>
+          <p:nvPr>
+            <p:ph type="body" idx="1"/>
+          </p:nvPr>
+        </p:nvSpPr>
+        <p:spPr/>
+        <p:txBody>
+          <a:bodyPr>
+            <a:normAutofit/>
+          </a:bodyPr>
+          <a:lstStyle/>
+          <a:p>
+            <a:endParaRPr lang="en-US"/>
+          </a:p>
+        </p:txBody>
+      </p:sp>
+      <p:sp>
+        <p:nvSpPr>
+          <p:cNvPr id="4" name="Foliennummernplatzhalter 3"/>
+          <p:cNvSpPr>
+            <a:spLocks noGrp="1"/>
+          </p:cNvSpPr>
+          <p:nvPr>
+            <p:ph type="sldNum" sz="quarter" idx="10"/>
+          </p:nvPr>
+        </p:nvSpPr>
+        <p:spPr/>
+        <p:txBody>
+          <a:bodyPr/>
+          <a:lstStyle/>
+          <a:p>
+            <a:pPr>
+              <a:defRPr/>
+            </a:pPr>
+            <a:fld id="{3C549A6F-F38E-4E7F-8356-DEE4D662C949}" type="slidenum">
+              <a:rPr lang="de-DE" smtClean="0"/>
+              <a:pPr>
+                <a:defRPr/>
+              </a:pPr>
+              <a:t>8</a:t>
+            </a:fld>
+            <a:endParaRPr lang="de-DE"/>
+          </a:p>
+        </p:txBody>
+      </p:sp>
+    </p:spTree>
+  </p:cSld>
+  <p:clrMapOvr>
+    <a:masterClrMapping/>
+  </p:clrMapOvr>
+</p:notes>
+</file>
+
+<file path=ppt/notesSlides/notesSlide9.xml><?xml version="1.0" encoding="utf-8"?>
+<p:notes xmlns:a="http://schemas.openxmlformats.org/drawingml/2006/main" xmlns:r="http://schemas.openxmlformats.org/officeDocument/2006/relationships" xmlns:p="http://schemas.openxmlformats.org/presentationml/2006/main">
+  <p:cSld>
+    <p:spTree>
+      <p:nvGrpSpPr>
+        <p:cNvPr id="1" name=""/>
+        <p:cNvGrpSpPr/>
+        <p:nvPr/>
+      </p:nvGrpSpPr>
+      <p:grpSpPr>
+        <a:xfrm>
+          <a:off x="0" y="0"/>
+          <a:ext cx="0" cy="0"/>
+          <a:chOff x="0" y="0"/>
+          <a:chExt cx="0" cy="0"/>
+        </a:xfrm>
+      </p:grpSpPr>
+      <p:sp>
+        <p:nvSpPr>
+          <p:cNvPr id="2" name="Folienbildplatzhalter 1"/>
+          <p:cNvSpPr>
+            <a:spLocks noGrp="1" noRot="1" noChangeAspect="1"/>
+          </p:cNvSpPr>
+          <p:nvPr>
+            <p:ph type="sldImg"/>
+          </p:nvPr>
+        </p:nvSpPr>
+        <p:spPr>
+          <a:xfrm>
+            <a:off x="1143000" y="685800"/>
+            <a:ext cx="4572000" cy="3429000"/>
+          </a:xfrm>
+          <a:prstGeom prst="rect">
+            <a:avLst/>
+          </a:prstGeom>
+          <a:noFill/>
+          <a:ln w="12700">
+            <a:solidFill>
+              <a:prstClr val="black"/>
+            </a:solidFill>
+          </a:ln>
+        </p:spPr>
+      </p:sp>
+      <p:sp>
+        <p:nvSpPr>
+          <p:cNvPr id="3" name="Notizenplatzhalter 2"/>
+          <p:cNvSpPr>
+            <a:spLocks noGrp="1"/>
+          </p:cNvSpPr>
+          <p:nvPr>
+            <p:ph type="body" idx="1"/>
+          </p:nvPr>
+        </p:nvSpPr>
+        <p:spPr/>
+        <p:txBody>
+          <a:bodyPr>
+            <a:normAutofit/>
+          </a:bodyPr>
+          <a:lstStyle/>
+          <a:p>
+            <a:endParaRPr lang="en-US"/>
+          </a:p>
+        </p:txBody>
+      </p:sp>
+      <p:sp>
+        <p:nvSpPr>
+          <p:cNvPr id="4" name="Foliennummernplatzhalter 3"/>
+          <p:cNvSpPr>
+            <a:spLocks noGrp="1"/>
+          </p:cNvSpPr>
+          <p:nvPr>
+            <p:ph type="sldNum" sz="quarter" idx="10"/>
+          </p:nvPr>
+        </p:nvSpPr>
+        <p:spPr/>
+        <p:txBody>
+          <a:bodyPr/>
+          <a:lstStyle/>
+          <a:p>
+            <a:pPr>
+              <a:defRPr/>
+            </a:pPr>
+            <a:fld id="{3C549A6F-F38E-4E7F-8356-DEE4D662C949}" type="slidenum">
+              <a:rPr lang="de-DE" smtClean="0"/>
+              <a:pPr>
+                <a:defRPr/>
+              </a:pPr>
+              <a:t>9</a:t>
+            </a:fld>
+            <a:endParaRPr lang="de-DE"/>
+          </a:p>
+        </p:txBody>
+      </p:sp>
+    </p:spTree>
+  </p:cSld>
+  <p:clrMapOvr>
+    <a:masterClrMapping/>
+  </p:clrMapOvr>
+</p:notes>
+</file>
+
 <file path=ppt/slideLayouts/slideLayout1.xml><?xml version="1.0" encoding="utf-8"?>
 <p:sldLayout xmlns:a="http://schemas.openxmlformats.org/drawingml/2006/main" xmlns:r="http://schemas.openxmlformats.org/officeDocument/2006/relationships" xmlns:p="http://schemas.openxmlformats.org/presentationml/2006/main" type="title" preserve="1">
   <p:cSld name="Titelfolie">
@@ -1525,32 +3758,6 @@
             <a:headEnd/>
             <a:tailEnd/>
           </a:ln>
-        </p:spPr>
-      </p:pic>
-      <p:pic>
-        <p:nvPicPr>
-          <p:cNvPr id="7" name="Picture 11" descr="LastfmLogo"/>
-          <p:cNvPicPr>
-            <a:picLocks noChangeAspect="1" noChangeArrowheads="1"/>
-          </p:cNvPicPr>
-          <p:nvPr userDrawn="1"/>
-        </p:nvPicPr>
-        <p:blipFill>
-          <a:blip r:embed="rId6"/>
-          <a:srcRect/>
-          <a:stretch>
-            <a:fillRect/>
-          </a:stretch>
-        </p:blipFill>
-        <p:spPr>
-          <a:xfrm>
-            <a:off x="8072462" y="6357958"/>
-            <a:ext cx="785818" cy="303849"/>
-          </a:xfrm>
-          <a:prstGeom prst="rect">
-            <a:avLst/>
-          </a:prstGeom>
-          <a:noFill/>
         </p:spPr>
       </p:pic>
     </p:spTree>
@@ -1953,7 +4160,7 @@
         <p:nvSpPr>
           <p:cNvPr id="2050" name="Rectangle 2"/>
           <p:cNvSpPr>
-            <a:spLocks noChangeArrowheads="1"/>
+            <a:spLocks noGrp="1" noChangeArrowheads="1"/>
           </p:cNvSpPr>
           <p:nvPr>
             <p:ph type="ctrTitle"/>
@@ -2057,9 +4264,6 @@
               </a:rPr>
               <a:t> Google</a:t>
             </a:r>
-            <a:endParaRPr lang="en-US" sz="2400" dirty="0" smtClean="0">
-              <a:latin typeface="Eurostile ExtendedTwo" pitchFamily="34" charset="0"/>
-            </a:endParaRPr>
           </a:p>
         </p:txBody>
       </p:sp>
@@ -2090,7 +4294,15 @@
                   <a:schemeClr val="tx1"/>
                 </a:solidFill>
               </a:rPr>
-              <a:t>Spezielle Kapitel </a:t>
+              <a:t>Spezielle Kapitel der Informatik: Music Information </a:t>
+            </a:r>
+            <a:r>
+              <a:rPr lang="de-DE" sz="1600" dirty="0" err="1" smtClean="0">
+                <a:solidFill>
+                  <a:schemeClr val="tx1"/>
+                </a:solidFill>
+              </a:rPr>
+              <a:t>Retrieval</a:t>
             </a:r>
             <a:r>
               <a:rPr lang="de-DE" sz="1600" dirty="0" smtClean="0">
@@ -2098,47 +4310,7 @@
                   <a:schemeClr val="tx1"/>
                 </a:solidFill>
               </a:rPr>
-              <a:t>der </a:t>
-            </a:r>
-            <a:r>
-              <a:rPr lang="de-DE" sz="1600" dirty="0" smtClean="0">
-                <a:solidFill>
-                  <a:schemeClr val="tx1"/>
-                </a:solidFill>
-              </a:rPr>
-              <a:t>Informatik: Music Information </a:t>
-            </a:r>
-            <a:r>
-              <a:rPr lang="de-DE" sz="1600" dirty="0" err="1" smtClean="0">
-                <a:solidFill>
-                  <a:schemeClr val="tx1"/>
-                </a:solidFill>
-              </a:rPr>
-              <a:t>Retrieval</a:t>
-            </a:r>
-            <a:r>
-              <a:rPr lang="de-DE" sz="1600" dirty="0" smtClean="0">
-                <a:solidFill>
-                  <a:schemeClr val="tx1"/>
-                </a:solidFill>
-              </a:rPr>
-              <a:t> </a:t>
-            </a:r>
-            <a:r>
-              <a:rPr lang="de-DE" sz="1600" dirty="0" smtClean="0">
-                <a:solidFill>
-                  <a:schemeClr val="tx1"/>
-                </a:solidFill>
-              </a:rPr>
-              <a:t>| KV SS </a:t>
-            </a:r>
-            <a:r>
-              <a:rPr lang="de-DE" sz="1600" dirty="0" smtClean="0">
-                <a:solidFill>
-                  <a:schemeClr val="tx1"/>
-                </a:solidFill>
-              </a:rPr>
-              <a:t>2009</a:t>
+              <a:t> | KV SS 2009</a:t>
             </a:r>
           </a:p>
           <a:p>
@@ -2235,21 +4407,18 @@
                   </a:schemeClr>
                 </a:solidFill>
               </a:rPr>
-              <a:t>Visualisierung – Clustering </a:t>
-            </a:r>
-          </a:p>
-          <a:p>
-            <a:pPr eaLnBrk="1" hangingPunct="1"/>
-            <a:endParaRPr lang="de-AT" dirty="0" smtClean="0">
-              <a:solidFill>
-                <a:schemeClr val="bg2">
-                  <a:lumMod val="75000"/>
-                </a:schemeClr>
-              </a:solidFill>
-            </a:endParaRPr>
-          </a:p>
-          <a:p>
-            <a:pPr eaLnBrk="1" hangingPunct="1"/>
+              <a:t>Ähnlichkeiten – Tag </a:t>
+            </a:r>
+            <a:r>
+              <a:rPr lang="de-AT" dirty="0" err="1" smtClean="0">
+                <a:solidFill>
+                  <a:schemeClr val="bg2">
+                    <a:lumMod val="75000"/>
+                  </a:schemeClr>
+                </a:solidFill>
+              </a:rPr>
+              <a:t>Cloud</a:t>
+            </a:r>
             <a:r>
               <a:rPr lang="de-AT" dirty="0" smtClean="0">
                 <a:solidFill>
@@ -2258,123 +4427,8 @@
                   </a:schemeClr>
                 </a:solidFill>
               </a:rPr>
-              <a:t>Jung-</a:t>
-            </a:r>
-            <a:r>
-              <a:rPr lang="de-AT" dirty="0" err="1" smtClean="0">
-                <a:solidFill>
-                  <a:schemeClr val="bg2">
-                    <a:lumMod val="75000"/>
-                  </a:schemeClr>
-                </a:solidFill>
-              </a:rPr>
-              <a:t>basiertesVisualisierungstool</a:t>
-            </a:r>
-            <a:r>
-              <a:rPr lang="de-AT" dirty="0" smtClean="0">
-                <a:solidFill>
-                  <a:schemeClr val="bg2">
-                    <a:lumMod val="75000"/>
-                  </a:schemeClr>
-                </a:solidFill>
-              </a:rPr>
-              <a:t> zur Darstellung von Ähnlichkeitsclustern</a:t>
-            </a:r>
-          </a:p>
-          <a:p>
-            <a:pPr eaLnBrk="1" hangingPunct="1"/>
-            <a:r>
-              <a:rPr lang="de-AT" b="1" dirty="0" smtClean="0">
-                <a:solidFill>
-                  <a:schemeClr val="bg2">
-                    <a:lumMod val="75000"/>
-                  </a:schemeClr>
-                </a:solidFill>
-              </a:rPr>
-              <a:t>Achtung </a:t>
-            </a:r>
-            <a:r>
-              <a:rPr lang="de-AT" dirty="0" smtClean="0">
-                <a:solidFill>
-                  <a:schemeClr val="bg2">
-                    <a:lumMod val="75000"/>
-                  </a:schemeClr>
-                </a:solidFill>
-              </a:rPr>
-              <a:t>ClusterAbstand und Kantenlänge haben keine Bedeutung </a:t>
-            </a:r>
-            <a:br>
-              <a:rPr lang="de-AT" dirty="0" smtClean="0">
-                <a:solidFill>
-                  <a:schemeClr val="bg2">
-                    <a:lumMod val="75000"/>
-                  </a:schemeClr>
-                </a:solidFill>
-              </a:rPr>
-            </a:br>
-            <a:r>
-              <a:rPr lang="de-AT" dirty="0" smtClean="0">
-                <a:solidFill>
-                  <a:schemeClr val="bg2">
-                    <a:lumMod val="75000"/>
-                  </a:schemeClr>
-                </a:solidFill>
-              </a:rPr>
-              <a:t>(nicht sehr elaboriert)</a:t>
-            </a:r>
-          </a:p>
-          <a:p>
-            <a:pPr eaLnBrk="1" hangingPunct="1"/>
-            <a:r>
-              <a:rPr lang="de-AT" dirty="0" err="1" smtClean="0">
-                <a:solidFill>
-                  <a:schemeClr val="bg2">
-                    <a:lumMod val="75000"/>
-                  </a:schemeClr>
-                </a:solidFill>
-              </a:rPr>
-              <a:t>Slider</a:t>
-            </a:r>
-            <a:r>
-              <a:rPr lang="de-AT" dirty="0" smtClean="0">
-                <a:solidFill>
-                  <a:schemeClr val="bg2">
-                    <a:lumMod val="75000"/>
-                  </a:schemeClr>
-                </a:solidFill>
-              </a:rPr>
-              <a:t> für die Wahl des </a:t>
-            </a:r>
-            <a:r>
-              <a:rPr lang="de-AT" dirty="0" err="1" smtClean="0">
-                <a:solidFill>
-                  <a:schemeClr val="bg2">
-                    <a:lumMod val="75000"/>
-                  </a:schemeClr>
-                </a:solidFill>
-              </a:rPr>
-              <a:t>Similarity-Thresholds</a:t>
-            </a:r>
-            <a:r>
-              <a:rPr lang="de-AT" dirty="0" smtClean="0">
-                <a:solidFill>
-                  <a:schemeClr val="bg2">
-                    <a:lumMod val="75000"/>
-                  </a:schemeClr>
-                </a:solidFill>
-              </a:rPr>
-              <a:t> </a:t>
-            </a:r>
-          </a:p>
-          <a:p>
-            <a:pPr eaLnBrk="1" hangingPunct="1"/>
-            <a:endParaRPr lang="de-AT" dirty="0" smtClean="0">
-              <a:solidFill>
-                <a:schemeClr val="bg2">
-                  <a:lumMod val="75000"/>
-                </a:schemeClr>
-              </a:solidFill>
-            </a:endParaRPr>
+              <a:t> Google gewichtete Ähnlichkeiten (II)</a:t>
+            </a:r>
           </a:p>
           <a:p>
             <a:pPr eaLnBrk="1" hangingPunct="1">
@@ -2491,11 +4545,56 @@
           </a:p>
         </p:txBody>
       </p:sp>
+      <p:graphicFrame>
+        <p:nvGraphicFramePr>
+          <p:cNvPr id="5" name="Diagramm 4"/>
+          <p:cNvGraphicFramePr/>
+          <p:nvPr/>
+        </p:nvGraphicFramePr>
+        <p:xfrm>
+          <a:off x="928662" y="2328855"/>
+          <a:ext cx="6215106" cy="3343289"/>
+        </p:xfrm>
+        <a:graphic>
+          <a:graphicData uri="http://schemas.openxmlformats.org/drawingml/2006/chart">
+            <c:chart xmlns:c="http://schemas.openxmlformats.org/drawingml/2006/chart" xmlns:r="http://schemas.openxmlformats.org/officeDocument/2006/relationships" r:id="rId3"/>
+          </a:graphicData>
+        </a:graphic>
+      </p:graphicFrame>
+      <p:pic>
+        <p:nvPicPr>
+          <p:cNvPr id="1027" name="Picture 3" descr="C:\Dokumente und Einstellungen\Jakob.PERVASIVE\Desktop\google_logo_5.jpg"/>
+          <p:cNvPicPr>
+            <a:picLocks noChangeAspect="1" noChangeArrowheads="1"/>
+          </p:cNvPicPr>
+          <p:nvPr/>
+        </p:nvPicPr>
+        <p:blipFill>
+          <a:blip r:embed="rId4"/>
+          <a:srcRect b="26087"/>
+          <a:stretch>
+            <a:fillRect/>
+          </a:stretch>
+        </p:blipFill>
+        <p:spPr bwMode="auto">
+          <a:xfrm>
+            <a:off x="7429520" y="5975920"/>
+            <a:ext cx="1500198" cy="739227"/>
+          </a:xfrm>
+          <a:prstGeom prst="rect">
+            <a:avLst/>
+          </a:prstGeom>
+          <a:noFill/>
+        </p:spPr>
+      </p:pic>
     </p:spTree>
   </p:cSld>
   <p:clrMapOvr>
     <a:masterClrMapping/>
   </p:clrMapOvr>
+  <p:transition>
+    <p:fade/>
+  </p:transition>
   <p:timing>
     <p:tnLst>
       <p:par>
@@ -2536,7 +4635,7 @@
         <p:spPr>
           <a:xfrm>
             <a:off x="571472" y="1795451"/>
-            <a:ext cx="3857652" cy="4357706"/>
+            <a:ext cx="8072494" cy="4357706"/>
           </a:xfrm>
           <a:noFill/>
         </p:spPr>
@@ -2555,8 +4654,11 @@
                   </a:schemeClr>
                 </a:solidFill>
               </a:rPr>
-              <a:t>Versuch Genre Klassifizierung</a:t>
-            </a:r>
+              <a:t>Visualisierung – Clustering </a:t>
+            </a:r>
+          </a:p>
+          <a:p>
+            <a:pPr eaLnBrk="1" hangingPunct="1"/>
             <a:endParaRPr lang="de-AT" dirty="0" smtClean="0">
               <a:solidFill>
                 <a:schemeClr val="bg2">
@@ -2566,7 +4668,7 @@
             </a:endParaRPr>
           </a:p>
           <a:p>
-            <a:pPr lvl="1" eaLnBrk="1" hangingPunct="1"/>
+            <a:pPr eaLnBrk="1" hangingPunct="1"/>
             <a:r>
               <a:rPr lang="de-AT" dirty="0" smtClean="0">
                 <a:solidFill>
@@ -2575,18 +4677,30 @@
                   </a:schemeClr>
                 </a:solidFill>
               </a:rPr>
-              <a:t>Klassifikation der Labels des Genre&lt;&gt;Artist </a:t>
-            </a:r>
-            <a:r>
-              <a:rPr lang="de-AT" dirty="0" err="1" smtClean="0">
-                <a:solidFill>
-                  <a:schemeClr val="bg2">
-                    <a:lumMod val="75000"/>
-                  </a:schemeClr>
-                </a:solidFill>
-              </a:rPr>
-              <a:t>Mappings</a:t>
-            </a:r>
+              <a:t>Jung-basiertes Visualisierungstool zur Darstellung von Ähnlichkeitsclustern</a:t>
+            </a:r>
+          </a:p>
+          <a:p>
+            <a:pPr eaLnBrk="1" hangingPunct="1"/>
+            <a:r>
+              <a:rPr lang="de-AT" b="1" dirty="0" smtClean="0">
+                <a:solidFill>
+                  <a:schemeClr val="bg2">
+                    <a:lumMod val="75000"/>
+                  </a:schemeClr>
+                </a:solidFill>
+              </a:rPr>
+              <a:t>Achtung </a:t>
+            </a:r>
+            <a:br>
+              <a:rPr lang="de-AT" b="1" dirty="0" smtClean="0">
+                <a:solidFill>
+                  <a:schemeClr val="bg2">
+                    <a:lumMod val="75000"/>
+                  </a:schemeClr>
+                </a:solidFill>
+              </a:rPr>
+            </a:br>
             <a:r>
               <a:rPr lang="de-AT" dirty="0" smtClean="0">
                 <a:solidFill>
@@ -2595,7 +4709,7 @@
                   </a:schemeClr>
                 </a:solidFill>
               </a:rPr>
-              <a:t> </a:t>
+              <a:t>ClusterAbstand und </a:t>
             </a:r>
             <a:br>
               <a:rPr lang="de-AT" dirty="0" smtClean="0">
@@ -2606,28 +4720,6 @@
                 </a:solidFill>
               </a:rPr>
             </a:br>
-            <a:endParaRPr lang="de-AT" dirty="0" smtClean="0">
-              <a:solidFill>
-                <a:schemeClr val="bg2">
-                  <a:lumMod val="75000"/>
-                </a:schemeClr>
-              </a:solidFill>
-            </a:endParaRPr>
-          </a:p>
-          <a:p>
-            <a:pPr lvl="1" eaLnBrk="1" hangingPunct="1"/>
-            <a:endParaRPr lang="de-AT" sz="1400" dirty="0" smtClean="0">
-              <a:solidFill>
-                <a:schemeClr val="bg2">
-                  <a:lumMod val="75000"/>
-                </a:schemeClr>
-              </a:solidFill>
-              <a:latin typeface="Arial" pitchFamily="34" charset="0"/>
-              <a:cs typeface="Arial" pitchFamily="34" charset="0"/>
-            </a:endParaRPr>
-          </a:p>
-          <a:p>
-            <a:pPr lvl="1" eaLnBrk="1" hangingPunct="1"/>
             <a:r>
               <a:rPr lang="de-AT" dirty="0" smtClean="0">
                 <a:solidFill>
@@ -2636,37 +4728,7 @@
                   </a:schemeClr>
                 </a:solidFill>
               </a:rPr>
-              <a:t>Gute Resultate </a:t>
-            </a:r>
-            <a:r>
-              <a:rPr lang="de-AT" dirty="0" smtClean="0">
-                <a:solidFill>
-                  <a:schemeClr val="bg2">
-                    <a:lumMod val="75000"/>
-                  </a:schemeClr>
-                </a:solidFill>
-              </a:rPr>
-              <a:t>bei Default Einstellungen</a:t>
-            </a:r>
-            <a:r>
-              <a:rPr lang="de-AT" dirty="0">
-                <a:solidFill>
-                  <a:schemeClr val="bg2">
-                    <a:lumMod val="75000"/>
-                  </a:schemeClr>
-                </a:solidFill>
-              </a:rPr>
-              <a:t> </a:t>
-            </a:r>
-            <a:r>
-              <a:rPr lang="de-AT" dirty="0" smtClean="0">
-                <a:solidFill>
-                  <a:schemeClr val="bg2">
-                    <a:lumMod val="75000"/>
-                  </a:schemeClr>
-                </a:solidFill>
-              </a:rPr>
-              <a:t>, 10-fold CV</a:t>
+              <a:t>Kantenlänge haben keine </a:t>
             </a:r>
             <a:br>
               <a:rPr lang="de-AT" dirty="0" smtClean="0">
@@ -2678,76 +4740,6 @@
               </a:rPr>
             </a:br>
             <a:r>
-              <a:rPr lang="de-AT" b="1" dirty="0" err="1" smtClean="0">
-                <a:solidFill>
-                  <a:schemeClr val="bg2">
-                    <a:lumMod val="75000"/>
-                  </a:schemeClr>
-                </a:solidFill>
-              </a:rPr>
-              <a:t>Lazy</a:t>
-            </a:r>
-            <a:r>
-              <a:rPr lang="de-AT" b="1" dirty="0" smtClean="0">
-                <a:solidFill>
-                  <a:schemeClr val="bg2">
-                    <a:lumMod val="75000"/>
-                  </a:schemeClr>
-                </a:solidFill>
-              </a:rPr>
-              <a:t> </a:t>
-            </a:r>
-            <a:r>
-              <a:rPr lang="de-AT" b="1" dirty="0" err="1" smtClean="0">
-                <a:solidFill>
-                  <a:schemeClr val="bg2">
-                    <a:lumMod val="75000"/>
-                  </a:schemeClr>
-                </a:solidFill>
-              </a:rPr>
-              <a:t>Ibk</a:t>
-            </a:r>
-            <a:r>
-              <a:rPr lang="de-AT" b="1" dirty="0" smtClean="0">
-                <a:solidFill>
-                  <a:schemeClr val="bg2">
-                    <a:lumMod val="75000"/>
-                  </a:schemeClr>
-                </a:solidFill>
-              </a:rPr>
-              <a:t> (KNN </a:t>
-            </a:r>
-            <a:r>
-              <a:rPr lang="de-AT" b="1" dirty="0" err="1" smtClean="0">
-                <a:solidFill>
-                  <a:schemeClr val="bg2">
-                    <a:lumMod val="75000"/>
-                  </a:schemeClr>
-                </a:solidFill>
-              </a:rPr>
-              <a:t>Klassifier</a:t>
-            </a:r>
-            <a:r>
-              <a:rPr lang="de-AT" b="1" dirty="0">
-                <a:solidFill>
-                  <a:schemeClr val="bg2">
-                    <a:lumMod val="75000"/>
-                  </a:schemeClr>
-                </a:solidFill>
-              </a:rPr>
-              <a:t>)  - </a:t>
-            </a:r>
-            <a:r>
-              <a:rPr lang="de-AT" b="1" dirty="0" smtClean="0">
-                <a:solidFill>
-                  <a:schemeClr val="bg2">
-                    <a:lumMod val="75000"/>
-                  </a:schemeClr>
-                </a:solidFill>
-              </a:rPr>
-              <a:t>95 % </a:t>
-            </a:r>
-            <a:r>
               <a:rPr lang="de-AT" dirty="0" smtClean="0">
                 <a:solidFill>
                   <a:schemeClr val="bg2">
@@ -2755,37 +4747,7 @@
                   </a:schemeClr>
                 </a:solidFill>
               </a:rPr>
-              <a:t>, Naive </a:t>
-            </a:r>
-            <a:r>
-              <a:rPr lang="de-AT" dirty="0" err="1" smtClean="0">
-                <a:solidFill>
-                  <a:schemeClr val="bg2">
-                    <a:lumMod val="75000"/>
-                  </a:schemeClr>
-                </a:solidFill>
-              </a:rPr>
-              <a:t>Bayes</a:t>
-            </a:r>
-            <a:r>
-              <a:rPr lang="de-AT" dirty="0">
-                <a:solidFill>
-                  <a:schemeClr val="bg2">
-                    <a:lumMod val="75000"/>
-                  </a:schemeClr>
-                </a:solidFill>
-              </a:rPr>
-              <a:t> - </a:t>
-            </a:r>
-            <a:r>
-              <a:rPr lang="de-AT" dirty="0" smtClean="0">
-                <a:solidFill>
-                  <a:schemeClr val="bg2">
-                    <a:lumMod val="75000"/>
-                  </a:schemeClr>
-                </a:solidFill>
-              </a:rPr>
-              <a:t>89%</a:t>
+              <a:t>Bedeutung </a:t>
             </a:r>
             <a:br>
               <a:rPr lang="de-AT" dirty="0" smtClean="0">
@@ -2797,17 +4759,117 @@
               </a:rPr>
             </a:br>
             <a:r>
-              <a:rPr lang="de-AT" b="1" dirty="0" err="1" smtClean="0">
-                <a:solidFill>
-                  <a:schemeClr val="bg2">
-                    <a:lumMod val="75000"/>
-                  </a:schemeClr>
-                </a:solidFill>
-              </a:rPr>
-              <a:t>Baseline</a:t>
-            </a:r>
-            <a:r>
-              <a:rPr lang="de-AT" b="1" dirty="0" smtClean="0">
+              <a:rPr lang="de-AT" dirty="0" smtClean="0">
+                <a:solidFill>
+                  <a:schemeClr val="bg2">
+                    <a:lumMod val="75000"/>
+                  </a:schemeClr>
+                </a:solidFill>
+              </a:rPr>
+              <a:t>(Einschränkung nicht </a:t>
+            </a:r>
+            <a:br>
+              <a:rPr lang="de-AT" dirty="0" smtClean="0">
+                <a:solidFill>
+                  <a:schemeClr val="bg2">
+                    <a:lumMod val="75000"/>
+                  </a:schemeClr>
+                </a:solidFill>
+              </a:rPr>
+            </a:br>
+            <a:r>
+              <a:rPr lang="de-AT" dirty="0" smtClean="0">
+                <a:solidFill>
+                  <a:schemeClr val="bg2">
+                    <a:lumMod val="75000"/>
+                  </a:schemeClr>
+                </a:solidFill>
+              </a:rPr>
+              <a:t>sehr elaboriert)</a:t>
+            </a:r>
+          </a:p>
+          <a:p>
+            <a:pPr eaLnBrk="1" hangingPunct="1"/>
+            <a:r>
+              <a:rPr lang="de-AT" dirty="0" err="1" smtClean="0">
+                <a:solidFill>
+                  <a:schemeClr val="bg2">
+                    <a:lumMod val="75000"/>
+                  </a:schemeClr>
+                </a:solidFill>
+              </a:rPr>
+              <a:t>Slider</a:t>
+            </a:r>
+            <a:r>
+              <a:rPr lang="de-AT" dirty="0" smtClean="0">
+                <a:solidFill>
+                  <a:schemeClr val="bg2">
+                    <a:lumMod val="75000"/>
+                  </a:schemeClr>
+                </a:solidFill>
+              </a:rPr>
+              <a:t> für die Wahl </a:t>
+            </a:r>
+            <a:br>
+              <a:rPr lang="de-AT" dirty="0" smtClean="0">
+                <a:solidFill>
+                  <a:schemeClr val="bg2">
+                    <a:lumMod val="75000"/>
+                  </a:schemeClr>
+                </a:solidFill>
+              </a:rPr>
+            </a:br>
+            <a:r>
+              <a:rPr lang="de-AT" dirty="0" smtClean="0">
+                <a:solidFill>
+                  <a:schemeClr val="bg2">
+                    <a:lumMod val="75000"/>
+                  </a:schemeClr>
+                </a:solidFill>
+              </a:rPr>
+              <a:t>des </a:t>
+            </a:r>
+            <a:r>
+              <a:rPr lang="de-AT" dirty="0" err="1" smtClean="0">
+                <a:solidFill>
+                  <a:schemeClr val="bg2">
+                    <a:lumMod val="75000"/>
+                  </a:schemeClr>
+                </a:solidFill>
+              </a:rPr>
+              <a:t>Similarity</a:t>
+            </a:r>
+            <a:r>
+              <a:rPr lang="de-AT" dirty="0" smtClean="0">
+                <a:solidFill>
+                  <a:schemeClr val="bg2">
+                    <a:lumMod val="75000"/>
+                  </a:schemeClr>
+                </a:solidFill>
+              </a:rPr>
+              <a:t>-</a:t>
+            </a:r>
+            <a:br>
+              <a:rPr lang="de-AT" dirty="0" smtClean="0">
+                <a:solidFill>
+                  <a:schemeClr val="bg2">
+                    <a:lumMod val="75000"/>
+                  </a:schemeClr>
+                </a:solidFill>
+              </a:rPr>
+            </a:br>
+            <a:r>
+              <a:rPr lang="de-AT" dirty="0" err="1" smtClean="0">
+                <a:solidFill>
+                  <a:schemeClr val="bg2">
+                    <a:lumMod val="75000"/>
+                  </a:schemeClr>
+                </a:solidFill>
+              </a:rPr>
+              <a:t>Thresholds</a:t>
+            </a:r>
+            <a:r>
+              <a:rPr lang="de-AT" dirty="0" smtClean="0">
                 <a:solidFill>
                   <a:schemeClr val="bg2">
                     <a:lumMod val="75000"/>
@@ -2817,147 +4879,15 @@
               <a:t> </a:t>
             </a:r>
             <a:r>
-              <a:rPr lang="de-AT" b="1" dirty="0" err="1" smtClean="0">
-                <a:solidFill>
-                  <a:schemeClr val="bg2">
-                    <a:lumMod val="75000"/>
-                  </a:schemeClr>
-                </a:solidFill>
-              </a:rPr>
-              <a:t>ZeroR</a:t>
-            </a:r>
-            <a:r>
-              <a:rPr lang="de-AT" b="1" dirty="0" smtClean="0">
-                <a:solidFill>
-                  <a:schemeClr val="bg2">
-                    <a:lumMod val="75000"/>
-                  </a:schemeClr>
-                </a:solidFill>
-              </a:rPr>
-              <a:t>, 4,5%</a:t>
-            </a:r>
-          </a:p>
-          <a:p>
-            <a:pPr lvl="1" eaLnBrk="1" hangingPunct="1"/>
-            <a:endParaRPr lang="de-AT" b="1" dirty="0" smtClean="0">
-              <a:solidFill>
-                <a:schemeClr val="bg2">
-                  <a:lumMod val="75000"/>
-                </a:schemeClr>
-              </a:solidFill>
-            </a:endParaRPr>
-          </a:p>
-          <a:p>
-            <a:pPr lvl="1" eaLnBrk="1" hangingPunct="1"/>
-            <a:r>
-              <a:rPr lang="de-AT" sz="1400" b="1" dirty="0" smtClean="0">
-                <a:solidFill>
-                  <a:schemeClr val="bg2">
-                    <a:lumMod val="75000"/>
-                  </a:schemeClr>
-                </a:solidFill>
-                <a:latin typeface="Arial" pitchFamily="34" charset="0"/>
-                <a:cs typeface="Arial" pitchFamily="34" charset="0"/>
-              </a:rPr>
-              <a:t>Aber: </a:t>
-            </a:r>
-            <a:r>
-              <a:rPr lang="de-AT" sz="1400" dirty="0" smtClean="0">
-                <a:solidFill>
-                  <a:schemeClr val="bg2">
-                    <a:lumMod val="75000"/>
-                  </a:schemeClr>
-                </a:solidFill>
-                <a:latin typeface="Arial" pitchFamily="34" charset="0"/>
-                <a:cs typeface="Arial" pitchFamily="34" charset="0"/>
-              </a:rPr>
-              <a:t>Unabhängigkeit der Features&lt;&gt; </a:t>
-            </a:r>
-            <a:r>
-              <a:rPr lang="de-AT" sz="1400" dirty="0" err="1" smtClean="0">
-                <a:solidFill>
-                  <a:schemeClr val="bg2">
-                    <a:lumMod val="75000"/>
-                  </a:schemeClr>
-                </a:solidFill>
-                <a:latin typeface="Arial" pitchFamily="34" charset="0"/>
-                <a:cs typeface="Arial" pitchFamily="34" charset="0"/>
-              </a:rPr>
-              <a:t>Instances</a:t>
-            </a:r>
-            <a:r>
-              <a:rPr lang="de-AT" sz="1400" dirty="0" smtClean="0">
-                <a:solidFill>
-                  <a:schemeClr val="bg2">
-                    <a:lumMod val="75000"/>
-                  </a:schemeClr>
-                </a:solidFill>
-                <a:latin typeface="Arial" pitchFamily="34" charset="0"/>
-                <a:cs typeface="Arial" pitchFamily="34" charset="0"/>
-              </a:rPr>
-              <a:t> nicht gegeben. Jeder Artist ist ultimativ unterscheidbar durch eine Dimension (1.0) </a:t>
-            </a:r>
-            <a:r>
-              <a:rPr lang="de-AT" sz="1400" dirty="0" smtClean="0">
-                <a:solidFill>
-                  <a:schemeClr val="bg2">
-                    <a:lumMod val="75000"/>
-                  </a:schemeClr>
-                </a:solidFill>
-                <a:latin typeface="Arial" pitchFamily="34" charset="0"/>
-                <a:cs typeface="Arial" pitchFamily="34" charset="0"/>
-                <a:sym typeface="Wingdings" pitchFamily="2" charset="2"/>
-              </a:rPr>
-              <a:t> </a:t>
-            </a:r>
-            <a:r>
-              <a:rPr lang="de-AT" sz="1400" dirty="0" err="1" smtClean="0">
-                <a:solidFill>
-                  <a:schemeClr val="bg2">
-                    <a:lumMod val="75000"/>
-                  </a:schemeClr>
-                </a:solidFill>
-                <a:latin typeface="Arial" pitchFamily="34" charset="0"/>
-                <a:cs typeface="Arial" pitchFamily="34" charset="0"/>
-                <a:sym typeface="Wingdings" pitchFamily="2" charset="2"/>
-              </a:rPr>
-              <a:t>Overfitting</a:t>
-            </a:r>
-            <a:r>
-              <a:rPr lang="de-AT" sz="1400" dirty="0" smtClean="0">
-                <a:solidFill>
-                  <a:schemeClr val="bg2">
-                    <a:lumMod val="75000"/>
-                  </a:schemeClr>
-                </a:solidFill>
-                <a:latin typeface="Arial" pitchFamily="34" charset="0"/>
-                <a:cs typeface="Arial" pitchFamily="34" charset="0"/>
-                <a:sym typeface="Wingdings" pitchFamily="2" charset="2"/>
+              <a:rPr lang="de-AT" dirty="0" smtClean="0">
+                <a:solidFill>
+                  <a:schemeClr val="bg2">
+                    <a:lumMod val="75000"/>
+                  </a:schemeClr>
+                </a:solidFill>
               </a:rPr>
               <a:t> </a:t>
             </a:r>
-            <a:endParaRPr lang="de-AT" sz="1400" dirty="0" smtClean="0">
-              <a:solidFill>
-                <a:schemeClr val="bg2">
-                  <a:lumMod val="75000"/>
-                </a:schemeClr>
-              </a:solidFill>
-              <a:latin typeface="Arial" pitchFamily="34" charset="0"/>
-              <a:cs typeface="Arial" pitchFamily="34" charset="0"/>
-            </a:endParaRPr>
-          </a:p>
-          <a:p>
-            <a:pPr lvl="1" eaLnBrk="1" hangingPunct="1"/>
-            <a:r>
-              <a:rPr lang="de-AT" dirty="0" err="1" smtClean="0">
-                <a:solidFill>
-                  <a:schemeClr val="bg2">
-                    <a:lumMod val="75000"/>
-                  </a:schemeClr>
-                </a:solidFill>
-              </a:rPr>
-              <a:t>Geplant:Nur</a:t>
-            </a:r>
             <a:r>
               <a:rPr lang="de-AT" dirty="0" smtClean="0">
                 <a:solidFill>
@@ -2966,17 +4896,7 @@
                   </a:schemeClr>
                 </a:solidFill>
               </a:rPr>
-              <a:t> Ähnlichkeiten der Top 10 </a:t>
-            </a:r>
-            <a:r>
-              <a:rPr lang="de-AT" dirty="0" err="1" smtClean="0">
-                <a:solidFill>
-                  <a:schemeClr val="bg2">
-                    <a:lumMod val="75000"/>
-                  </a:schemeClr>
-                </a:solidFill>
-              </a:rPr>
-              <a:t>Artists</a:t>
+              <a:t>[0.0-1.0</a:t>
             </a:r>
             <a:r>
               <a:rPr lang="de-AT" dirty="0" smtClean="0">
@@ -2986,74 +4906,26 @@
                   </a:schemeClr>
                 </a:solidFill>
               </a:rPr>
-              <a:t> eines Genres als Features, Alle überbleibenden </a:t>
-            </a:r>
-            <a:r>
-              <a:rPr lang="de-AT" dirty="0" err="1" smtClean="0">
-                <a:solidFill>
-                  <a:schemeClr val="bg2">
-                    <a:lumMod val="75000"/>
-                  </a:schemeClr>
-                </a:solidFill>
-              </a:rPr>
-              <a:t>Artists</a:t>
-            </a:r>
-            <a:r>
-              <a:rPr lang="de-AT" dirty="0" smtClean="0">
-                <a:solidFill>
-                  <a:schemeClr val="bg2">
-                    <a:lumMod val="75000"/>
-                  </a:schemeClr>
-                </a:solidFill>
-              </a:rPr>
-              <a:t> als </a:t>
-            </a:r>
-            <a:r>
-              <a:rPr lang="de-AT" dirty="0" err="1" smtClean="0">
-                <a:solidFill>
-                  <a:schemeClr val="bg2">
-                    <a:lumMod val="75000"/>
-                  </a:schemeClr>
-                </a:solidFill>
-              </a:rPr>
-              <a:t>Instances</a:t>
-            </a:r>
-            <a:r>
-              <a:rPr lang="de-AT" dirty="0" smtClean="0">
-                <a:solidFill>
-                  <a:schemeClr val="bg2">
-                    <a:lumMod val="75000"/>
-                  </a:schemeClr>
-                </a:solidFill>
-              </a:rPr>
-              <a:t> </a:t>
-            </a:r>
-          </a:p>
-          <a:p>
-            <a:pPr lvl="1" eaLnBrk="1" hangingPunct="1"/>
-            <a:endParaRPr lang="de-AT" sz="1400" dirty="0" smtClean="0">
-              <a:solidFill>
-                <a:schemeClr val="bg2">
-                  <a:lumMod val="75000"/>
-                </a:schemeClr>
-              </a:solidFill>
-              <a:latin typeface="Arial" pitchFamily="34" charset="0"/>
-              <a:cs typeface="Arial" pitchFamily="34" charset="0"/>
-            </a:endParaRPr>
+              <a:t>]                                                                                                                                                                                                                                                                                                                                                                                                                                                                                                                                                                                                                                                                                                                                                                                                                                                                                                                                                                                                                                                                                                                                                                                                                </a:t>
+            </a:r>
           </a:p>
           <a:p>
             <a:pPr eaLnBrk="1" hangingPunct="1">
-              <a:buNone/>
+              <a:buFont typeface="Wingdings" pitchFamily="2" charset="2"/>
+              <a:buChar char="§"/>
             </a:pPr>
-            <a:endParaRPr lang="de-AT" sz="1600" dirty="0" smtClean="0">
-              <a:solidFill>
-                <a:schemeClr val="bg2">
-                  <a:lumMod val="75000"/>
-                </a:schemeClr>
-              </a:solidFill>
-              <a:latin typeface="Arial" pitchFamily="34" charset="0"/>
-              <a:cs typeface="Arial" pitchFamily="34" charset="0"/>
-            </a:endParaRPr>
+            <a:r>
+              <a:rPr lang="de-AT" sz="1600" b="1" dirty="0" smtClean="0">
+                <a:solidFill>
+                  <a:schemeClr val="bg2">
+                    <a:lumMod val="75000"/>
+                  </a:schemeClr>
+                </a:solidFill>
+                <a:latin typeface="Arial" pitchFamily="34" charset="0"/>
+                <a:cs typeface="Arial" pitchFamily="34" charset="0"/>
+              </a:rPr>
+              <a:t>Demo</a:t>
+            </a:r>
           </a:p>
         </p:txBody>
       </p:sp>
@@ -3101,17 +4973,6 @@
               </a:rPr>
               <a:t>Ergebnisse</a:t>
             </a:r>
-            <a:r>
-              <a:rPr lang="en-US" sz="2400" dirty="0" smtClean="0">
-                <a:solidFill>
-                  <a:srgbClr val="9F9F9F"/>
-                </a:solidFill>
-                <a:latin typeface="Eurostile ExtendedTwo" pitchFamily="34" charset="0"/>
-                <a:ea typeface="+mj-ea"/>
-                <a:cs typeface="+mj-cs"/>
-              </a:rPr>
-              <a:t> – Work in progress</a:t>
-            </a:r>
             <a:endParaRPr lang="en-US" sz="2400" dirty="0">
               <a:solidFill>
                 <a:srgbClr val="9F9F9F"/>
@@ -3123,527 +4984,32 @@
           </a:p>
         </p:txBody>
       </p:sp>
-      <p:sp>
-        <p:nvSpPr>
-          <p:cNvPr id="5" name="Rechteck 4"/>
-          <p:cNvSpPr/>
+      <p:pic>
+        <p:nvPicPr>
+          <p:cNvPr id="2050" name="Picture 2" descr="C:\Dokumente und Einstellungen\Jakob.PERVASIVE\Desktop\vis.png"/>
+          <p:cNvPicPr>
+            <a:picLocks noChangeAspect="1" noChangeArrowheads="1"/>
+          </p:cNvPicPr>
           <p:nvPr/>
-        </p:nvSpPr>
-        <p:spPr>
+        </p:nvPicPr>
+        <p:blipFill>
+          <a:blip r:embed="rId3"/>
+          <a:srcRect/>
+          <a:stretch>
+            <a:fillRect/>
+          </a:stretch>
+        </p:blipFill>
+        <p:spPr bwMode="auto">
           <a:xfrm>
-            <a:off x="4429124" y="2143116"/>
-            <a:ext cx="4714908" cy="3822585"/>
+            <a:off x="4000496" y="2786058"/>
+            <a:ext cx="4943454" cy="3896956"/>
           </a:xfrm>
           <a:prstGeom prst="rect">
             <a:avLst/>
           </a:prstGeom>
+          <a:noFill/>
         </p:spPr>
-        <p:txBody>
-          <a:bodyPr wrap="square">
-            <a:spAutoFit/>
-          </a:bodyPr>
-          <a:lstStyle/>
-          <a:p>
-            <a:r>
-              <a:rPr lang="de-AT" sz="1200" b="1" dirty="0" err="1" smtClean="0">
-                <a:solidFill>
-                  <a:schemeClr val="tx1"/>
-                </a:solidFill>
-                <a:latin typeface="Courier New" pitchFamily="49" charset="0"/>
-                <a:cs typeface="Courier New" pitchFamily="49" charset="0"/>
-              </a:rPr>
-              <a:t>Lazy</a:t>
-            </a:r>
-            <a:r>
-              <a:rPr lang="de-AT" sz="1200" b="1" dirty="0" smtClean="0">
-                <a:solidFill>
-                  <a:schemeClr val="tx1"/>
-                </a:solidFill>
-                <a:latin typeface="Courier New" pitchFamily="49" charset="0"/>
-                <a:cs typeface="Courier New" pitchFamily="49" charset="0"/>
-              </a:rPr>
-              <a:t> </a:t>
-            </a:r>
-            <a:r>
-              <a:rPr lang="de-AT" sz="1200" b="1" dirty="0" err="1" smtClean="0">
-                <a:solidFill>
-                  <a:schemeClr val="tx1"/>
-                </a:solidFill>
-                <a:latin typeface="Courier New" pitchFamily="49" charset="0"/>
-                <a:cs typeface="Courier New" pitchFamily="49" charset="0"/>
-              </a:rPr>
-              <a:t>IBk</a:t>
-            </a:r>
-            <a:endParaRPr lang="de-DE" sz="1200" b="1" dirty="0" smtClean="0">
-              <a:solidFill>
-                <a:schemeClr val="tx1"/>
-              </a:solidFill>
-              <a:latin typeface="Courier New" pitchFamily="49" charset="0"/>
-              <a:cs typeface="Courier New" pitchFamily="49" charset="0"/>
-            </a:endParaRPr>
-          </a:p>
-          <a:p>
-            <a:r>
-              <a:rPr lang="de-DE" sz="1200" b="1" dirty="0" smtClean="0">
-                <a:solidFill>
-                  <a:schemeClr val="tx1"/>
-                </a:solidFill>
-                <a:latin typeface="Courier New" pitchFamily="49" charset="0"/>
-                <a:cs typeface="Courier New" pitchFamily="49" charset="0"/>
-              </a:rPr>
-              <a:t>TP Rate   FP Rate   Precision  Class</a:t>
-            </a:r>
-          </a:p>
-          <a:p>
-            <a:r>
-              <a:rPr lang="de-DE" sz="1200" b="1" dirty="0" smtClean="0">
-                <a:solidFill>
-                  <a:schemeClr val="tx1"/>
-                </a:solidFill>
-                <a:latin typeface="Courier New" pitchFamily="49" charset="0"/>
-                <a:cs typeface="Courier New" pitchFamily="49" charset="0"/>
-              </a:rPr>
-              <a:t>1         0          1         </a:t>
-            </a:r>
-            <a:r>
-              <a:rPr lang="de-DE" sz="1200" b="1" dirty="0" err="1" smtClean="0">
-                <a:solidFill>
-                  <a:schemeClr val="tx1"/>
-                </a:solidFill>
-                <a:latin typeface="Courier New" pitchFamily="49" charset="0"/>
-                <a:cs typeface="Courier New" pitchFamily="49" charset="0"/>
-              </a:rPr>
-              <a:t>reggae</a:t>
-            </a:r>
-            <a:endParaRPr lang="de-DE" sz="1200" b="1" dirty="0" smtClean="0">
-              <a:solidFill>
-                <a:schemeClr val="tx1"/>
-              </a:solidFill>
-              <a:latin typeface="Courier New" pitchFamily="49" charset="0"/>
-              <a:cs typeface="Courier New" pitchFamily="49" charset="0"/>
-            </a:endParaRPr>
-          </a:p>
-          <a:p>
-            <a:r>
-              <a:rPr lang="de-DE" sz="1200" b="1" dirty="0" smtClean="0">
-                <a:solidFill>
-                  <a:schemeClr val="tx1"/>
-                </a:solidFill>
-                <a:latin typeface="Courier New" pitchFamily="49" charset="0"/>
-                <a:cs typeface="Courier New" pitchFamily="49" charset="0"/>
-              </a:rPr>
-              <a:t>0.938     0          1         </a:t>
-            </a:r>
-            <a:r>
-              <a:rPr lang="de-DE" sz="1200" b="1" dirty="0" err="1" smtClean="0">
-                <a:solidFill>
-                  <a:schemeClr val="tx1"/>
-                </a:solidFill>
-                <a:latin typeface="Courier New" pitchFamily="49" charset="0"/>
-                <a:cs typeface="Courier New" pitchFamily="49" charset="0"/>
-              </a:rPr>
-              <a:t>alt.rockindie</a:t>
-            </a:r>
-            <a:endParaRPr lang="de-DE" sz="1200" b="1" dirty="0" smtClean="0">
-              <a:solidFill>
-                <a:schemeClr val="tx1"/>
-              </a:solidFill>
-              <a:latin typeface="Courier New" pitchFamily="49" charset="0"/>
-              <a:cs typeface="Courier New" pitchFamily="49" charset="0"/>
-            </a:endParaRPr>
-          </a:p>
-          <a:p>
-            <a:r>
-              <a:rPr lang="de-DE" sz="1200" b="1" dirty="0" smtClean="0">
-                <a:solidFill>
-                  <a:schemeClr val="tx1"/>
-                </a:solidFill>
-                <a:latin typeface="Courier New" pitchFamily="49" charset="0"/>
-                <a:cs typeface="Courier New" pitchFamily="49" charset="0"/>
-              </a:rPr>
-              <a:t>0.875     0.01       0.875     </a:t>
-            </a:r>
-            <a:r>
-              <a:rPr lang="de-DE" sz="1200" b="1" dirty="0" err="1" smtClean="0">
-                <a:solidFill>
-                  <a:schemeClr val="tx1"/>
-                </a:solidFill>
-                <a:latin typeface="Courier New" pitchFamily="49" charset="0"/>
-                <a:cs typeface="Courier New" pitchFamily="49" charset="0"/>
-              </a:rPr>
-              <a:t>folk</a:t>
-            </a:r>
-            <a:endParaRPr lang="de-DE" sz="1200" b="1" dirty="0" smtClean="0">
-              <a:solidFill>
-                <a:schemeClr val="tx1"/>
-              </a:solidFill>
-              <a:latin typeface="Courier New" pitchFamily="49" charset="0"/>
-              <a:cs typeface="Courier New" pitchFamily="49" charset="0"/>
-            </a:endParaRPr>
-          </a:p>
-          <a:p>
-            <a:r>
-              <a:rPr lang="de-DE" sz="1200" b="1" dirty="0" smtClean="0">
-                <a:solidFill>
-                  <a:schemeClr val="tx1"/>
-                </a:solidFill>
-                <a:latin typeface="Courier New" pitchFamily="49" charset="0"/>
-                <a:cs typeface="Courier New" pitchFamily="49" charset="0"/>
-              </a:rPr>
-              <a:t>1         0.005      0.941     jazz</a:t>
-            </a:r>
-          </a:p>
-          <a:p>
-            <a:r>
-              <a:rPr lang="de-DE" sz="1200" b="1" dirty="0" smtClean="0">
-                <a:solidFill>
-                  <a:schemeClr val="tx1"/>
-                </a:solidFill>
-                <a:latin typeface="Courier New" pitchFamily="49" charset="0"/>
-                <a:cs typeface="Courier New" pitchFamily="49" charset="0"/>
-              </a:rPr>
-              <a:t>1         0.01       0.889     </a:t>
-            </a:r>
-            <a:r>
-              <a:rPr lang="de-DE" sz="1200" b="1" dirty="0" err="1" smtClean="0">
-                <a:solidFill>
-                  <a:schemeClr val="tx1"/>
-                </a:solidFill>
-                <a:latin typeface="Courier New" pitchFamily="49" charset="0"/>
-                <a:cs typeface="Courier New" pitchFamily="49" charset="0"/>
-              </a:rPr>
-              <a:t>pop</a:t>
-            </a:r>
-            <a:endParaRPr lang="de-DE" sz="1200" b="1" dirty="0" smtClean="0">
-              <a:solidFill>
-                <a:schemeClr val="tx1"/>
-              </a:solidFill>
-              <a:latin typeface="Courier New" pitchFamily="49" charset="0"/>
-              <a:cs typeface="Courier New" pitchFamily="49" charset="0"/>
-            </a:endParaRPr>
-          </a:p>
-          <a:p>
-            <a:r>
-              <a:rPr lang="de-DE" sz="1200" b="1" dirty="0" smtClean="0">
-                <a:solidFill>
-                  <a:schemeClr val="tx1"/>
-                </a:solidFill>
-                <a:latin typeface="Courier New" pitchFamily="49" charset="0"/>
-                <a:cs typeface="Courier New" pitchFamily="49" charset="0"/>
-              </a:rPr>
-              <a:t>0.938     0          1         </a:t>
-            </a:r>
-            <a:r>
-              <a:rPr lang="de-DE" sz="1200" b="1" dirty="0" err="1" smtClean="0">
-                <a:solidFill>
-                  <a:schemeClr val="tx1"/>
-                </a:solidFill>
-                <a:latin typeface="Courier New" pitchFamily="49" charset="0"/>
-                <a:cs typeface="Courier New" pitchFamily="49" charset="0"/>
-              </a:rPr>
-              <a:t>punk</a:t>
-            </a:r>
-            <a:endParaRPr lang="de-DE" sz="1200" b="1" dirty="0" smtClean="0">
-              <a:solidFill>
-                <a:schemeClr val="tx1"/>
-              </a:solidFill>
-              <a:latin typeface="Courier New" pitchFamily="49" charset="0"/>
-              <a:cs typeface="Courier New" pitchFamily="49" charset="0"/>
-            </a:endParaRPr>
-          </a:p>
-          <a:p>
-            <a:r>
-              <a:rPr lang="de-DE" sz="1200" b="1" dirty="0" smtClean="0">
-                <a:solidFill>
-                  <a:schemeClr val="tx1"/>
-                </a:solidFill>
-                <a:latin typeface="Courier New" pitchFamily="49" charset="0"/>
-                <a:cs typeface="Courier New" pitchFamily="49" charset="0"/>
-              </a:rPr>
-              <a:t>1         0.005      0.941     </a:t>
-            </a:r>
-            <a:r>
-              <a:rPr lang="de-DE" sz="1200" b="1" dirty="0" err="1" smtClean="0">
-                <a:solidFill>
-                  <a:schemeClr val="tx1"/>
-                </a:solidFill>
-                <a:latin typeface="Courier New" pitchFamily="49" charset="0"/>
-                <a:cs typeface="Courier New" pitchFamily="49" charset="0"/>
-              </a:rPr>
-              <a:t>electronica</a:t>
-            </a:r>
-            <a:endParaRPr lang="de-DE" sz="1200" b="1" dirty="0" smtClean="0">
-              <a:solidFill>
-                <a:schemeClr val="tx1"/>
-              </a:solidFill>
-              <a:latin typeface="Courier New" pitchFamily="49" charset="0"/>
-              <a:cs typeface="Courier New" pitchFamily="49" charset="0"/>
-            </a:endParaRPr>
-          </a:p>
-          <a:p>
-            <a:r>
-              <a:rPr lang="de-DE" sz="1200" b="1" dirty="0" smtClean="0">
-                <a:solidFill>
-                  <a:schemeClr val="tx1"/>
-                </a:solidFill>
-                <a:latin typeface="Courier New" pitchFamily="49" charset="0"/>
-                <a:cs typeface="Courier New" pitchFamily="49" charset="0"/>
-              </a:rPr>
-              <a:t>0.875     0.005      0.933     </a:t>
-            </a:r>
-            <a:r>
-              <a:rPr lang="de-DE" sz="1200" b="1" dirty="0" err="1" smtClean="0">
-                <a:solidFill>
-                  <a:schemeClr val="tx1"/>
-                </a:solidFill>
-                <a:latin typeface="Courier New" pitchFamily="49" charset="0"/>
-                <a:cs typeface="Courier New" pitchFamily="49" charset="0"/>
-              </a:rPr>
-              <a:t>country</a:t>
-            </a:r>
-            <a:endParaRPr lang="de-DE" sz="1200" b="1" dirty="0" smtClean="0">
-              <a:solidFill>
-                <a:schemeClr val="tx1"/>
-              </a:solidFill>
-              <a:latin typeface="Courier New" pitchFamily="49" charset="0"/>
-              <a:cs typeface="Courier New" pitchFamily="49" charset="0"/>
-            </a:endParaRPr>
-          </a:p>
-          <a:p>
-            <a:r>
-              <a:rPr lang="de-DE" sz="1200" b="1" dirty="0" smtClean="0">
-                <a:solidFill>
-                  <a:schemeClr val="tx1"/>
-                </a:solidFill>
-                <a:latin typeface="Courier New" pitchFamily="49" charset="0"/>
-                <a:cs typeface="Courier New" pitchFamily="49" charset="0"/>
-              </a:rPr>
-              <a:t>1         0          1         </a:t>
-            </a:r>
-            <a:r>
-              <a:rPr lang="de-DE" sz="1200" b="1" dirty="0" err="1" smtClean="0">
-                <a:solidFill>
-                  <a:schemeClr val="tx1"/>
-                </a:solidFill>
-                <a:latin typeface="Courier New" pitchFamily="49" charset="0"/>
-                <a:cs typeface="Courier New" pitchFamily="49" charset="0"/>
-              </a:rPr>
-              <a:t>classical</a:t>
-            </a:r>
-            <a:endParaRPr lang="de-DE" sz="1200" b="1" dirty="0" smtClean="0">
-              <a:solidFill>
-                <a:schemeClr val="tx1"/>
-              </a:solidFill>
-              <a:latin typeface="Courier New" pitchFamily="49" charset="0"/>
-              <a:cs typeface="Courier New" pitchFamily="49" charset="0"/>
-            </a:endParaRPr>
-          </a:p>
-          <a:p>
-            <a:r>
-              <a:rPr lang="de-DE" sz="1200" b="1" dirty="0" smtClean="0">
-                <a:solidFill>
-                  <a:schemeClr val="tx1"/>
-                </a:solidFill>
-                <a:latin typeface="Courier New" pitchFamily="49" charset="0"/>
-                <a:cs typeface="Courier New" pitchFamily="49" charset="0"/>
-              </a:rPr>
-              <a:t>1         0          1         </a:t>
-            </a:r>
-            <a:r>
-              <a:rPr lang="de-DE" sz="1200" b="1" dirty="0" err="1" smtClean="0">
-                <a:solidFill>
-                  <a:schemeClr val="tx1"/>
-                </a:solidFill>
-                <a:latin typeface="Courier New" pitchFamily="49" charset="0"/>
-                <a:cs typeface="Courier New" pitchFamily="49" charset="0"/>
-              </a:rPr>
-              <a:t>heavymetalhardrock</a:t>
-            </a:r>
-            <a:endParaRPr lang="de-DE" sz="1200" b="1" dirty="0" smtClean="0">
-              <a:solidFill>
-                <a:schemeClr val="tx1"/>
-              </a:solidFill>
-              <a:latin typeface="Courier New" pitchFamily="49" charset="0"/>
-              <a:cs typeface="Courier New" pitchFamily="49" charset="0"/>
-            </a:endParaRPr>
-          </a:p>
-          <a:p>
-            <a:r>
-              <a:rPr lang="de-DE" sz="1200" b="1" dirty="0" smtClean="0">
-                <a:solidFill>
-                  <a:schemeClr val="tx1"/>
-                </a:solidFill>
-                <a:latin typeface="Courier New" pitchFamily="49" charset="0"/>
-                <a:cs typeface="Courier New" pitchFamily="49" charset="0"/>
-              </a:rPr>
-              <a:t>0.938     0.005      0.938     </a:t>
-            </a:r>
-            <a:r>
-              <a:rPr lang="de-DE" sz="1200" b="1" dirty="0" err="1" smtClean="0">
-                <a:solidFill>
-                  <a:schemeClr val="tx1"/>
-                </a:solidFill>
-                <a:latin typeface="Courier New" pitchFamily="49" charset="0"/>
-                <a:cs typeface="Courier New" pitchFamily="49" charset="0"/>
-              </a:rPr>
-              <a:t>rocknroll</a:t>
-            </a:r>
-            <a:endParaRPr lang="de-DE" sz="1200" b="1" dirty="0" smtClean="0">
-              <a:solidFill>
-                <a:schemeClr val="tx1"/>
-              </a:solidFill>
-              <a:latin typeface="Courier New" pitchFamily="49" charset="0"/>
-              <a:cs typeface="Courier New" pitchFamily="49" charset="0"/>
-            </a:endParaRPr>
-          </a:p>
-          <a:p>
-            <a:r>
-              <a:rPr lang="de-DE" sz="1200" b="1" dirty="0" smtClean="0">
-                <a:solidFill>
-                  <a:schemeClr val="tx1"/>
-                </a:solidFill>
-                <a:latin typeface="Courier New" pitchFamily="49" charset="0"/>
-                <a:cs typeface="Courier New" pitchFamily="49" charset="0"/>
-              </a:rPr>
-              <a:t>0.938     0.005      0.938     </a:t>
-            </a:r>
-            <a:r>
-              <a:rPr lang="de-DE" sz="1200" b="1" dirty="0" err="1" smtClean="0">
-                <a:solidFill>
-                  <a:schemeClr val="tx1"/>
-                </a:solidFill>
-                <a:latin typeface="Courier New" pitchFamily="49" charset="0"/>
-                <a:cs typeface="Courier New" pitchFamily="49" charset="0"/>
-              </a:rPr>
-              <a:t>rnbsoul</a:t>
-            </a:r>
-            <a:endParaRPr lang="de-DE" sz="1200" b="1" dirty="0" smtClean="0">
-              <a:solidFill>
-                <a:schemeClr val="tx1"/>
-              </a:solidFill>
-              <a:latin typeface="Courier New" pitchFamily="49" charset="0"/>
-              <a:cs typeface="Courier New" pitchFamily="49" charset="0"/>
-            </a:endParaRPr>
-          </a:p>
-          <a:p>
-            <a:r>
-              <a:rPr lang="de-DE" sz="1200" b="1" dirty="0" smtClean="0">
-                <a:solidFill>
-                  <a:schemeClr val="tx1"/>
-                </a:solidFill>
-                <a:latin typeface="Courier New" pitchFamily="49" charset="0"/>
-                <a:cs typeface="Courier New" pitchFamily="49" charset="0"/>
-              </a:rPr>
-              <a:t>1         0          1         </a:t>
-            </a:r>
-            <a:r>
-              <a:rPr lang="de-DE" sz="1200" b="1" dirty="0" err="1" smtClean="0">
-                <a:solidFill>
-                  <a:schemeClr val="tx1"/>
-                </a:solidFill>
-                <a:latin typeface="Courier New" pitchFamily="49" charset="0"/>
-                <a:cs typeface="Courier New" pitchFamily="49" charset="0"/>
-              </a:rPr>
-              <a:t>raphiphop</a:t>
-            </a:r>
-            <a:endParaRPr lang="de-DE" sz="1200" b="1" dirty="0" smtClean="0">
-              <a:solidFill>
-                <a:schemeClr val="tx1"/>
-              </a:solidFill>
-              <a:latin typeface="Courier New" pitchFamily="49" charset="0"/>
-              <a:cs typeface="Courier New" pitchFamily="49" charset="0"/>
-            </a:endParaRPr>
-          </a:p>
-          <a:p>
-            <a:r>
-              <a:rPr lang="de-DE" sz="1200" b="1" dirty="0" smtClean="0">
-                <a:solidFill>
-                  <a:schemeClr val="tx1"/>
-                </a:solidFill>
-                <a:latin typeface="Courier New" pitchFamily="49" charset="0"/>
-                <a:cs typeface="Courier New" pitchFamily="49" charset="0"/>
-              </a:rPr>
-              <a:t>0.938     0          1         </a:t>
-            </a:r>
-            <a:r>
-              <a:rPr lang="de-DE" sz="1200" b="1" dirty="0" err="1" smtClean="0">
-                <a:solidFill>
-                  <a:schemeClr val="tx1"/>
-                </a:solidFill>
-                <a:latin typeface="Courier New" pitchFamily="49" charset="0"/>
-                <a:cs typeface="Courier New" pitchFamily="49" charset="0"/>
-              </a:rPr>
-              <a:t>blues</a:t>
-            </a:r>
-            <a:endParaRPr lang="de-DE" sz="1200" b="1" dirty="0" smtClean="0">
-              <a:solidFill>
-                <a:schemeClr val="tx1"/>
-              </a:solidFill>
-              <a:latin typeface="Courier New" pitchFamily="49" charset="0"/>
-              <a:cs typeface="Courier New" pitchFamily="49" charset="0"/>
-            </a:endParaRPr>
-          </a:p>
-          <a:p>
-            <a:r>
-              <a:rPr lang="de-DE" sz="1200" b="1" dirty="0" smtClean="0">
-                <a:solidFill>
-                  <a:schemeClr val="tx1"/>
-                </a:solidFill>
-                <a:latin typeface="Courier New" pitchFamily="49" charset="0"/>
-                <a:cs typeface="Courier New" pitchFamily="49" charset="0"/>
-              </a:rPr>
-              <a:t>0.96      0.003      0.961    (</a:t>
-            </a:r>
-            <a:r>
-              <a:rPr lang="de-DE" sz="1200" b="1" dirty="0" err="1" smtClean="0">
-                <a:solidFill>
-                  <a:schemeClr val="tx1"/>
-                </a:solidFill>
-                <a:latin typeface="Courier New" pitchFamily="49" charset="0"/>
-                <a:cs typeface="Courier New" pitchFamily="49" charset="0"/>
-              </a:rPr>
-              <a:t>Weighted</a:t>
-            </a:r>
-            <a:r>
-              <a:rPr lang="de-DE" sz="1200" b="1" dirty="0" smtClean="0">
-                <a:solidFill>
-                  <a:schemeClr val="tx1"/>
-                </a:solidFill>
-                <a:latin typeface="Courier New" pitchFamily="49" charset="0"/>
-                <a:cs typeface="Courier New" pitchFamily="49" charset="0"/>
-              </a:rPr>
-              <a:t> </a:t>
-            </a:r>
-            <a:r>
-              <a:rPr lang="de-DE" sz="1200" b="1" dirty="0" err="1" smtClean="0">
-                <a:solidFill>
-                  <a:schemeClr val="tx1"/>
-                </a:solidFill>
-                <a:latin typeface="Courier New" pitchFamily="49" charset="0"/>
-                <a:cs typeface="Courier New" pitchFamily="49" charset="0"/>
-              </a:rPr>
-              <a:t>Avg</a:t>
-            </a:r>
-            <a:r>
-              <a:rPr lang="de-DE" sz="1200" b="1" dirty="0" smtClean="0">
-                <a:solidFill>
-                  <a:schemeClr val="tx1"/>
-                </a:solidFill>
-                <a:latin typeface="Courier New" pitchFamily="49" charset="0"/>
-                <a:cs typeface="Courier New" pitchFamily="49" charset="0"/>
-              </a:rPr>
-              <a:t>)</a:t>
-            </a:r>
-            <a:endParaRPr lang="de-DE" sz="1200" b="1" dirty="0">
-              <a:solidFill>
-                <a:schemeClr val="tx1"/>
-              </a:solidFill>
-              <a:latin typeface="Courier New" pitchFamily="49" charset="0"/>
-              <a:cs typeface="Courier New" pitchFamily="49" charset="0"/>
-            </a:endParaRPr>
-          </a:p>
-        </p:txBody>
-      </p:sp>
+      </p:pic>
     </p:spTree>
   </p:cSld>
   <p:clrMapOvr>
@@ -3689,7 +5055,7 @@
         <p:spPr>
           <a:xfrm>
             <a:off x="571472" y="1795451"/>
-            <a:ext cx="8072494" cy="4357706"/>
+            <a:ext cx="3857652" cy="4357706"/>
           </a:xfrm>
           <a:noFill/>
         </p:spPr>
@@ -3701,83 +5067,14 @@
               <a:buNone/>
             </a:pPr>
             <a:r>
-              <a:rPr lang="de-AT" sz="1600" b="1" dirty="0" smtClean="0">
-                <a:solidFill>
-                  <a:schemeClr val="bg2">
-                    <a:lumMod val="75000"/>
-                  </a:schemeClr>
-                </a:solidFill>
-                <a:latin typeface="Arial" pitchFamily="34" charset="0"/>
-                <a:cs typeface="Arial" pitchFamily="34" charset="0"/>
-              </a:rPr>
-              <a:t>Versuch Genre Clustering </a:t>
-            </a:r>
-          </a:p>
-          <a:p>
-            <a:pPr eaLnBrk="1" hangingPunct="1"/>
-            <a:r>
-              <a:rPr lang="de-AT" sz="1600" dirty="0" smtClean="0">
-                <a:solidFill>
-                  <a:schemeClr val="bg2">
-                    <a:lumMod val="75000"/>
-                  </a:schemeClr>
-                </a:solidFill>
-              </a:rPr>
-              <a:t>14 </a:t>
-            </a:r>
-            <a:r>
-              <a:rPr lang="de-AT" dirty="0" smtClean="0">
-                <a:solidFill>
-                  <a:schemeClr val="bg2">
-                    <a:lumMod val="75000"/>
-                  </a:schemeClr>
-                </a:solidFill>
-              </a:rPr>
-              <a:t>Genres </a:t>
-            </a:r>
-            <a:r>
-              <a:rPr lang="de-AT" dirty="0" smtClean="0">
-                <a:solidFill>
-                  <a:schemeClr val="bg2">
-                    <a:lumMod val="75000"/>
-                  </a:schemeClr>
-                </a:solidFill>
-                <a:sym typeface="Wingdings" pitchFamily="2" charset="2"/>
-              </a:rPr>
-              <a:t> </a:t>
-            </a:r>
-            <a:r>
-              <a:rPr lang="de-AT" dirty="0" err="1" smtClean="0">
-                <a:solidFill>
-                  <a:schemeClr val="bg2">
-                    <a:lumMod val="75000"/>
-                  </a:schemeClr>
-                </a:solidFill>
-                <a:sym typeface="Wingdings" pitchFamily="2" charset="2"/>
-              </a:rPr>
-              <a:t>kMeans</a:t>
-            </a:r>
-            <a:r>
-              <a:rPr lang="de-AT" dirty="0" smtClean="0">
-                <a:solidFill>
-                  <a:schemeClr val="bg2">
-                    <a:lumMod val="75000"/>
-                  </a:schemeClr>
-                </a:solidFill>
-                <a:sym typeface="Wingdings" pitchFamily="2" charset="2"/>
-              </a:rPr>
-              <a:t> Clustering mit </a:t>
-            </a:r>
-            <a:r>
-              <a:rPr lang="de-AT" dirty="0" smtClean="0">
-                <a:solidFill>
-                  <a:schemeClr val="bg2">
-                    <a:lumMod val="75000"/>
-                  </a:schemeClr>
-                </a:solidFill>
-                <a:sym typeface="Wingdings" pitchFamily="2" charset="2"/>
-              </a:rPr>
-              <a:t>14 Cluster?!</a:t>
+              <a:rPr lang="de-AT" b="1" dirty="0" smtClean="0">
+                <a:solidFill>
+                  <a:schemeClr val="bg2">
+                    <a:lumMod val="75000"/>
+                  </a:schemeClr>
+                </a:solidFill>
+              </a:rPr>
+              <a:t>Versuch Genre Klassifizierung</a:t>
             </a:r>
             <a:endParaRPr lang="de-AT" dirty="0" smtClean="0">
               <a:solidFill>
@@ -3785,30 +5082,486 @@
                   <a:lumMod val="75000"/>
                 </a:schemeClr>
               </a:solidFill>
-              <a:sym typeface="Wingdings" pitchFamily="2" charset="2"/>
             </a:endParaRPr>
           </a:p>
           <a:p>
             <a:pPr lvl="1" eaLnBrk="1" hangingPunct="1"/>
-            <a:endParaRPr lang="de-AT" sz="1600" dirty="0">
+            <a:r>
+              <a:rPr lang="de-AT" dirty="0" smtClean="0">
+                <a:solidFill>
+                  <a:schemeClr val="bg2">
+                    <a:lumMod val="75000"/>
+                  </a:schemeClr>
+                </a:solidFill>
+              </a:rPr>
+              <a:t>Klassifikation der Labels des Genre&lt;&gt;Artist </a:t>
+            </a:r>
+            <a:r>
+              <a:rPr lang="de-AT" dirty="0" err="1" smtClean="0">
+                <a:solidFill>
+                  <a:schemeClr val="bg2">
+                    <a:lumMod val="75000"/>
+                  </a:schemeClr>
+                </a:solidFill>
+              </a:rPr>
+              <a:t>Mappings</a:t>
+            </a:r>
+            <a:r>
+              <a:rPr lang="de-AT" dirty="0" smtClean="0">
+                <a:solidFill>
+                  <a:schemeClr val="bg2">
+                    <a:lumMod val="75000"/>
+                  </a:schemeClr>
+                </a:solidFill>
+              </a:rPr>
+              <a:t> </a:t>
+            </a:r>
+            <a:br>
+              <a:rPr lang="de-AT" dirty="0" smtClean="0">
+                <a:solidFill>
+                  <a:schemeClr val="bg2">
+                    <a:lumMod val="75000"/>
+                  </a:schemeClr>
+                </a:solidFill>
+              </a:rPr>
+            </a:br>
+            <a:endParaRPr lang="de-AT" dirty="0" smtClean="0">
               <a:solidFill>
                 <a:schemeClr val="bg2">
                   <a:lumMod val="75000"/>
                 </a:schemeClr>
               </a:solidFill>
-              <a:sym typeface="Wingdings" pitchFamily="2" charset="2"/>
             </a:endParaRPr>
           </a:p>
           <a:p>
-            <a:pPr eaLnBrk="1" hangingPunct="1">
-              <a:buNone/>
-            </a:pPr>
+            <a:pPr lvl="1" eaLnBrk="1" hangingPunct="1"/>
+            <a:endParaRPr lang="de-AT" sz="1400" dirty="0" smtClean="0">
+              <a:solidFill>
+                <a:schemeClr val="bg2">
+                  <a:lumMod val="75000"/>
+                </a:schemeClr>
+              </a:solidFill>
+              <a:latin typeface="Arial" pitchFamily="34" charset="0"/>
+              <a:cs typeface="Arial" pitchFamily="34" charset="0"/>
+            </a:endParaRPr>
+          </a:p>
+          <a:p>
+            <a:pPr lvl="1" eaLnBrk="1" hangingPunct="1"/>
+            <a:r>
+              <a:rPr lang="de-AT" dirty="0" smtClean="0">
+                <a:solidFill>
+                  <a:schemeClr val="bg2">
+                    <a:lumMod val="75000"/>
+                  </a:schemeClr>
+                </a:solidFill>
+              </a:rPr>
+              <a:t>Gute Resultate bei Default Einstellungen</a:t>
+            </a:r>
+            <a:r>
+              <a:rPr lang="de-AT" dirty="0">
+                <a:solidFill>
+                  <a:schemeClr val="bg2">
+                    <a:lumMod val="75000"/>
+                  </a:schemeClr>
+                </a:solidFill>
+              </a:rPr>
+              <a:t> </a:t>
+            </a:r>
+            <a:r>
+              <a:rPr lang="de-AT" dirty="0" smtClean="0">
+                <a:solidFill>
+                  <a:schemeClr val="bg2">
+                    <a:lumMod val="75000"/>
+                  </a:schemeClr>
+                </a:solidFill>
+              </a:rPr>
+              <a:t>, 10-fold CV</a:t>
+            </a:r>
+            <a:br>
+              <a:rPr lang="de-AT" dirty="0" smtClean="0">
+                <a:solidFill>
+                  <a:schemeClr val="bg2">
+                    <a:lumMod val="75000"/>
+                  </a:schemeClr>
+                </a:solidFill>
+              </a:rPr>
+            </a:br>
+            <a:r>
+              <a:rPr lang="de-AT" b="1" dirty="0" err="1" smtClean="0">
+                <a:solidFill>
+                  <a:schemeClr val="bg2">
+                    <a:lumMod val="75000"/>
+                  </a:schemeClr>
+                </a:solidFill>
+              </a:rPr>
+              <a:t>Lazy</a:t>
+            </a:r>
+            <a:r>
+              <a:rPr lang="de-AT" b="1" dirty="0" smtClean="0">
+                <a:solidFill>
+                  <a:schemeClr val="bg2">
+                    <a:lumMod val="75000"/>
+                  </a:schemeClr>
+                </a:solidFill>
+              </a:rPr>
+              <a:t> </a:t>
+            </a:r>
+            <a:r>
+              <a:rPr lang="de-AT" b="1" dirty="0" err="1" smtClean="0">
+                <a:solidFill>
+                  <a:schemeClr val="bg2">
+                    <a:lumMod val="75000"/>
+                  </a:schemeClr>
+                </a:solidFill>
+              </a:rPr>
+              <a:t>Ibk</a:t>
+            </a:r>
+            <a:r>
+              <a:rPr lang="de-AT" b="1" dirty="0" smtClean="0">
+                <a:solidFill>
+                  <a:schemeClr val="bg2">
+                    <a:lumMod val="75000"/>
+                  </a:schemeClr>
+                </a:solidFill>
+              </a:rPr>
+              <a:t> (KNN </a:t>
+            </a:r>
+            <a:r>
+              <a:rPr lang="de-AT" b="1" dirty="0" err="1" smtClean="0">
+                <a:solidFill>
+                  <a:schemeClr val="bg2">
+                    <a:lumMod val="75000"/>
+                  </a:schemeClr>
+                </a:solidFill>
+              </a:rPr>
+              <a:t>Klassifier</a:t>
+            </a:r>
+            <a:r>
+              <a:rPr lang="de-AT" b="1" dirty="0">
+                <a:solidFill>
+                  <a:schemeClr val="bg2">
+                    <a:lumMod val="75000"/>
+                  </a:schemeClr>
+                </a:solidFill>
+              </a:rPr>
+              <a:t>)  - </a:t>
+            </a:r>
+            <a:r>
+              <a:rPr lang="de-AT" b="1" dirty="0" smtClean="0">
+                <a:solidFill>
+                  <a:schemeClr val="bg2">
+                    <a:lumMod val="75000"/>
+                  </a:schemeClr>
+                </a:solidFill>
+              </a:rPr>
+              <a:t>95 % </a:t>
+            </a:r>
+            <a:r>
+              <a:rPr lang="de-AT" dirty="0" smtClean="0">
+                <a:solidFill>
+                  <a:schemeClr val="bg2">
+                    <a:lumMod val="75000"/>
+                  </a:schemeClr>
+                </a:solidFill>
+              </a:rPr>
+              <a:t>, Naive </a:t>
+            </a:r>
+            <a:r>
+              <a:rPr lang="de-AT" dirty="0" err="1" smtClean="0">
+                <a:solidFill>
+                  <a:schemeClr val="bg2">
+                    <a:lumMod val="75000"/>
+                  </a:schemeClr>
+                </a:solidFill>
+              </a:rPr>
+              <a:t>Bayes</a:t>
+            </a:r>
+            <a:r>
+              <a:rPr lang="de-AT" dirty="0">
+                <a:solidFill>
+                  <a:schemeClr val="bg2">
+                    <a:lumMod val="75000"/>
+                  </a:schemeClr>
+                </a:solidFill>
+              </a:rPr>
+              <a:t> - </a:t>
+            </a:r>
+            <a:r>
+              <a:rPr lang="de-AT" dirty="0" smtClean="0">
+                <a:solidFill>
+                  <a:schemeClr val="bg2">
+                    <a:lumMod val="75000"/>
+                  </a:schemeClr>
+                </a:solidFill>
+              </a:rPr>
+              <a:t>89%</a:t>
+            </a:r>
+            <a:br>
+              <a:rPr lang="de-AT" dirty="0" smtClean="0">
+                <a:solidFill>
+                  <a:schemeClr val="bg2">
+                    <a:lumMod val="75000"/>
+                  </a:schemeClr>
+                </a:solidFill>
+              </a:rPr>
+            </a:br>
+            <a:r>
+              <a:rPr lang="de-AT" b="1" dirty="0" err="1" smtClean="0">
+                <a:solidFill>
+                  <a:schemeClr val="bg2">
+                    <a:lumMod val="75000"/>
+                  </a:schemeClr>
+                </a:solidFill>
+              </a:rPr>
+              <a:t>Baseline</a:t>
+            </a:r>
+            <a:r>
+              <a:rPr lang="de-AT" b="1" dirty="0" smtClean="0">
+                <a:solidFill>
+                  <a:schemeClr val="bg2">
+                    <a:lumMod val="75000"/>
+                  </a:schemeClr>
+                </a:solidFill>
+              </a:rPr>
+              <a:t> </a:t>
+            </a:r>
+            <a:r>
+              <a:rPr lang="de-AT" b="1" dirty="0" err="1" smtClean="0">
+                <a:solidFill>
+                  <a:schemeClr val="bg2">
+                    <a:lumMod val="75000"/>
+                  </a:schemeClr>
+                </a:solidFill>
+              </a:rPr>
+              <a:t>ZeroR</a:t>
+            </a:r>
+            <a:r>
+              <a:rPr lang="de-AT" b="1" dirty="0" smtClean="0">
+                <a:solidFill>
+                  <a:schemeClr val="bg2">
+                    <a:lumMod val="75000"/>
+                  </a:schemeClr>
+                </a:solidFill>
+              </a:rPr>
+              <a:t>, 4,5%</a:t>
+            </a:r>
+          </a:p>
+          <a:p>
+            <a:pPr lvl="1" eaLnBrk="1" hangingPunct="1"/>
             <a:endParaRPr lang="de-AT" b="1" dirty="0" smtClean="0">
               <a:solidFill>
                 <a:schemeClr val="bg2">
                   <a:lumMod val="75000"/>
                 </a:schemeClr>
               </a:solidFill>
+            </a:endParaRPr>
+          </a:p>
+          <a:p>
+            <a:pPr lvl="1" eaLnBrk="1" hangingPunct="1"/>
+            <a:r>
+              <a:rPr lang="de-AT" sz="1400" b="1" dirty="0" smtClean="0">
+                <a:solidFill>
+                  <a:schemeClr val="bg2">
+                    <a:lumMod val="75000"/>
+                  </a:schemeClr>
+                </a:solidFill>
+                <a:latin typeface="Arial" pitchFamily="34" charset="0"/>
+                <a:cs typeface="Arial" pitchFamily="34" charset="0"/>
+              </a:rPr>
+              <a:t>Aber: </a:t>
+            </a:r>
+            <a:r>
+              <a:rPr lang="de-AT" sz="1400" dirty="0" smtClean="0">
+                <a:solidFill>
+                  <a:schemeClr val="bg2">
+                    <a:lumMod val="75000"/>
+                  </a:schemeClr>
+                </a:solidFill>
+                <a:latin typeface="Arial" pitchFamily="34" charset="0"/>
+                <a:cs typeface="Arial" pitchFamily="34" charset="0"/>
+              </a:rPr>
+              <a:t>Unabhängigkeit der Features&lt;&gt; </a:t>
+            </a:r>
+            <a:r>
+              <a:rPr lang="de-AT" sz="1400" dirty="0" err="1" smtClean="0">
+                <a:solidFill>
+                  <a:schemeClr val="bg2">
+                    <a:lumMod val="75000"/>
+                  </a:schemeClr>
+                </a:solidFill>
+                <a:latin typeface="Arial" pitchFamily="34" charset="0"/>
+                <a:cs typeface="Arial" pitchFamily="34" charset="0"/>
+              </a:rPr>
+              <a:t>Instances</a:t>
+            </a:r>
+            <a:r>
+              <a:rPr lang="de-AT" sz="1400" dirty="0" smtClean="0">
+                <a:solidFill>
+                  <a:schemeClr val="bg2">
+                    <a:lumMod val="75000"/>
+                  </a:schemeClr>
+                </a:solidFill>
+                <a:latin typeface="Arial" pitchFamily="34" charset="0"/>
+                <a:cs typeface="Arial" pitchFamily="34" charset="0"/>
+              </a:rPr>
+              <a:t> nicht gegeben. Jeder Artist ist ultimativ unterscheidbar durch eine Dimension (1.0) </a:t>
+            </a:r>
+            <a:r>
+              <a:rPr lang="de-AT" sz="1400" dirty="0" smtClean="0">
+                <a:solidFill>
+                  <a:schemeClr val="bg2">
+                    <a:lumMod val="75000"/>
+                  </a:schemeClr>
+                </a:solidFill>
+                <a:latin typeface="Arial" pitchFamily="34" charset="0"/>
+                <a:cs typeface="Arial" pitchFamily="34" charset="0"/>
+                <a:sym typeface="Wingdings" pitchFamily="2" charset="2"/>
+              </a:rPr>
+              <a:t> </a:t>
+            </a:r>
+            <a:r>
+              <a:rPr lang="de-AT" sz="1400" dirty="0" err="1" smtClean="0">
+                <a:solidFill>
+                  <a:schemeClr val="bg2">
+                    <a:lumMod val="75000"/>
+                  </a:schemeClr>
+                </a:solidFill>
+                <a:latin typeface="Arial" pitchFamily="34" charset="0"/>
+                <a:cs typeface="Arial" pitchFamily="34" charset="0"/>
+                <a:sym typeface="Wingdings" pitchFamily="2" charset="2"/>
+              </a:rPr>
+              <a:t>Overfitting</a:t>
+            </a:r>
+            <a:r>
+              <a:rPr lang="de-AT" sz="1400" dirty="0" smtClean="0">
+                <a:solidFill>
+                  <a:schemeClr val="bg2">
+                    <a:lumMod val="75000"/>
+                  </a:schemeClr>
+                </a:solidFill>
+                <a:latin typeface="Arial" pitchFamily="34" charset="0"/>
+                <a:cs typeface="Arial" pitchFamily="34" charset="0"/>
+                <a:sym typeface="Wingdings" pitchFamily="2" charset="2"/>
+              </a:rPr>
+              <a:t> </a:t>
+            </a:r>
+            <a:endParaRPr lang="de-AT" sz="1400" dirty="0" smtClean="0">
+              <a:solidFill>
+                <a:schemeClr val="bg2">
+                  <a:lumMod val="75000"/>
+                </a:schemeClr>
+              </a:solidFill>
+              <a:latin typeface="Arial" pitchFamily="34" charset="0"/>
+              <a:cs typeface="Arial" pitchFamily="34" charset="0"/>
+            </a:endParaRPr>
+          </a:p>
+          <a:p>
+            <a:pPr lvl="1" eaLnBrk="1" hangingPunct="1"/>
+            <a:r>
+              <a:rPr lang="de-AT" dirty="0" err="1" smtClean="0">
+                <a:solidFill>
+                  <a:schemeClr val="bg2">
+                    <a:lumMod val="75000"/>
+                  </a:schemeClr>
+                </a:solidFill>
+              </a:rPr>
+              <a:t>Geplant:Nur</a:t>
+            </a:r>
+            <a:r>
+              <a:rPr lang="de-AT" dirty="0" smtClean="0">
+                <a:solidFill>
+                  <a:schemeClr val="bg2">
+                    <a:lumMod val="75000"/>
+                  </a:schemeClr>
+                </a:solidFill>
+              </a:rPr>
+              <a:t> Ähnlichkeiten der Top 10 </a:t>
+            </a:r>
+            <a:r>
+              <a:rPr lang="de-AT" dirty="0" err="1" smtClean="0">
+                <a:solidFill>
+                  <a:schemeClr val="bg2">
+                    <a:lumMod val="75000"/>
+                  </a:schemeClr>
+                </a:solidFill>
+              </a:rPr>
+              <a:t>Artists</a:t>
+            </a:r>
+            <a:r>
+              <a:rPr lang="de-AT" dirty="0" smtClean="0">
+                <a:solidFill>
+                  <a:schemeClr val="bg2">
+                    <a:lumMod val="75000"/>
+                  </a:schemeClr>
+                </a:solidFill>
+              </a:rPr>
+              <a:t> eines Genres als Features, Alle überbleibenden </a:t>
+            </a:r>
+            <a:r>
+              <a:rPr lang="de-AT" dirty="0" err="1" smtClean="0">
+                <a:solidFill>
+                  <a:schemeClr val="bg2">
+                    <a:lumMod val="75000"/>
+                  </a:schemeClr>
+                </a:solidFill>
+              </a:rPr>
+              <a:t>Artists</a:t>
+            </a:r>
+            <a:r>
+              <a:rPr lang="de-AT" dirty="0" smtClean="0">
+                <a:solidFill>
+                  <a:schemeClr val="bg2">
+                    <a:lumMod val="75000"/>
+                  </a:schemeClr>
+                </a:solidFill>
+              </a:rPr>
+              <a:t> als </a:t>
+            </a:r>
+            <a:r>
+              <a:rPr lang="de-AT" dirty="0" err="1" smtClean="0">
+                <a:solidFill>
+                  <a:schemeClr val="bg2">
+                    <a:lumMod val="75000"/>
+                  </a:schemeClr>
+                </a:solidFill>
+              </a:rPr>
+              <a:t>Instances</a:t>
+            </a:r>
+            <a:r>
+              <a:rPr lang="de-AT" dirty="0" smtClean="0">
+                <a:solidFill>
+                  <a:schemeClr val="bg2">
+                    <a:lumMod val="75000"/>
+                  </a:schemeClr>
+                </a:solidFill>
+              </a:rPr>
+              <a:t> </a:t>
+            </a:r>
+          </a:p>
+          <a:p>
+            <a:pPr lvl="1" eaLnBrk="1" hangingPunct="1"/>
+            <a:endParaRPr lang="de-AT" sz="1400" dirty="0" smtClean="0">
+              <a:solidFill>
+                <a:schemeClr val="bg2">
+                  <a:lumMod val="75000"/>
+                </a:schemeClr>
+              </a:solidFill>
+              <a:latin typeface="Arial" pitchFamily="34" charset="0"/>
+              <a:cs typeface="Arial" pitchFamily="34" charset="0"/>
+            </a:endParaRPr>
+          </a:p>
+          <a:p>
+            <a:pPr eaLnBrk="1" hangingPunct="1">
+              <a:buNone/>
+            </a:pPr>
+            <a:endParaRPr lang="de-AT" sz="1600" dirty="0" smtClean="0">
+              <a:solidFill>
+                <a:schemeClr val="bg2">
+                  <a:lumMod val="75000"/>
+                </a:schemeClr>
+              </a:solidFill>
+              <a:latin typeface="Arial" pitchFamily="34" charset="0"/>
+              <a:cs typeface="Arial" pitchFamily="34" charset="0"/>
             </a:endParaRPr>
           </a:p>
         </p:txBody>
@@ -3847,6 +5600,743 @@
               </a:spcBef>
             </a:pPr>
             <a:r>
+              <a:rPr lang="en-US" sz="2400" dirty="0" err="1" smtClean="0">
+                <a:solidFill>
+                  <a:srgbClr val="9F9F9F"/>
+                </a:solidFill>
+                <a:latin typeface="Eurostile ExtendedTwo" pitchFamily="34" charset="0"/>
+                <a:ea typeface="+mj-ea"/>
+                <a:cs typeface="+mj-cs"/>
+              </a:rPr>
+              <a:t>Ergebnisse</a:t>
+            </a:r>
+            <a:r>
+              <a:rPr lang="en-US" sz="2400" dirty="0" smtClean="0">
+                <a:solidFill>
+                  <a:srgbClr val="9F9F9F"/>
+                </a:solidFill>
+                <a:latin typeface="Eurostile ExtendedTwo" pitchFamily="34" charset="0"/>
+                <a:ea typeface="+mj-ea"/>
+                <a:cs typeface="+mj-cs"/>
+              </a:rPr>
+              <a:t> – Work in progress</a:t>
+            </a:r>
+            <a:endParaRPr lang="en-US" sz="2400" dirty="0">
+              <a:solidFill>
+                <a:srgbClr val="9F9F9F"/>
+              </a:solidFill>
+              <a:latin typeface="Eurostile ExtendedTwo" pitchFamily="34" charset="0"/>
+              <a:ea typeface="+mj-ea"/>
+              <a:cs typeface="+mj-cs"/>
+            </a:endParaRPr>
+          </a:p>
+        </p:txBody>
+      </p:sp>
+      <p:sp>
+        <p:nvSpPr>
+          <p:cNvPr id="5" name="Rechteck 4"/>
+          <p:cNvSpPr/>
+          <p:nvPr/>
+        </p:nvSpPr>
+        <p:spPr>
+          <a:xfrm>
+            <a:off x="4429124" y="2143116"/>
+            <a:ext cx="4714908" cy="3822585"/>
+          </a:xfrm>
+          <a:prstGeom prst="rect">
+            <a:avLst/>
+          </a:prstGeom>
+        </p:spPr>
+        <p:txBody>
+          <a:bodyPr wrap="square">
+            <a:spAutoFit/>
+          </a:bodyPr>
+          <a:lstStyle/>
+          <a:p>
+            <a:r>
+              <a:rPr lang="de-AT" sz="1200" b="1" dirty="0" err="1" smtClean="0">
+                <a:solidFill>
+                  <a:schemeClr val="tx1"/>
+                </a:solidFill>
+                <a:latin typeface="Courier New" pitchFamily="49" charset="0"/>
+                <a:cs typeface="Courier New" pitchFamily="49" charset="0"/>
+              </a:rPr>
+              <a:t>Lazy</a:t>
+            </a:r>
+            <a:r>
+              <a:rPr lang="de-AT" sz="1200" b="1" dirty="0" smtClean="0">
+                <a:solidFill>
+                  <a:schemeClr val="tx1"/>
+                </a:solidFill>
+                <a:latin typeface="Courier New" pitchFamily="49" charset="0"/>
+                <a:cs typeface="Courier New" pitchFamily="49" charset="0"/>
+              </a:rPr>
+              <a:t> </a:t>
+            </a:r>
+            <a:r>
+              <a:rPr lang="de-AT" sz="1200" b="1" dirty="0" err="1" smtClean="0">
+                <a:solidFill>
+                  <a:schemeClr val="tx1"/>
+                </a:solidFill>
+                <a:latin typeface="Courier New" pitchFamily="49" charset="0"/>
+                <a:cs typeface="Courier New" pitchFamily="49" charset="0"/>
+              </a:rPr>
+              <a:t>IBk</a:t>
+            </a:r>
+            <a:endParaRPr lang="de-DE" sz="1200" b="1" dirty="0" smtClean="0">
+              <a:solidFill>
+                <a:schemeClr val="tx1"/>
+              </a:solidFill>
+              <a:latin typeface="Courier New" pitchFamily="49" charset="0"/>
+              <a:cs typeface="Courier New" pitchFamily="49" charset="0"/>
+            </a:endParaRPr>
+          </a:p>
+          <a:p>
+            <a:r>
+              <a:rPr lang="de-DE" sz="1200" b="1" dirty="0" smtClean="0">
+                <a:solidFill>
+                  <a:schemeClr val="tx1"/>
+                </a:solidFill>
+                <a:latin typeface="Courier New" pitchFamily="49" charset="0"/>
+                <a:cs typeface="Courier New" pitchFamily="49" charset="0"/>
+              </a:rPr>
+              <a:t>TP Rate   FP Rate   Precision  Class</a:t>
+            </a:r>
+          </a:p>
+          <a:p>
+            <a:r>
+              <a:rPr lang="de-DE" sz="1200" b="1" dirty="0" smtClean="0">
+                <a:solidFill>
+                  <a:schemeClr val="tx1"/>
+                </a:solidFill>
+                <a:latin typeface="Courier New" pitchFamily="49" charset="0"/>
+                <a:cs typeface="Courier New" pitchFamily="49" charset="0"/>
+              </a:rPr>
+              <a:t>1         0          1         </a:t>
+            </a:r>
+            <a:r>
+              <a:rPr lang="de-DE" sz="1200" b="1" dirty="0" err="1" smtClean="0">
+                <a:solidFill>
+                  <a:schemeClr val="tx1"/>
+                </a:solidFill>
+                <a:latin typeface="Courier New" pitchFamily="49" charset="0"/>
+                <a:cs typeface="Courier New" pitchFamily="49" charset="0"/>
+              </a:rPr>
+              <a:t>reggae</a:t>
+            </a:r>
+            <a:endParaRPr lang="de-DE" sz="1200" b="1" dirty="0" smtClean="0">
+              <a:solidFill>
+                <a:schemeClr val="tx1"/>
+              </a:solidFill>
+              <a:latin typeface="Courier New" pitchFamily="49" charset="0"/>
+              <a:cs typeface="Courier New" pitchFamily="49" charset="0"/>
+            </a:endParaRPr>
+          </a:p>
+          <a:p>
+            <a:r>
+              <a:rPr lang="de-DE" sz="1200" b="1" dirty="0" smtClean="0">
+                <a:solidFill>
+                  <a:schemeClr val="tx1"/>
+                </a:solidFill>
+                <a:latin typeface="Courier New" pitchFamily="49" charset="0"/>
+                <a:cs typeface="Courier New" pitchFamily="49" charset="0"/>
+              </a:rPr>
+              <a:t>0.938     0          1         </a:t>
+            </a:r>
+            <a:r>
+              <a:rPr lang="de-DE" sz="1200" b="1" dirty="0" err="1" smtClean="0">
+                <a:solidFill>
+                  <a:schemeClr val="tx1"/>
+                </a:solidFill>
+                <a:latin typeface="Courier New" pitchFamily="49" charset="0"/>
+                <a:cs typeface="Courier New" pitchFamily="49" charset="0"/>
+              </a:rPr>
+              <a:t>alt.rockindie</a:t>
+            </a:r>
+            <a:endParaRPr lang="de-DE" sz="1200" b="1" dirty="0" smtClean="0">
+              <a:solidFill>
+                <a:schemeClr val="tx1"/>
+              </a:solidFill>
+              <a:latin typeface="Courier New" pitchFamily="49" charset="0"/>
+              <a:cs typeface="Courier New" pitchFamily="49" charset="0"/>
+            </a:endParaRPr>
+          </a:p>
+          <a:p>
+            <a:r>
+              <a:rPr lang="de-DE" sz="1200" b="1" dirty="0" smtClean="0">
+                <a:solidFill>
+                  <a:schemeClr val="tx1"/>
+                </a:solidFill>
+                <a:latin typeface="Courier New" pitchFamily="49" charset="0"/>
+                <a:cs typeface="Courier New" pitchFamily="49" charset="0"/>
+              </a:rPr>
+              <a:t>0.875     0.01       0.875     </a:t>
+            </a:r>
+            <a:r>
+              <a:rPr lang="de-DE" sz="1200" b="1" dirty="0" err="1" smtClean="0">
+                <a:solidFill>
+                  <a:schemeClr val="tx1"/>
+                </a:solidFill>
+                <a:latin typeface="Courier New" pitchFamily="49" charset="0"/>
+                <a:cs typeface="Courier New" pitchFamily="49" charset="0"/>
+              </a:rPr>
+              <a:t>folk</a:t>
+            </a:r>
+            <a:endParaRPr lang="de-DE" sz="1200" b="1" dirty="0" smtClean="0">
+              <a:solidFill>
+                <a:schemeClr val="tx1"/>
+              </a:solidFill>
+              <a:latin typeface="Courier New" pitchFamily="49" charset="0"/>
+              <a:cs typeface="Courier New" pitchFamily="49" charset="0"/>
+            </a:endParaRPr>
+          </a:p>
+          <a:p>
+            <a:r>
+              <a:rPr lang="de-DE" sz="1200" b="1" dirty="0" smtClean="0">
+                <a:solidFill>
+                  <a:schemeClr val="tx1"/>
+                </a:solidFill>
+                <a:latin typeface="Courier New" pitchFamily="49" charset="0"/>
+                <a:cs typeface="Courier New" pitchFamily="49" charset="0"/>
+              </a:rPr>
+              <a:t>1         0.005      0.941     jazz</a:t>
+            </a:r>
+          </a:p>
+          <a:p>
+            <a:r>
+              <a:rPr lang="de-DE" sz="1200" b="1" dirty="0" smtClean="0">
+                <a:solidFill>
+                  <a:schemeClr val="tx1"/>
+                </a:solidFill>
+                <a:latin typeface="Courier New" pitchFamily="49" charset="0"/>
+                <a:cs typeface="Courier New" pitchFamily="49" charset="0"/>
+              </a:rPr>
+              <a:t>1         0.01       0.889     </a:t>
+            </a:r>
+            <a:r>
+              <a:rPr lang="de-DE" sz="1200" b="1" dirty="0" err="1" smtClean="0">
+                <a:solidFill>
+                  <a:schemeClr val="tx1"/>
+                </a:solidFill>
+                <a:latin typeface="Courier New" pitchFamily="49" charset="0"/>
+                <a:cs typeface="Courier New" pitchFamily="49" charset="0"/>
+              </a:rPr>
+              <a:t>pop</a:t>
+            </a:r>
+            <a:endParaRPr lang="de-DE" sz="1200" b="1" dirty="0" smtClean="0">
+              <a:solidFill>
+                <a:schemeClr val="tx1"/>
+              </a:solidFill>
+              <a:latin typeface="Courier New" pitchFamily="49" charset="0"/>
+              <a:cs typeface="Courier New" pitchFamily="49" charset="0"/>
+            </a:endParaRPr>
+          </a:p>
+          <a:p>
+            <a:r>
+              <a:rPr lang="de-DE" sz="1200" b="1" dirty="0" smtClean="0">
+                <a:solidFill>
+                  <a:schemeClr val="tx1"/>
+                </a:solidFill>
+                <a:latin typeface="Courier New" pitchFamily="49" charset="0"/>
+                <a:cs typeface="Courier New" pitchFamily="49" charset="0"/>
+              </a:rPr>
+              <a:t>0.938     0          1         </a:t>
+            </a:r>
+            <a:r>
+              <a:rPr lang="de-DE" sz="1200" b="1" dirty="0" err="1" smtClean="0">
+                <a:solidFill>
+                  <a:schemeClr val="tx1"/>
+                </a:solidFill>
+                <a:latin typeface="Courier New" pitchFamily="49" charset="0"/>
+                <a:cs typeface="Courier New" pitchFamily="49" charset="0"/>
+              </a:rPr>
+              <a:t>punk</a:t>
+            </a:r>
+            <a:endParaRPr lang="de-DE" sz="1200" b="1" dirty="0" smtClean="0">
+              <a:solidFill>
+                <a:schemeClr val="tx1"/>
+              </a:solidFill>
+              <a:latin typeface="Courier New" pitchFamily="49" charset="0"/>
+              <a:cs typeface="Courier New" pitchFamily="49" charset="0"/>
+            </a:endParaRPr>
+          </a:p>
+          <a:p>
+            <a:r>
+              <a:rPr lang="de-DE" sz="1200" b="1" dirty="0" smtClean="0">
+                <a:solidFill>
+                  <a:schemeClr val="tx1"/>
+                </a:solidFill>
+                <a:latin typeface="Courier New" pitchFamily="49" charset="0"/>
+                <a:cs typeface="Courier New" pitchFamily="49" charset="0"/>
+              </a:rPr>
+              <a:t>1         0.005      0.941     </a:t>
+            </a:r>
+            <a:r>
+              <a:rPr lang="de-DE" sz="1200" b="1" dirty="0" err="1" smtClean="0">
+                <a:solidFill>
+                  <a:schemeClr val="tx1"/>
+                </a:solidFill>
+                <a:latin typeface="Courier New" pitchFamily="49" charset="0"/>
+                <a:cs typeface="Courier New" pitchFamily="49" charset="0"/>
+              </a:rPr>
+              <a:t>electronica</a:t>
+            </a:r>
+            <a:endParaRPr lang="de-DE" sz="1200" b="1" dirty="0" smtClean="0">
+              <a:solidFill>
+                <a:schemeClr val="tx1"/>
+              </a:solidFill>
+              <a:latin typeface="Courier New" pitchFamily="49" charset="0"/>
+              <a:cs typeface="Courier New" pitchFamily="49" charset="0"/>
+            </a:endParaRPr>
+          </a:p>
+          <a:p>
+            <a:r>
+              <a:rPr lang="de-DE" sz="1200" b="1" dirty="0" smtClean="0">
+                <a:solidFill>
+                  <a:schemeClr val="tx1"/>
+                </a:solidFill>
+                <a:latin typeface="Courier New" pitchFamily="49" charset="0"/>
+                <a:cs typeface="Courier New" pitchFamily="49" charset="0"/>
+              </a:rPr>
+              <a:t>0.875     0.005      0.933     </a:t>
+            </a:r>
+            <a:r>
+              <a:rPr lang="de-DE" sz="1200" b="1" dirty="0" err="1" smtClean="0">
+                <a:solidFill>
+                  <a:schemeClr val="tx1"/>
+                </a:solidFill>
+                <a:latin typeface="Courier New" pitchFamily="49" charset="0"/>
+                <a:cs typeface="Courier New" pitchFamily="49" charset="0"/>
+              </a:rPr>
+              <a:t>country</a:t>
+            </a:r>
+            <a:endParaRPr lang="de-DE" sz="1200" b="1" dirty="0" smtClean="0">
+              <a:solidFill>
+                <a:schemeClr val="tx1"/>
+              </a:solidFill>
+              <a:latin typeface="Courier New" pitchFamily="49" charset="0"/>
+              <a:cs typeface="Courier New" pitchFamily="49" charset="0"/>
+            </a:endParaRPr>
+          </a:p>
+          <a:p>
+            <a:r>
+              <a:rPr lang="de-DE" sz="1200" b="1" dirty="0" smtClean="0">
+                <a:solidFill>
+                  <a:schemeClr val="tx1"/>
+                </a:solidFill>
+                <a:latin typeface="Courier New" pitchFamily="49" charset="0"/>
+                <a:cs typeface="Courier New" pitchFamily="49" charset="0"/>
+              </a:rPr>
+              <a:t>1         0          1         </a:t>
+            </a:r>
+            <a:r>
+              <a:rPr lang="de-DE" sz="1200" b="1" dirty="0" err="1" smtClean="0">
+                <a:solidFill>
+                  <a:schemeClr val="tx1"/>
+                </a:solidFill>
+                <a:latin typeface="Courier New" pitchFamily="49" charset="0"/>
+                <a:cs typeface="Courier New" pitchFamily="49" charset="0"/>
+              </a:rPr>
+              <a:t>classical</a:t>
+            </a:r>
+            <a:endParaRPr lang="de-DE" sz="1200" b="1" dirty="0" smtClean="0">
+              <a:solidFill>
+                <a:schemeClr val="tx1"/>
+              </a:solidFill>
+              <a:latin typeface="Courier New" pitchFamily="49" charset="0"/>
+              <a:cs typeface="Courier New" pitchFamily="49" charset="0"/>
+            </a:endParaRPr>
+          </a:p>
+          <a:p>
+            <a:r>
+              <a:rPr lang="de-DE" sz="1200" b="1" dirty="0" smtClean="0">
+                <a:solidFill>
+                  <a:schemeClr val="tx1"/>
+                </a:solidFill>
+                <a:latin typeface="Courier New" pitchFamily="49" charset="0"/>
+                <a:cs typeface="Courier New" pitchFamily="49" charset="0"/>
+              </a:rPr>
+              <a:t>1         0          1         </a:t>
+            </a:r>
+            <a:r>
+              <a:rPr lang="de-DE" sz="1200" b="1" dirty="0" err="1" smtClean="0">
+                <a:solidFill>
+                  <a:schemeClr val="tx1"/>
+                </a:solidFill>
+                <a:latin typeface="Courier New" pitchFamily="49" charset="0"/>
+                <a:cs typeface="Courier New" pitchFamily="49" charset="0"/>
+              </a:rPr>
+              <a:t>heavymetalhardrock</a:t>
+            </a:r>
+            <a:endParaRPr lang="de-DE" sz="1200" b="1" dirty="0" smtClean="0">
+              <a:solidFill>
+                <a:schemeClr val="tx1"/>
+              </a:solidFill>
+              <a:latin typeface="Courier New" pitchFamily="49" charset="0"/>
+              <a:cs typeface="Courier New" pitchFamily="49" charset="0"/>
+            </a:endParaRPr>
+          </a:p>
+          <a:p>
+            <a:r>
+              <a:rPr lang="de-DE" sz="1200" b="1" dirty="0" smtClean="0">
+                <a:solidFill>
+                  <a:schemeClr val="tx1"/>
+                </a:solidFill>
+                <a:latin typeface="Courier New" pitchFamily="49" charset="0"/>
+                <a:cs typeface="Courier New" pitchFamily="49" charset="0"/>
+              </a:rPr>
+              <a:t>0.938     0.005      0.938     </a:t>
+            </a:r>
+            <a:r>
+              <a:rPr lang="de-DE" sz="1200" b="1" dirty="0" err="1" smtClean="0">
+                <a:solidFill>
+                  <a:schemeClr val="tx1"/>
+                </a:solidFill>
+                <a:latin typeface="Courier New" pitchFamily="49" charset="0"/>
+                <a:cs typeface="Courier New" pitchFamily="49" charset="0"/>
+              </a:rPr>
+              <a:t>rocknroll</a:t>
+            </a:r>
+            <a:endParaRPr lang="de-DE" sz="1200" b="1" dirty="0" smtClean="0">
+              <a:solidFill>
+                <a:schemeClr val="tx1"/>
+              </a:solidFill>
+              <a:latin typeface="Courier New" pitchFamily="49" charset="0"/>
+              <a:cs typeface="Courier New" pitchFamily="49" charset="0"/>
+            </a:endParaRPr>
+          </a:p>
+          <a:p>
+            <a:r>
+              <a:rPr lang="de-DE" sz="1200" b="1" dirty="0" smtClean="0">
+                <a:solidFill>
+                  <a:schemeClr val="tx1"/>
+                </a:solidFill>
+                <a:latin typeface="Courier New" pitchFamily="49" charset="0"/>
+                <a:cs typeface="Courier New" pitchFamily="49" charset="0"/>
+              </a:rPr>
+              <a:t>0.938     0.005      0.938     </a:t>
+            </a:r>
+            <a:r>
+              <a:rPr lang="de-DE" sz="1200" b="1" dirty="0" err="1" smtClean="0">
+                <a:solidFill>
+                  <a:schemeClr val="tx1"/>
+                </a:solidFill>
+                <a:latin typeface="Courier New" pitchFamily="49" charset="0"/>
+                <a:cs typeface="Courier New" pitchFamily="49" charset="0"/>
+              </a:rPr>
+              <a:t>rnbsoul</a:t>
+            </a:r>
+            <a:endParaRPr lang="de-DE" sz="1200" b="1" dirty="0" smtClean="0">
+              <a:solidFill>
+                <a:schemeClr val="tx1"/>
+              </a:solidFill>
+              <a:latin typeface="Courier New" pitchFamily="49" charset="0"/>
+              <a:cs typeface="Courier New" pitchFamily="49" charset="0"/>
+            </a:endParaRPr>
+          </a:p>
+          <a:p>
+            <a:r>
+              <a:rPr lang="de-DE" sz="1200" b="1" dirty="0" smtClean="0">
+                <a:solidFill>
+                  <a:schemeClr val="tx1"/>
+                </a:solidFill>
+                <a:latin typeface="Courier New" pitchFamily="49" charset="0"/>
+                <a:cs typeface="Courier New" pitchFamily="49" charset="0"/>
+              </a:rPr>
+              <a:t>1         0          1         </a:t>
+            </a:r>
+            <a:r>
+              <a:rPr lang="de-DE" sz="1200" b="1" dirty="0" err="1" smtClean="0">
+                <a:solidFill>
+                  <a:schemeClr val="tx1"/>
+                </a:solidFill>
+                <a:latin typeface="Courier New" pitchFamily="49" charset="0"/>
+                <a:cs typeface="Courier New" pitchFamily="49" charset="0"/>
+              </a:rPr>
+              <a:t>raphiphop</a:t>
+            </a:r>
+            <a:endParaRPr lang="de-DE" sz="1200" b="1" dirty="0" smtClean="0">
+              <a:solidFill>
+                <a:schemeClr val="tx1"/>
+              </a:solidFill>
+              <a:latin typeface="Courier New" pitchFamily="49" charset="0"/>
+              <a:cs typeface="Courier New" pitchFamily="49" charset="0"/>
+            </a:endParaRPr>
+          </a:p>
+          <a:p>
+            <a:r>
+              <a:rPr lang="de-DE" sz="1200" b="1" dirty="0" smtClean="0">
+                <a:solidFill>
+                  <a:schemeClr val="tx1"/>
+                </a:solidFill>
+                <a:latin typeface="Courier New" pitchFamily="49" charset="0"/>
+                <a:cs typeface="Courier New" pitchFamily="49" charset="0"/>
+              </a:rPr>
+              <a:t>0.938     0          1         </a:t>
+            </a:r>
+            <a:r>
+              <a:rPr lang="de-DE" sz="1200" b="1" dirty="0" err="1" smtClean="0">
+                <a:solidFill>
+                  <a:schemeClr val="tx1"/>
+                </a:solidFill>
+                <a:latin typeface="Courier New" pitchFamily="49" charset="0"/>
+                <a:cs typeface="Courier New" pitchFamily="49" charset="0"/>
+              </a:rPr>
+              <a:t>blues</a:t>
+            </a:r>
+            <a:endParaRPr lang="de-DE" sz="1200" b="1" dirty="0" smtClean="0">
+              <a:solidFill>
+                <a:schemeClr val="tx1"/>
+              </a:solidFill>
+              <a:latin typeface="Courier New" pitchFamily="49" charset="0"/>
+              <a:cs typeface="Courier New" pitchFamily="49" charset="0"/>
+            </a:endParaRPr>
+          </a:p>
+          <a:p>
+            <a:r>
+              <a:rPr lang="de-DE" sz="1200" b="1" dirty="0" smtClean="0">
+                <a:solidFill>
+                  <a:schemeClr val="tx1"/>
+                </a:solidFill>
+                <a:latin typeface="Courier New" pitchFamily="49" charset="0"/>
+                <a:cs typeface="Courier New" pitchFamily="49" charset="0"/>
+              </a:rPr>
+              <a:t>0.96      0.003      0.961    (</a:t>
+            </a:r>
+            <a:r>
+              <a:rPr lang="de-DE" sz="1200" b="1" dirty="0" err="1" smtClean="0">
+                <a:solidFill>
+                  <a:schemeClr val="tx1"/>
+                </a:solidFill>
+                <a:latin typeface="Courier New" pitchFamily="49" charset="0"/>
+                <a:cs typeface="Courier New" pitchFamily="49" charset="0"/>
+              </a:rPr>
+              <a:t>Weighted</a:t>
+            </a:r>
+            <a:r>
+              <a:rPr lang="de-DE" sz="1200" b="1" dirty="0" smtClean="0">
+                <a:solidFill>
+                  <a:schemeClr val="tx1"/>
+                </a:solidFill>
+                <a:latin typeface="Courier New" pitchFamily="49" charset="0"/>
+                <a:cs typeface="Courier New" pitchFamily="49" charset="0"/>
+              </a:rPr>
+              <a:t> </a:t>
+            </a:r>
+            <a:r>
+              <a:rPr lang="de-DE" sz="1200" b="1" dirty="0" err="1" smtClean="0">
+                <a:solidFill>
+                  <a:schemeClr val="tx1"/>
+                </a:solidFill>
+                <a:latin typeface="Courier New" pitchFamily="49" charset="0"/>
+                <a:cs typeface="Courier New" pitchFamily="49" charset="0"/>
+              </a:rPr>
+              <a:t>Avg</a:t>
+            </a:r>
+            <a:r>
+              <a:rPr lang="de-DE" sz="1200" b="1" dirty="0" smtClean="0">
+                <a:solidFill>
+                  <a:schemeClr val="tx1"/>
+                </a:solidFill>
+                <a:latin typeface="Courier New" pitchFamily="49" charset="0"/>
+                <a:cs typeface="Courier New" pitchFamily="49" charset="0"/>
+              </a:rPr>
+              <a:t>)</a:t>
+            </a:r>
+            <a:endParaRPr lang="de-DE" sz="1200" b="1" dirty="0">
+              <a:solidFill>
+                <a:schemeClr val="tx1"/>
+              </a:solidFill>
+              <a:latin typeface="Courier New" pitchFamily="49" charset="0"/>
+              <a:cs typeface="Courier New" pitchFamily="49" charset="0"/>
+            </a:endParaRPr>
+          </a:p>
+        </p:txBody>
+      </p:sp>
+    </p:spTree>
+  </p:cSld>
+  <p:clrMapOvr>
+    <a:masterClrMapping/>
+  </p:clrMapOvr>
+  <p:timing>
+    <p:tnLst>
+      <p:par>
+        <p:cTn id="1" dur="indefinite" restart="never" nodeType="tmRoot"/>
+      </p:par>
+    </p:tnLst>
+  </p:timing>
+</p:sld>
+</file>
+
+<file path=ppt/slides/slide13.xml><?xml version="1.0" encoding="utf-8"?>
+<p:sld xmlns:a="http://schemas.openxmlformats.org/drawingml/2006/main" xmlns:r="http://schemas.openxmlformats.org/officeDocument/2006/relationships" xmlns:p="http://schemas.openxmlformats.org/presentationml/2006/main">
+  <p:cSld>
+    <p:spTree>
+      <p:nvGrpSpPr>
+        <p:cNvPr id="1" name=""/>
+        <p:cNvGrpSpPr/>
+        <p:nvPr/>
+      </p:nvGrpSpPr>
+      <p:grpSpPr>
+        <a:xfrm>
+          <a:off x="0" y="0"/>
+          <a:ext cx="0" cy="0"/>
+          <a:chOff x="0" y="0"/>
+          <a:chExt cx="0" cy="0"/>
+        </a:xfrm>
+      </p:grpSpPr>
+      <p:sp>
+        <p:nvSpPr>
+          <p:cNvPr id="3075" name="Rectangle 2"/>
+          <p:cNvSpPr>
+            <a:spLocks noGrp="1" noChangeArrowheads="1"/>
+          </p:cNvSpPr>
+          <p:nvPr>
+            <p:ph type="body" sz="quarter" idx="12"/>
+          </p:nvPr>
+        </p:nvSpPr>
+        <p:spPr>
+          <a:xfrm>
+            <a:off x="571472" y="1795451"/>
+            <a:ext cx="8072494" cy="4357706"/>
+          </a:xfrm>
+          <a:noFill/>
+        </p:spPr>
+        <p:txBody>
+          <a:bodyPr anchor="t" anchorCtr="0"/>
+          <a:lstStyle/>
+          <a:p>
+            <a:pPr eaLnBrk="1" hangingPunct="1">
+              <a:buNone/>
+            </a:pPr>
+            <a:r>
+              <a:rPr lang="de-AT" sz="1600" b="1" dirty="0" smtClean="0">
+                <a:solidFill>
+                  <a:schemeClr val="bg2">
+                    <a:lumMod val="75000"/>
+                  </a:schemeClr>
+                </a:solidFill>
+                <a:latin typeface="Arial" pitchFamily="34" charset="0"/>
+                <a:cs typeface="Arial" pitchFamily="34" charset="0"/>
+              </a:rPr>
+              <a:t>Versuch Genre Clustering </a:t>
+            </a:r>
+          </a:p>
+          <a:p>
+            <a:pPr eaLnBrk="1" hangingPunct="1"/>
+            <a:r>
+              <a:rPr lang="de-AT" sz="1600" dirty="0" smtClean="0">
+                <a:solidFill>
+                  <a:schemeClr val="bg2">
+                    <a:lumMod val="75000"/>
+                  </a:schemeClr>
+                </a:solidFill>
+              </a:rPr>
+              <a:t>14 </a:t>
+            </a:r>
+            <a:r>
+              <a:rPr lang="de-AT" dirty="0" smtClean="0">
+                <a:solidFill>
+                  <a:schemeClr val="bg2">
+                    <a:lumMod val="75000"/>
+                  </a:schemeClr>
+                </a:solidFill>
+              </a:rPr>
+              <a:t>Genres </a:t>
+            </a:r>
+            <a:r>
+              <a:rPr lang="de-AT" dirty="0" smtClean="0">
+                <a:solidFill>
+                  <a:schemeClr val="bg2">
+                    <a:lumMod val="75000"/>
+                  </a:schemeClr>
+                </a:solidFill>
+                <a:sym typeface="Wingdings" pitchFamily="2" charset="2"/>
+              </a:rPr>
+              <a:t> </a:t>
+            </a:r>
+            <a:r>
+              <a:rPr lang="de-AT" dirty="0" err="1" smtClean="0">
+                <a:solidFill>
+                  <a:schemeClr val="bg2">
+                    <a:lumMod val="75000"/>
+                  </a:schemeClr>
+                </a:solidFill>
+                <a:sym typeface="Wingdings" pitchFamily="2" charset="2"/>
+              </a:rPr>
+              <a:t>kMeans</a:t>
+            </a:r>
+            <a:r>
+              <a:rPr lang="de-AT" dirty="0" smtClean="0">
+                <a:solidFill>
+                  <a:schemeClr val="bg2">
+                    <a:lumMod val="75000"/>
+                  </a:schemeClr>
+                </a:solidFill>
+                <a:sym typeface="Wingdings" pitchFamily="2" charset="2"/>
+              </a:rPr>
+              <a:t> Clustering mit 14 Cluster?!</a:t>
+            </a:r>
+          </a:p>
+          <a:p>
+            <a:pPr lvl="1" eaLnBrk="1" hangingPunct="1"/>
+            <a:endParaRPr lang="de-AT" sz="1600" dirty="0">
+              <a:solidFill>
+                <a:schemeClr val="bg2">
+                  <a:lumMod val="75000"/>
+                </a:schemeClr>
+              </a:solidFill>
+              <a:sym typeface="Wingdings" pitchFamily="2" charset="2"/>
+            </a:endParaRPr>
+          </a:p>
+          <a:p>
+            <a:pPr eaLnBrk="1" hangingPunct="1">
+              <a:buNone/>
+            </a:pPr>
+            <a:endParaRPr lang="de-AT" b="1" dirty="0" smtClean="0">
+              <a:solidFill>
+                <a:schemeClr val="bg2">
+                  <a:lumMod val="75000"/>
+                </a:schemeClr>
+              </a:solidFill>
+            </a:endParaRPr>
+          </a:p>
+        </p:txBody>
+      </p:sp>
+      <p:sp>
+        <p:nvSpPr>
+          <p:cNvPr id="3076" name="Rectangle 6"/>
+          <p:cNvSpPr>
+            <a:spLocks noChangeArrowheads="1"/>
+          </p:cNvSpPr>
+          <p:nvPr/>
+        </p:nvSpPr>
+        <p:spPr bwMode="auto">
+          <a:xfrm>
+            <a:off x="714348" y="857232"/>
+            <a:ext cx="6929486" cy="450833"/>
+          </a:xfrm>
+          <a:prstGeom prst="rect">
+            <a:avLst/>
+          </a:prstGeom>
+          <a:noFill/>
+          <a:ln w="9525">
+            <a:noFill/>
+            <a:miter lim="800000"/>
+            <a:headEnd/>
+            <a:tailEnd/>
+          </a:ln>
+        </p:spPr>
+        <p:txBody>
+          <a:bodyPr/>
+          <a:lstStyle/>
+          <a:p>
+            <a:pPr>
+              <a:spcBef>
+                <a:spcPct val="0"/>
+              </a:spcBef>
+            </a:pPr>
+            <a:r>
               <a:rPr lang="en-US" sz="2400" dirty="0" err="1">
                 <a:solidFill>
                   <a:srgbClr val="9F9F9F"/>
@@ -4249,7 +6739,7 @@
           <p:nvPr/>
         </p:nvPicPr>
         <p:blipFill>
-          <a:blip r:embed="rId2"/>
+          <a:blip r:embed="rId3"/>
           <a:srcRect/>
           <a:stretch>
             <a:fillRect/>
@@ -4275,7 +6765,7 @@
           <p:nvPr/>
         </p:nvPicPr>
         <p:blipFill>
-          <a:blip r:embed="rId2"/>
+          <a:blip r:embed="rId3"/>
           <a:srcRect l="-1666" t="24444" r="31677" b="17778"/>
           <a:stretch>
             <a:fillRect/>
@@ -4283,7 +6773,7 @@
         </p:blipFill>
         <p:spPr bwMode="auto">
           <a:xfrm>
-            <a:off x="3714744" y="3929066"/>
+            <a:off x="4143372" y="3929066"/>
             <a:ext cx="4572032" cy="2830306"/>
           </a:xfrm>
           <a:prstGeom prst="rect">
@@ -4346,7 +6836,7 @@
               <a:buNone/>
             </a:pPr>
             <a:r>
-              <a:rPr lang="de-DE" sz="1600" b="1" smtClean="0">
+              <a:rPr lang="de-DE" sz="1600" b="1" dirty="0" smtClean="0">
                 <a:solidFill>
                   <a:schemeClr val="bg2">
                     <a:lumMod val="75000"/>
@@ -4363,7 +6853,7 @@
               <a:buFont typeface="Wingdings" pitchFamily="2" charset="2"/>
               <a:buChar char="§"/>
             </a:pPr>
-            <a:endParaRPr lang="de-AT" sz="1600" b="1" smtClean="0">
+            <a:endParaRPr lang="de-AT" sz="1600" b="1" dirty="0" smtClean="0">
               <a:solidFill>
                 <a:schemeClr val="bg2">
                   <a:lumMod val="75000"/>
@@ -4379,28 +6869,16 @@
               <a:buChar char="§"/>
             </a:pPr>
             <a:r>
-              <a:rPr lang="de-AT" sz="1600" smtClean="0">
-                <a:solidFill>
-                  <a:schemeClr val="bg2">
-                    <a:lumMod val="75000"/>
-                  </a:schemeClr>
-                </a:solidFill>
-                <a:latin typeface="Arial" pitchFamily="34" charset="0"/>
-                <a:cs typeface="Arial" pitchFamily="34" charset="0"/>
-              </a:rPr>
-              <a:t>Content-basierte Feature Extraktion aus </a:t>
-            </a:r>
-            <a:r>
-              <a:rPr lang="de-DE" sz="1600" smtClean="0">
-                <a:solidFill>
-                  <a:schemeClr val="bg2">
-                    <a:lumMod val="75000"/>
-                  </a:schemeClr>
-                </a:solidFill>
-                <a:latin typeface="Arial" pitchFamily="34" charset="0"/>
-                <a:cs typeface="Arial" pitchFamily="34" charset="0"/>
-              </a:rPr>
-              <a:t>Google, Musikportal</a:t>
+              <a:rPr lang="de-AT" sz="1600" dirty="0" smtClean="0">
+                <a:solidFill>
+                  <a:schemeClr val="bg2">
+                    <a:lumMod val="75000"/>
+                  </a:schemeClr>
+                </a:solidFill>
+                <a:latin typeface="Arial" pitchFamily="34" charset="0"/>
+                <a:cs typeface="Arial" pitchFamily="34" charset="0"/>
+              </a:rPr>
+              <a:t>Content-basierte Feature Extraktion</a:t>
             </a:r>
           </a:p>
           <a:p>
@@ -4409,16 +6887,64 @@
               <a:buChar char="§"/>
             </a:pPr>
             <a:r>
-              <a:rPr lang="de-AT" sz="1600" smtClean="0">
-                <a:solidFill>
-                  <a:schemeClr val="bg2">
-                    <a:lumMod val="75000"/>
-                  </a:schemeClr>
-                </a:solidFill>
-                <a:latin typeface="Arial" pitchFamily="34" charset="0"/>
-                <a:cs typeface="Arial" pitchFamily="34" charset="0"/>
-              </a:rPr>
-              <a:t>Music Community LastFM </a:t>
+              <a:rPr lang="de-AT" sz="1600" dirty="0" smtClean="0">
+                <a:solidFill>
+                  <a:schemeClr val="bg2">
+                    <a:lumMod val="75000"/>
+                  </a:schemeClr>
+                </a:solidFill>
+                <a:latin typeface="Arial" pitchFamily="34" charset="0"/>
+                <a:cs typeface="Arial" pitchFamily="34" charset="0"/>
+              </a:rPr>
+              <a:t>Music </a:t>
+            </a:r>
+            <a:r>
+              <a:rPr lang="de-AT" sz="1600" dirty="0" err="1" smtClean="0">
+                <a:solidFill>
+                  <a:schemeClr val="bg2">
+                    <a:lumMod val="75000"/>
+                  </a:schemeClr>
+                </a:solidFill>
+                <a:latin typeface="Arial" pitchFamily="34" charset="0"/>
+                <a:cs typeface="Arial" pitchFamily="34" charset="0"/>
+              </a:rPr>
+              <a:t>CommunityPortal</a:t>
+            </a:r>
+            <a:r>
+              <a:rPr lang="de-AT" sz="1600" dirty="0" smtClean="0">
+                <a:solidFill>
+                  <a:schemeClr val="bg2">
+                    <a:lumMod val="75000"/>
+                  </a:schemeClr>
+                </a:solidFill>
+                <a:latin typeface="Arial" pitchFamily="34" charset="0"/>
+                <a:cs typeface="Arial" pitchFamily="34" charset="0"/>
+              </a:rPr>
+              <a:t>  </a:t>
+            </a:r>
+            <a:r>
+              <a:rPr lang="de-AT" sz="1600" dirty="0" err="1" smtClean="0">
+                <a:solidFill>
+                  <a:schemeClr val="bg2">
+                    <a:lumMod val="75000"/>
+                  </a:schemeClr>
+                </a:solidFill>
+                <a:latin typeface="Arial" pitchFamily="34" charset="0"/>
+                <a:cs typeface="Arial" pitchFamily="34" charset="0"/>
+              </a:rPr>
+              <a:t>LastFM</a:t>
+            </a:r>
+            <a:r>
+              <a:rPr lang="de-AT" sz="1600" dirty="0" smtClean="0">
+                <a:solidFill>
+                  <a:schemeClr val="bg2">
+                    <a:lumMod val="75000"/>
+                  </a:schemeClr>
+                </a:solidFill>
+                <a:latin typeface="Arial" pitchFamily="34" charset="0"/>
+                <a:cs typeface="Arial" pitchFamily="34" charset="0"/>
+              </a:rPr>
+              <a:t> , Google </a:t>
             </a:r>
           </a:p>
           <a:p>
@@ -4426,7 +6952,114 @@
               <a:buFont typeface="Wingdings" pitchFamily="2" charset="2"/>
               <a:buChar char="§"/>
             </a:pPr>
-            <a:endParaRPr lang="de-AT" sz="1600" smtClean="0">
+            <a:endParaRPr lang="de-AT" dirty="0" smtClean="0">
+              <a:solidFill>
+                <a:schemeClr val="bg2">
+                  <a:lumMod val="75000"/>
+                </a:schemeClr>
+              </a:solidFill>
+            </a:endParaRPr>
+          </a:p>
+          <a:p>
+            <a:pPr eaLnBrk="1" hangingPunct="1">
+              <a:buFont typeface="Wingdings" pitchFamily="2" charset="2"/>
+              <a:buChar char="§"/>
+            </a:pPr>
+            <a:r>
+              <a:rPr lang="de-AT" dirty="0" smtClean="0">
+                <a:solidFill>
+                  <a:schemeClr val="bg2">
+                    <a:lumMod val="75000"/>
+                  </a:schemeClr>
+                </a:solidFill>
+              </a:rPr>
+              <a:t>Informationskategorien finden</a:t>
+            </a:r>
+          </a:p>
+          <a:p>
+            <a:pPr eaLnBrk="1" hangingPunct="1">
+              <a:buFont typeface="Wingdings" pitchFamily="2" charset="2"/>
+              <a:buChar char="§"/>
+            </a:pPr>
+            <a:r>
+              <a:rPr lang="de-AT" sz="1600" dirty="0" smtClean="0">
+                <a:solidFill>
+                  <a:schemeClr val="bg2">
+                    <a:lumMod val="75000"/>
+                  </a:schemeClr>
+                </a:solidFill>
+                <a:latin typeface="Arial" pitchFamily="34" charset="0"/>
+                <a:cs typeface="Arial" pitchFamily="34" charset="0"/>
+              </a:rPr>
+              <a:t>Ähnlichkeitsmaße berechnen </a:t>
+            </a:r>
+          </a:p>
+          <a:p>
+            <a:pPr eaLnBrk="1" hangingPunct="1"/>
+            <a:endParaRPr lang="de-AT" dirty="0" smtClean="0">
+              <a:solidFill>
+                <a:schemeClr val="bg2">
+                  <a:lumMod val="75000"/>
+                </a:schemeClr>
+              </a:solidFill>
+            </a:endParaRPr>
+          </a:p>
+          <a:p>
+            <a:pPr eaLnBrk="1" hangingPunct="1"/>
+            <a:r>
+              <a:rPr lang="de-AT" dirty="0" smtClean="0">
+                <a:solidFill>
+                  <a:schemeClr val="bg2">
+                    <a:lumMod val="75000"/>
+                  </a:schemeClr>
+                </a:solidFill>
+              </a:rPr>
+              <a:t>Optional</a:t>
+            </a:r>
+          </a:p>
+          <a:p>
+            <a:pPr lvl="1" eaLnBrk="1" hangingPunct="1"/>
+            <a:r>
+              <a:rPr lang="de-AT" dirty="0" smtClean="0">
+                <a:solidFill>
+                  <a:schemeClr val="bg2">
+                    <a:lumMod val="75000"/>
+                  </a:schemeClr>
+                </a:solidFill>
+              </a:rPr>
+              <a:t>Visualisierung</a:t>
+            </a:r>
+            <a:endParaRPr lang="de-AT" sz="1600" dirty="0" smtClean="0">
+              <a:solidFill>
+                <a:schemeClr val="bg2">
+                  <a:lumMod val="75000"/>
+                </a:schemeClr>
+              </a:solidFill>
+              <a:latin typeface="Arial" pitchFamily="34" charset="0"/>
+              <a:cs typeface="Arial" pitchFamily="34" charset="0"/>
+            </a:endParaRPr>
+          </a:p>
+          <a:p>
+            <a:pPr lvl="1" eaLnBrk="1" hangingPunct="1"/>
+            <a:r>
+              <a:rPr lang="de-AT" sz="1400" dirty="0" smtClean="0">
+                <a:solidFill>
+                  <a:schemeClr val="bg2">
+                    <a:lumMod val="75000"/>
+                  </a:schemeClr>
+                </a:solidFill>
+                <a:latin typeface="Arial" pitchFamily="34" charset="0"/>
+                <a:cs typeface="Arial" pitchFamily="34" charset="0"/>
+              </a:rPr>
+              <a:t>Klassifikation </a:t>
+            </a:r>
+          </a:p>
+          <a:p>
+            <a:pPr eaLnBrk="1" hangingPunct="1">
+              <a:buFont typeface="Wingdings" pitchFamily="2" charset="2"/>
+              <a:buChar char="§"/>
+            </a:pPr>
+            <a:endParaRPr lang="de-AT" sz="1600" dirty="0" smtClean="0">
               <a:solidFill>
                 <a:schemeClr val="bg2">
                   <a:lumMod val="75000"/>
@@ -7724,7 +10357,7 @@
         </p:nvSpPr>
         <p:spPr>
           <a:xfrm>
-            <a:off x="6929454" y="5429264"/>
+            <a:off x="7000892" y="5429264"/>
             <a:ext cx="1857388" cy="720197"/>
           </a:xfrm>
           <a:prstGeom prst="rect">
@@ -9162,7 +11795,7 @@
         </p:nvSpPr>
         <p:spPr bwMode="auto">
           <a:xfrm>
-            <a:off x="7000892" y="4929198"/>
+            <a:off x="7143768" y="4929198"/>
             <a:ext cx="642942" cy="285752"/>
           </a:xfrm>
           <a:prstGeom prst="downArrow">
@@ -9522,15 +12155,6 @@
               </a:rPr>
               <a:t>SVN - Google Code Repository</a:t>
             </a:r>
-            <a:endParaRPr lang="de-AT" sz="1400" dirty="0" smtClean="0">
-              <a:solidFill>
-                <a:schemeClr val="bg2">
-                  <a:lumMod val="75000"/>
-                </a:schemeClr>
-              </a:solidFill>
-              <a:latin typeface="Arial" pitchFamily="34" charset="0"/>
-              <a:cs typeface="Arial" pitchFamily="34" charset="0"/>
-            </a:endParaRPr>
           </a:p>
           <a:p>
             <a:pPr eaLnBrk="1" hangingPunct="1">
@@ -9663,19 +12287,7 @@
                 <a:latin typeface="Arial" pitchFamily="34" charset="0"/>
                 <a:cs typeface="Arial" pitchFamily="34" charset="0"/>
               </a:rPr>
-              <a:t> </a:t>
-            </a:r>
-            <a:r>
-              <a:rPr lang="de-AT" sz="1400" dirty="0" smtClean="0">
-                <a:solidFill>
-                  <a:schemeClr val="bg2">
-                    <a:lumMod val="75000"/>
-                  </a:schemeClr>
-                </a:solidFill>
-                <a:latin typeface="Arial" pitchFamily="34" charset="0"/>
-                <a:cs typeface="Arial" pitchFamily="34" charset="0"/>
-              </a:rPr>
-              <a:t>Apache </a:t>
+              <a:t> Apache </a:t>
             </a:r>
             <a:r>
               <a:rPr lang="de-AT" sz="1400" dirty="0" err="1" smtClean="0">
@@ -10014,7 +12626,7 @@
           <p:nvPr/>
         </p:nvPicPr>
         <p:blipFill>
-          <a:blip r:embed="rId2"/>
+          <a:blip r:embed="rId3"/>
           <a:srcRect/>
           <a:stretch>
             <a:fillRect/>
@@ -11448,13 +14060,6 @@
               </a:rPr>
               <a:t> Top 100 Tags </a:t>
             </a:r>
-            <a:endParaRPr lang="de-AT" dirty="0" smtClean="0">
-              <a:solidFill>
-                <a:schemeClr val="bg2">
-                  <a:lumMod val="75000"/>
-                </a:schemeClr>
-              </a:solidFill>
-            </a:endParaRPr>
           </a:p>
           <a:p>
             <a:pPr lvl="1" eaLnBrk="1" hangingPunct="1"/>
@@ -11466,27 +14071,7 @@
                   </a:schemeClr>
                 </a:solidFill>
               </a:rPr>
-              <a:t>neue </a:t>
-            </a:r>
-            <a:r>
-              <a:rPr lang="de-AT" dirty="0" smtClean="0">
-                <a:solidFill>
-                  <a:schemeClr val="bg2">
-                    <a:lumMod val="75000"/>
-                  </a:schemeClr>
-                </a:solidFill>
-              </a:rPr>
-              <a:t>Gewichte </a:t>
-            </a:r>
-            <a:r>
-              <a:rPr lang="de-AT" dirty="0" smtClean="0">
-                <a:solidFill>
-                  <a:schemeClr val="bg2">
-                    <a:lumMod val="75000"/>
-                  </a:schemeClr>
-                </a:solidFill>
-              </a:rPr>
-              <a:t>nach Term </a:t>
+              <a:t>neue Gewichte nach Term </a:t>
             </a:r>
             <a:r>
               <a:rPr lang="de-AT" dirty="0" err="1" smtClean="0">
@@ -11818,7 +14403,7 @@
                   </a:schemeClr>
                 </a:solidFill>
               </a:rPr>
-              <a:t>Ähnlichkeiten – </a:t>
+              <a:t>Ähnlichkeiten –Tag </a:t>
             </a:r>
             <a:r>
               <a:rPr lang="de-AT" dirty="0" err="1" smtClean="0">
@@ -11828,6 +14413,26 @@
                   </a:schemeClr>
                 </a:solidFill>
               </a:rPr>
+              <a:t>Cloud</a:t>
+            </a:r>
+            <a:r>
+              <a:rPr lang="de-AT" dirty="0" smtClean="0">
+                <a:solidFill>
+                  <a:schemeClr val="bg2">
+                    <a:lumMod val="75000"/>
+                  </a:schemeClr>
+                </a:solidFill>
+              </a:rPr>
+              <a:t> </a:t>
+            </a:r>
+            <a:r>
+              <a:rPr lang="de-AT" dirty="0" err="1" smtClean="0">
+                <a:solidFill>
+                  <a:schemeClr val="bg2">
+                    <a:lumMod val="75000"/>
+                  </a:schemeClr>
+                </a:solidFill>
+              </a:rPr>
               <a:t>LastFM</a:t>
             </a:r>
             <a:r>
@@ -11838,7 +14443,7 @@
                   </a:schemeClr>
                 </a:solidFill>
               </a:rPr>
-              <a:t> zu Google gewichtete Ähnlichkeiten</a:t>
+              <a:t> gewichtete Ähnlichkeiten (I)</a:t>
             </a:r>
           </a:p>
           <a:p>
@@ -11956,11 +14561,56 @@
           </a:p>
         </p:txBody>
       </p:sp>
+      <p:graphicFrame>
+        <p:nvGraphicFramePr>
+          <p:cNvPr id="5" name="Diagramm 4"/>
+          <p:cNvGraphicFramePr/>
+          <p:nvPr/>
+        </p:nvGraphicFramePr>
+        <p:xfrm>
+          <a:off x="928662" y="2328874"/>
+          <a:ext cx="6215106" cy="3343289"/>
+        </p:xfrm>
+        <a:graphic>
+          <a:graphicData uri="http://schemas.openxmlformats.org/drawingml/2006/chart">
+            <c:chart xmlns:c="http://schemas.openxmlformats.org/drawingml/2006/chart" xmlns:r="http://schemas.openxmlformats.org/officeDocument/2006/relationships" r:id="rId3"/>
+          </a:graphicData>
+        </a:graphic>
+      </p:graphicFrame>
+      <p:pic>
+        <p:nvPicPr>
+          <p:cNvPr id="7" name="Picture 11" descr="LastfmLogo"/>
+          <p:cNvPicPr>
+            <a:picLocks noChangeAspect="1" noChangeArrowheads="1"/>
+          </p:cNvPicPr>
+          <p:nvPr/>
+        </p:nvPicPr>
+        <p:blipFill>
+          <a:blip r:embed="rId4"/>
+          <a:srcRect/>
+          <a:stretch>
+            <a:fillRect/>
+          </a:stretch>
+        </p:blipFill>
+        <p:spPr>
+          <a:xfrm>
+            <a:off x="7715272" y="6215082"/>
+            <a:ext cx="1155326" cy="446725"/>
+          </a:xfrm>
+          <a:prstGeom prst="rect">
+            <a:avLst/>
+          </a:prstGeom>
+          <a:noFill/>
+        </p:spPr>
+      </p:pic>
     </p:spTree>
   </p:cSld>
   <p:clrMapOvr>
     <a:masterClrMapping/>
   </p:clrMapOvr>
+  <p:transition>
+    <p:fade/>
+  </p:transition>
   <p:timing>
     <p:tnLst>
       <p:par>

--- a/presentation/presentation.pptx
+++ b/presentation/presentation.pptx
@@ -5,10 +5,10 @@
     <p:sldMasterId id="2147483648" r:id="rId1"/>
   </p:sldMasterIdLst>
   <p:notesMasterIdLst>
-    <p:notesMasterId r:id="rId15"/>
+    <p:notesMasterId r:id="rId21"/>
   </p:notesMasterIdLst>
   <p:handoutMasterIdLst>
-    <p:handoutMasterId r:id="rId16"/>
+    <p:handoutMasterId r:id="rId22"/>
   </p:handoutMasterIdLst>
   <p:sldIdLst>
     <p:sldId id="256" r:id="rId2"/>
@@ -17,13 +17,19 @@
     <p:sldId id="270" r:id="rId5"/>
     <p:sldId id="264" r:id="rId6"/>
     <p:sldId id="265" r:id="rId7"/>
-    <p:sldId id="266" r:id="rId8"/>
-    <p:sldId id="268" r:id="rId9"/>
-    <p:sldId id="271" r:id="rId10"/>
-    <p:sldId id="276" r:id="rId11"/>
-    <p:sldId id="273" r:id="rId12"/>
-    <p:sldId id="274" r:id="rId13"/>
-    <p:sldId id="275" r:id="rId14"/>
+    <p:sldId id="277" r:id="rId8"/>
+    <p:sldId id="278" r:id="rId9"/>
+    <p:sldId id="279" r:id="rId10"/>
+    <p:sldId id="280" r:id="rId11"/>
+    <p:sldId id="281" r:id="rId12"/>
+    <p:sldId id="282" r:id="rId13"/>
+    <p:sldId id="283" r:id="rId14"/>
+    <p:sldId id="268" r:id="rId15"/>
+    <p:sldId id="271" r:id="rId16"/>
+    <p:sldId id="276" r:id="rId17"/>
+    <p:sldId id="273" r:id="rId18"/>
+    <p:sldId id="274" r:id="rId19"/>
+    <p:sldId id="275" r:id="rId20"/>
   </p:sldIdLst>
   <p:sldSz cx="9144000" cy="6858000" type="screen4x3"/>
   <p:notesSz cx="6858000" cy="9144000"/>
@@ -157,7 +163,8 @@
 
 <file path=ppt/charts/chart1.xml><?xml version="1.0" encoding="utf-8"?>
 <c:chartSpace xmlns:c="http://schemas.openxmlformats.org/drawingml/2006/chart" xmlns:a="http://schemas.openxmlformats.org/drawingml/2006/main" xmlns:r="http://schemas.openxmlformats.org/officeDocument/2006/relationships">
-  <c:lang val="en-US"/>
+  <c:date1904 val="1"/>
+  <c:lang val="de-DE"/>
   <c:chart>
     <c:plotArea>
       <c:layout/>
@@ -214,19 +221,19 @@
                   <c:v>1</c:v>
                 </c:pt>
                 <c:pt idx="1">
-                  <c:v>0.57564800000000016</c:v>
+                  <c:v>0.57564800000000038</c:v>
                 </c:pt>
                 <c:pt idx="2">
-                  <c:v>3.1970000000000005E-2</c:v>
+                  <c:v>3.1970000000000012E-2</c:v>
                 </c:pt>
                 <c:pt idx="3">
-                  <c:v>0.2564240000000001</c:v>
+                  <c:v>0.25642400000000015</c:v>
                 </c:pt>
                 <c:pt idx="4">
-                  <c:v>8.9020000000000037E-3</c:v>
+                  <c:v>8.9020000000000071E-3</c:v>
                 </c:pt>
                 <c:pt idx="5">
-                  <c:v>1.2710000000000002E-3</c:v>
+                  <c:v>1.2710000000000004E-3</c:v>
                 </c:pt>
               </c:numCache>
             </c:numRef>
@@ -279,13 +286,13 @@
                 <c:formatCode>General</c:formatCode>
                 <c:ptCount val="6"/>
                 <c:pt idx="0">
-                  <c:v>0.57564800000000016</c:v>
+                  <c:v>0.57564800000000038</c:v>
                 </c:pt>
                 <c:pt idx="1">
                   <c:v>1</c:v>
                 </c:pt>
                 <c:pt idx="2">
-                  <c:v>5.2012000000000017E-2</c:v>
+                  <c:v>5.2012000000000037E-2</c:v>
                 </c:pt>
                 <c:pt idx="3">
                   <c:v>0.50629999999999997</c:v>
@@ -294,7 +301,7 @@
                   <c:v>1.2573000000000001E-2</c:v>
                 </c:pt>
                 <c:pt idx="5">
-                  <c:v>2.2190000000000005E-3</c:v>
+                  <c:v>2.2190000000000009E-3</c:v>
                 </c:pt>
               </c:numCache>
             </c:numRef>
@@ -347,19 +354,19 @@
                 <c:formatCode>General</c:formatCode>
                 <c:ptCount val="6"/>
                 <c:pt idx="0">
-                  <c:v>3.1970000000000005E-2</c:v>
+                  <c:v>3.1970000000000012E-2</c:v>
                 </c:pt>
                 <c:pt idx="1">
-                  <c:v>5.2012000000000017E-2</c:v>
+                  <c:v>5.2012000000000037E-2</c:v>
                 </c:pt>
                 <c:pt idx="2">
                   <c:v>1</c:v>
                 </c:pt>
                 <c:pt idx="3">
-                  <c:v>7.2690000000000018E-2</c:v>
+                  <c:v>7.2690000000000032E-2</c:v>
                 </c:pt>
                 <c:pt idx="4">
-                  <c:v>2.2490000000000006E-3</c:v>
+                  <c:v>2.249000000000001E-3</c:v>
                 </c:pt>
                 <c:pt idx="5">
                   <c:v>0</c:v>
@@ -415,19 +422,19 @@
                 <c:formatCode>General</c:formatCode>
                 <c:ptCount val="6"/>
                 <c:pt idx="0">
-                  <c:v>0.2564240000000001</c:v>
+                  <c:v>0.25642400000000015</c:v>
                 </c:pt>
                 <c:pt idx="1">
                   <c:v>0.50629999999999997</c:v>
                 </c:pt>
                 <c:pt idx="2">
-                  <c:v>7.2690000000000018E-2</c:v>
+                  <c:v>7.2690000000000032E-2</c:v>
                 </c:pt>
                 <c:pt idx="3">
                   <c:v>1</c:v>
                 </c:pt>
                 <c:pt idx="4">
-                  <c:v>1.5345000000000001E-2</c:v>
+                  <c:v>1.5345000000000003E-2</c:v>
                 </c:pt>
                 <c:pt idx="5">
                   <c:v>1.1479999999999999E-3</c:v>
@@ -483,16 +490,16 @@
                 <c:formatCode>General</c:formatCode>
                 <c:ptCount val="6"/>
                 <c:pt idx="0">
-                  <c:v>8.9020000000000037E-3</c:v>
+                  <c:v>8.9020000000000071E-3</c:v>
                 </c:pt>
                 <c:pt idx="1">
                   <c:v>1.2573000000000001E-2</c:v>
                 </c:pt>
                 <c:pt idx="2">
-                  <c:v>2.2490000000000006E-3</c:v>
+                  <c:v>2.249000000000001E-3</c:v>
                 </c:pt>
                 <c:pt idx="3">
-                  <c:v>1.5345000000000001E-2</c:v>
+                  <c:v>1.5345000000000003E-2</c:v>
                 </c:pt>
                 <c:pt idx="4">
                   <c:v>1</c:v>
@@ -551,10 +558,10 @@
                 <c:formatCode>General</c:formatCode>
                 <c:ptCount val="6"/>
                 <c:pt idx="0">
-                  <c:v>1.2710000000000002E-3</c:v>
+                  <c:v>1.2710000000000004E-3</c:v>
                 </c:pt>
                 <c:pt idx="1">
-                  <c:v>2.2190000000000005E-3</c:v>
+                  <c:v>2.2190000000000009E-3</c:v>
                 </c:pt>
                 <c:pt idx="2">
                   <c:v>0</c:v>
@@ -572,24 +579,34 @@
             </c:numRef>
           </c:val>
         </c:ser>
-        <c:axId val="69503616"/>
-        <c:axId val="69513600"/>
+        <c:axId val="98513664"/>
+        <c:axId val="98515584"/>
       </c:barChart>
       <c:catAx>
-        <c:axId val="69503616"/>
+        <c:axId val="98513664"/>
         <c:scaling>
           <c:orientation val="minMax"/>
         </c:scaling>
         <c:axPos val="b"/>
         <c:tickLblPos val="nextTo"/>
-        <c:crossAx val="69513600"/>
+        <c:txPr>
+          <a:bodyPr/>
+          <a:lstStyle/>
+          <a:p>
+            <a:pPr>
+              <a:defRPr lang="en-US"/>
+            </a:pPr>
+            <a:endParaRPr lang="de-DE"/>
+          </a:p>
+        </c:txPr>
+        <c:crossAx val="98515584"/>
         <c:crosses val="autoZero"/>
         <c:auto val="1"/>
         <c:lblAlgn val="ctr"/>
         <c:lblOffset val="100"/>
       </c:catAx>
       <c:valAx>
-        <c:axId val="69513600"/>
+        <c:axId val="98515584"/>
         <c:scaling>
           <c:orientation val="minMax"/>
           <c:max val="1"/>
@@ -598,7 +615,17 @@
         <c:majorGridlines/>
         <c:numFmt formatCode="General" sourceLinked="1"/>
         <c:tickLblPos val="nextTo"/>
-        <c:crossAx val="69503616"/>
+        <c:txPr>
+          <a:bodyPr/>
+          <a:lstStyle/>
+          <a:p>
+            <a:pPr>
+              <a:defRPr lang="en-US"/>
+            </a:pPr>
+            <a:endParaRPr lang="de-DE"/>
+          </a:p>
+        </c:txPr>
+        <c:crossAx val="98513664"/>
         <c:crosses val="autoZero"/>
         <c:crossBetween val="between"/>
       </c:valAx>
@@ -606,6 +633,16 @@
     <c:legend>
       <c:legendPos val="r"/>
       <c:layout/>
+      <c:txPr>
+        <a:bodyPr/>
+        <a:lstStyle/>
+        <a:p>
+          <a:pPr>
+            <a:defRPr lang="en-US"/>
+          </a:pPr>
+          <a:endParaRPr lang="de-DE"/>
+        </a:p>
+      </c:txPr>
     </c:legend>
     <c:plotVisOnly val="1"/>
   </c:chart>
@@ -616,7 +653,7 @@
 <file path=ppt/charts/chart2.xml><?xml version="1.0" encoding="utf-8"?>
 <c:chartSpace xmlns:c="http://schemas.openxmlformats.org/drawingml/2006/chart" xmlns:a="http://schemas.openxmlformats.org/drawingml/2006/main" xmlns:r="http://schemas.openxmlformats.org/officeDocument/2006/relationships">
   <c:date1904 val="1"/>
-  <c:lang val="en-US"/>
+  <c:lang val="de-DE"/>
   <c:chart>
     <c:plotArea>
       <c:layout/>
@@ -673,19 +710,19 @@
                   <c:v>1</c:v>
                 </c:pt>
                 <c:pt idx="1">
-                  <c:v>0.48331700000000005</c:v>
+                  <c:v>0.48331700000000011</c:v>
                 </c:pt>
                 <c:pt idx="2">
                   <c:v>0.16111700000000001</c:v>
                 </c:pt>
                 <c:pt idx="3">
-                  <c:v>0.35282800000000009</c:v>
+                  <c:v>0.3528280000000002</c:v>
                 </c:pt>
                 <c:pt idx="4">
                   <c:v>6.5276000000000001E-2</c:v>
                 </c:pt>
                 <c:pt idx="5">
-                  <c:v>3.8400000000000005E-3</c:v>
+                  <c:v>3.840000000000001E-3</c:v>
                 </c:pt>
               </c:numCache>
             </c:numRef>
@@ -738,7 +775,7 @@
                 <c:formatCode>General</c:formatCode>
                 <c:ptCount val="6"/>
                 <c:pt idx="0">
-                  <c:v>0.48331700000000005</c:v>
+                  <c:v>0.48331700000000011</c:v>
                 </c:pt>
                 <c:pt idx="1">
                   <c:v>1</c:v>
@@ -747,13 +784,13 @@
                   <c:v>0.22686799999999999</c:v>
                 </c:pt>
                 <c:pt idx="3">
-                  <c:v>0.56716999999999984</c:v>
+                  <c:v>0.56716999999999973</c:v>
                 </c:pt>
                 <c:pt idx="4">
                   <c:v>0.118311</c:v>
                 </c:pt>
                 <c:pt idx="5">
-                  <c:v>5.8550000000000008E-3</c:v>
+                  <c:v>5.8550000000000017E-3</c:v>
                 </c:pt>
               </c:numCache>
             </c:numRef>
@@ -815,13 +852,13 @@
                   <c:v>1</c:v>
                 </c:pt>
                 <c:pt idx="3">
-                  <c:v>0.3036600000000001</c:v>
+                  <c:v>0.30366000000000015</c:v>
                 </c:pt>
                 <c:pt idx="4">
                   <c:v>7.9821000000000003E-2</c:v>
                 </c:pt>
                 <c:pt idx="5">
-                  <c:v>0.32674600000000004</c:v>
+                  <c:v>0.32674600000000009</c:v>
                 </c:pt>
               </c:numCache>
             </c:numRef>
@@ -874,13 +911,13 @@
                 <c:formatCode>General</c:formatCode>
                 <c:ptCount val="6"/>
                 <c:pt idx="0">
-                  <c:v>0.35282800000000009</c:v>
+                  <c:v>0.3528280000000002</c:v>
                 </c:pt>
                 <c:pt idx="1">
-                  <c:v>0.56716999999999984</c:v>
+                  <c:v>0.56716999999999973</c:v>
                 </c:pt>
                 <c:pt idx="2">
-                  <c:v>0.3036600000000001</c:v>
+                  <c:v>0.30366000000000015</c:v>
                 </c:pt>
                 <c:pt idx="3">
                   <c:v>1</c:v>
@@ -957,7 +994,7 @@
                   <c:v>1</c:v>
                 </c:pt>
                 <c:pt idx="5">
-                  <c:v>4.1149999999999989E-3</c:v>
+                  <c:v>4.114999999999998E-3</c:v>
                 </c:pt>
               </c:numCache>
             </c:numRef>
@@ -1010,19 +1047,19 @@
                 <c:formatCode>General</c:formatCode>
                 <c:ptCount val="6"/>
                 <c:pt idx="0">
-                  <c:v>3.8400000000000005E-3</c:v>
+                  <c:v>3.840000000000001E-3</c:v>
                 </c:pt>
                 <c:pt idx="1">
-                  <c:v>5.8550000000000008E-3</c:v>
+                  <c:v>5.8550000000000017E-3</c:v>
                 </c:pt>
                 <c:pt idx="2">
-                  <c:v>0.32674600000000004</c:v>
+                  <c:v>0.32674600000000009</c:v>
                 </c:pt>
                 <c:pt idx="3">
                   <c:v>1.0199E-2</c:v>
                 </c:pt>
                 <c:pt idx="4">
-                  <c:v>4.1149999999999989E-3</c:v>
+                  <c:v>4.114999999999998E-3</c:v>
                 </c:pt>
                 <c:pt idx="5">
                   <c:v>1</c:v>
@@ -1031,24 +1068,34 @@
             </c:numRef>
           </c:val>
         </c:ser>
-        <c:axId val="69210496"/>
-        <c:axId val="69212032"/>
+        <c:axId val="103950976"/>
+        <c:axId val="103977344"/>
       </c:barChart>
       <c:catAx>
-        <c:axId val="69210496"/>
+        <c:axId val="103950976"/>
         <c:scaling>
           <c:orientation val="minMax"/>
         </c:scaling>
         <c:axPos val="b"/>
         <c:tickLblPos val="nextTo"/>
-        <c:crossAx val="69212032"/>
+        <c:txPr>
+          <a:bodyPr/>
+          <a:lstStyle/>
+          <a:p>
+            <a:pPr>
+              <a:defRPr lang="en-US"/>
+            </a:pPr>
+            <a:endParaRPr lang="de-DE"/>
+          </a:p>
+        </c:txPr>
+        <c:crossAx val="103977344"/>
         <c:crosses val="autoZero"/>
         <c:auto val="1"/>
         <c:lblAlgn val="ctr"/>
         <c:lblOffset val="100"/>
       </c:catAx>
       <c:valAx>
-        <c:axId val="69212032"/>
+        <c:axId val="103977344"/>
         <c:scaling>
           <c:orientation val="minMax"/>
           <c:max val="1"/>
@@ -1057,7 +1104,17 @@
         <c:majorGridlines/>
         <c:numFmt formatCode="General" sourceLinked="1"/>
         <c:tickLblPos val="nextTo"/>
-        <c:crossAx val="69210496"/>
+        <c:txPr>
+          <a:bodyPr/>
+          <a:lstStyle/>
+          <a:p>
+            <a:pPr>
+              <a:defRPr lang="en-US"/>
+            </a:pPr>
+            <a:endParaRPr lang="de-DE"/>
+          </a:p>
+        </c:txPr>
+        <c:crossAx val="103950976"/>
         <c:crosses val="autoZero"/>
         <c:crossBetween val="between"/>
       </c:valAx>
@@ -1065,6 +1122,16 @@
     <c:legend>
       <c:legendPos val="r"/>
       <c:layout/>
+      <c:txPr>
+        <a:bodyPr/>
+        <a:lstStyle/>
+        <a:p>
+          <a:pPr>
+            <a:defRPr lang="en-US"/>
+          </a:pPr>
+          <a:endParaRPr lang="de-DE"/>
+        </a:p>
+      </c:txPr>
     </c:legend>
     <c:plotVisOnly val="1"/>
   </c:chart>
@@ -1783,7 +1850,7 @@
               <a:pPr>
                 <a:defRPr/>
               </a:pPr>
-              <a:t>10</a:t>
+              <a:t>17</a:t>
             </a:fld>
             <a:endParaRPr lang="de-DE"/>
           </a:p>
@@ -1884,7 +1951,7 @@
               <a:pPr>
                 <a:defRPr/>
               </a:pPr>
-              <a:t>11</a:t>
+              <a:t>18</a:t>
             </a:fld>
             <a:endParaRPr lang="de-DE"/>
           </a:p>
@@ -1985,108 +2052,7 @@
               <a:pPr>
                 <a:defRPr/>
               </a:pPr>
-              <a:t>12</a:t>
-            </a:fld>
-            <a:endParaRPr lang="de-DE"/>
-          </a:p>
-        </p:txBody>
-      </p:sp>
-    </p:spTree>
-  </p:cSld>
-  <p:clrMapOvr>
-    <a:masterClrMapping/>
-  </p:clrMapOvr>
-</p:notes>
-</file>
-
-<file path=ppt/notesSlides/notesSlide13.xml><?xml version="1.0" encoding="utf-8"?>
-<p:notes xmlns:a="http://schemas.openxmlformats.org/drawingml/2006/main" xmlns:r="http://schemas.openxmlformats.org/officeDocument/2006/relationships" xmlns:p="http://schemas.openxmlformats.org/presentationml/2006/main">
-  <p:cSld>
-    <p:spTree>
-      <p:nvGrpSpPr>
-        <p:cNvPr id="1" name=""/>
-        <p:cNvGrpSpPr/>
-        <p:nvPr/>
-      </p:nvGrpSpPr>
-      <p:grpSpPr>
-        <a:xfrm>
-          <a:off x="0" y="0"/>
-          <a:ext cx="0" cy="0"/>
-          <a:chOff x="0" y="0"/>
-          <a:chExt cx="0" cy="0"/>
-        </a:xfrm>
-      </p:grpSpPr>
-      <p:sp>
-        <p:nvSpPr>
-          <p:cNvPr id="2" name="Folienbildplatzhalter 1"/>
-          <p:cNvSpPr>
-            <a:spLocks noGrp="1" noRot="1" noChangeAspect="1"/>
-          </p:cNvSpPr>
-          <p:nvPr>
-            <p:ph type="sldImg"/>
-          </p:nvPr>
-        </p:nvSpPr>
-        <p:spPr>
-          <a:xfrm>
-            <a:off x="1143000" y="685800"/>
-            <a:ext cx="4572000" cy="3429000"/>
-          </a:xfrm>
-          <a:prstGeom prst="rect">
-            <a:avLst/>
-          </a:prstGeom>
-          <a:noFill/>
-          <a:ln w="12700">
-            <a:solidFill>
-              <a:prstClr val="black"/>
-            </a:solidFill>
-          </a:ln>
-        </p:spPr>
-      </p:sp>
-      <p:sp>
-        <p:nvSpPr>
-          <p:cNvPr id="3" name="Notizenplatzhalter 2"/>
-          <p:cNvSpPr>
-            <a:spLocks noGrp="1"/>
-          </p:cNvSpPr>
-          <p:nvPr>
-            <p:ph type="body" idx="1"/>
-          </p:nvPr>
-        </p:nvSpPr>
-        <p:spPr/>
-        <p:txBody>
-          <a:bodyPr>
-            <a:normAutofit/>
-          </a:bodyPr>
-          <a:lstStyle/>
-          <a:p>
-            <a:endParaRPr lang="en-US"/>
-          </a:p>
-        </p:txBody>
-      </p:sp>
-      <p:sp>
-        <p:nvSpPr>
-          <p:cNvPr id="4" name="Foliennummernplatzhalter 3"/>
-          <p:cNvSpPr>
-            <a:spLocks noGrp="1"/>
-          </p:cNvSpPr>
-          <p:nvPr>
-            <p:ph type="sldNum" sz="quarter" idx="10"/>
-          </p:nvPr>
-        </p:nvSpPr>
-        <p:spPr/>
-        <p:txBody>
-          <a:bodyPr/>
-          <a:lstStyle/>
-          <a:p>
-            <a:pPr>
-              <a:defRPr/>
-            </a:pPr>
-            <a:fld id="{3C549A6F-F38E-4E7F-8356-DEE4D662C949}" type="slidenum">
-              <a:rPr lang="de-DE" smtClean="0"/>
-              <a:pPr>
-                <a:defRPr/>
-              </a:pPr>
-              <a:t>13</a:t>
+              <a:t>19</a:t>
             </a:fld>
             <a:endParaRPr lang="de-DE"/>
           </a:p>
@@ -2692,7 +2658,7 @@
               <a:pPr>
                 <a:defRPr/>
               </a:pPr>
-              <a:t>7</a:t>
+              <a:t>14</a:t>
             </a:fld>
             <a:endParaRPr lang="de-DE"/>
           </a:p>
@@ -2793,7 +2759,7 @@
               <a:pPr>
                 <a:defRPr/>
               </a:pPr>
-              <a:t>8</a:t>
+              <a:t>15</a:t>
             </a:fld>
             <a:endParaRPr lang="de-DE"/>
           </a:p>
@@ -2894,7 +2860,7 @@
               <a:pPr>
                 <a:defRPr/>
               </a:pPr>
-              <a:t>9</a:t>
+              <a:t>16</a:t>
             </a:fld>
             <a:endParaRPr lang="de-DE"/>
           </a:p>
@@ -4377,6 +4343,1901 @@
       </p:grpSpPr>
       <p:sp>
         <p:nvSpPr>
+          <p:cNvPr id="2" name="Titel 1"/>
+          <p:cNvSpPr>
+            <a:spLocks noGrp="1"/>
+          </p:cNvSpPr>
+          <p:nvPr>
+            <p:ph type="title"/>
+          </p:nvPr>
+        </p:nvSpPr>
+        <p:spPr/>
+        <p:txBody>
+          <a:bodyPr/>
+          <a:lstStyle/>
+          <a:p>
+            <a:endParaRPr lang="de-DE"/>
+          </a:p>
+        </p:txBody>
+      </p:sp>
+      <p:sp>
+        <p:nvSpPr>
+          <p:cNvPr id="3" name="Textplatzhalter 2"/>
+          <p:cNvSpPr>
+            <a:spLocks noGrp="1"/>
+          </p:cNvSpPr>
+          <p:nvPr>
+            <p:ph type="body" sz="quarter" idx="12"/>
+          </p:nvPr>
+        </p:nvSpPr>
+        <p:spPr/>
+        <p:txBody>
+          <a:bodyPr/>
+          <a:lstStyle/>
+          <a:p>
+            <a:endParaRPr lang="de-DE" dirty="0"/>
+          </a:p>
+        </p:txBody>
+      </p:sp>
+      <p:sp>
+        <p:nvSpPr>
+          <p:cNvPr id="5" name="Textfeld 4"/>
+          <p:cNvSpPr txBox="1"/>
+          <p:nvPr/>
+        </p:nvSpPr>
+        <p:spPr>
+          <a:xfrm>
+            <a:off x="4500562" y="1928802"/>
+            <a:ext cx="4214842" cy="2480679"/>
+          </a:xfrm>
+          <a:prstGeom prst="rect">
+            <a:avLst/>
+          </a:prstGeom>
+          <a:noFill/>
+        </p:spPr>
+        <p:txBody>
+          <a:bodyPr wrap="square" rtlCol="0">
+            <a:spAutoFit/>
+          </a:bodyPr>
+          <a:lstStyle/>
+          <a:p>
+            <a:r>
+              <a:rPr lang="de-DE" dirty="0" err="1" smtClean="0"/>
+              <a:t>Similarity</a:t>
+            </a:r>
+            <a:r>
+              <a:rPr lang="de-DE" dirty="0" smtClean="0"/>
+              <a:t>: 0,87</a:t>
+            </a:r>
+          </a:p>
+          <a:p>
+            <a:pPr marL="180975" indent="-180975">
+              <a:buFont typeface="Wingdings" pitchFamily="2" charset="2"/>
+              <a:buChar char="§"/>
+            </a:pPr>
+            <a:r>
+              <a:rPr lang="de-DE" sz="1400" dirty="0" smtClean="0"/>
+              <a:t>Trennung der Wirkungszeiten deutlicher erkennbar </a:t>
+            </a:r>
+            <a:r>
+              <a:rPr lang="de-DE" sz="1400" dirty="0" smtClean="0">
+                <a:sym typeface="Wingdings" pitchFamily="2" charset="2"/>
+              </a:rPr>
+              <a:t> </a:t>
+            </a:r>
+            <a:r>
+              <a:rPr lang="de-DE" sz="1400" dirty="0" smtClean="0"/>
+              <a:t>Erste Gruppierungen</a:t>
+            </a:r>
+          </a:p>
+          <a:p>
+            <a:pPr marL="638175" lvl="1" indent="-180975">
+              <a:buFont typeface="Wingdings" pitchFamily="2" charset="2"/>
+              <a:buChar char="§"/>
+            </a:pPr>
+            <a:r>
+              <a:rPr lang="de-DE" sz="1400" dirty="0" smtClean="0"/>
+              <a:t>„Junge“ </a:t>
+            </a:r>
+            <a:r>
+              <a:rPr lang="de-DE" sz="1400" dirty="0" err="1" smtClean="0"/>
+              <a:t>Artists</a:t>
+            </a:r>
+            <a:r>
+              <a:rPr lang="de-DE" sz="1400" dirty="0" smtClean="0"/>
+              <a:t> </a:t>
+            </a:r>
+            <a:r>
+              <a:rPr lang="de-DE" sz="1400" dirty="0" smtClean="0"/>
+              <a:t>wie </a:t>
+            </a:r>
+            <a:r>
+              <a:rPr lang="de-DE" sz="1400" dirty="0" err="1" smtClean="0"/>
+              <a:t>Eminem</a:t>
+            </a:r>
+            <a:r>
+              <a:rPr lang="de-DE" sz="1400" dirty="0" smtClean="0"/>
+              <a:t> (2002), Sean Paul (2002), The Chemical Brothers (2002), Justin </a:t>
+            </a:r>
+            <a:r>
+              <a:rPr lang="de-DE" sz="1400" dirty="0" err="1" smtClean="0"/>
+              <a:t>Timerlake</a:t>
+            </a:r>
+            <a:r>
+              <a:rPr lang="de-DE" sz="1400" dirty="0" smtClean="0"/>
+              <a:t> (20093)</a:t>
+            </a:r>
+          </a:p>
+          <a:p>
+            <a:pPr marL="638175" lvl="1" indent="-180975">
+              <a:buFont typeface="Wingdings" pitchFamily="2" charset="2"/>
+              <a:buChar char="§"/>
+            </a:pPr>
+            <a:r>
+              <a:rPr lang="de-DE" sz="1400" dirty="0" smtClean="0"/>
+              <a:t>Ausreißer Leonard Cohen, Dave Brubeck und Kraftwerk haben zu keinen anderen mehr eine so hohe Ähnlichkeit</a:t>
+            </a:r>
+          </a:p>
+          <a:p>
+            <a:pPr marL="180975" indent="-180975">
+              <a:buFont typeface="Wingdings" pitchFamily="2" charset="2"/>
+              <a:buChar char="§"/>
+            </a:pPr>
+            <a:endParaRPr lang="de-DE" sz="1400" dirty="0" smtClean="0"/>
+          </a:p>
+        </p:txBody>
+      </p:sp>
+      <p:pic>
+        <p:nvPicPr>
+          <p:cNvPr id="6" name="Grafik 5" descr="0.96 Similarity.png"/>
+          <p:cNvPicPr>
+            <a:picLocks noChangeAspect="1"/>
+          </p:cNvPicPr>
+          <p:nvPr/>
+        </p:nvPicPr>
+        <p:blipFill>
+          <a:blip r:embed="rId2"/>
+          <a:stretch>
+            <a:fillRect/>
+          </a:stretch>
+        </p:blipFill>
+        <p:spPr>
+          <a:xfrm>
+            <a:off x="0" y="171474"/>
+            <a:ext cx="9144000" cy="6686550"/>
+          </a:xfrm>
+          <a:prstGeom prst="rect">
+            <a:avLst/>
+          </a:prstGeom>
+        </p:spPr>
+      </p:pic>
+      <p:sp>
+        <p:nvSpPr>
+          <p:cNvPr id="8" name="Textfeld 7"/>
+          <p:cNvSpPr txBox="1"/>
+          <p:nvPr/>
+        </p:nvSpPr>
+        <p:spPr>
+          <a:xfrm>
+            <a:off x="1428728" y="3143248"/>
+            <a:ext cx="4214842" cy="1317284"/>
+          </a:xfrm>
+          <a:prstGeom prst="rect">
+            <a:avLst/>
+          </a:prstGeom>
+          <a:noFill/>
+        </p:spPr>
+        <p:txBody>
+          <a:bodyPr wrap="square" rtlCol="0">
+            <a:spAutoFit/>
+          </a:bodyPr>
+          <a:lstStyle/>
+          <a:p>
+            <a:r>
+              <a:rPr lang="de-DE" dirty="0" err="1" smtClean="0"/>
+              <a:t>Similarity</a:t>
+            </a:r>
+            <a:r>
+              <a:rPr lang="de-DE" dirty="0" smtClean="0"/>
+              <a:t>: 0,96</a:t>
+            </a:r>
+          </a:p>
+          <a:p>
+            <a:pPr marL="180975" indent="-180975">
+              <a:buFont typeface="Wingdings" pitchFamily="2" charset="2"/>
+              <a:buChar char="§"/>
+            </a:pPr>
+            <a:r>
+              <a:rPr lang="de-DE" sz="1400" dirty="0" smtClean="0"/>
+              <a:t>Sehr starke Separierung (beinahe schon nach den </a:t>
+            </a:r>
+            <a:r>
+              <a:rPr lang="de-DE" sz="1400" dirty="0" err="1" smtClean="0"/>
+              <a:t>Featurewerten</a:t>
+            </a:r>
+            <a:r>
+              <a:rPr lang="de-DE" sz="1400" dirty="0" smtClean="0"/>
+              <a:t>/der Wirkungszeit selbst)</a:t>
+            </a:r>
+            <a:endParaRPr lang="de-DE" sz="1400" dirty="0" smtClean="0"/>
+          </a:p>
+          <a:p>
+            <a:pPr marL="180975" indent="-180975">
+              <a:buFont typeface="Wingdings" pitchFamily="2" charset="2"/>
+              <a:buChar char="§"/>
+            </a:pPr>
+            <a:r>
+              <a:rPr lang="de-DE" sz="1400" dirty="0" smtClean="0"/>
+              <a:t>Gruppierungen sind eher zufällig und wenig aussagekräftig</a:t>
+            </a:r>
+          </a:p>
+        </p:txBody>
+      </p:sp>
+    </p:spTree>
+  </p:cSld>
+  <p:clrMapOvr>
+    <a:masterClrMapping/>
+  </p:clrMapOvr>
+</p:sld>
+</file>
+
+<file path=ppt/slides/slide11.xml><?xml version="1.0" encoding="utf-8"?>
+<p:sld xmlns:a="http://schemas.openxmlformats.org/drawingml/2006/main" xmlns:r="http://schemas.openxmlformats.org/officeDocument/2006/relationships" xmlns:p="http://schemas.openxmlformats.org/presentationml/2006/main">
+  <p:cSld>
+    <p:spTree>
+      <p:nvGrpSpPr>
+        <p:cNvPr id="1" name=""/>
+        <p:cNvGrpSpPr/>
+        <p:nvPr/>
+      </p:nvGrpSpPr>
+      <p:grpSpPr>
+        <a:xfrm>
+          <a:off x="0" y="0"/>
+          <a:ext cx="0" cy="0"/>
+          <a:chOff x="0" y="0"/>
+          <a:chExt cx="0" cy="0"/>
+        </a:xfrm>
+      </p:grpSpPr>
+      <p:pic>
+        <p:nvPicPr>
+          <p:cNvPr id="7" name="Grafik 6" descr="0.87 Similarity.png"/>
+          <p:cNvPicPr>
+            <a:picLocks noChangeAspect="1"/>
+          </p:cNvPicPr>
+          <p:nvPr/>
+        </p:nvPicPr>
+        <p:blipFill>
+          <a:blip r:embed="rId2"/>
+          <a:stretch>
+            <a:fillRect/>
+          </a:stretch>
+        </p:blipFill>
+        <p:spPr>
+          <a:xfrm>
+            <a:off x="0" y="171474"/>
+            <a:ext cx="9144000" cy="6686550"/>
+          </a:xfrm>
+          <a:prstGeom prst="rect">
+            <a:avLst/>
+          </a:prstGeom>
+        </p:spPr>
+      </p:pic>
+      <p:sp>
+        <p:nvSpPr>
+          <p:cNvPr id="2" name="Titel 1"/>
+          <p:cNvSpPr>
+            <a:spLocks noGrp="1"/>
+          </p:cNvSpPr>
+          <p:nvPr>
+            <p:ph type="title"/>
+          </p:nvPr>
+        </p:nvSpPr>
+        <p:spPr/>
+        <p:txBody>
+          <a:bodyPr/>
+          <a:lstStyle/>
+          <a:p>
+            <a:endParaRPr lang="de-DE"/>
+          </a:p>
+        </p:txBody>
+      </p:sp>
+      <p:sp>
+        <p:nvSpPr>
+          <p:cNvPr id="3" name="Textplatzhalter 2"/>
+          <p:cNvSpPr>
+            <a:spLocks noGrp="1"/>
+          </p:cNvSpPr>
+          <p:nvPr>
+            <p:ph type="body" sz="quarter" idx="12"/>
+          </p:nvPr>
+        </p:nvSpPr>
+        <p:spPr/>
+        <p:txBody>
+          <a:bodyPr/>
+          <a:lstStyle/>
+          <a:p>
+            <a:endParaRPr lang="de-DE" dirty="0"/>
+          </a:p>
+        </p:txBody>
+      </p:sp>
+      <p:sp>
+        <p:nvSpPr>
+          <p:cNvPr id="5" name="Textfeld 4"/>
+          <p:cNvSpPr txBox="1"/>
+          <p:nvPr/>
+        </p:nvSpPr>
+        <p:spPr>
+          <a:xfrm>
+            <a:off x="4500562" y="1928802"/>
+            <a:ext cx="4214842" cy="2480679"/>
+          </a:xfrm>
+          <a:prstGeom prst="rect">
+            <a:avLst/>
+          </a:prstGeom>
+          <a:noFill/>
+        </p:spPr>
+        <p:txBody>
+          <a:bodyPr wrap="square" rtlCol="0">
+            <a:spAutoFit/>
+          </a:bodyPr>
+          <a:lstStyle/>
+          <a:p>
+            <a:r>
+              <a:rPr lang="de-DE" dirty="0" err="1" smtClean="0"/>
+              <a:t>Similarity</a:t>
+            </a:r>
+            <a:r>
+              <a:rPr lang="de-DE" dirty="0" smtClean="0"/>
+              <a:t>: 0,87</a:t>
+            </a:r>
+          </a:p>
+          <a:p>
+            <a:pPr marL="180975" indent="-180975">
+              <a:buFont typeface="Wingdings" pitchFamily="2" charset="2"/>
+              <a:buChar char="§"/>
+            </a:pPr>
+            <a:r>
+              <a:rPr lang="de-DE" sz="1400" dirty="0" smtClean="0"/>
+              <a:t>Trennung der Wirkungszeiten deutlicher erkennbar als bei 0,75 </a:t>
+            </a:r>
+            <a:r>
+              <a:rPr lang="de-DE" sz="1400" dirty="0" smtClean="0">
+                <a:sym typeface="Wingdings" pitchFamily="2" charset="2"/>
+              </a:rPr>
+              <a:t> </a:t>
+            </a:r>
+            <a:r>
+              <a:rPr lang="de-DE" sz="1400" dirty="0" smtClean="0"/>
+              <a:t>Erste Gruppierungen</a:t>
+            </a:r>
+          </a:p>
+          <a:p>
+            <a:pPr marL="638175" lvl="1" indent="-180975">
+              <a:buFont typeface="Wingdings" pitchFamily="2" charset="2"/>
+              <a:buChar char="§"/>
+            </a:pPr>
+            <a:r>
+              <a:rPr lang="de-DE" sz="1400" dirty="0" smtClean="0"/>
+              <a:t>„Junge“ </a:t>
+            </a:r>
+            <a:r>
+              <a:rPr lang="de-DE" sz="1400" dirty="0" err="1" smtClean="0"/>
+              <a:t>Artists</a:t>
+            </a:r>
+            <a:r>
+              <a:rPr lang="de-DE" sz="1400" dirty="0" smtClean="0"/>
+              <a:t> </a:t>
+            </a:r>
+            <a:r>
+              <a:rPr lang="de-DE" sz="1400" dirty="0" smtClean="0"/>
+              <a:t>wie </a:t>
+            </a:r>
+            <a:r>
+              <a:rPr lang="de-DE" sz="1400" dirty="0" err="1" smtClean="0"/>
+              <a:t>Eminem</a:t>
+            </a:r>
+            <a:r>
+              <a:rPr lang="de-DE" sz="1400" dirty="0" smtClean="0"/>
+              <a:t> (2002), Sean Paul (2002), The Chemical Brothers (2002), Justin </a:t>
+            </a:r>
+            <a:r>
+              <a:rPr lang="de-DE" sz="1400" dirty="0" err="1" smtClean="0"/>
+              <a:t>Timerlake</a:t>
+            </a:r>
+            <a:r>
+              <a:rPr lang="de-DE" sz="1400" dirty="0" smtClean="0"/>
+              <a:t> (20093)</a:t>
+            </a:r>
+          </a:p>
+          <a:p>
+            <a:pPr marL="638175" lvl="1" indent="-180975">
+              <a:buFont typeface="Wingdings" pitchFamily="2" charset="2"/>
+              <a:buChar char="§"/>
+            </a:pPr>
+            <a:r>
+              <a:rPr lang="de-DE" sz="1400" dirty="0" smtClean="0"/>
+              <a:t>Ausreißer Leonard Cohen, Dave Brubeck und Kraftwerk haben zu keinen anderen mehr eine so hohe Ähnlichkeit</a:t>
+            </a:r>
+          </a:p>
+          <a:p>
+            <a:pPr marL="180975" indent="-180975">
+              <a:buFont typeface="Wingdings" pitchFamily="2" charset="2"/>
+              <a:buChar char="§"/>
+            </a:pPr>
+            <a:endParaRPr lang="de-DE" sz="1400" dirty="0" smtClean="0"/>
+          </a:p>
+        </p:txBody>
+      </p:sp>
+    </p:spTree>
+  </p:cSld>
+  <p:clrMapOvr>
+    <a:masterClrMapping/>
+  </p:clrMapOvr>
+</p:sld>
+</file>
+
+<file path=ppt/slides/slide12.xml><?xml version="1.0" encoding="utf-8"?>
+<p:sld xmlns:a="http://schemas.openxmlformats.org/drawingml/2006/main" xmlns:r="http://schemas.openxmlformats.org/officeDocument/2006/relationships" xmlns:p="http://schemas.openxmlformats.org/presentationml/2006/main">
+  <p:cSld>
+    <p:spTree>
+      <p:nvGrpSpPr>
+        <p:cNvPr id="1" name=""/>
+        <p:cNvGrpSpPr/>
+        <p:nvPr/>
+      </p:nvGrpSpPr>
+      <p:grpSpPr>
+        <a:xfrm>
+          <a:off x="0" y="0"/>
+          <a:ext cx="0" cy="0"/>
+          <a:chOff x="0" y="0"/>
+          <a:chExt cx="0" cy="0"/>
+        </a:xfrm>
+      </p:grpSpPr>
+      <p:sp>
+        <p:nvSpPr>
+          <p:cNvPr id="3" name="Textplatzhalter 2"/>
+          <p:cNvSpPr>
+            <a:spLocks noGrp="1"/>
+          </p:cNvSpPr>
+          <p:nvPr>
+            <p:ph type="body" sz="quarter" idx="12"/>
+          </p:nvPr>
+        </p:nvSpPr>
+        <p:spPr/>
+        <p:txBody>
+          <a:bodyPr/>
+          <a:lstStyle/>
+          <a:p>
+            <a:r>
+              <a:rPr lang="de-DE" dirty="0" smtClean="0"/>
+              <a:t>Mängel</a:t>
+            </a:r>
+          </a:p>
+          <a:p>
+            <a:pPr lvl="1"/>
+            <a:r>
+              <a:rPr lang="de-DE" dirty="0" smtClean="0"/>
+              <a:t>Bei älteren oder schon verstorbenen Künstler hat die berechnete nichts mit der tatsächlichen Wirkungszeit zu tun, v.a. im Genre Klassik: Wolfgang Amadeus Mozart (1993), J. S. Bach (2000)</a:t>
+            </a:r>
+          </a:p>
+          <a:p>
+            <a:pPr lvl="1"/>
+            <a:r>
+              <a:rPr lang="de-DE" dirty="0" smtClean="0"/>
+              <a:t>Gründe: Alben später veröffentlicht und teilweise in </a:t>
+            </a:r>
+            <a:r>
+              <a:rPr lang="de-DE" dirty="0" err="1" smtClean="0"/>
+              <a:t>lastFM</a:t>
+            </a:r>
+            <a:r>
+              <a:rPr lang="de-DE" dirty="0" smtClean="0"/>
+              <a:t> nicht so gut abgebildet</a:t>
+            </a:r>
+          </a:p>
+          <a:p>
+            <a:pPr lvl="1"/>
+            <a:endParaRPr lang="de-DE" dirty="0" smtClean="0"/>
+          </a:p>
+          <a:p>
+            <a:r>
+              <a:rPr lang="de-DE" dirty="0" smtClean="0"/>
+              <a:t>Genreähnlichkeiten</a:t>
+            </a:r>
+          </a:p>
+          <a:p>
+            <a:pPr lvl="1"/>
+            <a:r>
+              <a:rPr lang="de-DE" dirty="0" smtClean="0"/>
+              <a:t>Bei 0,96 Ähnlichkeit keine aussagekräftigen Ergebnisse (zu kleine Zeitintervalle)</a:t>
+            </a:r>
+          </a:p>
+          <a:p>
+            <a:pPr lvl="1"/>
+            <a:r>
+              <a:rPr lang="de-DE" dirty="0" smtClean="0"/>
+              <a:t>Bei 0,87 bessere Abbildung der Genres</a:t>
+            </a:r>
+            <a:br>
+              <a:rPr lang="de-DE" dirty="0" smtClean="0"/>
+            </a:br>
+            <a:r>
+              <a:rPr lang="de-DE" dirty="0" smtClean="0"/>
+              <a:t>Rap/Hip-Hop: </a:t>
+            </a:r>
+            <a:r>
+              <a:rPr lang="de-DE" dirty="0" err="1" smtClean="0"/>
+              <a:t>Eminem</a:t>
+            </a:r>
+            <a:r>
+              <a:rPr lang="de-DE" dirty="0" smtClean="0"/>
+              <a:t>, Missy Elliott; Electronic: The Chemical Brothers, </a:t>
+            </a:r>
+            <a:r>
+              <a:rPr lang="de-DE" dirty="0" err="1" smtClean="0"/>
+              <a:t>Fatboy</a:t>
+            </a:r>
+            <a:r>
+              <a:rPr lang="de-DE" dirty="0" smtClean="0"/>
+              <a:t> Slim</a:t>
+            </a:r>
+          </a:p>
+          <a:p>
+            <a:pPr lvl="1"/>
+            <a:r>
+              <a:rPr lang="de-DE" dirty="0" smtClean="0"/>
+              <a:t>Aber: Nicht empfehlenswert wegen großer Ungenauigkeiten und vieler Ausreißer!</a:t>
+            </a:r>
+          </a:p>
+          <a:p>
+            <a:endParaRPr lang="de-DE" dirty="0" smtClean="0"/>
+          </a:p>
+          <a:p>
+            <a:pPr lvl="2"/>
+            <a:endParaRPr lang="de-DE" dirty="0"/>
+          </a:p>
+          <a:p>
+            <a:pPr lvl="1"/>
+            <a:endParaRPr lang="de-DE" dirty="0" smtClean="0"/>
+          </a:p>
+          <a:p>
+            <a:pPr lvl="1"/>
+            <a:endParaRPr lang="de-DE" dirty="0" smtClean="0"/>
+          </a:p>
+          <a:p>
+            <a:endParaRPr lang="de-DE" dirty="0" smtClean="0"/>
+          </a:p>
+        </p:txBody>
+      </p:sp>
+      <p:sp>
+        <p:nvSpPr>
+          <p:cNvPr id="4" name="Rectangle 6"/>
+          <p:cNvSpPr>
+            <a:spLocks noChangeArrowheads="1"/>
+          </p:cNvSpPr>
+          <p:nvPr/>
+        </p:nvSpPr>
+        <p:spPr bwMode="auto">
+          <a:xfrm>
+            <a:off x="714348" y="857232"/>
+            <a:ext cx="6929486" cy="450833"/>
+          </a:xfrm>
+          <a:prstGeom prst="rect">
+            <a:avLst/>
+          </a:prstGeom>
+          <a:noFill/>
+          <a:ln w="9525">
+            <a:noFill/>
+            <a:miter lim="800000"/>
+            <a:headEnd/>
+            <a:tailEnd/>
+          </a:ln>
+        </p:spPr>
+        <p:txBody>
+          <a:bodyPr/>
+          <a:lstStyle/>
+          <a:p>
+            <a:pPr>
+              <a:spcBef>
+                <a:spcPct val="0"/>
+              </a:spcBef>
+            </a:pPr>
+            <a:r>
+              <a:rPr lang="en-US" sz="2400" dirty="0" err="1" smtClean="0">
+                <a:solidFill>
+                  <a:srgbClr val="9F9F9F"/>
+                </a:solidFill>
+                <a:latin typeface="Eurostile ExtendedTwo" pitchFamily="34" charset="0"/>
+                <a:ea typeface="+mj-ea"/>
+                <a:cs typeface="+mj-cs"/>
+              </a:rPr>
+              <a:t>Ergebnisse</a:t>
+            </a:r>
+            <a:endParaRPr lang="en-US" sz="2400" dirty="0">
+              <a:solidFill>
+                <a:srgbClr val="9F9F9F"/>
+              </a:solidFill>
+              <a:latin typeface="Eurostile ExtendedTwo" pitchFamily="34" charset="0"/>
+              <a:ea typeface="+mj-ea"/>
+              <a:cs typeface="+mj-cs"/>
+            </a:endParaRPr>
+          </a:p>
+        </p:txBody>
+      </p:sp>
+    </p:spTree>
+  </p:cSld>
+  <p:clrMapOvr>
+    <a:masterClrMapping/>
+  </p:clrMapOvr>
+  <p:timing>
+    <p:tnLst>
+      <p:par>
+        <p:cTn id="1" dur="indefinite" restart="never" nodeType="tmRoot"/>
+      </p:par>
+    </p:tnLst>
+  </p:timing>
+</p:sld>
+</file>
+
+<file path=ppt/slides/slide13.xml><?xml version="1.0" encoding="utf-8"?>
+<p:sld xmlns:a="http://schemas.openxmlformats.org/drawingml/2006/main" xmlns:r="http://schemas.openxmlformats.org/officeDocument/2006/relationships" xmlns:p="http://schemas.openxmlformats.org/presentationml/2006/main">
+  <p:cSld>
+    <p:spTree>
+      <p:nvGrpSpPr>
+        <p:cNvPr id="1" name=""/>
+        <p:cNvGrpSpPr/>
+        <p:nvPr/>
+      </p:nvGrpSpPr>
+      <p:grpSpPr>
+        <a:xfrm>
+          <a:off x="0" y="0"/>
+          <a:ext cx="0" cy="0"/>
+          <a:chOff x="0" y="0"/>
+          <a:chExt cx="0" cy="0"/>
+        </a:xfrm>
+      </p:grpSpPr>
+      <p:sp>
+        <p:nvSpPr>
+          <p:cNvPr id="3" name="Textplatzhalter 2"/>
+          <p:cNvSpPr>
+            <a:spLocks noGrp="1"/>
+          </p:cNvSpPr>
+          <p:nvPr>
+            <p:ph type="body" sz="quarter" idx="12"/>
+          </p:nvPr>
+        </p:nvSpPr>
+        <p:spPr/>
+        <p:txBody>
+          <a:bodyPr/>
+          <a:lstStyle/>
+          <a:p>
+            <a:pPr marL="0" indent="0">
+              <a:buNone/>
+            </a:pPr>
+            <a:r>
+              <a:rPr lang="de-DE" b="1" dirty="0" smtClean="0"/>
+              <a:t>Fazit</a:t>
+            </a:r>
+          </a:p>
+          <a:p>
+            <a:pPr marL="0" indent="0">
+              <a:buNone/>
+            </a:pPr>
+            <a:r>
+              <a:rPr lang="de-DE" dirty="0" smtClean="0"/>
+              <a:t>Zum Vergleich der aktiven </a:t>
+            </a:r>
+            <a:r>
+              <a:rPr lang="de-DE" dirty="0" err="1" smtClean="0"/>
+              <a:t>Wirkzeit</a:t>
+            </a:r>
+            <a:r>
+              <a:rPr lang="de-DE" dirty="0" smtClean="0"/>
+              <a:t> von </a:t>
+            </a:r>
+            <a:r>
+              <a:rPr lang="de-DE" dirty="0" err="1" smtClean="0"/>
+              <a:t>Artists</a:t>
+            </a:r>
+            <a:r>
+              <a:rPr lang="de-DE" dirty="0" smtClean="0"/>
+              <a:t> der letzten 30 Jahre gut geeignet </a:t>
+            </a:r>
+            <a:br>
+              <a:rPr lang="de-DE" dirty="0" smtClean="0"/>
+            </a:br>
+            <a:r>
+              <a:rPr lang="de-DE" dirty="0" smtClean="0">
+                <a:sym typeface="Wingdings" pitchFamily="2" charset="2"/>
+              </a:rPr>
+              <a:t> gute Darstellung WANN die meisten Alben veröffentlicht wurden</a:t>
+            </a:r>
+          </a:p>
+          <a:p>
+            <a:r>
+              <a:rPr lang="de-DE" dirty="0" smtClean="0">
+                <a:sym typeface="Wingdings" pitchFamily="2" charset="2"/>
+              </a:rPr>
+              <a:t>Keine Berücksichtigung ob </a:t>
+            </a:r>
+            <a:r>
+              <a:rPr lang="de-DE" dirty="0" err="1" smtClean="0">
+                <a:sym typeface="Wingdings" pitchFamily="2" charset="2"/>
+              </a:rPr>
+              <a:t>One</a:t>
+            </a:r>
+            <a:r>
+              <a:rPr lang="de-DE" dirty="0" smtClean="0">
+                <a:sym typeface="Wingdings" pitchFamily="2" charset="2"/>
+              </a:rPr>
+              <a:t>-Hit/Album-Wonder oder langjährig Veröffentlichungen </a:t>
+            </a:r>
+          </a:p>
+          <a:p>
+            <a:pPr lvl="1"/>
+            <a:endParaRPr lang="de-DE" dirty="0" smtClean="0"/>
+          </a:p>
+          <a:p>
+            <a:pPr marL="0" lvl="1" indent="0">
+              <a:buNone/>
+            </a:pPr>
+            <a:r>
+              <a:rPr lang="de-DE" sz="1600" b="1" dirty="0"/>
+              <a:t>Optimierung</a:t>
+            </a:r>
+          </a:p>
+          <a:p>
+            <a:r>
+              <a:rPr lang="de-DE" dirty="0" smtClean="0"/>
+              <a:t>Andere Berechnungsart des Features</a:t>
+            </a:r>
+          </a:p>
+          <a:p>
+            <a:pPr lvl="1"/>
+            <a:r>
+              <a:rPr lang="de-DE" dirty="0" smtClean="0"/>
+              <a:t>Mittelwert ohne Werte außerhalb der Standardabweichung</a:t>
+            </a:r>
+          </a:p>
+          <a:p>
+            <a:pPr lvl="1"/>
+            <a:r>
+              <a:rPr lang="de-DE" dirty="0" smtClean="0"/>
+              <a:t>Median  statt arithmetischem Mittel</a:t>
+            </a:r>
+          </a:p>
+          <a:p>
+            <a:pPr lvl="1"/>
+            <a:r>
+              <a:rPr lang="de-DE" dirty="0" smtClean="0"/>
+              <a:t>Ausdehnung der Wirkungszeit auf einen Bereich (von – bis)</a:t>
+            </a:r>
+          </a:p>
+          <a:p>
+            <a:r>
+              <a:rPr lang="de-DE" dirty="0" err="1" smtClean="0"/>
+              <a:t>Pre-Filtering</a:t>
+            </a:r>
+            <a:r>
+              <a:rPr lang="de-DE" dirty="0" smtClean="0"/>
+              <a:t> der verwendeten Alben</a:t>
+            </a:r>
+          </a:p>
+          <a:p>
+            <a:pPr lvl="1"/>
+            <a:r>
+              <a:rPr lang="de-DE" dirty="0" smtClean="0"/>
+              <a:t>Eliminieren von Titeln wie Best-</a:t>
+            </a:r>
+            <a:r>
+              <a:rPr lang="de-DE" dirty="0" err="1" smtClean="0"/>
+              <a:t>Of</a:t>
+            </a:r>
+            <a:r>
+              <a:rPr lang="de-DE" dirty="0" smtClean="0"/>
+              <a:t>, Greatest Hits,…</a:t>
+            </a:r>
+          </a:p>
+          <a:p>
+            <a:r>
+              <a:rPr lang="de-DE" dirty="0" smtClean="0"/>
+              <a:t>Kombination mit weiteren Informationen</a:t>
+            </a:r>
+          </a:p>
+          <a:p>
+            <a:pPr lvl="1"/>
+            <a:r>
+              <a:rPr lang="de-DE" dirty="0" smtClean="0"/>
+              <a:t>Jahreszahlen von Events (Konzerte, etc.)</a:t>
+            </a:r>
+          </a:p>
+          <a:p>
+            <a:pPr lvl="1"/>
+            <a:r>
+              <a:rPr lang="de-DE" dirty="0" smtClean="0"/>
+              <a:t>Artist Infos (Lebzeiten, etc.)</a:t>
+            </a:r>
+          </a:p>
+          <a:p>
+            <a:endParaRPr lang="de-DE" dirty="0" smtClean="0"/>
+          </a:p>
+          <a:p>
+            <a:pPr lvl="2"/>
+            <a:endParaRPr lang="de-DE" dirty="0"/>
+          </a:p>
+          <a:p>
+            <a:pPr lvl="1"/>
+            <a:endParaRPr lang="de-DE" dirty="0" smtClean="0"/>
+          </a:p>
+          <a:p>
+            <a:pPr lvl="1"/>
+            <a:endParaRPr lang="de-DE" dirty="0" smtClean="0"/>
+          </a:p>
+          <a:p>
+            <a:endParaRPr lang="de-DE" dirty="0" smtClean="0"/>
+          </a:p>
+        </p:txBody>
+      </p:sp>
+      <p:sp>
+        <p:nvSpPr>
+          <p:cNvPr id="4" name="Rectangle 6"/>
+          <p:cNvSpPr>
+            <a:spLocks noChangeArrowheads="1"/>
+          </p:cNvSpPr>
+          <p:nvPr/>
+        </p:nvSpPr>
+        <p:spPr bwMode="auto">
+          <a:xfrm>
+            <a:off x="714348" y="857232"/>
+            <a:ext cx="6929486" cy="450833"/>
+          </a:xfrm>
+          <a:prstGeom prst="rect">
+            <a:avLst/>
+          </a:prstGeom>
+          <a:noFill/>
+          <a:ln w="9525">
+            <a:noFill/>
+            <a:miter lim="800000"/>
+            <a:headEnd/>
+            <a:tailEnd/>
+          </a:ln>
+        </p:spPr>
+        <p:txBody>
+          <a:bodyPr/>
+          <a:lstStyle/>
+          <a:p>
+            <a:pPr>
+              <a:spcBef>
+                <a:spcPct val="0"/>
+              </a:spcBef>
+            </a:pPr>
+            <a:r>
+              <a:rPr lang="en-US" sz="2400" dirty="0" err="1" smtClean="0">
+                <a:solidFill>
+                  <a:srgbClr val="9F9F9F"/>
+                </a:solidFill>
+                <a:latin typeface="Eurostile ExtendedTwo" pitchFamily="34" charset="0"/>
+                <a:ea typeface="+mj-ea"/>
+                <a:cs typeface="+mj-cs"/>
+              </a:rPr>
+              <a:t>Fazit</a:t>
+            </a:r>
+            <a:r>
+              <a:rPr lang="en-US" sz="2400" dirty="0" smtClean="0">
+                <a:solidFill>
+                  <a:srgbClr val="9F9F9F"/>
+                </a:solidFill>
+                <a:latin typeface="Eurostile ExtendedTwo" pitchFamily="34" charset="0"/>
+                <a:ea typeface="+mj-ea"/>
+                <a:cs typeface="+mj-cs"/>
+              </a:rPr>
+              <a:t> &amp; </a:t>
+            </a:r>
+            <a:r>
+              <a:rPr lang="en-US" sz="2400" dirty="0" err="1" smtClean="0">
+                <a:solidFill>
+                  <a:srgbClr val="9F9F9F"/>
+                </a:solidFill>
+                <a:latin typeface="Eurostile ExtendedTwo" pitchFamily="34" charset="0"/>
+                <a:ea typeface="+mj-ea"/>
+                <a:cs typeface="+mj-cs"/>
+              </a:rPr>
+              <a:t>Optimierung</a:t>
+            </a:r>
+            <a:endParaRPr lang="en-US" sz="2400" dirty="0">
+              <a:solidFill>
+                <a:srgbClr val="9F9F9F"/>
+              </a:solidFill>
+              <a:latin typeface="Eurostile ExtendedTwo" pitchFamily="34" charset="0"/>
+              <a:ea typeface="+mj-ea"/>
+              <a:cs typeface="+mj-cs"/>
+            </a:endParaRPr>
+          </a:p>
+        </p:txBody>
+      </p:sp>
+    </p:spTree>
+  </p:cSld>
+  <p:clrMapOvr>
+    <a:masterClrMapping/>
+  </p:clrMapOvr>
+  <p:timing>
+    <p:tnLst>
+      <p:par>
+        <p:cTn id="1" dur="indefinite" restart="never" nodeType="tmRoot"/>
+      </p:par>
+    </p:tnLst>
+  </p:timing>
+</p:sld>
+</file>
+
+<file path=ppt/slides/slide14.xml><?xml version="1.0" encoding="utf-8"?>
+<p:sld xmlns:a="http://schemas.openxmlformats.org/drawingml/2006/main" xmlns:r="http://schemas.openxmlformats.org/officeDocument/2006/relationships" xmlns:p="http://schemas.openxmlformats.org/presentationml/2006/main">
+  <p:cSld>
+    <p:spTree>
+      <p:nvGrpSpPr>
+        <p:cNvPr id="1" name=""/>
+        <p:cNvGrpSpPr/>
+        <p:nvPr/>
+      </p:nvGrpSpPr>
+      <p:grpSpPr>
+        <a:xfrm>
+          <a:off x="0" y="0"/>
+          <a:ext cx="0" cy="0"/>
+          <a:chOff x="0" y="0"/>
+          <a:chExt cx="0" cy="0"/>
+        </a:xfrm>
+      </p:grpSpPr>
+      <p:sp>
+        <p:nvSpPr>
+          <p:cNvPr id="3075" name="Rectangle 2"/>
+          <p:cNvSpPr>
+            <a:spLocks noGrp="1" noChangeArrowheads="1"/>
+          </p:cNvSpPr>
+          <p:nvPr>
+            <p:ph type="body" sz="quarter" idx="12"/>
+          </p:nvPr>
+        </p:nvSpPr>
+        <p:spPr>
+          <a:xfrm>
+            <a:off x="571472" y="1795451"/>
+            <a:ext cx="8072494" cy="4357706"/>
+          </a:xfrm>
+          <a:noFill/>
+        </p:spPr>
+        <p:txBody>
+          <a:bodyPr anchor="t" anchorCtr="0"/>
+          <a:lstStyle/>
+          <a:p>
+            <a:pPr eaLnBrk="1" hangingPunct="1">
+              <a:buNone/>
+            </a:pPr>
+            <a:r>
+              <a:rPr lang="de-AT" sz="1600" b="1" dirty="0" smtClean="0">
+                <a:solidFill>
+                  <a:schemeClr val="bg2">
+                    <a:lumMod val="75000"/>
+                  </a:schemeClr>
+                </a:solidFill>
+                <a:latin typeface="Arial" pitchFamily="34" charset="0"/>
+                <a:cs typeface="Arial" pitchFamily="34" charset="0"/>
+              </a:rPr>
+              <a:t>Feature Extraktion und Ähnlichkeitsmaß (II) –</a:t>
+            </a:r>
+            <a:r>
+              <a:rPr lang="de-AT" b="1" dirty="0" smtClean="0">
+                <a:solidFill>
+                  <a:schemeClr val="bg2">
+                    <a:lumMod val="75000"/>
+                  </a:schemeClr>
+                </a:solidFill>
+              </a:rPr>
+              <a:t>Tag </a:t>
+            </a:r>
+            <a:r>
+              <a:rPr lang="de-AT" b="1" dirty="0" err="1" smtClean="0">
+                <a:solidFill>
+                  <a:schemeClr val="bg2">
+                    <a:lumMod val="75000"/>
+                  </a:schemeClr>
+                </a:solidFill>
+              </a:rPr>
+              <a:t>Cloud</a:t>
+            </a:r>
+            <a:r>
+              <a:rPr lang="de-AT" b="1" dirty="0" smtClean="0">
+                <a:solidFill>
+                  <a:schemeClr val="bg2">
+                    <a:lumMod val="75000"/>
+                  </a:schemeClr>
+                </a:solidFill>
+              </a:rPr>
+              <a:t> </a:t>
+            </a:r>
+          </a:p>
+          <a:p>
+            <a:pPr eaLnBrk="1" hangingPunct="1">
+              <a:buNone/>
+            </a:pPr>
+            <a:endParaRPr lang="de-AT" b="1" dirty="0" smtClean="0">
+              <a:solidFill>
+                <a:schemeClr val="bg2">
+                  <a:lumMod val="75000"/>
+                </a:schemeClr>
+              </a:solidFill>
+            </a:endParaRPr>
+          </a:p>
+          <a:p>
+            <a:pPr eaLnBrk="1" hangingPunct="1">
+              <a:buNone/>
+            </a:pPr>
+            <a:r>
+              <a:rPr lang="de-AT" b="1" dirty="0" err="1" smtClean="0">
+                <a:solidFill>
+                  <a:schemeClr val="bg2">
+                    <a:lumMod val="75000"/>
+                  </a:schemeClr>
+                </a:solidFill>
+              </a:rPr>
+              <a:t>LastFM</a:t>
+            </a:r>
+            <a:r>
+              <a:rPr lang="de-AT" b="1" dirty="0" smtClean="0">
+                <a:solidFill>
+                  <a:schemeClr val="bg2">
+                    <a:lumMod val="75000"/>
+                  </a:schemeClr>
+                </a:solidFill>
+              </a:rPr>
+              <a:t> gewichtet </a:t>
+            </a:r>
+          </a:p>
+          <a:p>
+            <a:pPr eaLnBrk="1" hangingPunct="1"/>
+            <a:r>
+              <a:rPr lang="de-AT" dirty="0" smtClean="0">
+                <a:solidFill>
+                  <a:schemeClr val="bg2">
+                    <a:lumMod val="75000"/>
+                  </a:schemeClr>
+                </a:solidFill>
+              </a:rPr>
+              <a:t>Extraktion der Top 100 Tags für einen Artist</a:t>
+            </a:r>
+          </a:p>
+          <a:p>
+            <a:pPr eaLnBrk="1" hangingPunct="1"/>
+            <a:r>
+              <a:rPr lang="de-AT" dirty="0" smtClean="0">
+                <a:solidFill>
+                  <a:schemeClr val="bg2">
+                    <a:lumMod val="75000"/>
+                  </a:schemeClr>
+                </a:solidFill>
+              </a:rPr>
+              <a:t>Tag </a:t>
+            </a:r>
+            <a:r>
+              <a:rPr lang="de-AT" dirty="0" err="1" smtClean="0">
+                <a:solidFill>
+                  <a:schemeClr val="bg2">
+                    <a:lumMod val="75000"/>
+                  </a:schemeClr>
+                </a:solidFill>
+              </a:rPr>
+              <a:t>Filtering</a:t>
+            </a:r>
+            <a:r>
+              <a:rPr lang="de-AT" dirty="0" smtClean="0">
+                <a:solidFill>
+                  <a:schemeClr val="bg2">
+                    <a:lumMod val="75000"/>
+                  </a:schemeClr>
+                </a:solidFill>
+              </a:rPr>
+              <a:t> </a:t>
+            </a:r>
+          </a:p>
+          <a:p>
+            <a:pPr lvl="1" eaLnBrk="1" hangingPunct="1"/>
+            <a:r>
+              <a:rPr lang="de-AT" dirty="0" smtClean="0">
+                <a:solidFill>
+                  <a:schemeClr val="bg2">
+                    <a:lumMod val="75000"/>
+                  </a:schemeClr>
+                </a:solidFill>
+              </a:rPr>
+              <a:t>Substrings der </a:t>
+            </a:r>
+            <a:r>
+              <a:rPr lang="de-AT" dirty="0" err="1" smtClean="0">
+                <a:solidFill>
+                  <a:schemeClr val="bg2">
+                    <a:lumMod val="75000"/>
+                  </a:schemeClr>
+                </a:solidFill>
+              </a:rPr>
+              <a:t>Artists</a:t>
+            </a:r>
+            <a:r>
+              <a:rPr lang="de-AT" dirty="0" smtClean="0">
+                <a:solidFill>
+                  <a:schemeClr val="bg2">
+                    <a:lumMod val="75000"/>
+                  </a:schemeClr>
+                </a:solidFill>
+              </a:rPr>
+              <a:t> („</a:t>
+            </a:r>
+            <a:r>
+              <a:rPr lang="de-AT" dirty="0" err="1" smtClean="0">
+                <a:solidFill>
+                  <a:schemeClr val="bg2">
+                    <a:lumMod val="75000"/>
+                  </a:schemeClr>
+                </a:solidFill>
+              </a:rPr>
+              <a:t>billy</a:t>
+            </a:r>
+            <a:r>
+              <a:rPr lang="de-AT" dirty="0" smtClean="0">
+                <a:solidFill>
+                  <a:schemeClr val="bg2">
+                    <a:lumMod val="75000"/>
+                  </a:schemeClr>
+                </a:solidFill>
+              </a:rPr>
+              <a:t> Joel“ </a:t>
+            </a:r>
+            <a:r>
+              <a:rPr lang="de-AT" dirty="0" smtClean="0">
+                <a:solidFill>
+                  <a:schemeClr val="bg2">
+                    <a:lumMod val="75000"/>
+                  </a:schemeClr>
+                </a:solidFill>
+                <a:sym typeface="Wingdings" pitchFamily="2" charset="2"/>
+              </a:rPr>
+              <a:t> </a:t>
+            </a:r>
+            <a:r>
+              <a:rPr lang="de-AT" dirty="0" err="1" smtClean="0">
+                <a:solidFill>
+                  <a:schemeClr val="bg2">
+                    <a:lumMod val="75000"/>
+                  </a:schemeClr>
+                </a:solidFill>
+                <a:sym typeface="Wingdings" pitchFamily="2" charset="2"/>
+              </a:rPr>
+              <a:t>billy</a:t>
+            </a:r>
+            <a:r>
+              <a:rPr lang="de-AT" dirty="0" smtClean="0">
+                <a:solidFill>
+                  <a:schemeClr val="bg2">
+                    <a:lumMod val="75000"/>
+                  </a:schemeClr>
+                </a:solidFill>
+                <a:sym typeface="Wingdings" pitchFamily="2" charset="2"/>
+              </a:rPr>
+              <a:t> </a:t>
+            </a:r>
+            <a:r>
+              <a:rPr lang="de-AT" dirty="0" err="1" smtClean="0">
+                <a:solidFill>
+                  <a:schemeClr val="bg2">
+                    <a:lumMod val="75000"/>
+                  </a:schemeClr>
+                </a:solidFill>
+                <a:sym typeface="Wingdings" pitchFamily="2" charset="2"/>
+              </a:rPr>
+              <a:t>joel</a:t>
+            </a:r>
+            <a:r>
+              <a:rPr lang="de-AT" dirty="0" smtClean="0">
+                <a:solidFill>
+                  <a:schemeClr val="bg2">
+                    <a:lumMod val="75000"/>
+                  </a:schemeClr>
+                </a:solidFill>
+                <a:sym typeface="Wingdings" pitchFamily="2" charset="2"/>
+              </a:rPr>
+              <a:t> </a:t>
+            </a:r>
+            <a:r>
+              <a:rPr lang="de-AT" dirty="0" err="1" smtClean="0">
+                <a:solidFill>
+                  <a:schemeClr val="bg2">
+                    <a:lumMod val="75000"/>
+                  </a:schemeClr>
+                </a:solidFill>
+                <a:sym typeface="Wingdings" pitchFamily="2" charset="2"/>
+              </a:rPr>
+              <a:t>billy-joel</a:t>
+            </a:r>
+            <a:r>
+              <a:rPr lang="de-AT" dirty="0" smtClean="0">
+                <a:solidFill>
+                  <a:schemeClr val="bg2">
+                    <a:lumMod val="75000"/>
+                  </a:schemeClr>
+                </a:solidFill>
+              </a:rPr>
+              <a:t>)</a:t>
+            </a:r>
+          </a:p>
+          <a:p>
+            <a:pPr eaLnBrk="1" hangingPunct="1"/>
+            <a:r>
+              <a:rPr lang="de-AT" dirty="0" smtClean="0">
+                <a:solidFill>
+                  <a:schemeClr val="bg2">
+                    <a:lumMod val="75000"/>
+                  </a:schemeClr>
+                </a:solidFill>
+              </a:rPr>
+              <a:t>Normierung der Tags [100,0]</a:t>
+            </a:r>
+          </a:p>
+          <a:p>
+            <a:pPr eaLnBrk="1" hangingPunct="1"/>
+            <a:r>
+              <a:rPr lang="de-AT" dirty="0" smtClean="0">
+                <a:solidFill>
+                  <a:schemeClr val="bg2">
+                    <a:lumMod val="75000"/>
+                  </a:schemeClr>
+                </a:solidFill>
+              </a:rPr>
+              <a:t>Cosinus Ähnlichkeitsmatrix</a:t>
+            </a:r>
+            <a:endParaRPr lang="de-AT" b="1" dirty="0" smtClean="0">
+              <a:solidFill>
+                <a:schemeClr val="bg2">
+                  <a:lumMod val="75000"/>
+                </a:schemeClr>
+              </a:solidFill>
+            </a:endParaRPr>
+          </a:p>
+          <a:p>
+            <a:pPr eaLnBrk="1" hangingPunct="1">
+              <a:buNone/>
+            </a:pPr>
+            <a:endParaRPr lang="de-AT" b="1" dirty="0" smtClean="0">
+              <a:solidFill>
+                <a:schemeClr val="bg2">
+                  <a:lumMod val="75000"/>
+                </a:schemeClr>
+              </a:solidFill>
+            </a:endParaRPr>
+          </a:p>
+          <a:p>
+            <a:pPr eaLnBrk="1" hangingPunct="1">
+              <a:buNone/>
+            </a:pPr>
+            <a:r>
+              <a:rPr lang="de-AT" b="1" dirty="0" smtClean="0">
+                <a:solidFill>
+                  <a:schemeClr val="bg2">
+                    <a:lumMod val="75000"/>
+                  </a:schemeClr>
+                </a:solidFill>
+              </a:rPr>
+              <a:t>Google gewichtet </a:t>
+            </a:r>
+          </a:p>
+          <a:p>
+            <a:pPr eaLnBrk="1" hangingPunct="1"/>
+            <a:r>
+              <a:rPr lang="de-AT" dirty="0" smtClean="0">
+                <a:solidFill>
+                  <a:schemeClr val="bg2">
+                    <a:lumMod val="75000"/>
+                  </a:schemeClr>
+                </a:solidFill>
+              </a:rPr>
+              <a:t>Basierenden auf </a:t>
+            </a:r>
+            <a:r>
+              <a:rPr lang="de-AT" dirty="0" err="1" smtClean="0">
+                <a:solidFill>
+                  <a:schemeClr val="bg2">
+                    <a:lumMod val="75000"/>
+                  </a:schemeClr>
+                </a:solidFill>
+              </a:rPr>
+              <a:t>LastFM</a:t>
+            </a:r>
+            <a:r>
+              <a:rPr lang="de-AT" dirty="0" smtClean="0">
+                <a:solidFill>
+                  <a:schemeClr val="bg2">
+                    <a:lumMod val="75000"/>
+                  </a:schemeClr>
+                </a:solidFill>
+              </a:rPr>
+              <a:t> Top 100 Tags </a:t>
+            </a:r>
+          </a:p>
+          <a:p>
+            <a:pPr lvl="1" eaLnBrk="1" hangingPunct="1"/>
+            <a:r>
+              <a:rPr lang="de-AT" dirty="0" smtClean="0">
+                <a:solidFill>
+                  <a:schemeClr val="bg2">
+                    <a:lumMod val="75000"/>
+                  </a:schemeClr>
+                </a:solidFill>
+              </a:rPr>
+              <a:t>neue Gewichte nach Term </a:t>
+            </a:r>
+            <a:r>
+              <a:rPr lang="de-AT" dirty="0" err="1" smtClean="0">
+                <a:solidFill>
+                  <a:schemeClr val="bg2">
+                    <a:lumMod val="75000"/>
+                  </a:schemeClr>
+                </a:solidFill>
+              </a:rPr>
+              <a:t>Frequency</a:t>
+            </a:r>
+            <a:endParaRPr lang="de-AT" dirty="0" smtClean="0">
+              <a:solidFill>
+                <a:schemeClr val="bg2">
+                  <a:lumMod val="75000"/>
+                </a:schemeClr>
+              </a:solidFill>
+            </a:endParaRPr>
+          </a:p>
+          <a:p>
+            <a:pPr eaLnBrk="1" hangingPunct="1"/>
+            <a:r>
+              <a:rPr lang="de-AT" dirty="0" smtClean="0">
+                <a:solidFill>
+                  <a:schemeClr val="bg2">
+                    <a:lumMod val="75000"/>
+                  </a:schemeClr>
+                </a:solidFill>
+              </a:rPr>
+              <a:t>Download der ersten 50 Dokumente des </a:t>
+            </a:r>
+            <a:r>
+              <a:rPr lang="de-AT" dirty="0" err="1" smtClean="0">
+                <a:solidFill>
+                  <a:schemeClr val="bg2">
+                    <a:lumMod val="75000"/>
+                  </a:schemeClr>
+                </a:solidFill>
+              </a:rPr>
+              <a:t>Search</a:t>
+            </a:r>
+            <a:r>
+              <a:rPr lang="de-AT" dirty="0" smtClean="0">
+                <a:solidFill>
+                  <a:schemeClr val="bg2">
+                    <a:lumMod val="75000"/>
+                  </a:schemeClr>
+                </a:solidFill>
+              </a:rPr>
+              <a:t> Terms „Artist Name“ </a:t>
+            </a:r>
+          </a:p>
+          <a:p>
+            <a:pPr lvl="1" eaLnBrk="1" hangingPunct="1"/>
+            <a:r>
+              <a:rPr lang="de-AT" dirty="0" err="1" smtClean="0">
+                <a:solidFill>
+                  <a:schemeClr val="bg2">
+                    <a:lumMod val="75000"/>
+                  </a:schemeClr>
+                </a:solidFill>
+              </a:rPr>
+              <a:t>Often</a:t>
+            </a:r>
+            <a:r>
+              <a:rPr lang="de-AT" dirty="0" smtClean="0">
+                <a:solidFill>
+                  <a:schemeClr val="bg2">
+                    <a:lumMod val="75000"/>
+                  </a:schemeClr>
+                </a:solidFill>
+              </a:rPr>
+              <a:t> gefunden Pages (Offizielle Homepage, </a:t>
+            </a:r>
+            <a:r>
+              <a:rPr lang="de-AT" dirty="0" err="1" smtClean="0">
+                <a:solidFill>
+                  <a:schemeClr val="bg2">
+                    <a:lumMod val="75000"/>
+                  </a:schemeClr>
+                </a:solidFill>
+              </a:rPr>
+              <a:t>Wikipedia</a:t>
+            </a:r>
+            <a:r>
+              <a:rPr lang="de-AT" dirty="0" smtClean="0">
+                <a:solidFill>
+                  <a:schemeClr val="bg2">
+                    <a:lumMod val="75000"/>
+                  </a:schemeClr>
+                </a:solidFill>
+              </a:rPr>
+              <a:t>, IMDB, Mp3 Musik Seiten)</a:t>
+            </a:r>
+          </a:p>
+          <a:p>
+            <a:pPr lvl="1" eaLnBrk="1" hangingPunct="1"/>
+            <a:r>
+              <a:rPr lang="de-AT" dirty="0" smtClean="0">
+                <a:solidFill>
+                  <a:schemeClr val="bg2">
+                    <a:lumMod val="75000"/>
+                  </a:schemeClr>
+                </a:solidFill>
+              </a:rPr>
+              <a:t>HTML, Script </a:t>
+            </a:r>
+            <a:r>
+              <a:rPr lang="de-AT" dirty="0" err="1" smtClean="0">
+                <a:solidFill>
+                  <a:schemeClr val="bg2">
+                    <a:lumMod val="75000"/>
+                  </a:schemeClr>
+                </a:solidFill>
+              </a:rPr>
+              <a:t>Filtering</a:t>
+            </a:r>
+            <a:r>
+              <a:rPr lang="de-AT" dirty="0" smtClean="0">
+                <a:solidFill>
+                  <a:schemeClr val="bg2">
+                    <a:lumMod val="75000"/>
+                  </a:schemeClr>
+                </a:solidFill>
+              </a:rPr>
+              <a:t> </a:t>
+            </a:r>
+          </a:p>
+          <a:p>
+            <a:pPr eaLnBrk="1" hangingPunct="1"/>
+            <a:r>
+              <a:rPr lang="de-AT" dirty="0" smtClean="0">
+                <a:solidFill>
+                  <a:schemeClr val="bg2">
+                    <a:lumMod val="75000"/>
+                  </a:schemeClr>
+                </a:solidFill>
+              </a:rPr>
+              <a:t>Cosinus Ähnlichkeitsmatrix</a:t>
+            </a:r>
+            <a:endParaRPr lang="de-AT" b="1" dirty="0" smtClean="0">
+              <a:solidFill>
+                <a:schemeClr val="bg2">
+                  <a:lumMod val="75000"/>
+                </a:schemeClr>
+              </a:solidFill>
+            </a:endParaRPr>
+          </a:p>
+          <a:p>
+            <a:pPr eaLnBrk="1" hangingPunct="1"/>
+            <a:endParaRPr lang="de-AT" dirty="0" smtClean="0">
+              <a:solidFill>
+                <a:schemeClr val="bg2">
+                  <a:lumMod val="75000"/>
+                </a:schemeClr>
+              </a:solidFill>
+            </a:endParaRPr>
+          </a:p>
+          <a:p>
+            <a:pPr eaLnBrk="1" hangingPunct="1"/>
+            <a:endParaRPr lang="de-AT" sz="1400" dirty="0" smtClean="0">
+              <a:solidFill>
+                <a:schemeClr val="bg2">
+                  <a:lumMod val="75000"/>
+                </a:schemeClr>
+              </a:solidFill>
+            </a:endParaRPr>
+          </a:p>
+          <a:p>
+            <a:pPr eaLnBrk="1" hangingPunct="1"/>
+            <a:endParaRPr lang="de-AT" sz="1600" dirty="0" smtClean="0">
+              <a:solidFill>
+                <a:schemeClr val="bg2">
+                  <a:lumMod val="75000"/>
+                </a:schemeClr>
+              </a:solidFill>
+              <a:latin typeface="Arial" pitchFamily="34" charset="0"/>
+              <a:cs typeface="Arial" pitchFamily="34" charset="0"/>
+            </a:endParaRPr>
+          </a:p>
+          <a:p>
+            <a:pPr eaLnBrk="1" hangingPunct="1">
+              <a:buFont typeface="Wingdings" pitchFamily="2" charset="2"/>
+              <a:buChar char="§"/>
+            </a:pPr>
+            <a:endParaRPr lang="de-DE" sz="1600" dirty="0" smtClean="0">
+              <a:solidFill>
+                <a:schemeClr val="bg2">
+                  <a:lumMod val="75000"/>
+                </a:schemeClr>
+              </a:solidFill>
+              <a:latin typeface="Arial" pitchFamily="34" charset="0"/>
+              <a:cs typeface="Arial" pitchFamily="34" charset="0"/>
+            </a:endParaRPr>
+          </a:p>
+          <a:p>
+            <a:pPr eaLnBrk="1" hangingPunct="1">
+              <a:buFont typeface="Wingdings" pitchFamily="2" charset="2"/>
+              <a:buChar char="§"/>
+            </a:pPr>
+            <a:endParaRPr lang="de-AT" sz="1600" b="1" dirty="0" smtClean="0">
+              <a:solidFill>
+                <a:schemeClr val="bg2">
+                  <a:lumMod val="75000"/>
+                </a:schemeClr>
+              </a:solidFill>
+              <a:latin typeface="Arial" pitchFamily="34" charset="0"/>
+              <a:cs typeface="Arial" pitchFamily="34" charset="0"/>
+            </a:endParaRPr>
+          </a:p>
+        </p:txBody>
+      </p:sp>
+      <p:sp>
+        <p:nvSpPr>
+          <p:cNvPr id="3076" name="Rectangle 6"/>
+          <p:cNvSpPr>
+            <a:spLocks noChangeArrowheads="1"/>
+          </p:cNvSpPr>
+          <p:nvPr/>
+        </p:nvSpPr>
+        <p:spPr bwMode="auto">
+          <a:xfrm>
+            <a:off x="714348" y="857232"/>
+            <a:ext cx="6929486" cy="450833"/>
+          </a:xfrm>
+          <a:prstGeom prst="rect">
+            <a:avLst/>
+          </a:prstGeom>
+          <a:noFill/>
+          <a:ln w="9525">
+            <a:noFill/>
+            <a:miter lim="800000"/>
+            <a:headEnd/>
+            <a:tailEnd/>
+          </a:ln>
+        </p:spPr>
+        <p:txBody>
+          <a:bodyPr/>
+          <a:lstStyle/>
+          <a:p>
+            <a:pPr>
+              <a:spcBef>
+                <a:spcPct val="0"/>
+              </a:spcBef>
+            </a:pPr>
+            <a:r>
+              <a:rPr lang="en-US" sz="2400" dirty="0" err="1" smtClean="0">
+                <a:solidFill>
+                  <a:srgbClr val="9F9F9F"/>
+                </a:solidFill>
+                <a:latin typeface="Eurostile ExtendedTwo" pitchFamily="34" charset="0"/>
+                <a:ea typeface="+mj-ea"/>
+                <a:cs typeface="+mj-cs"/>
+              </a:rPr>
+              <a:t>Informationsgewinnung</a:t>
+            </a:r>
+            <a:endParaRPr lang="en-US" sz="2400" dirty="0">
+              <a:solidFill>
+                <a:srgbClr val="9F9F9F"/>
+              </a:solidFill>
+              <a:latin typeface="Eurostile ExtendedTwo" pitchFamily="34" charset="0"/>
+              <a:ea typeface="+mj-ea"/>
+              <a:cs typeface="+mj-cs"/>
+            </a:endParaRPr>
+          </a:p>
+        </p:txBody>
+      </p:sp>
+    </p:spTree>
+  </p:cSld>
+  <p:clrMapOvr>
+    <a:masterClrMapping/>
+  </p:clrMapOvr>
+  <p:timing>
+    <p:tnLst>
+      <p:par>
+        <p:cTn id="1" dur="indefinite" restart="never" nodeType="tmRoot"/>
+      </p:par>
+    </p:tnLst>
+  </p:timing>
+</p:sld>
+</file>
+
+<file path=ppt/slides/slide15.xml><?xml version="1.0" encoding="utf-8"?>
+<p:sld xmlns:a="http://schemas.openxmlformats.org/drawingml/2006/main" xmlns:r="http://schemas.openxmlformats.org/officeDocument/2006/relationships" xmlns:p="http://schemas.openxmlformats.org/presentationml/2006/main">
+  <p:cSld>
+    <p:spTree>
+      <p:nvGrpSpPr>
+        <p:cNvPr id="1" name=""/>
+        <p:cNvGrpSpPr/>
+        <p:nvPr/>
+      </p:nvGrpSpPr>
+      <p:grpSpPr>
+        <a:xfrm>
+          <a:off x="0" y="0"/>
+          <a:ext cx="0" cy="0"/>
+          <a:chOff x="0" y="0"/>
+          <a:chExt cx="0" cy="0"/>
+        </a:xfrm>
+      </p:grpSpPr>
+      <p:sp>
+        <p:nvSpPr>
+          <p:cNvPr id="3075" name="Rectangle 2"/>
+          <p:cNvSpPr>
+            <a:spLocks noGrp="1" noChangeArrowheads="1"/>
+          </p:cNvSpPr>
+          <p:nvPr>
+            <p:ph type="body" sz="quarter" idx="12"/>
+          </p:nvPr>
+        </p:nvSpPr>
+        <p:spPr>
+          <a:xfrm>
+            <a:off x="571472" y="1795451"/>
+            <a:ext cx="8072494" cy="4357706"/>
+          </a:xfrm>
+          <a:noFill/>
+        </p:spPr>
+        <p:txBody>
+          <a:bodyPr anchor="t" anchorCtr="0"/>
+          <a:lstStyle/>
+          <a:p>
+            <a:pPr eaLnBrk="1" hangingPunct="1">
+              <a:buNone/>
+            </a:pPr>
+            <a:r>
+              <a:rPr lang="de-AT" dirty="0" smtClean="0">
+                <a:solidFill>
+                  <a:schemeClr val="bg2">
+                    <a:lumMod val="75000"/>
+                  </a:schemeClr>
+                </a:solidFill>
+              </a:rPr>
+              <a:t>Ähnlichkeiten –Tag </a:t>
+            </a:r>
+            <a:r>
+              <a:rPr lang="de-AT" dirty="0" err="1" smtClean="0">
+                <a:solidFill>
+                  <a:schemeClr val="bg2">
+                    <a:lumMod val="75000"/>
+                  </a:schemeClr>
+                </a:solidFill>
+              </a:rPr>
+              <a:t>Cloud</a:t>
+            </a:r>
+            <a:r>
+              <a:rPr lang="de-AT" dirty="0" smtClean="0">
+                <a:solidFill>
+                  <a:schemeClr val="bg2">
+                    <a:lumMod val="75000"/>
+                  </a:schemeClr>
+                </a:solidFill>
+              </a:rPr>
+              <a:t> </a:t>
+            </a:r>
+            <a:r>
+              <a:rPr lang="de-AT" dirty="0" err="1" smtClean="0">
+                <a:solidFill>
+                  <a:schemeClr val="bg2">
+                    <a:lumMod val="75000"/>
+                  </a:schemeClr>
+                </a:solidFill>
+              </a:rPr>
+              <a:t>LastFM</a:t>
+            </a:r>
+            <a:r>
+              <a:rPr lang="de-AT" dirty="0" smtClean="0">
+                <a:solidFill>
+                  <a:schemeClr val="bg2">
+                    <a:lumMod val="75000"/>
+                  </a:schemeClr>
+                </a:solidFill>
+              </a:rPr>
+              <a:t> gewichtete Ähnlichkeiten (I)</a:t>
+            </a:r>
+          </a:p>
+          <a:p>
+            <a:pPr eaLnBrk="1" hangingPunct="1">
+              <a:buNone/>
+            </a:pPr>
+            <a:endParaRPr lang="de-AT" sz="1600" dirty="0" smtClean="0">
+              <a:solidFill>
+                <a:schemeClr val="bg2">
+                  <a:lumMod val="75000"/>
+                </a:schemeClr>
+              </a:solidFill>
+              <a:latin typeface="Arial" pitchFamily="34" charset="0"/>
+              <a:cs typeface="Arial" pitchFamily="34" charset="0"/>
+            </a:endParaRPr>
+          </a:p>
+          <a:p>
+            <a:pPr eaLnBrk="1" hangingPunct="1">
+              <a:buNone/>
+            </a:pPr>
+            <a:endParaRPr lang="de-AT" sz="1600" dirty="0" smtClean="0">
+              <a:solidFill>
+                <a:schemeClr val="bg2">
+                  <a:lumMod val="75000"/>
+                </a:schemeClr>
+              </a:solidFill>
+              <a:latin typeface="Arial" pitchFamily="34" charset="0"/>
+              <a:cs typeface="Arial" pitchFamily="34" charset="0"/>
+            </a:endParaRPr>
+          </a:p>
+          <a:p>
+            <a:pPr eaLnBrk="1" hangingPunct="1">
+              <a:buFont typeface="Wingdings" pitchFamily="2" charset="2"/>
+              <a:buChar char="§"/>
+            </a:pPr>
+            <a:endParaRPr lang="de-DE" sz="1600" dirty="0" smtClean="0">
+              <a:solidFill>
+                <a:schemeClr val="bg2">
+                  <a:lumMod val="75000"/>
+                </a:schemeClr>
+              </a:solidFill>
+              <a:latin typeface="Arial" pitchFamily="34" charset="0"/>
+              <a:cs typeface="Arial" pitchFamily="34" charset="0"/>
+            </a:endParaRPr>
+          </a:p>
+          <a:p>
+            <a:pPr eaLnBrk="1" hangingPunct="1">
+              <a:buFont typeface="Wingdings" pitchFamily="2" charset="2"/>
+              <a:buChar char="§"/>
+            </a:pPr>
+            <a:endParaRPr lang="de-AT" sz="1600" b="1" dirty="0" smtClean="0">
+              <a:solidFill>
+                <a:schemeClr val="bg2">
+                  <a:lumMod val="75000"/>
+                </a:schemeClr>
+              </a:solidFill>
+              <a:latin typeface="Arial" pitchFamily="34" charset="0"/>
+              <a:cs typeface="Arial" pitchFamily="34" charset="0"/>
+            </a:endParaRPr>
+          </a:p>
+        </p:txBody>
+      </p:sp>
+      <p:sp>
+        <p:nvSpPr>
+          <p:cNvPr id="3076" name="Rectangle 6"/>
+          <p:cNvSpPr>
+            <a:spLocks noChangeArrowheads="1"/>
+          </p:cNvSpPr>
+          <p:nvPr/>
+        </p:nvSpPr>
+        <p:spPr bwMode="auto">
+          <a:xfrm>
+            <a:off x="714348" y="857232"/>
+            <a:ext cx="6929486" cy="450833"/>
+          </a:xfrm>
+          <a:prstGeom prst="rect">
+            <a:avLst/>
+          </a:prstGeom>
+          <a:noFill/>
+          <a:ln w="9525">
+            <a:noFill/>
+            <a:miter lim="800000"/>
+            <a:headEnd/>
+            <a:tailEnd/>
+          </a:ln>
+        </p:spPr>
+        <p:txBody>
+          <a:bodyPr/>
+          <a:lstStyle/>
+          <a:p>
+            <a:pPr>
+              <a:spcBef>
+                <a:spcPct val="0"/>
+              </a:spcBef>
+            </a:pPr>
+            <a:r>
+              <a:rPr lang="en-US" sz="2400" dirty="0" err="1" smtClean="0">
+                <a:solidFill>
+                  <a:srgbClr val="9F9F9F"/>
+                </a:solidFill>
+                <a:latin typeface="Eurostile ExtendedTwo" pitchFamily="34" charset="0"/>
+                <a:ea typeface="+mj-ea"/>
+                <a:cs typeface="+mj-cs"/>
+              </a:rPr>
+              <a:t>Ergebnisse</a:t>
+            </a:r>
+            <a:endParaRPr lang="en-US" sz="2400" dirty="0">
+              <a:solidFill>
+                <a:srgbClr val="9F9F9F"/>
+              </a:solidFill>
+              <a:latin typeface="Eurostile ExtendedTwo" pitchFamily="34" charset="0"/>
+              <a:ea typeface="+mj-ea"/>
+              <a:cs typeface="+mj-cs"/>
+            </a:endParaRPr>
+          </a:p>
+        </p:txBody>
+      </p:sp>
+      <p:graphicFrame>
+        <p:nvGraphicFramePr>
+          <p:cNvPr id="5" name="Diagramm 4"/>
+          <p:cNvGraphicFramePr/>
+          <p:nvPr/>
+        </p:nvGraphicFramePr>
+        <p:xfrm>
+          <a:off x="928662" y="2328874"/>
+          <a:ext cx="6215106" cy="3343289"/>
+        </p:xfrm>
+        <a:graphic>
+          <a:graphicData uri="http://schemas.openxmlformats.org/drawingml/2006/chart">
+            <c:chart xmlns:c="http://schemas.openxmlformats.org/drawingml/2006/chart" xmlns:r="http://schemas.openxmlformats.org/officeDocument/2006/relationships" r:id="rId3"/>
+          </a:graphicData>
+        </a:graphic>
+      </p:graphicFrame>
+      <p:pic>
+        <p:nvPicPr>
+          <p:cNvPr id="7" name="Picture 11" descr="LastfmLogo"/>
+          <p:cNvPicPr>
+            <a:picLocks noChangeAspect="1" noChangeArrowheads="1"/>
+          </p:cNvPicPr>
+          <p:nvPr/>
+        </p:nvPicPr>
+        <p:blipFill>
+          <a:blip r:embed="rId4"/>
+          <a:srcRect/>
+          <a:stretch>
+            <a:fillRect/>
+          </a:stretch>
+        </p:blipFill>
+        <p:spPr>
+          <a:xfrm>
+            <a:off x="7715272" y="6215082"/>
+            <a:ext cx="1155326" cy="446725"/>
+          </a:xfrm>
+          <a:prstGeom prst="rect">
+            <a:avLst/>
+          </a:prstGeom>
+          <a:noFill/>
+        </p:spPr>
+      </p:pic>
+    </p:spTree>
+  </p:cSld>
+  <p:clrMapOvr>
+    <a:masterClrMapping/>
+  </p:clrMapOvr>
+  <p:transition>
+    <p:fade/>
+  </p:transition>
+  <p:timing>
+    <p:tnLst>
+      <p:par>
+        <p:cTn id="1" dur="indefinite" restart="never" nodeType="tmRoot"/>
+      </p:par>
+    </p:tnLst>
+  </p:timing>
+</p:sld>
+</file>
+
+<file path=ppt/slides/slide16.xml><?xml version="1.0" encoding="utf-8"?>
+<p:sld xmlns:a="http://schemas.openxmlformats.org/drawingml/2006/main" xmlns:r="http://schemas.openxmlformats.org/officeDocument/2006/relationships" xmlns:p="http://schemas.openxmlformats.org/presentationml/2006/main">
+  <p:cSld>
+    <p:spTree>
+      <p:nvGrpSpPr>
+        <p:cNvPr id="1" name=""/>
+        <p:cNvGrpSpPr/>
+        <p:nvPr/>
+      </p:nvGrpSpPr>
+      <p:grpSpPr>
+        <a:xfrm>
+          <a:off x="0" y="0"/>
+          <a:ext cx="0" cy="0"/>
+          <a:chOff x="0" y="0"/>
+          <a:chExt cx="0" cy="0"/>
+        </a:xfrm>
+      </p:grpSpPr>
+      <p:sp>
+        <p:nvSpPr>
           <p:cNvPr id="3075" name="Rectangle 2"/>
           <p:cNvSpPr>
             <a:spLocks noGrp="1" noChangeArrowheads="1"/>
@@ -4605,7 +6466,7 @@
 </p:sld>
 </file>
 
-<file path=ppt/slides/slide11.xml><?xml version="1.0" encoding="utf-8"?>
+<file path=ppt/slides/slide17.xml><?xml version="1.0" encoding="utf-8"?>
 <p:sld xmlns:a="http://schemas.openxmlformats.org/drawingml/2006/main" xmlns:r="http://schemas.openxmlformats.org/officeDocument/2006/relationships" xmlns:p="http://schemas.openxmlformats.org/presentationml/2006/main">
   <p:cSld>
     <p:spTree>
@@ -4876,37 +6737,7 @@
                   </a:schemeClr>
                 </a:solidFill>
               </a:rPr>
-              <a:t> </a:t>
-            </a:r>
-            <a:r>
-              <a:rPr lang="de-AT" dirty="0" smtClean="0">
-                <a:solidFill>
-                  <a:schemeClr val="bg2">
-                    <a:lumMod val="75000"/>
-                  </a:schemeClr>
-                </a:solidFill>
-              </a:rPr>
-              <a:t> </a:t>
-            </a:r>
-            <a:r>
-              <a:rPr lang="de-AT" dirty="0" smtClean="0">
-                <a:solidFill>
-                  <a:schemeClr val="bg2">
-                    <a:lumMod val="75000"/>
-                  </a:schemeClr>
-                </a:solidFill>
-              </a:rPr>
-              <a:t>[0.0-1.0</a:t>
-            </a:r>
-            <a:r>
-              <a:rPr lang="de-AT" dirty="0" smtClean="0">
-                <a:solidFill>
-                  <a:schemeClr val="bg2">
-                    <a:lumMod val="75000"/>
-                  </a:schemeClr>
-                </a:solidFill>
-              </a:rPr>
-              <a:t>]                                                                                                                                                                                                                                                                                                                                                                                                                                                                                                                                                                                                                                                                                                                                                                                                                                                                                                                                                                                                                                                                                                                                                                                                                </a:t>
+              <a:t>  [0.0-1.0]                                                                                                                                                                                                                                                                                                                                                                                                                                                                                                                                                                                                                                                                                                                                                                                                                                                                                                                                                                                                                                                                                                                                                                                                                </a:t>
             </a:r>
           </a:p>
           <a:p>
@@ -5025,7 +6856,7 @@
 </p:sld>
 </file>
 
-<file path=ppt/slides/slide12.xml><?xml version="1.0" encoding="utf-8"?>
+<file path=ppt/slides/slide18.xml><?xml version="1.0" encoding="utf-8"?>
 <p:sld xmlns:a="http://schemas.openxmlformats.org/drawingml/2006/main" xmlns:r="http://schemas.openxmlformats.org/officeDocument/2006/relationships" xmlns:p="http://schemas.openxmlformats.org/presentationml/2006/main">
   <p:cSld>
     <p:spTree>
@@ -6168,7 +7999,7 @@
 </p:sld>
 </file>
 
-<file path=ppt/slides/slide13.xml><?xml version="1.0" encoding="utf-8"?>
+<file path=ppt/slides/slide19.xml><?xml version="1.0" encoding="utf-8"?>
 <p:sld xmlns:a="http://schemas.openxmlformats.org/drawingml/2006/main" xmlns:r="http://schemas.openxmlformats.org/officeDocument/2006/relationships" xmlns:p="http://schemas.openxmlformats.org/presentationml/2006/main">
   <p:cSld>
     <p:spTree>
@@ -13514,16 +15345,16 @@
               <a:t>Feature Extraktion und Ähnlichkeitsmaß (I) – Albumbasierte </a:t>
             </a:r>
             <a:r>
-              <a:rPr lang="de-AT" sz="1600" b="1" dirty="0" err="1" smtClean="0">
-                <a:solidFill>
-                  <a:schemeClr val="bg2">
-                    <a:lumMod val="75000"/>
-                  </a:schemeClr>
-                </a:solidFill>
-                <a:latin typeface="Arial" pitchFamily="34" charset="0"/>
-                <a:cs typeface="Arial" pitchFamily="34" charset="0"/>
-              </a:rPr>
-              <a:t>Wirkzeit</a:t>
+              <a:rPr lang="de-AT" sz="1600" b="1" dirty="0" smtClean="0">
+                <a:solidFill>
+                  <a:schemeClr val="bg2">
+                    <a:lumMod val="75000"/>
+                  </a:schemeClr>
+                </a:solidFill>
+                <a:latin typeface="Arial" pitchFamily="34" charset="0"/>
+                <a:cs typeface="Arial" pitchFamily="34" charset="0"/>
+              </a:rPr>
+              <a:t>Wirkungszeit</a:t>
             </a:r>
             <a:endParaRPr lang="de-AT" sz="1400" b="1" dirty="0" smtClean="0">
               <a:solidFill>
@@ -13547,19 +15378,285 @@
           </a:p>
           <a:p>
             <a:pPr eaLnBrk="1" hangingPunct="1">
+              <a:buNone/>
+            </a:pPr>
+            <a:r>
+              <a:rPr lang="de-AT" b="1" dirty="0" err="1" smtClean="0">
+                <a:solidFill>
+                  <a:schemeClr val="bg2">
+                    <a:lumMod val="75000"/>
+                  </a:schemeClr>
+                </a:solidFill>
+              </a:rPr>
+              <a:t>LastFM</a:t>
+            </a:r>
+            <a:r>
+              <a:rPr lang="de-AT" b="1" dirty="0" smtClean="0">
+                <a:solidFill>
+                  <a:schemeClr val="bg2">
+                    <a:lumMod val="75000"/>
+                  </a:schemeClr>
+                </a:solidFill>
+              </a:rPr>
+              <a:t> </a:t>
+            </a:r>
+            <a:r>
+              <a:rPr lang="de-AT" b="1" dirty="0" smtClean="0">
+                <a:solidFill>
+                  <a:schemeClr val="bg2">
+                    <a:lumMod val="75000"/>
+                  </a:schemeClr>
+                </a:solidFill>
+              </a:rPr>
+              <a:t>Alben-</a:t>
+            </a:r>
+            <a:r>
+              <a:rPr lang="de-AT" b="1" dirty="0" err="1" smtClean="0">
+                <a:solidFill>
+                  <a:schemeClr val="bg2">
+                    <a:lumMod val="75000"/>
+                  </a:schemeClr>
+                </a:solidFill>
+              </a:rPr>
+              <a:t>Releasedates</a:t>
+            </a:r>
+            <a:r>
+              <a:rPr lang="de-AT" b="1" dirty="0" smtClean="0">
+                <a:solidFill>
+                  <a:schemeClr val="bg2">
+                    <a:lumMod val="75000"/>
+                  </a:schemeClr>
+                </a:solidFill>
+              </a:rPr>
+              <a:t> </a:t>
+            </a:r>
+            <a:endParaRPr lang="de-AT" b="1" dirty="0" smtClean="0">
+              <a:solidFill>
+                <a:schemeClr val="bg2">
+                  <a:lumMod val="75000"/>
+                </a:schemeClr>
+              </a:solidFill>
+            </a:endParaRPr>
+          </a:p>
+          <a:p>
+            <a:pPr eaLnBrk="1" hangingPunct="1"/>
+            <a:r>
+              <a:rPr lang="de-AT" dirty="0" smtClean="0">
+                <a:solidFill>
+                  <a:schemeClr val="bg2">
+                    <a:lumMod val="75000"/>
+                  </a:schemeClr>
+                </a:solidFill>
+              </a:rPr>
+              <a:t>Extraktion der </a:t>
+            </a:r>
+            <a:r>
+              <a:rPr lang="de-AT" dirty="0" smtClean="0">
+                <a:solidFill>
+                  <a:schemeClr val="bg2">
+                    <a:lumMod val="75000"/>
+                  </a:schemeClr>
+                </a:solidFill>
+              </a:rPr>
+              <a:t>Alben eines </a:t>
+            </a:r>
+            <a:r>
+              <a:rPr lang="de-AT" dirty="0" err="1" smtClean="0">
+                <a:solidFill>
+                  <a:schemeClr val="bg2">
+                    <a:lumMod val="75000"/>
+                  </a:schemeClr>
+                </a:solidFill>
+              </a:rPr>
+              <a:t>Artists</a:t>
+            </a:r>
+            <a:endParaRPr lang="de-AT" dirty="0" smtClean="0">
+              <a:solidFill>
+                <a:schemeClr val="bg2">
+                  <a:lumMod val="75000"/>
+                </a:schemeClr>
+              </a:solidFill>
+            </a:endParaRPr>
+          </a:p>
+          <a:p>
+            <a:pPr eaLnBrk="1" hangingPunct="1"/>
+            <a:r>
+              <a:rPr lang="de-AT" dirty="0" smtClean="0">
+                <a:solidFill>
+                  <a:schemeClr val="bg2">
+                    <a:lumMod val="75000"/>
+                  </a:schemeClr>
+                </a:solidFill>
+              </a:rPr>
+              <a:t>Extraktion des </a:t>
+            </a:r>
+            <a:r>
+              <a:rPr lang="de-AT" dirty="0" err="1" smtClean="0">
+                <a:solidFill>
+                  <a:schemeClr val="bg2">
+                    <a:lumMod val="75000"/>
+                  </a:schemeClr>
+                </a:solidFill>
+              </a:rPr>
+              <a:t>Releasedates</a:t>
+            </a:r>
+            <a:r>
+              <a:rPr lang="de-AT" dirty="0" smtClean="0">
+                <a:solidFill>
+                  <a:schemeClr val="bg2">
+                    <a:lumMod val="75000"/>
+                  </a:schemeClr>
+                </a:solidFill>
+              </a:rPr>
+              <a:t> eines Albums </a:t>
+            </a:r>
+            <a:r>
+              <a:rPr lang="de-AT" dirty="0" smtClean="0">
+                <a:solidFill>
+                  <a:schemeClr val="bg2">
+                    <a:lumMod val="75000"/>
+                  </a:schemeClr>
+                </a:solidFill>
+                <a:sym typeface="Wingdings" pitchFamily="2" charset="2"/>
+              </a:rPr>
+              <a:t> Jahr</a:t>
+            </a:r>
+            <a:endParaRPr lang="de-AT" dirty="0" smtClean="0">
+              <a:solidFill>
+                <a:schemeClr val="bg2">
+                  <a:lumMod val="75000"/>
+                </a:schemeClr>
+              </a:solidFill>
+            </a:endParaRPr>
+          </a:p>
+          <a:p>
+            <a:pPr eaLnBrk="1" hangingPunct="1"/>
+            <a:r>
+              <a:rPr lang="de-AT" dirty="0" smtClean="0">
+                <a:solidFill>
+                  <a:schemeClr val="bg2">
+                    <a:lumMod val="75000"/>
+                  </a:schemeClr>
+                </a:solidFill>
+              </a:rPr>
+              <a:t>Arithmetisches Mittel aller </a:t>
+            </a:r>
+            <a:r>
+              <a:rPr lang="de-AT" dirty="0" err="1" smtClean="0">
+                <a:solidFill>
+                  <a:schemeClr val="bg2">
+                    <a:lumMod val="75000"/>
+                  </a:schemeClr>
+                </a:solidFill>
+              </a:rPr>
+              <a:t>Releasedates</a:t>
+            </a:r>
+            <a:endParaRPr lang="de-AT" dirty="0" smtClean="0">
+              <a:solidFill>
+                <a:schemeClr val="bg2">
+                  <a:lumMod val="75000"/>
+                </a:schemeClr>
+              </a:solidFill>
+            </a:endParaRPr>
+          </a:p>
+          <a:p>
+            <a:pPr eaLnBrk="1" hangingPunct="1"/>
+            <a:r>
+              <a:rPr lang="de-AT" dirty="0" smtClean="0">
+                <a:solidFill>
+                  <a:schemeClr val="bg2">
+                    <a:lumMod val="75000"/>
+                  </a:schemeClr>
+                </a:solidFill>
+              </a:rPr>
+              <a:t>Absolute Distanz zweier skalarer Werte </a:t>
+            </a:r>
+            <a:r>
+              <a:rPr lang="de-AT" dirty="0" smtClean="0">
+                <a:solidFill>
+                  <a:schemeClr val="bg2">
+                    <a:lumMod val="75000"/>
+                  </a:schemeClr>
+                </a:solidFill>
+                <a:sym typeface="Wingdings" pitchFamily="2" charset="2"/>
+              </a:rPr>
+              <a:t> </a:t>
+            </a:r>
+            <a:r>
+              <a:rPr lang="de-AT" dirty="0" err="1" smtClean="0">
+                <a:solidFill>
+                  <a:schemeClr val="bg2">
+                    <a:lumMod val="75000"/>
+                  </a:schemeClr>
+                </a:solidFill>
+                <a:sym typeface="Wingdings" pitchFamily="2" charset="2"/>
+              </a:rPr>
+              <a:t>Similarity</a:t>
+            </a:r>
+            <a:r>
+              <a:rPr lang="de-AT" dirty="0" smtClean="0">
+                <a:solidFill>
+                  <a:schemeClr val="bg2">
+                    <a:lumMod val="75000"/>
+                  </a:schemeClr>
+                </a:solidFill>
+                <a:sym typeface="Wingdings" pitchFamily="2" charset="2"/>
+              </a:rPr>
+              <a:t>-Matrix</a:t>
+            </a:r>
+            <a:endParaRPr lang="de-AT" dirty="0" smtClean="0">
+              <a:solidFill>
+                <a:schemeClr val="bg2">
+                  <a:lumMod val="75000"/>
+                </a:schemeClr>
+              </a:solidFill>
+            </a:endParaRPr>
+          </a:p>
+          <a:p>
+            <a:pPr eaLnBrk="1" hangingPunct="1"/>
+            <a:r>
+              <a:rPr lang="de-AT" dirty="0" smtClean="0">
+                <a:solidFill>
+                  <a:schemeClr val="bg2">
+                    <a:lumMod val="75000"/>
+                  </a:schemeClr>
+                </a:solidFill>
+              </a:rPr>
+              <a:t>Normierung und </a:t>
+            </a:r>
+            <a:r>
+              <a:rPr lang="de-AT" dirty="0" err="1" smtClean="0">
+                <a:solidFill>
+                  <a:schemeClr val="bg2">
+                    <a:lumMod val="75000"/>
+                  </a:schemeClr>
+                </a:solidFill>
+              </a:rPr>
+              <a:t>Invertierung</a:t>
+            </a:r>
+            <a:r>
+              <a:rPr lang="de-AT" dirty="0" smtClean="0">
+                <a:solidFill>
+                  <a:schemeClr val="bg2">
+                    <a:lumMod val="75000"/>
+                  </a:schemeClr>
+                </a:solidFill>
+              </a:rPr>
+              <a:t> der Ähnlichkeitswerte </a:t>
+            </a:r>
+            <a:endParaRPr lang="de-AT" b="1" dirty="0" smtClean="0">
+              <a:solidFill>
+                <a:schemeClr val="bg2">
+                  <a:lumMod val="75000"/>
+                </a:schemeClr>
+              </a:solidFill>
+            </a:endParaRPr>
+          </a:p>
+          <a:p>
+            <a:pPr eaLnBrk="1" hangingPunct="1">
               <a:buFontTx/>
               <a:buNone/>
             </a:pPr>
-            <a:r>
-              <a:rPr lang="de-AT" dirty="0" smtClean="0">
-                <a:solidFill>
-                  <a:schemeClr val="bg2">
-                    <a:lumMod val="75000"/>
-                  </a:schemeClr>
-                </a:solidFill>
-              </a:rPr>
-              <a:t>DORIS</a:t>
-            </a:r>
             <a:endParaRPr lang="de-AT" sz="1600" dirty="0" smtClean="0">
               <a:solidFill>
                 <a:schemeClr val="bg2">
@@ -13657,6 +15754,38 @@
           </a:p>
         </p:txBody>
       </p:sp>
+      <p:pic>
+        <p:nvPicPr>
+          <p:cNvPr id="1026" name="Picture 2"/>
+          <p:cNvPicPr>
+            <a:picLocks noChangeAspect="1" noChangeArrowheads="1"/>
+          </p:cNvPicPr>
+          <p:nvPr/>
+        </p:nvPicPr>
+        <p:blipFill>
+          <a:blip r:embed="rId2"/>
+          <a:srcRect/>
+          <a:stretch>
+            <a:fillRect/>
+          </a:stretch>
+        </p:blipFill>
+        <p:spPr bwMode="auto">
+          <a:xfrm>
+            <a:off x="2857488" y="4500570"/>
+            <a:ext cx="3143250" cy="523875"/>
+          </a:xfrm>
+          <a:prstGeom prst="rect">
+            <a:avLst/>
+          </a:prstGeom>
+          <a:noFill/>
+          <a:ln w="9525">
+            <a:noFill/>
+            <a:miter lim="800000"/>
+            <a:headEnd/>
+            <a:tailEnd/>
+          </a:ln>
+        </p:spPr>
+      </p:pic>
     </p:spTree>
   </p:cSld>
   <p:clrMapOvr>
@@ -13691,611 +15820,61 @@
       </p:grpSpPr>
       <p:sp>
         <p:nvSpPr>
-          <p:cNvPr id="3075" name="Rectangle 2"/>
+          <p:cNvPr id="2" name="Titel 1"/>
           <p:cNvSpPr>
-            <a:spLocks noGrp="1" noChangeArrowheads="1"/>
+            <a:spLocks noGrp="1"/>
+          </p:cNvSpPr>
+          <p:nvPr>
+            <p:ph type="title"/>
+          </p:nvPr>
+        </p:nvSpPr>
+        <p:spPr/>
+        <p:txBody>
+          <a:bodyPr/>
+          <a:lstStyle/>
+          <a:p>
+            <a:endParaRPr lang="de-DE"/>
+          </a:p>
+        </p:txBody>
+      </p:sp>
+      <p:sp>
+        <p:nvSpPr>
+          <p:cNvPr id="3" name="Textplatzhalter 2"/>
+          <p:cNvSpPr>
+            <a:spLocks noGrp="1"/>
           </p:cNvSpPr>
           <p:nvPr>
             <p:ph type="body" sz="quarter" idx="12"/>
           </p:nvPr>
         </p:nvSpPr>
-        <p:spPr>
-          <a:xfrm>
-            <a:off x="571472" y="1795451"/>
-            <a:ext cx="8072494" cy="4357706"/>
-          </a:xfrm>
-          <a:noFill/>
-        </p:spPr>
+        <p:spPr/>
         <p:txBody>
-          <a:bodyPr anchor="t" anchorCtr="0"/>
+          <a:bodyPr/>
           <a:lstStyle/>
           <a:p>
-            <a:pPr eaLnBrk="1" hangingPunct="1">
-              <a:buNone/>
-            </a:pPr>
-            <a:r>
-              <a:rPr lang="de-AT" sz="1600" b="1" dirty="0" smtClean="0">
-                <a:solidFill>
-                  <a:schemeClr val="bg2">
-                    <a:lumMod val="75000"/>
-                  </a:schemeClr>
-                </a:solidFill>
-                <a:latin typeface="Arial" pitchFamily="34" charset="0"/>
-                <a:cs typeface="Arial" pitchFamily="34" charset="0"/>
-              </a:rPr>
-              <a:t>Feature Extraktion und Ähnlichkeitsmaß (II) –</a:t>
-            </a:r>
-            <a:r>
-              <a:rPr lang="de-AT" b="1" dirty="0" smtClean="0">
-                <a:solidFill>
-                  <a:schemeClr val="bg2">
-                    <a:lumMod val="75000"/>
-                  </a:schemeClr>
-                </a:solidFill>
-              </a:rPr>
-              <a:t>Tag </a:t>
-            </a:r>
-            <a:r>
-              <a:rPr lang="de-AT" b="1" dirty="0" err="1" smtClean="0">
-                <a:solidFill>
-                  <a:schemeClr val="bg2">
-                    <a:lumMod val="75000"/>
-                  </a:schemeClr>
-                </a:solidFill>
-              </a:rPr>
-              <a:t>Cloud</a:t>
-            </a:r>
-            <a:r>
-              <a:rPr lang="de-AT" b="1" dirty="0" smtClean="0">
-                <a:solidFill>
-                  <a:schemeClr val="bg2">
-                    <a:lumMod val="75000"/>
-                  </a:schemeClr>
-                </a:solidFill>
-              </a:rPr>
-              <a:t> </a:t>
-            </a:r>
-          </a:p>
-          <a:p>
-            <a:pPr eaLnBrk="1" hangingPunct="1">
-              <a:buNone/>
-            </a:pPr>
-            <a:endParaRPr lang="de-AT" b="1" dirty="0" smtClean="0">
-              <a:solidFill>
-                <a:schemeClr val="bg2">
-                  <a:lumMod val="75000"/>
-                </a:schemeClr>
-              </a:solidFill>
-            </a:endParaRPr>
-          </a:p>
-          <a:p>
-            <a:pPr eaLnBrk="1" hangingPunct="1">
-              <a:buNone/>
-            </a:pPr>
-            <a:r>
-              <a:rPr lang="de-AT" b="1" dirty="0" err="1" smtClean="0">
-                <a:solidFill>
-                  <a:schemeClr val="bg2">
-                    <a:lumMod val="75000"/>
-                  </a:schemeClr>
-                </a:solidFill>
-              </a:rPr>
-              <a:t>LastFM</a:t>
-            </a:r>
-            <a:r>
-              <a:rPr lang="de-AT" b="1" dirty="0" smtClean="0">
-                <a:solidFill>
-                  <a:schemeClr val="bg2">
-                    <a:lumMod val="75000"/>
-                  </a:schemeClr>
-                </a:solidFill>
-              </a:rPr>
-              <a:t> gewichtet </a:t>
-            </a:r>
-          </a:p>
-          <a:p>
-            <a:pPr eaLnBrk="1" hangingPunct="1"/>
-            <a:r>
-              <a:rPr lang="de-AT" dirty="0" smtClean="0">
-                <a:solidFill>
-                  <a:schemeClr val="bg2">
-                    <a:lumMod val="75000"/>
-                  </a:schemeClr>
-                </a:solidFill>
-              </a:rPr>
-              <a:t>Extraktion der Top 100 Tags für einen Artist</a:t>
-            </a:r>
-          </a:p>
-          <a:p>
-            <a:pPr eaLnBrk="1" hangingPunct="1"/>
-            <a:r>
-              <a:rPr lang="de-AT" dirty="0" smtClean="0">
-                <a:solidFill>
-                  <a:schemeClr val="bg2">
-                    <a:lumMod val="75000"/>
-                  </a:schemeClr>
-                </a:solidFill>
-              </a:rPr>
-              <a:t>Tag </a:t>
-            </a:r>
-            <a:r>
-              <a:rPr lang="de-AT" dirty="0" err="1" smtClean="0">
-                <a:solidFill>
-                  <a:schemeClr val="bg2">
-                    <a:lumMod val="75000"/>
-                  </a:schemeClr>
-                </a:solidFill>
-              </a:rPr>
-              <a:t>Filtering</a:t>
-            </a:r>
-            <a:r>
-              <a:rPr lang="de-AT" dirty="0" smtClean="0">
-                <a:solidFill>
-                  <a:schemeClr val="bg2">
-                    <a:lumMod val="75000"/>
-                  </a:schemeClr>
-                </a:solidFill>
-              </a:rPr>
-              <a:t> </a:t>
-            </a:r>
-          </a:p>
-          <a:p>
-            <a:pPr lvl="1" eaLnBrk="1" hangingPunct="1"/>
-            <a:r>
-              <a:rPr lang="de-AT" dirty="0" smtClean="0">
-                <a:solidFill>
-                  <a:schemeClr val="bg2">
-                    <a:lumMod val="75000"/>
-                  </a:schemeClr>
-                </a:solidFill>
-              </a:rPr>
-              <a:t>Substrings der </a:t>
-            </a:r>
-            <a:r>
-              <a:rPr lang="de-AT" dirty="0" err="1" smtClean="0">
-                <a:solidFill>
-                  <a:schemeClr val="bg2">
-                    <a:lumMod val="75000"/>
-                  </a:schemeClr>
-                </a:solidFill>
-              </a:rPr>
-              <a:t>Artists</a:t>
-            </a:r>
-            <a:r>
-              <a:rPr lang="de-AT" dirty="0" smtClean="0">
-                <a:solidFill>
-                  <a:schemeClr val="bg2">
-                    <a:lumMod val="75000"/>
-                  </a:schemeClr>
-                </a:solidFill>
-              </a:rPr>
-              <a:t> („</a:t>
-            </a:r>
-            <a:r>
-              <a:rPr lang="de-AT" dirty="0" err="1" smtClean="0">
-                <a:solidFill>
-                  <a:schemeClr val="bg2">
-                    <a:lumMod val="75000"/>
-                  </a:schemeClr>
-                </a:solidFill>
-              </a:rPr>
-              <a:t>billy</a:t>
-            </a:r>
-            <a:r>
-              <a:rPr lang="de-AT" dirty="0" smtClean="0">
-                <a:solidFill>
-                  <a:schemeClr val="bg2">
-                    <a:lumMod val="75000"/>
-                  </a:schemeClr>
-                </a:solidFill>
-              </a:rPr>
-              <a:t> Joel“ </a:t>
-            </a:r>
-            <a:r>
-              <a:rPr lang="de-AT" dirty="0" smtClean="0">
-                <a:solidFill>
-                  <a:schemeClr val="bg2">
-                    <a:lumMod val="75000"/>
-                  </a:schemeClr>
-                </a:solidFill>
-                <a:sym typeface="Wingdings" pitchFamily="2" charset="2"/>
-              </a:rPr>
-              <a:t> </a:t>
-            </a:r>
-            <a:r>
-              <a:rPr lang="de-AT" dirty="0" err="1" smtClean="0">
-                <a:solidFill>
-                  <a:schemeClr val="bg2">
-                    <a:lumMod val="75000"/>
-                  </a:schemeClr>
-                </a:solidFill>
-                <a:sym typeface="Wingdings" pitchFamily="2" charset="2"/>
-              </a:rPr>
-              <a:t>billy</a:t>
-            </a:r>
-            <a:r>
-              <a:rPr lang="de-AT" dirty="0" smtClean="0">
-                <a:solidFill>
-                  <a:schemeClr val="bg2">
-                    <a:lumMod val="75000"/>
-                  </a:schemeClr>
-                </a:solidFill>
-                <a:sym typeface="Wingdings" pitchFamily="2" charset="2"/>
-              </a:rPr>
-              <a:t> </a:t>
-            </a:r>
-            <a:r>
-              <a:rPr lang="de-AT" dirty="0" err="1" smtClean="0">
-                <a:solidFill>
-                  <a:schemeClr val="bg2">
-                    <a:lumMod val="75000"/>
-                  </a:schemeClr>
-                </a:solidFill>
-                <a:sym typeface="Wingdings" pitchFamily="2" charset="2"/>
-              </a:rPr>
-              <a:t>joel</a:t>
-            </a:r>
-            <a:r>
-              <a:rPr lang="de-AT" dirty="0" smtClean="0">
-                <a:solidFill>
-                  <a:schemeClr val="bg2">
-                    <a:lumMod val="75000"/>
-                  </a:schemeClr>
-                </a:solidFill>
-                <a:sym typeface="Wingdings" pitchFamily="2" charset="2"/>
-              </a:rPr>
-              <a:t> </a:t>
-            </a:r>
-            <a:r>
-              <a:rPr lang="de-AT" dirty="0" err="1" smtClean="0">
-                <a:solidFill>
-                  <a:schemeClr val="bg2">
-                    <a:lumMod val="75000"/>
-                  </a:schemeClr>
-                </a:solidFill>
-                <a:sym typeface="Wingdings" pitchFamily="2" charset="2"/>
-              </a:rPr>
-              <a:t>billy-joel</a:t>
-            </a:r>
-            <a:r>
-              <a:rPr lang="de-AT" dirty="0" smtClean="0">
-                <a:solidFill>
-                  <a:schemeClr val="bg2">
-                    <a:lumMod val="75000"/>
-                  </a:schemeClr>
-                </a:solidFill>
-              </a:rPr>
-              <a:t>)</a:t>
-            </a:r>
-          </a:p>
-          <a:p>
-            <a:pPr eaLnBrk="1" hangingPunct="1"/>
-            <a:r>
-              <a:rPr lang="de-AT" dirty="0" smtClean="0">
-                <a:solidFill>
-                  <a:schemeClr val="bg2">
-                    <a:lumMod val="75000"/>
-                  </a:schemeClr>
-                </a:solidFill>
-              </a:rPr>
-              <a:t>Normierung der Tags [100,0]</a:t>
-            </a:r>
-          </a:p>
-          <a:p>
-            <a:pPr eaLnBrk="1" hangingPunct="1"/>
-            <a:r>
-              <a:rPr lang="de-AT" dirty="0" smtClean="0">
-                <a:solidFill>
-                  <a:schemeClr val="bg2">
-                    <a:lumMod val="75000"/>
-                  </a:schemeClr>
-                </a:solidFill>
-              </a:rPr>
-              <a:t>Cosinus Ähnlichkeitsmatrix</a:t>
-            </a:r>
-            <a:endParaRPr lang="de-AT" b="1" dirty="0" smtClean="0">
-              <a:solidFill>
-                <a:schemeClr val="bg2">
-                  <a:lumMod val="75000"/>
-                </a:schemeClr>
-              </a:solidFill>
-            </a:endParaRPr>
-          </a:p>
-          <a:p>
-            <a:pPr eaLnBrk="1" hangingPunct="1">
-              <a:buNone/>
-            </a:pPr>
-            <a:endParaRPr lang="de-AT" b="1" dirty="0" smtClean="0">
-              <a:solidFill>
-                <a:schemeClr val="bg2">
-                  <a:lumMod val="75000"/>
-                </a:schemeClr>
-              </a:solidFill>
-            </a:endParaRPr>
-          </a:p>
-          <a:p>
-            <a:pPr eaLnBrk="1" hangingPunct="1">
-              <a:buNone/>
-            </a:pPr>
-            <a:r>
-              <a:rPr lang="de-AT" b="1" dirty="0" smtClean="0">
-                <a:solidFill>
-                  <a:schemeClr val="bg2">
-                    <a:lumMod val="75000"/>
-                  </a:schemeClr>
-                </a:solidFill>
-              </a:rPr>
-              <a:t>Google gewichtet </a:t>
-            </a:r>
-          </a:p>
-          <a:p>
-            <a:pPr eaLnBrk="1" hangingPunct="1"/>
-            <a:r>
-              <a:rPr lang="de-AT" dirty="0" smtClean="0">
-                <a:solidFill>
-                  <a:schemeClr val="bg2">
-                    <a:lumMod val="75000"/>
-                  </a:schemeClr>
-                </a:solidFill>
-              </a:rPr>
-              <a:t>Basierenden auf </a:t>
-            </a:r>
-            <a:r>
-              <a:rPr lang="de-AT" dirty="0" err="1" smtClean="0">
-                <a:solidFill>
-                  <a:schemeClr val="bg2">
-                    <a:lumMod val="75000"/>
-                  </a:schemeClr>
-                </a:solidFill>
-              </a:rPr>
-              <a:t>LastFM</a:t>
-            </a:r>
-            <a:r>
-              <a:rPr lang="de-AT" dirty="0" smtClean="0">
-                <a:solidFill>
-                  <a:schemeClr val="bg2">
-                    <a:lumMod val="75000"/>
-                  </a:schemeClr>
-                </a:solidFill>
-              </a:rPr>
-              <a:t> Top 100 Tags </a:t>
-            </a:r>
-          </a:p>
-          <a:p>
-            <a:pPr lvl="1" eaLnBrk="1" hangingPunct="1"/>
-            <a:r>
-              <a:rPr lang="de-AT" dirty="0" smtClean="0">
-                <a:solidFill>
-                  <a:schemeClr val="bg2">
-                    <a:lumMod val="75000"/>
-                  </a:schemeClr>
-                </a:solidFill>
-              </a:rPr>
-              <a:t>neue Gewichte nach Term </a:t>
-            </a:r>
-            <a:r>
-              <a:rPr lang="de-AT" dirty="0" err="1" smtClean="0">
-                <a:solidFill>
-                  <a:schemeClr val="bg2">
-                    <a:lumMod val="75000"/>
-                  </a:schemeClr>
-                </a:solidFill>
-              </a:rPr>
-              <a:t>Frequency</a:t>
-            </a:r>
-            <a:endParaRPr lang="de-AT" dirty="0" smtClean="0">
-              <a:solidFill>
-                <a:schemeClr val="bg2">
-                  <a:lumMod val="75000"/>
-                </a:schemeClr>
-              </a:solidFill>
-            </a:endParaRPr>
-          </a:p>
-          <a:p>
-            <a:pPr eaLnBrk="1" hangingPunct="1"/>
-            <a:r>
-              <a:rPr lang="de-AT" dirty="0" smtClean="0">
-                <a:solidFill>
-                  <a:schemeClr val="bg2">
-                    <a:lumMod val="75000"/>
-                  </a:schemeClr>
-                </a:solidFill>
-              </a:rPr>
-              <a:t>Download der ersten 50 Dokumente des </a:t>
-            </a:r>
-            <a:r>
-              <a:rPr lang="de-AT" dirty="0" err="1" smtClean="0">
-                <a:solidFill>
-                  <a:schemeClr val="bg2">
-                    <a:lumMod val="75000"/>
-                  </a:schemeClr>
-                </a:solidFill>
-              </a:rPr>
-              <a:t>Search</a:t>
-            </a:r>
-            <a:r>
-              <a:rPr lang="de-AT" dirty="0" smtClean="0">
-                <a:solidFill>
-                  <a:schemeClr val="bg2">
-                    <a:lumMod val="75000"/>
-                  </a:schemeClr>
-                </a:solidFill>
-              </a:rPr>
-              <a:t> Terms „Artist Name“ </a:t>
-            </a:r>
-          </a:p>
-          <a:p>
-            <a:pPr lvl="1" eaLnBrk="1" hangingPunct="1"/>
-            <a:r>
-              <a:rPr lang="de-AT" dirty="0" err="1" smtClean="0">
-                <a:solidFill>
-                  <a:schemeClr val="bg2">
-                    <a:lumMod val="75000"/>
-                  </a:schemeClr>
-                </a:solidFill>
-              </a:rPr>
-              <a:t>Often</a:t>
-            </a:r>
-            <a:r>
-              <a:rPr lang="de-AT" dirty="0" smtClean="0">
-                <a:solidFill>
-                  <a:schemeClr val="bg2">
-                    <a:lumMod val="75000"/>
-                  </a:schemeClr>
-                </a:solidFill>
-              </a:rPr>
-              <a:t> gefunden Pages (Offizielle Homepage, </a:t>
-            </a:r>
-            <a:r>
-              <a:rPr lang="de-AT" dirty="0" err="1" smtClean="0">
-                <a:solidFill>
-                  <a:schemeClr val="bg2">
-                    <a:lumMod val="75000"/>
-                  </a:schemeClr>
-                </a:solidFill>
-              </a:rPr>
-              <a:t>Wikipedia</a:t>
-            </a:r>
-            <a:r>
-              <a:rPr lang="de-AT" dirty="0" smtClean="0">
-                <a:solidFill>
-                  <a:schemeClr val="bg2">
-                    <a:lumMod val="75000"/>
-                  </a:schemeClr>
-                </a:solidFill>
-              </a:rPr>
-              <a:t>, IMDB, Mp3 Musik Seiten)</a:t>
-            </a:r>
-          </a:p>
-          <a:p>
-            <a:pPr lvl="1" eaLnBrk="1" hangingPunct="1"/>
-            <a:r>
-              <a:rPr lang="de-AT" dirty="0" smtClean="0">
-                <a:solidFill>
-                  <a:schemeClr val="bg2">
-                    <a:lumMod val="75000"/>
-                  </a:schemeClr>
-                </a:solidFill>
-              </a:rPr>
-              <a:t>HTML, Script </a:t>
-            </a:r>
-            <a:r>
-              <a:rPr lang="de-AT" dirty="0" err="1" smtClean="0">
-                <a:solidFill>
-                  <a:schemeClr val="bg2">
-                    <a:lumMod val="75000"/>
-                  </a:schemeClr>
-                </a:solidFill>
-              </a:rPr>
-              <a:t>Filtering</a:t>
-            </a:r>
-            <a:r>
-              <a:rPr lang="de-AT" dirty="0" smtClean="0">
-                <a:solidFill>
-                  <a:schemeClr val="bg2">
-                    <a:lumMod val="75000"/>
-                  </a:schemeClr>
-                </a:solidFill>
-              </a:rPr>
-              <a:t> </a:t>
-            </a:r>
-          </a:p>
-          <a:p>
-            <a:pPr eaLnBrk="1" hangingPunct="1"/>
-            <a:r>
-              <a:rPr lang="de-AT" dirty="0" smtClean="0">
-                <a:solidFill>
-                  <a:schemeClr val="bg2">
-                    <a:lumMod val="75000"/>
-                  </a:schemeClr>
-                </a:solidFill>
-              </a:rPr>
-              <a:t>Cosinus Ähnlichkeitsmatrix</a:t>
-            </a:r>
-            <a:endParaRPr lang="de-AT" b="1" dirty="0" smtClean="0">
-              <a:solidFill>
-                <a:schemeClr val="bg2">
-                  <a:lumMod val="75000"/>
-                </a:schemeClr>
-              </a:solidFill>
-            </a:endParaRPr>
-          </a:p>
-          <a:p>
-            <a:pPr eaLnBrk="1" hangingPunct="1"/>
-            <a:endParaRPr lang="de-AT" dirty="0" smtClean="0">
-              <a:solidFill>
-                <a:schemeClr val="bg2">
-                  <a:lumMod val="75000"/>
-                </a:schemeClr>
-              </a:solidFill>
-            </a:endParaRPr>
-          </a:p>
-          <a:p>
-            <a:pPr eaLnBrk="1" hangingPunct="1"/>
-            <a:endParaRPr lang="de-AT" sz="1400" dirty="0" smtClean="0">
-              <a:solidFill>
-                <a:schemeClr val="bg2">
-                  <a:lumMod val="75000"/>
-                </a:schemeClr>
-              </a:solidFill>
-            </a:endParaRPr>
-          </a:p>
-          <a:p>
-            <a:pPr eaLnBrk="1" hangingPunct="1"/>
-            <a:endParaRPr lang="de-AT" sz="1600" dirty="0" smtClean="0">
-              <a:solidFill>
-                <a:schemeClr val="bg2">
-                  <a:lumMod val="75000"/>
-                </a:schemeClr>
-              </a:solidFill>
-              <a:latin typeface="Arial" pitchFamily="34" charset="0"/>
-              <a:cs typeface="Arial" pitchFamily="34" charset="0"/>
-            </a:endParaRPr>
-          </a:p>
-          <a:p>
-            <a:pPr eaLnBrk="1" hangingPunct="1">
-              <a:buFont typeface="Wingdings" pitchFamily="2" charset="2"/>
-              <a:buChar char="§"/>
-            </a:pPr>
-            <a:endParaRPr lang="de-DE" sz="1600" dirty="0" smtClean="0">
-              <a:solidFill>
-                <a:schemeClr val="bg2">
-                  <a:lumMod val="75000"/>
-                </a:schemeClr>
-              </a:solidFill>
-              <a:latin typeface="Arial" pitchFamily="34" charset="0"/>
-              <a:cs typeface="Arial" pitchFamily="34" charset="0"/>
-            </a:endParaRPr>
-          </a:p>
-          <a:p>
-            <a:pPr eaLnBrk="1" hangingPunct="1">
-              <a:buFont typeface="Wingdings" pitchFamily="2" charset="2"/>
-              <a:buChar char="§"/>
-            </a:pPr>
-            <a:endParaRPr lang="de-AT" sz="1600" b="1" dirty="0" smtClean="0">
-              <a:solidFill>
-                <a:schemeClr val="bg2">
-                  <a:lumMod val="75000"/>
-                </a:schemeClr>
-              </a:solidFill>
-              <a:latin typeface="Arial" pitchFamily="34" charset="0"/>
-              <a:cs typeface="Arial" pitchFamily="34" charset="0"/>
-            </a:endParaRPr>
+            <a:endParaRPr lang="de-DE"/>
           </a:p>
         </p:txBody>
       </p:sp>
-      <p:sp>
-        <p:nvSpPr>
-          <p:cNvPr id="3076" name="Rectangle 6"/>
-          <p:cNvSpPr>
-            <a:spLocks noChangeArrowheads="1"/>
-          </p:cNvSpPr>
+      <p:pic>
+        <p:nvPicPr>
+          <p:cNvPr id="3074" name="Picture 2"/>
+          <p:cNvPicPr>
+            <a:picLocks noChangeAspect="1" noChangeArrowheads="1"/>
+          </p:cNvPicPr>
           <p:nvPr/>
-        </p:nvSpPr>
+        </p:nvPicPr>
+        <p:blipFill>
+          <a:blip r:embed="rId2"/>
+          <a:srcRect/>
+          <a:stretch>
+            <a:fillRect/>
+          </a:stretch>
+        </p:blipFill>
         <p:spPr bwMode="auto">
           <a:xfrm>
-            <a:off x="714348" y="857232"/>
-            <a:ext cx="6929486" cy="450833"/>
+            <a:off x="928662" y="367988"/>
+            <a:ext cx="7500990" cy="5918532"/>
           </a:xfrm>
           <a:prstGeom prst="rect">
             <a:avLst/>
@@ -14308,34 +15887,59 @@
             <a:tailEnd/>
           </a:ln>
         </p:spPr>
+      </p:pic>
+      <p:sp>
+        <p:nvSpPr>
+          <p:cNvPr id="5" name="Rechteck 4"/>
+          <p:cNvSpPr/>
+          <p:nvPr/>
+        </p:nvSpPr>
+        <p:spPr>
+          <a:xfrm>
+            <a:off x="5973105" y="6366711"/>
+            <a:ext cx="2099357" cy="276999"/>
+          </a:xfrm>
+          <a:prstGeom prst="rect">
+            <a:avLst/>
+          </a:prstGeom>
+        </p:spPr>
         <p:txBody>
-          <a:bodyPr/>
+          <a:bodyPr wrap="none">
+            <a:spAutoFit/>
+          </a:bodyPr>
           <a:lstStyle/>
           <a:p>
-            <a:pPr>
-              <a:spcBef>
-                <a:spcPct val="0"/>
-              </a:spcBef>
-            </a:pPr>
-            <a:r>
-              <a:rPr lang="en-US" sz="2400" dirty="0" err="1" smtClean="0">
-                <a:solidFill>
-                  <a:srgbClr val="9F9F9F"/>
-                </a:solidFill>
-                <a:latin typeface="Eurostile ExtendedTwo" pitchFamily="34" charset="0"/>
-                <a:ea typeface="+mj-ea"/>
-                <a:cs typeface="+mj-cs"/>
-              </a:rPr>
-              <a:t>Informationsgewinnung</a:t>
-            </a:r>
-            <a:endParaRPr lang="en-US" sz="2400" dirty="0">
-              <a:solidFill>
-                <a:srgbClr val="9F9F9F"/>
-              </a:solidFill>
-              <a:latin typeface="Eurostile ExtendedTwo" pitchFamily="34" charset="0"/>
-              <a:ea typeface="+mj-ea"/>
-              <a:cs typeface="+mj-cs"/>
-            </a:endParaRPr>
+            <a:r>
+              <a:rPr lang="de-AT" sz="1200" b="1" dirty="0" smtClean="0">
+                <a:solidFill>
+                  <a:schemeClr val="bg2">
+                    <a:lumMod val="75000"/>
+                  </a:schemeClr>
+                </a:solidFill>
+              </a:rPr>
+              <a:t>Je 3 </a:t>
+            </a:r>
+            <a:r>
+              <a:rPr lang="de-AT" sz="1200" b="1" dirty="0" err="1" smtClean="0">
+                <a:solidFill>
+                  <a:schemeClr val="bg2">
+                    <a:lumMod val="75000"/>
+                  </a:schemeClr>
+                </a:solidFill>
+              </a:rPr>
+              <a:t>Artists</a:t>
+            </a:r>
+            <a:r>
+              <a:rPr lang="de-AT" sz="1200" b="1" dirty="0" smtClean="0">
+                <a:solidFill>
+                  <a:schemeClr val="bg2">
+                    <a:lumMod val="75000"/>
+                  </a:schemeClr>
+                </a:solidFill>
+              </a:rPr>
+              <a:t> aus 14 Genres</a:t>
+            </a:r>
+            <a:endParaRPr lang="de-DE" sz="1200" b="1" dirty="0"/>
           </a:p>
         </p:txBody>
       </p:sp>
@@ -14373,229 +15977,61 @@
       </p:grpSpPr>
       <p:sp>
         <p:nvSpPr>
-          <p:cNvPr id="3075" name="Rectangle 2"/>
+          <p:cNvPr id="2" name="Titel 1"/>
           <p:cNvSpPr>
-            <a:spLocks noGrp="1" noChangeArrowheads="1"/>
+            <a:spLocks noGrp="1"/>
+          </p:cNvSpPr>
+          <p:nvPr>
+            <p:ph type="title"/>
+          </p:nvPr>
+        </p:nvSpPr>
+        <p:spPr/>
+        <p:txBody>
+          <a:bodyPr/>
+          <a:lstStyle/>
+          <a:p>
+            <a:endParaRPr lang="de-DE"/>
+          </a:p>
+        </p:txBody>
+      </p:sp>
+      <p:sp>
+        <p:nvSpPr>
+          <p:cNvPr id="3" name="Textplatzhalter 2"/>
+          <p:cNvSpPr>
+            <a:spLocks noGrp="1"/>
           </p:cNvSpPr>
           <p:nvPr>
             <p:ph type="body" sz="quarter" idx="12"/>
           </p:nvPr>
         </p:nvSpPr>
-        <p:spPr>
-          <a:xfrm>
-            <a:off x="571472" y="1795451"/>
-            <a:ext cx="8072494" cy="4357706"/>
-          </a:xfrm>
-          <a:noFill/>
-        </p:spPr>
-        <p:txBody>
-          <a:bodyPr anchor="t" anchorCtr="0"/>
-          <a:lstStyle/>
-          <a:p>
-            <a:pPr eaLnBrk="1" hangingPunct="1">
-              <a:buNone/>
-            </a:pPr>
-            <a:r>
-              <a:rPr lang="de-AT" dirty="0" smtClean="0">
-                <a:solidFill>
-                  <a:schemeClr val="bg2">
-                    <a:lumMod val="75000"/>
-                  </a:schemeClr>
-                </a:solidFill>
-              </a:rPr>
-              <a:t>Ähnlichkeiten –Tag </a:t>
-            </a:r>
-            <a:r>
-              <a:rPr lang="de-AT" dirty="0" err="1" smtClean="0">
-                <a:solidFill>
-                  <a:schemeClr val="bg2">
-                    <a:lumMod val="75000"/>
-                  </a:schemeClr>
-                </a:solidFill>
-              </a:rPr>
-              <a:t>Cloud</a:t>
-            </a:r>
-            <a:r>
-              <a:rPr lang="de-AT" dirty="0" smtClean="0">
-                <a:solidFill>
-                  <a:schemeClr val="bg2">
-                    <a:lumMod val="75000"/>
-                  </a:schemeClr>
-                </a:solidFill>
-              </a:rPr>
-              <a:t> </a:t>
-            </a:r>
-            <a:r>
-              <a:rPr lang="de-AT" dirty="0" err="1" smtClean="0">
-                <a:solidFill>
-                  <a:schemeClr val="bg2">
-                    <a:lumMod val="75000"/>
-                  </a:schemeClr>
-                </a:solidFill>
-              </a:rPr>
-              <a:t>LastFM</a:t>
-            </a:r>
-            <a:r>
-              <a:rPr lang="de-AT" dirty="0" smtClean="0">
-                <a:solidFill>
-                  <a:schemeClr val="bg2">
-                    <a:lumMod val="75000"/>
-                  </a:schemeClr>
-                </a:solidFill>
-              </a:rPr>
-              <a:t> gewichtete Ähnlichkeiten (I)</a:t>
-            </a:r>
-          </a:p>
-          <a:p>
-            <a:pPr eaLnBrk="1" hangingPunct="1">
-              <a:buNone/>
-            </a:pPr>
-            <a:endParaRPr lang="de-AT" sz="1600" dirty="0" smtClean="0">
-              <a:solidFill>
-                <a:schemeClr val="bg2">
-                  <a:lumMod val="75000"/>
-                </a:schemeClr>
-              </a:solidFill>
-              <a:latin typeface="Arial" pitchFamily="34" charset="0"/>
-              <a:cs typeface="Arial" pitchFamily="34" charset="0"/>
-            </a:endParaRPr>
-          </a:p>
-          <a:p>
-            <a:pPr eaLnBrk="1" hangingPunct="1">
-              <a:buNone/>
-            </a:pPr>
-            <a:endParaRPr lang="de-AT" sz="1600" dirty="0" smtClean="0">
-              <a:solidFill>
-                <a:schemeClr val="bg2">
-                  <a:lumMod val="75000"/>
-                </a:schemeClr>
-              </a:solidFill>
-              <a:latin typeface="Arial" pitchFamily="34" charset="0"/>
-              <a:cs typeface="Arial" pitchFamily="34" charset="0"/>
-            </a:endParaRPr>
-          </a:p>
-          <a:p>
-            <a:pPr eaLnBrk="1" hangingPunct="1">
-              <a:buFont typeface="Wingdings" pitchFamily="2" charset="2"/>
-              <a:buChar char="§"/>
-            </a:pPr>
-            <a:endParaRPr lang="de-DE" sz="1600" dirty="0" smtClean="0">
-              <a:solidFill>
-                <a:schemeClr val="bg2">
-                  <a:lumMod val="75000"/>
-                </a:schemeClr>
-              </a:solidFill>
-              <a:latin typeface="Arial" pitchFamily="34" charset="0"/>
-              <a:cs typeface="Arial" pitchFamily="34" charset="0"/>
-            </a:endParaRPr>
-          </a:p>
-          <a:p>
-            <a:pPr eaLnBrk="1" hangingPunct="1">
-              <a:buFont typeface="Wingdings" pitchFamily="2" charset="2"/>
-              <a:buChar char="§"/>
-            </a:pPr>
-            <a:endParaRPr lang="de-AT" sz="1600" b="1" dirty="0" smtClean="0">
-              <a:solidFill>
-                <a:schemeClr val="bg2">
-                  <a:lumMod val="75000"/>
-                </a:schemeClr>
-              </a:solidFill>
-              <a:latin typeface="Arial" pitchFamily="34" charset="0"/>
-              <a:cs typeface="Arial" pitchFamily="34" charset="0"/>
-            </a:endParaRPr>
-          </a:p>
-        </p:txBody>
-      </p:sp>
-      <p:sp>
-        <p:nvSpPr>
-          <p:cNvPr id="3076" name="Rectangle 6"/>
-          <p:cNvSpPr>
-            <a:spLocks noChangeArrowheads="1"/>
-          </p:cNvSpPr>
-          <p:nvPr/>
-        </p:nvSpPr>
-        <p:spPr bwMode="auto">
-          <a:xfrm>
-            <a:off x="714348" y="857232"/>
-            <a:ext cx="6929486" cy="450833"/>
-          </a:xfrm>
-          <a:prstGeom prst="rect">
-            <a:avLst/>
-          </a:prstGeom>
-          <a:noFill/>
-          <a:ln w="9525">
-            <a:noFill/>
-            <a:miter lim="800000"/>
-            <a:headEnd/>
-            <a:tailEnd/>
-          </a:ln>
-        </p:spPr>
+        <p:spPr/>
         <p:txBody>
           <a:bodyPr/>
           <a:lstStyle/>
           <a:p>
-            <a:pPr>
-              <a:spcBef>
-                <a:spcPct val="0"/>
-              </a:spcBef>
-            </a:pPr>
-            <a:r>
-              <a:rPr lang="en-US" sz="2400" dirty="0" err="1" smtClean="0">
-                <a:solidFill>
-                  <a:srgbClr val="9F9F9F"/>
-                </a:solidFill>
-                <a:latin typeface="Eurostile ExtendedTwo" pitchFamily="34" charset="0"/>
-                <a:ea typeface="+mj-ea"/>
-                <a:cs typeface="+mj-cs"/>
-              </a:rPr>
-              <a:t>Ergebnisse</a:t>
-            </a:r>
-            <a:endParaRPr lang="en-US" sz="2400" dirty="0">
-              <a:solidFill>
-                <a:srgbClr val="9F9F9F"/>
-              </a:solidFill>
-              <a:latin typeface="Eurostile ExtendedTwo" pitchFamily="34" charset="0"/>
-              <a:ea typeface="+mj-ea"/>
-              <a:cs typeface="+mj-cs"/>
-            </a:endParaRPr>
+            <a:endParaRPr lang="de-DE"/>
           </a:p>
         </p:txBody>
       </p:sp>
-      <p:graphicFrame>
-        <p:nvGraphicFramePr>
-          <p:cNvPr id="5" name="Diagramm 4"/>
-          <p:cNvGraphicFramePr/>
-          <p:nvPr/>
-        </p:nvGraphicFramePr>
-        <p:xfrm>
-          <a:off x="928662" y="2328874"/>
-          <a:ext cx="6215106" cy="3343289"/>
-        </p:xfrm>
-        <a:graphic>
-          <a:graphicData uri="http://schemas.openxmlformats.org/drawingml/2006/chart">
-            <c:chart xmlns:c="http://schemas.openxmlformats.org/drawingml/2006/chart" xmlns:r="http://schemas.openxmlformats.org/officeDocument/2006/relationships" r:id="rId3"/>
-          </a:graphicData>
-        </a:graphic>
-      </p:graphicFrame>
       <p:pic>
         <p:nvPicPr>
-          <p:cNvPr id="7" name="Picture 11" descr="LastfmLogo"/>
+          <p:cNvPr id="4098" name="Picture 2" descr="C:\Development\Java\mirlastfm\presentation\images\0.75 Similarity.png"/>
           <p:cNvPicPr>
             <a:picLocks noChangeAspect="1" noChangeArrowheads="1"/>
           </p:cNvPicPr>
           <p:nvPr/>
         </p:nvPicPr>
         <p:blipFill>
-          <a:blip r:embed="rId4"/>
+          <a:blip r:embed="rId2"/>
           <a:srcRect/>
           <a:stretch>
             <a:fillRect/>
           </a:stretch>
         </p:blipFill>
-        <p:spPr>
+        <p:spPr bwMode="auto">
           <a:xfrm>
-            <a:off x="7715272" y="6215082"/>
-            <a:ext cx="1155326" cy="446725"/>
+            <a:off x="1" y="214290"/>
+            <a:ext cx="9143999" cy="6686550"/>
           </a:xfrm>
           <a:prstGeom prst="rect">
             <a:avLst/>
@@ -14603,21 +16039,153 @@
           <a:noFill/>
         </p:spPr>
       </p:pic>
+      <p:sp>
+        <p:nvSpPr>
+          <p:cNvPr id="5" name="Textfeld 4"/>
+          <p:cNvSpPr txBox="1"/>
+          <p:nvPr/>
+        </p:nvSpPr>
+        <p:spPr>
+          <a:xfrm>
+            <a:off x="4714876" y="2781933"/>
+            <a:ext cx="4214842" cy="3514808"/>
+          </a:xfrm>
+          <a:prstGeom prst="rect">
+            <a:avLst/>
+          </a:prstGeom>
+          <a:noFill/>
+        </p:spPr>
+        <p:txBody>
+          <a:bodyPr wrap="square" rtlCol="0">
+            <a:spAutoFit/>
+          </a:bodyPr>
+          <a:lstStyle/>
+          <a:p>
+            <a:r>
+              <a:rPr lang="de-DE" dirty="0" err="1" smtClean="0"/>
+              <a:t>Similarity</a:t>
+            </a:r>
+            <a:r>
+              <a:rPr lang="de-DE" dirty="0" smtClean="0"/>
+              <a:t>: 0,75</a:t>
+            </a:r>
+          </a:p>
+          <a:p>
+            <a:pPr marL="180975" indent="-180975">
+              <a:buFont typeface="Wingdings" pitchFamily="2" charset="2"/>
+              <a:buChar char="§"/>
+            </a:pPr>
+            <a:r>
+              <a:rPr lang="de-DE" sz="1400" dirty="0" smtClean="0"/>
+              <a:t>Viele Künstler liegen eng beieinander, nur wenige heben sich ab</a:t>
+            </a:r>
+            <a:r>
+              <a:rPr lang="de-DE" sz="1400" dirty="0" smtClean="0"/>
+              <a:t> </a:t>
+            </a:r>
+            <a:r>
+              <a:rPr lang="de-DE" sz="1400" dirty="0" smtClean="0"/>
+              <a:t>(Miles Davis, Dave Brubeck, Leonard Cohen, Kraftwerk)</a:t>
+            </a:r>
+          </a:p>
+          <a:p>
+            <a:pPr marL="180975" indent="-180975">
+              <a:buFont typeface="Wingdings" pitchFamily="2" charset="2"/>
+              <a:buChar char="§"/>
+            </a:pPr>
+            <a:r>
+              <a:rPr lang="de-DE" sz="1400" dirty="0" smtClean="0"/>
+              <a:t>Miles Davis (1982) hat ausschließlich zu Dave Brubeck (1987 eine Ähnlichkeit von &gt;= 0,75 (Verbindungslinie)</a:t>
+            </a:r>
+          </a:p>
+          <a:p>
+            <a:pPr marL="180975" indent="-180975">
+              <a:buFont typeface="Wingdings" pitchFamily="2" charset="2"/>
+              <a:buChar char="§"/>
+            </a:pPr>
+            <a:r>
+              <a:rPr lang="de-DE" sz="1400" dirty="0" smtClean="0"/>
+              <a:t>Kraftwerk (1990) weist wesentlich mehr Ähnlichkeiten zu anderen </a:t>
+            </a:r>
+            <a:r>
+              <a:rPr lang="de-DE" sz="1400" dirty="0" err="1" smtClean="0"/>
+              <a:t>Artists</a:t>
+            </a:r>
+            <a:r>
+              <a:rPr lang="de-DE" sz="1400" dirty="0" smtClean="0"/>
+              <a:t> auf </a:t>
+            </a:r>
+          </a:p>
+          <a:p>
+            <a:pPr marL="180975" indent="-180975">
+              <a:buFont typeface="Wingdings" pitchFamily="2" charset="2"/>
+              <a:buChar char="§"/>
+            </a:pPr>
+            <a:r>
+              <a:rPr lang="de-DE" sz="1400" dirty="0" smtClean="0"/>
+              <a:t>Zeitliche Abfolge ist erkennbar</a:t>
+            </a:r>
+          </a:p>
+          <a:p>
+            <a:pPr marL="638175" lvl="1" indent="-180975">
+              <a:buFont typeface="Wingdings" pitchFamily="2" charset="2"/>
+              <a:buChar char="§"/>
+            </a:pPr>
+            <a:r>
+              <a:rPr lang="de-DE" sz="1400" dirty="0" smtClean="0"/>
+              <a:t>1982 Miles Davis</a:t>
+            </a:r>
+          </a:p>
+          <a:p>
+            <a:pPr marL="638175" lvl="1" indent="-180975">
+              <a:buFont typeface="Wingdings" pitchFamily="2" charset="2"/>
+              <a:buChar char="§"/>
+            </a:pPr>
+            <a:r>
+              <a:rPr lang="de-DE" sz="1400" dirty="0" smtClean="0"/>
+              <a:t>1997 Bob Marley</a:t>
+            </a:r>
+          </a:p>
+          <a:p>
+            <a:pPr marL="638175" lvl="1" indent="-180975">
+              <a:buFont typeface="Wingdings" pitchFamily="2" charset="2"/>
+              <a:buChar char="§"/>
+            </a:pPr>
+            <a:r>
+              <a:rPr lang="de-DE" sz="1400" dirty="0" smtClean="0"/>
+              <a:t>1998 </a:t>
+            </a:r>
+            <a:r>
+              <a:rPr lang="de-DE" sz="1400" dirty="0" err="1" smtClean="0"/>
+              <a:t>Nirvana</a:t>
+            </a:r>
+            <a:endParaRPr lang="de-DE" sz="1400" dirty="0" smtClean="0"/>
+          </a:p>
+          <a:p>
+            <a:pPr marL="638175" lvl="1" indent="-180975">
+              <a:buFont typeface="Wingdings" pitchFamily="2" charset="2"/>
+              <a:buChar char="§"/>
+            </a:pPr>
+            <a:r>
+              <a:rPr lang="de-DE" sz="1400" dirty="0" smtClean="0"/>
+              <a:t>2003 Justin </a:t>
+            </a:r>
+            <a:r>
+              <a:rPr lang="de-DE" sz="1400" dirty="0" err="1" smtClean="0"/>
+              <a:t>Timerlake</a:t>
+            </a:r>
+            <a:r>
+              <a:rPr lang="de-DE" sz="1400" dirty="0" smtClean="0"/>
+              <a:t>, The Rolling Stones</a:t>
+            </a:r>
+          </a:p>
+        </p:txBody>
+      </p:sp>
     </p:spTree>
   </p:cSld>
   <p:clrMapOvr>
     <a:masterClrMapping/>
   </p:clrMapOvr>
-  <p:transition>
-    <p:fade/>
-  </p:transition>
-  <p:timing>
-    <p:tnLst>
-      <p:par>
-        <p:cTn id="1" dur="indefinite" restart="never" nodeType="tmRoot"/>
-      </p:par>
-    </p:tnLst>
-  </p:timing>
 </p:sld>
 </file>
 

--- a/presentation/presentation.pptx
+++ b/presentation/presentation.pptx
@@ -164,7 +164,7 @@
 <file path=ppt/charts/chart1.xml><?xml version="1.0" encoding="utf-8"?>
 <c:chartSpace xmlns:c="http://schemas.openxmlformats.org/drawingml/2006/chart" xmlns:a="http://schemas.openxmlformats.org/drawingml/2006/main" xmlns:r="http://schemas.openxmlformats.org/officeDocument/2006/relationships">
   <c:date1904 val="1"/>
-  <c:lang val="de-DE"/>
+  <c:lang val="en-US"/>
   <c:chart>
     <c:plotArea>
       <c:layout/>
@@ -221,19 +221,19 @@
                   <c:v>1</c:v>
                 </c:pt>
                 <c:pt idx="1">
-                  <c:v>0.57564800000000038</c:v>
+                  <c:v>0.5756480000000006</c:v>
                 </c:pt>
                 <c:pt idx="2">
                   <c:v>3.1970000000000012E-2</c:v>
                 </c:pt>
                 <c:pt idx="3">
-                  <c:v>0.25642400000000015</c:v>
+                  <c:v>0.25642400000000021</c:v>
                 </c:pt>
                 <c:pt idx="4">
-                  <c:v>8.9020000000000071E-3</c:v>
+                  <c:v>8.9020000000000106E-3</c:v>
                 </c:pt>
                 <c:pt idx="5">
-                  <c:v>1.2710000000000004E-3</c:v>
+                  <c:v>1.2710000000000006E-3</c:v>
                 </c:pt>
               </c:numCache>
             </c:numRef>
@@ -286,13 +286,13 @@
                 <c:formatCode>General</c:formatCode>
                 <c:ptCount val="6"/>
                 <c:pt idx="0">
-                  <c:v>0.57564800000000038</c:v>
+                  <c:v>0.5756480000000006</c:v>
                 </c:pt>
                 <c:pt idx="1">
                   <c:v>1</c:v>
                 </c:pt>
                 <c:pt idx="2">
-                  <c:v>5.2012000000000037E-2</c:v>
+                  <c:v>5.2012000000000058E-2</c:v>
                 </c:pt>
                 <c:pt idx="3">
                   <c:v>0.50629999999999997</c:v>
@@ -301,7 +301,7 @@
                   <c:v>1.2573000000000001E-2</c:v>
                 </c:pt>
                 <c:pt idx="5">
-                  <c:v>2.2190000000000009E-3</c:v>
+                  <c:v>2.2190000000000014E-3</c:v>
                 </c:pt>
               </c:numCache>
             </c:numRef>
@@ -357,16 +357,16 @@
                   <c:v>3.1970000000000012E-2</c:v>
                 </c:pt>
                 <c:pt idx="1">
-                  <c:v>5.2012000000000037E-2</c:v>
+                  <c:v>5.2012000000000058E-2</c:v>
                 </c:pt>
                 <c:pt idx="2">
                   <c:v>1</c:v>
                 </c:pt>
                 <c:pt idx="3">
-                  <c:v>7.2690000000000032E-2</c:v>
+                  <c:v>7.2690000000000046E-2</c:v>
                 </c:pt>
                 <c:pt idx="4">
-                  <c:v>2.249000000000001E-3</c:v>
+                  <c:v>2.2490000000000014E-3</c:v>
                 </c:pt>
                 <c:pt idx="5">
                   <c:v>0</c:v>
@@ -422,19 +422,19 @@
                 <c:formatCode>General</c:formatCode>
                 <c:ptCount val="6"/>
                 <c:pt idx="0">
-                  <c:v>0.25642400000000015</c:v>
+                  <c:v>0.25642400000000021</c:v>
                 </c:pt>
                 <c:pt idx="1">
                   <c:v>0.50629999999999997</c:v>
                 </c:pt>
                 <c:pt idx="2">
-                  <c:v>7.2690000000000032E-2</c:v>
+                  <c:v>7.2690000000000046E-2</c:v>
                 </c:pt>
                 <c:pt idx="3">
                   <c:v>1</c:v>
                 </c:pt>
                 <c:pt idx="4">
-                  <c:v>1.5345000000000003E-2</c:v>
+                  <c:v>1.5345000000000004E-2</c:v>
                 </c:pt>
                 <c:pt idx="5">
                   <c:v>1.1479999999999999E-3</c:v>
@@ -490,16 +490,16 @@
                 <c:formatCode>General</c:formatCode>
                 <c:ptCount val="6"/>
                 <c:pt idx="0">
-                  <c:v>8.9020000000000071E-3</c:v>
+                  <c:v>8.9020000000000106E-3</c:v>
                 </c:pt>
                 <c:pt idx="1">
                   <c:v>1.2573000000000001E-2</c:v>
                 </c:pt>
                 <c:pt idx="2">
-                  <c:v>2.249000000000001E-3</c:v>
+                  <c:v>2.2490000000000014E-3</c:v>
                 </c:pt>
                 <c:pt idx="3">
-                  <c:v>1.5345000000000003E-2</c:v>
+                  <c:v>1.5345000000000004E-2</c:v>
                 </c:pt>
                 <c:pt idx="4">
                   <c:v>1</c:v>
@@ -558,10 +558,10 @@
                 <c:formatCode>General</c:formatCode>
                 <c:ptCount val="6"/>
                 <c:pt idx="0">
-                  <c:v>1.2710000000000004E-3</c:v>
+                  <c:v>1.2710000000000006E-3</c:v>
                 </c:pt>
                 <c:pt idx="1">
-                  <c:v>2.2190000000000009E-3</c:v>
+                  <c:v>2.2190000000000014E-3</c:v>
                 </c:pt>
                 <c:pt idx="2">
                   <c:v>0</c:v>
@@ -579,11 +579,11 @@
             </c:numRef>
           </c:val>
         </c:ser>
-        <c:axId val="98513664"/>
-        <c:axId val="98515584"/>
+        <c:axId val="49425792"/>
+        <c:axId val="49456256"/>
       </c:barChart>
       <c:catAx>
-        <c:axId val="98513664"/>
+        <c:axId val="49425792"/>
         <c:scaling>
           <c:orientation val="minMax"/>
         </c:scaling>
@@ -596,17 +596,17 @@
             <a:pPr>
               <a:defRPr lang="en-US"/>
             </a:pPr>
-            <a:endParaRPr lang="de-DE"/>
+            <a:endParaRPr lang="en-US"/>
           </a:p>
         </c:txPr>
-        <c:crossAx val="98515584"/>
+        <c:crossAx val="49456256"/>
         <c:crosses val="autoZero"/>
         <c:auto val="1"/>
         <c:lblAlgn val="ctr"/>
         <c:lblOffset val="100"/>
       </c:catAx>
       <c:valAx>
-        <c:axId val="98515584"/>
+        <c:axId val="49456256"/>
         <c:scaling>
           <c:orientation val="minMax"/>
           <c:max val="1"/>
@@ -622,10 +622,10 @@
             <a:pPr>
               <a:defRPr lang="en-US"/>
             </a:pPr>
-            <a:endParaRPr lang="de-DE"/>
+            <a:endParaRPr lang="en-US"/>
           </a:p>
         </c:txPr>
-        <c:crossAx val="98513664"/>
+        <c:crossAx val="49425792"/>
         <c:crosses val="autoZero"/>
         <c:crossBetween val="between"/>
       </c:valAx>
@@ -640,7 +640,7 @@
           <a:pPr>
             <a:defRPr lang="en-US"/>
           </a:pPr>
-          <a:endParaRPr lang="de-DE"/>
+          <a:endParaRPr lang="en-US"/>
         </a:p>
       </c:txPr>
     </c:legend>
@@ -653,7 +653,7 @@
 <file path=ppt/charts/chart2.xml><?xml version="1.0" encoding="utf-8"?>
 <c:chartSpace xmlns:c="http://schemas.openxmlformats.org/drawingml/2006/chart" xmlns:a="http://schemas.openxmlformats.org/drawingml/2006/main" xmlns:r="http://schemas.openxmlformats.org/officeDocument/2006/relationships">
   <c:date1904 val="1"/>
-  <c:lang val="de-DE"/>
+  <c:lang val="en-US"/>
   <c:chart>
     <c:plotArea>
       <c:layout/>
@@ -710,19 +710,19 @@
                   <c:v>1</c:v>
                 </c:pt>
                 <c:pt idx="1">
-                  <c:v>0.48331700000000011</c:v>
+                  <c:v>0.48331700000000016</c:v>
                 </c:pt>
                 <c:pt idx="2">
                   <c:v>0.16111700000000001</c:v>
                 </c:pt>
                 <c:pt idx="3">
-                  <c:v>0.3528280000000002</c:v>
+                  <c:v>0.35282800000000031</c:v>
                 </c:pt>
                 <c:pt idx="4">
                   <c:v>6.5276000000000001E-2</c:v>
                 </c:pt>
                 <c:pt idx="5">
-                  <c:v>3.840000000000001E-3</c:v>
+                  <c:v>3.8400000000000014E-3</c:v>
                 </c:pt>
               </c:numCache>
             </c:numRef>
@@ -775,7 +775,7 @@
                 <c:formatCode>General</c:formatCode>
                 <c:ptCount val="6"/>
                 <c:pt idx="0">
-                  <c:v>0.48331700000000011</c:v>
+                  <c:v>0.48331700000000016</c:v>
                 </c:pt>
                 <c:pt idx="1">
                   <c:v>1</c:v>
@@ -784,13 +784,13 @@
                   <c:v>0.22686799999999999</c:v>
                 </c:pt>
                 <c:pt idx="3">
-                  <c:v>0.56716999999999973</c:v>
+                  <c:v>0.56716999999999962</c:v>
                 </c:pt>
                 <c:pt idx="4">
                   <c:v>0.118311</c:v>
                 </c:pt>
                 <c:pt idx="5">
-                  <c:v>5.8550000000000017E-3</c:v>
+                  <c:v>5.8550000000000026E-3</c:v>
                 </c:pt>
               </c:numCache>
             </c:numRef>
@@ -852,13 +852,13 @@
                   <c:v>1</c:v>
                 </c:pt>
                 <c:pt idx="3">
-                  <c:v>0.30366000000000015</c:v>
+                  <c:v>0.30366000000000021</c:v>
                 </c:pt>
                 <c:pt idx="4">
                   <c:v>7.9821000000000003E-2</c:v>
                 </c:pt>
                 <c:pt idx="5">
-                  <c:v>0.32674600000000009</c:v>
+                  <c:v>0.32674600000000015</c:v>
                 </c:pt>
               </c:numCache>
             </c:numRef>
@@ -911,13 +911,13 @@
                 <c:formatCode>General</c:formatCode>
                 <c:ptCount val="6"/>
                 <c:pt idx="0">
-                  <c:v>0.3528280000000002</c:v>
+                  <c:v>0.35282800000000031</c:v>
                 </c:pt>
                 <c:pt idx="1">
-                  <c:v>0.56716999999999973</c:v>
+                  <c:v>0.56716999999999962</c:v>
                 </c:pt>
                 <c:pt idx="2">
-                  <c:v>0.30366000000000015</c:v>
+                  <c:v>0.30366000000000021</c:v>
                 </c:pt>
                 <c:pt idx="3">
                   <c:v>1</c:v>
@@ -994,7 +994,7 @@
                   <c:v>1</c:v>
                 </c:pt>
                 <c:pt idx="5">
-                  <c:v>4.114999999999998E-3</c:v>
+                  <c:v>4.1149999999999971E-3</c:v>
                 </c:pt>
               </c:numCache>
             </c:numRef>
@@ -1047,19 +1047,19 @@
                 <c:formatCode>General</c:formatCode>
                 <c:ptCount val="6"/>
                 <c:pt idx="0">
-                  <c:v>3.840000000000001E-3</c:v>
+                  <c:v>3.8400000000000014E-3</c:v>
                 </c:pt>
                 <c:pt idx="1">
-                  <c:v>5.8550000000000017E-3</c:v>
+                  <c:v>5.8550000000000026E-3</c:v>
                 </c:pt>
                 <c:pt idx="2">
-                  <c:v>0.32674600000000009</c:v>
+                  <c:v>0.32674600000000015</c:v>
                 </c:pt>
                 <c:pt idx="3">
                   <c:v>1.0199E-2</c:v>
                 </c:pt>
                 <c:pt idx="4">
-                  <c:v>4.114999999999998E-3</c:v>
+                  <c:v>4.1149999999999971E-3</c:v>
                 </c:pt>
                 <c:pt idx="5">
                   <c:v>1</c:v>
@@ -1068,11 +1068,11 @@
             </c:numRef>
           </c:val>
         </c:ser>
-        <c:axId val="103950976"/>
-        <c:axId val="103977344"/>
+        <c:axId val="49112192"/>
+        <c:axId val="49113728"/>
       </c:barChart>
       <c:catAx>
-        <c:axId val="103950976"/>
+        <c:axId val="49112192"/>
         <c:scaling>
           <c:orientation val="minMax"/>
         </c:scaling>
@@ -1085,17 +1085,17 @@
             <a:pPr>
               <a:defRPr lang="en-US"/>
             </a:pPr>
-            <a:endParaRPr lang="de-DE"/>
+            <a:endParaRPr lang="en-US"/>
           </a:p>
         </c:txPr>
-        <c:crossAx val="103977344"/>
+        <c:crossAx val="49113728"/>
         <c:crosses val="autoZero"/>
         <c:auto val="1"/>
         <c:lblAlgn val="ctr"/>
         <c:lblOffset val="100"/>
       </c:catAx>
       <c:valAx>
-        <c:axId val="103977344"/>
+        <c:axId val="49113728"/>
         <c:scaling>
           <c:orientation val="minMax"/>
           <c:max val="1"/>
@@ -1111,10 +1111,10 @@
             <a:pPr>
               <a:defRPr lang="en-US"/>
             </a:pPr>
-            <a:endParaRPr lang="de-DE"/>
+            <a:endParaRPr lang="en-US"/>
           </a:p>
         </c:txPr>
-        <c:crossAx val="103950976"/>
+        <c:crossAx val="49112192"/>
         <c:crosses val="autoZero"/>
         <c:crossBetween val="between"/>
       </c:valAx>
@@ -1129,7 +1129,7 @@
           <a:pPr>
             <a:defRPr lang="en-US"/>
           </a:pPr>
-          <a:endParaRPr lang="de-DE"/>
+          <a:endParaRPr lang="en-US"/>
         </a:p>
       </c:txPr>
     </c:legend>
@@ -1850,7 +1850,7 @@
               <a:pPr>
                 <a:defRPr/>
               </a:pPr>
-              <a:t>17</a:t>
+              <a:t>10</a:t>
             </a:fld>
             <a:endParaRPr lang="de-DE"/>
           </a:p>
@@ -1951,7 +1951,7 @@
               <a:pPr>
                 <a:defRPr/>
               </a:pPr>
-              <a:t>18</a:t>
+              <a:t>11</a:t>
             </a:fld>
             <a:endParaRPr lang="de-DE"/>
           </a:p>
@@ -2052,6 +2052,713 @@
               <a:pPr>
                 <a:defRPr/>
               </a:pPr>
+              <a:t>12</a:t>
+            </a:fld>
+            <a:endParaRPr lang="de-DE"/>
+          </a:p>
+        </p:txBody>
+      </p:sp>
+    </p:spTree>
+  </p:cSld>
+  <p:clrMapOvr>
+    <a:masterClrMapping/>
+  </p:clrMapOvr>
+</p:notes>
+</file>
+
+<file path=ppt/notesSlides/notesSlide13.xml><?xml version="1.0" encoding="utf-8"?>
+<p:notes xmlns:a="http://schemas.openxmlformats.org/drawingml/2006/main" xmlns:r="http://schemas.openxmlformats.org/officeDocument/2006/relationships" xmlns:p="http://schemas.openxmlformats.org/presentationml/2006/main">
+  <p:cSld>
+    <p:spTree>
+      <p:nvGrpSpPr>
+        <p:cNvPr id="1" name=""/>
+        <p:cNvGrpSpPr/>
+        <p:nvPr/>
+      </p:nvGrpSpPr>
+      <p:grpSpPr>
+        <a:xfrm>
+          <a:off x="0" y="0"/>
+          <a:ext cx="0" cy="0"/>
+          <a:chOff x="0" y="0"/>
+          <a:chExt cx="0" cy="0"/>
+        </a:xfrm>
+      </p:grpSpPr>
+      <p:sp>
+        <p:nvSpPr>
+          <p:cNvPr id="2" name="Folienbildplatzhalter 1"/>
+          <p:cNvSpPr>
+            <a:spLocks noGrp="1" noRot="1" noChangeAspect="1"/>
+          </p:cNvSpPr>
+          <p:nvPr>
+            <p:ph type="sldImg"/>
+          </p:nvPr>
+        </p:nvSpPr>
+        <p:spPr>
+          <a:xfrm>
+            <a:off x="1143000" y="685800"/>
+            <a:ext cx="4572000" cy="3429000"/>
+          </a:xfrm>
+          <a:prstGeom prst="rect">
+            <a:avLst/>
+          </a:prstGeom>
+          <a:noFill/>
+          <a:ln w="12700">
+            <a:solidFill>
+              <a:prstClr val="black"/>
+            </a:solidFill>
+          </a:ln>
+        </p:spPr>
+      </p:sp>
+      <p:sp>
+        <p:nvSpPr>
+          <p:cNvPr id="3" name="Notizenplatzhalter 2"/>
+          <p:cNvSpPr>
+            <a:spLocks noGrp="1"/>
+          </p:cNvSpPr>
+          <p:nvPr>
+            <p:ph type="body" idx="1"/>
+          </p:nvPr>
+        </p:nvSpPr>
+        <p:spPr/>
+        <p:txBody>
+          <a:bodyPr>
+            <a:normAutofit/>
+          </a:bodyPr>
+          <a:lstStyle/>
+          <a:p>
+            <a:endParaRPr lang="en-US"/>
+          </a:p>
+        </p:txBody>
+      </p:sp>
+      <p:sp>
+        <p:nvSpPr>
+          <p:cNvPr id="4" name="Foliennummernplatzhalter 3"/>
+          <p:cNvSpPr>
+            <a:spLocks noGrp="1"/>
+          </p:cNvSpPr>
+          <p:nvPr>
+            <p:ph type="sldNum" sz="quarter" idx="10"/>
+          </p:nvPr>
+        </p:nvSpPr>
+        <p:spPr/>
+        <p:txBody>
+          <a:bodyPr/>
+          <a:lstStyle/>
+          <a:p>
+            <a:pPr>
+              <a:defRPr/>
+            </a:pPr>
+            <a:fld id="{3C549A6F-F38E-4E7F-8356-DEE4D662C949}" type="slidenum">
+              <a:rPr lang="de-DE" smtClean="0"/>
+              <a:pPr>
+                <a:defRPr/>
+              </a:pPr>
+              <a:t>13</a:t>
+            </a:fld>
+            <a:endParaRPr lang="de-DE"/>
+          </a:p>
+        </p:txBody>
+      </p:sp>
+    </p:spTree>
+  </p:cSld>
+  <p:clrMapOvr>
+    <a:masterClrMapping/>
+  </p:clrMapOvr>
+</p:notes>
+</file>
+
+<file path=ppt/notesSlides/notesSlide14.xml><?xml version="1.0" encoding="utf-8"?>
+<p:notes xmlns:a="http://schemas.openxmlformats.org/drawingml/2006/main" xmlns:r="http://schemas.openxmlformats.org/officeDocument/2006/relationships" xmlns:p="http://schemas.openxmlformats.org/presentationml/2006/main">
+  <p:cSld>
+    <p:spTree>
+      <p:nvGrpSpPr>
+        <p:cNvPr id="1" name=""/>
+        <p:cNvGrpSpPr/>
+        <p:nvPr/>
+      </p:nvGrpSpPr>
+      <p:grpSpPr>
+        <a:xfrm>
+          <a:off x="0" y="0"/>
+          <a:ext cx="0" cy="0"/>
+          <a:chOff x="0" y="0"/>
+          <a:chExt cx="0" cy="0"/>
+        </a:xfrm>
+      </p:grpSpPr>
+      <p:sp>
+        <p:nvSpPr>
+          <p:cNvPr id="2" name="Folienbildplatzhalter 1"/>
+          <p:cNvSpPr>
+            <a:spLocks noGrp="1" noRot="1" noChangeAspect="1"/>
+          </p:cNvSpPr>
+          <p:nvPr>
+            <p:ph type="sldImg"/>
+          </p:nvPr>
+        </p:nvSpPr>
+        <p:spPr>
+          <a:xfrm>
+            <a:off x="1143000" y="685800"/>
+            <a:ext cx="4572000" cy="3429000"/>
+          </a:xfrm>
+          <a:prstGeom prst="rect">
+            <a:avLst/>
+          </a:prstGeom>
+          <a:noFill/>
+          <a:ln w="12700">
+            <a:solidFill>
+              <a:prstClr val="black"/>
+            </a:solidFill>
+          </a:ln>
+        </p:spPr>
+      </p:sp>
+      <p:sp>
+        <p:nvSpPr>
+          <p:cNvPr id="3" name="Notizenplatzhalter 2"/>
+          <p:cNvSpPr>
+            <a:spLocks noGrp="1"/>
+          </p:cNvSpPr>
+          <p:nvPr>
+            <p:ph type="body" idx="1"/>
+          </p:nvPr>
+        </p:nvSpPr>
+        <p:spPr/>
+        <p:txBody>
+          <a:bodyPr>
+            <a:normAutofit/>
+          </a:bodyPr>
+          <a:lstStyle/>
+          <a:p>
+            <a:endParaRPr lang="en-US"/>
+          </a:p>
+        </p:txBody>
+      </p:sp>
+      <p:sp>
+        <p:nvSpPr>
+          <p:cNvPr id="4" name="Foliennummernplatzhalter 3"/>
+          <p:cNvSpPr>
+            <a:spLocks noGrp="1"/>
+          </p:cNvSpPr>
+          <p:nvPr>
+            <p:ph type="sldNum" sz="quarter" idx="10"/>
+          </p:nvPr>
+        </p:nvSpPr>
+        <p:spPr/>
+        <p:txBody>
+          <a:bodyPr/>
+          <a:lstStyle/>
+          <a:p>
+            <a:pPr>
+              <a:defRPr/>
+            </a:pPr>
+            <a:fld id="{3C549A6F-F38E-4E7F-8356-DEE4D662C949}" type="slidenum">
+              <a:rPr lang="de-DE" smtClean="0"/>
+              <a:pPr>
+                <a:defRPr/>
+              </a:pPr>
+              <a:t>14</a:t>
+            </a:fld>
+            <a:endParaRPr lang="de-DE"/>
+          </a:p>
+        </p:txBody>
+      </p:sp>
+    </p:spTree>
+  </p:cSld>
+  <p:clrMapOvr>
+    <a:masterClrMapping/>
+  </p:clrMapOvr>
+</p:notes>
+</file>
+
+<file path=ppt/notesSlides/notesSlide15.xml><?xml version="1.0" encoding="utf-8"?>
+<p:notes xmlns:a="http://schemas.openxmlformats.org/drawingml/2006/main" xmlns:r="http://schemas.openxmlformats.org/officeDocument/2006/relationships" xmlns:p="http://schemas.openxmlformats.org/presentationml/2006/main">
+  <p:cSld>
+    <p:spTree>
+      <p:nvGrpSpPr>
+        <p:cNvPr id="1" name=""/>
+        <p:cNvGrpSpPr/>
+        <p:nvPr/>
+      </p:nvGrpSpPr>
+      <p:grpSpPr>
+        <a:xfrm>
+          <a:off x="0" y="0"/>
+          <a:ext cx="0" cy="0"/>
+          <a:chOff x="0" y="0"/>
+          <a:chExt cx="0" cy="0"/>
+        </a:xfrm>
+      </p:grpSpPr>
+      <p:sp>
+        <p:nvSpPr>
+          <p:cNvPr id="2" name="Folienbildplatzhalter 1"/>
+          <p:cNvSpPr>
+            <a:spLocks noGrp="1" noRot="1" noChangeAspect="1"/>
+          </p:cNvSpPr>
+          <p:nvPr>
+            <p:ph type="sldImg"/>
+          </p:nvPr>
+        </p:nvSpPr>
+        <p:spPr>
+          <a:xfrm>
+            <a:off x="1143000" y="685800"/>
+            <a:ext cx="4572000" cy="3429000"/>
+          </a:xfrm>
+          <a:prstGeom prst="rect">
+            <a:avLst/>
+          </a:prstGeom>
+          <a:noFill/>
+          <a:ln w="12700">
+            <a:solidFill>
+              <a:prstClr val="black"/>
+            </a:solidFill>
+          </a:ln>
+        </p:spPr>
+      </p:sp>
+      <p:sp>
+        <p:nvSpPr>
+          <p:cNvPr id="3" name="Notizenplatzhalter 2"/>
+          <p:cNvSpPr>
+            <a:spLocks noGrp="1"/>
+          </p:cNvSpPr>
+          <p:nvPr>
+            <p:ph type="body" idx="1"/>
+          </p:nvPr>
+        </p:nvSpPr>
+        <p:spPr/>
+        <p:txBody>
+          <a:bodyPr>
+            <a:normAutofit/>
+          </a:bodyPr>
+          <a:lstStyle/>
+          <a:p>
+            <a:endParaRPr lang="en-US"/>
+          </a:p>
+        </p:txBody>
+      </p:sp>
+      <p:sp>
+        <p:nvSpPr>
+          <p:cNvPr id="4" name="Foliennummernplatzhalter 3"/>
+          <p:cNvSpPr>
+            <a:spLocks noGrp="1"/>
+          </p:cNvSpPr>
+          <p:nvPr>
+            <p:ph type="sldNum" sz="quarter" idx="10"/>
+          </p:nvPr>
+        </p:nvSpPr>
+        <p:spPr/>
+        <p:txBody>
+          <a:bodyPr/>
+          <a:lstStyle/>
+          <a:p>
+            <a:pPr>
+              <a:defRPr/>
+            </a:pPr>
+            <a:fld id="{3C549A6F-F38E-4E7F-8356-DEE4D662C949}" type="slidenum">
+              <a:rPr lang="de-DE" smtClean="0"/>
+              <a:pPr>
+                <a:defRPr/>
+              </a:pPr>
+              <a:t>15</a:t>
+            </a:fld>
+            <a:endParaRPr lang="de-DE"/>
+          </a:p>
+        </p:txBody>
+      </p:sp>
+    </p:spTree>
+  </p:cSld>
+  <p:clrMapOvr>
+    <a:masterClrMapping/>
+  </p:clrMapOvr>
+</p:notes>
+</file>
+
+<file path=ppt/notesSlides/notesSlide16.xml><?xml version="1.0" encoding="utf-8"?>
+<p:notes xmlns:a="http://schemas.openxmlformats.org/drawingml/2006/main" xmlns:r="http://schemas.openxmlformats.org/officeDocument/2006/relationships" xmlns:p="http://schemas.openxmlformats.org/presentationml/2006/main">
+  <p:cSld>
+    <p:spTree>
+      <p:nvGrpSpPr>
+        <p:cNvPr id="1" name=""/>
+        <p:cNvGrpSpPr/>
+        <p:nvPr/>
+      </p:nvGrpSpPr>
+      <p:grpSpPr>
+        <a:xfrm>
+          <a:off x="0" y="0"/>
+          <a:ext cx="0" cy="0"/>
+          <a:chOff x="0" y="0"/>
+          <a:chExt cx="0" cy="0"/>
+        </a:xfrm>
+      </p:grpSpPr>
+      <p:sp>
+        <p:nvSpPr>
+          <p:cNvPr id="2" name="Folienbildplatzhalter 1"/>
+          <p:cNvSpPr>
+            <a:spLocks noGrp="1" noRot="1" noChangeAspect="1"/>
+          </p:cNvSpPr>
+          <p:nvPr>
+            <p:ph type="sldImg"/>
+          </p:nvPr>
+        </p:nvSpPr>
+        <p:spPr>
+          <a:xfrm>
+            <a:off x="1143000" y="685800"/>
+            <a:ext cx="4572000" cy="3429000"/>
+          </a:xfrm>
+          <a:prstGeom prst="rect">
+            <a:avLst/>
+          </a:prstGeom>
+          <a:noFill/>
+          <a:ln w="12700">
+            <a:solidFill>
+              <a:prstClr val="black"/>
+            </a:solidFill>
+          </a:ln>
+        </p:spPr>
+      </p:sp>
+      <p:sp>
+        <p:nvSpPr>
+          <p:cNvPr id="3" name="Notizenplatzhalter 2"/>
+          <p:cNvSpPr>
+            <a:spLocks noGrp="1"/>
+          </p:cNvSpPr>
+          <p:nvPr>
+            <p:ph type="body" idx="1"/>
+          </p:nvPr>
+        </p:nvSpPr>
+        <p:spPr/>
+        <p:txBody>
+          <a:bodyPr>
+            <a:normAutofit/>
+          </a:bodyPr>
+          <a:lstStyle/>
+          <a:p>
+            <a:endParaRPr lang="en-US"/>
+          </a:p>
+        </p:txBody>
+      </p:sp>
+      <p:sp>
+        <p:nvSpPr>
+          <p:cNvPr id="4" name="Foliennummernplatzhalter 3"/>
+          <p:cNvSpPr>
+            <a:spLocks noGrp="1"/>
+          </p:cNvSpPr>
+          <p:nvPr>
+            <p:ph type="sldNum" sz="quarter" idx="10"/>
+          </p:nvPr>
+        </p:nvSpPr>
+        <p:spPr/>
+        <p:txBody>
+          <a:bodyPr/>
+          <a:lstStyle/>
+          <a:p>
+            <a:pPr>
+              <a:defRPr/>
+            </a:pPr>
+            <a:fld id="{3C549A6F-F38E-4E7F-8356-DEE4D662C949}" type="slidenum">
+              <a:rPr lang="de-DE" smtClean="0"/>
+              <a:pPr>
+                <a:defRPr/>
+              </a:pPr>
+              <a:t>16</a:t>
+            </a:fld>
+            <a:endParaRPr lang="de-DE"/>
+          </a:p>
+        </p:txBody>
+      </p:sp>
+    </p:spTree>
+  </p:cSld>
+  <p:clrMapOvr>
+    <a:masterClrMapping/>
+  </p:clrMapOvr>
+</p:notes>
+</file>
+
+<file path=ppt/notesSlides/notesSlide17.xml><?xml version="1.0" encoding="utf-8"?>
+<p:notes xmlns:a="http://schemas.openxmlformats.org/drawingml/2006/main" xmlns:r="http://schemas.openxmlformats.org/officeDocument/2006/relationships" xmlns:p="http://schemas.openxmlformats.org/presentationml/2006/main">
+  <p:cSld>
+    <p:spTree>
+      <p:nvGrpSpPr>
+        <p:cNvPr id="1" name=""/>
+        <p:cNvGrpSpPr/>
+        <p:nvPr/>
+      </p:nvGrpSpPr>
+      <p:grpSpPr>
+        <a:xfrm>
+          <a:off x="0" y="0"/>
+          <a:ext cx="0" cy="0"/>
+          <a:chOff x="0" y="0"/>
+          <a:chExt cx="0" cy="0"/>
+        </a:xfrm>
+      </p:grpSpPr>
+      <p:sp>
+        <p:nvSpPr>
+          <p:cNvPr id="2" name="Folienbildplatzhalter 1"/>
+          <p:cNvSpPr>
+            <a:spLocks noGrp="1" noRot="1" noChangeAspect="1"/>
+          </p:cNvSpPr>
+          <p:nvPr>
+            <p:ph type="sldImg"/>
+          </p:nvPr>
+        </p:nvSpPr>
+        <p:spPr>
+          <a:xfrm>
+            <a:off x="1143000" y="685800"/>
+            <a:ext cx="4572000" cy="3429000"/>
+          </a:xfrm>
+          <a:prstGeom prst="rect">
+            <a:avLst/>
+          </a:prstGeom>
+          <a:noFill/>
+          <a:ln w="12700">
+            <a:solidFill>
+              <a:prstClr val="black"/>
+            </a:solidFill>
+          </a:ln>
+        </p:spPr>
+      </p:sp>
+      <p:sp>
+        <p:nvSpPr>
+          <p:cNvPr id="3" name="Notizenplatzhalter 2"/>
+          <p:cNvSpPr>
+            <a:spLocks noGrp="1"/>
+          </p:cNvSpPr>
+          <p:nvPr>
+            <p:ph type="body" idx="1"/>
+          </p:nvPr>
+        </p:nvSpPr>
+        <p:spPr/>
+        <p:txBody>
+          <a:bodyPr>
+            <a:normAutofit/>
+          </a:bodyPr>
+          <a:lstStyle/>
+          <a:p>
+            <a:endParaRPr lang="en-US"/>
+          </a:p>
+        </p:txBody>
+      </p:sp>
+      <p:sp>
+        <p:nvSpPr>
+          <p:cNvPr id="4" name="Foliennummernplatzhalter 3"/>
+          <p:cNvSpPr>
+            <a:spLocks noGrp="1"/>
+          </p:cNvSpPr>
+          <p:nvPr>
+            <p:ph type="sldNum" sz="quarter" idx="10"/>
+          </p:nvPr>
+        </p:nvSpPr>
+        <p:spPr/>
+        <p:txBody>
+          <a:bodyPr/>
+          <a:lstStyle/>
+          <a:p>
+            <a:pPr>
+              <a:defRPr/>
+            </a:pPr>
+            <a:fld id="{3C549A6F-F38E-4E7F-8356-DEE4D662C949}" type="slidenum">
+              <a:rPr lang="de-DE" smtClean="0"/>
+              <a:pPr>
+                <a:defRPr/>
+              </a:pPr>
+              <a:t>17</a:t>
+            </a:fld>
+            <a:endParaRPr lang="de-DE"/>
+          </a:p>
+        </p:txBody>
+      </p:sp>
+    </p:spTree>
+  </p:cSld>
+  <p:clrMapOvr>
+    <a:masterClrMapping/>
+  </p:clrMapOvr>
+</p:notes>
+</file>
+
+<file path=ppt/notesSlides/notesSlide18.xml><?xml version="1.0" encoding="utf-8"?>
+<p:notes xmlns:a="http://schemas.openxmlformats.org/drawingml/2006/main" xmlns:r="http://schemas.openxmlformats.org/officeDocument/2006/relationships" xmlns:p="http://schemas.openxmlformats.org/presentationml/2006/main">
+  <p:cSld>
+    <p:spTree>
+      <p:nvGrpSpPr>
+        <p:cNvPr id="1" name=""/>
+        <p:cNvGrpSpPr/>
+        <p:nvPr/>
+      </p:nvGrpSpPr>
+      <p:grpSpPr>
+        <a:xfrm>
+          <a:off x="0" y="0"/>
+          <a:ext cx="0" cy="0"/>
+          <a:chOff x="0" y="0"/>
+          <a:chExt cx="0" cy="0"/>
+        </a:xfrm>
+      </p:grpSpPr>
+      <p:sp>
+        <p:nvSpPr>
+          <p:cNvPr id="2" name="Folienbildplatzhalter 1"/>
+          <p:cNvSpPr>
+            <a:spLocks noGrp="1" noRot="1" noChangeAspect="1"/>
+          </p:cNvSpPr>
+          <p:nvPr>
+            <p:ph type="sldImg"/>
+          </p:nvPr>
+        </p:nvSpPr>
+        <p:spPr>
+          <a:xfrm>
+            <a:off x="1143000" y="685800"/>
+            <a:ext cx="4572000" cy="3429000"/>
+          </a:xfrm>
+          <a:prstGeom prst="rect">
+            <a:avLst/>
+          </a:prstGeom>
+          <a:noFill/>
+          <a:ln w="12700">
+            <a:solidFill>
+              <a:prstClr val="black"/>
+            </a:solidFill>
+          </a:ln>
+        </p:spPr>
+      </p:sp>
+      <p:sp>
+        <p:nvSpPr>
+          <p:cNvPr id="3" name="Notizenplatzhalter 2"/>
+          <p:cNvSpPr>
+            <a:spLocks noGrp="1"/>
+          </p:cNvSpPr>
+          <p:nvPr>
+            <p:ph type="body" idx="1"/>
+          </p:nvPr>
+        </p:nvSpPr>
+        <p:spPr/>
+        <p:txBody>
+          <a:bodyPr>
+            <a:normAutofit/>
+          </a:bodyPr>
+          <a:lstStyle/>
+          <a:p>
+            <a:endParaRPr lang="en-US"/>
+          </a:p>
+        </p:txBody>
+      </p:sp>
+      <p:sp>
+        <p:nvSpPr>
+          <p:cNvPr id="4" name="Foliennummernplatzhalter 3"/>
+          <p:cNvSpPr>
+            <a:spLocks noGrp="1"/>
+          </p:cNvSpPr>
+          <p:nvPr>
+            <p:ph type="sldNum" sz="quarter" idx="10"/>
+          </p:nvPr>
+        </p:nvSpPr>
+        <p:spPr/>
+        <p:txBody>
+          <a:bodyPr/>
+          <a:lstStyle/>
+          <a:p>
+            <a:pPr>
+              <a:defRPr/>
+            </a:pPr>
+            <a:fld id="{3C549A6F-F38E-4E7F-8356-DEE4D662C949}" type="slidenum">
+              <a:rPr lang="de-DE" smtClean="0"/>
+              <a:pPr>
+                <a:defRPr/>
+              </a:pPr>
+              <a:t>18</a:t>
+            </a:fld>
+            <a:endParaRPr lang="de-DE"/>
+          </a:p>
+        </p:txBody>
+      </p:sp>
+    </p:spTree>
+  </p:cSld>
+  <p:clrMapOvr>
+    <a:masterClrMapping/>
+  </p:clrMapOvr>
+</p:notes>
+</file>
+
+<file path=ppt/notesSlides/notesSlide19.xml><?xml version="1.0" encoding="utf-8"?>
+<p:notes xmlns:a="http://schemas.openxmlformats.org/drawingml/2006/main" xmlns:r="http://schemas.openxmlformats.org/officeDocument/2006/relationships" xmlns:p="http://schemas.openxmlformats.org/presentationml/2006/main">
+  <p:cSld>
+    <p:spTree>
+      <p:nvGrpSpPr>
+        <p:cNvPr id="1" name=""/>
+        <p:cNvGrpSpPr/>
+        <p:nvPr/>
+      </p:nvGrpSpPr>
+      <p:grpSpPr>
+        <a:xfrm>
+          <a:off x="0" y="0"/>
+          <a:ext cx="0" cy="0"/>
+          <a:chOff x="0" y="0"/>
+          <a:chExt cx="0" cy="0"/>
+        </a:xfrm>
+      </p:grpSpPr>
+      <p:sp>
+        <p:nvSpPr>
+          <p:cNvPr id="2" name="Folienbildplatzhalter 1"/>
+          <p:cNvSpPr>
+            <a:spLocks noGrp="1" noRot="1" noChangeAspect="1"/>
+          </p:cNvSpPr>
+          <p:nvPr>
+            <p:ph type="sldImg"/>
+          </p:nvPr>
+        </p:nvSpPr>
+        <p:spPr>
+          <a:xfrm>
+            <a:off x="1143000" y="685800"/>
+            <a:ext cx="4572000" cy="3429000"/>
+          </a:xfrm>
+          <a:prstGeom prst="rect">
+            <a:avLst/>
+          </a:prstGeom>
+          <a:noFill/>
+          <a:ln w="12700">
+            <a:solidFill>
+              <a:prstClr val="black"/>
+            </a:solidFill>
+          </a:ln>
+        </p:spPr>
+      </p:sp>
+      <p:sp>
+        <p:nvSpPr>
+          <p:cNvPr id="3" name="Notizenplatzhalter 2"/>
+          <p:cNvSpPr>
+            <a:spLocks noGrp="1"/>
+          </p:cNvSpPr>
+          <p:nvPr>
+            <p:ph type="body" idx="1"/>
+          </p:nvPr>
+        </p:nvSpPr>
+        <p:spPr/>
+        <p:txBody>
+          <a:bodyPr>
+            <a:normAutofit/>
+          </a:bodyPr>
+          <a:lstStyle/>
+          <a:p>
+            <a:endParaRPr lang="en-US"/>
+          </a:p>
+        </p:txBody>
+      </p:sp>
+      <p:sp>
+        <p:nvSpPr>
+          <p:cNvPr id="4" name="Foliennummernplatzhalter 3"/>
+          <p:cNvSpPr>
+            <a:spLocks noGrp="1"/>
+          </p:cNvSpPr>
+          <p:nvPr>
+            <p:ph type="sldNum" sz="quarter" idx="10"/>
+          </p:nvPr>
+        </p:nvSpPr>
+        <p:spPr/>
+        <p:txBody>
+          <a:bodyPr/>
+          <a:lstStyle/>
+          <a:p>
+            <a:pPr>
+              <a:defRPr/>
+            </a:pPr>
+            <a:fld id="{3C549A6F-F38E-4E7F-8356-DEE4D662C949}" type="slidenum">
+              <a:rPr lang="de-DE" smtClean="0"/>
+              <a:pPr>
+                <a:defRPr/>
+              </a:pPr>
               <a:t>19</a:t>
             </a:fld>
             <a:endParaRPr lang="de-DE"/>
@@ -2658,7 +3365,7 @@
               <a:pPr>
                 <a:defRPr/>
               </a:pPr>
-              <a:t>14</a:t>
+              <a:t>7</a:t>
             </a:fld>
             <a:endParaRPr lang="de-DE"/>
           </a:p>
@@ -2759,7 +3466,7 @@
               <a:pPr>
                 <a:defRPr/>
               </a:pPr>
-              <a:t>15</a:t>
+              <a:t>8</a:t>
             </a:fld>
             <a:endParaRPr lang="de-DE"/>
           </a:p>
@@ -2860,7 +3567,7 @@
               <a:pPr>
                 <a:defRPr/>
               </a:pPr>
-              <a:t>16</a:t>
+              <a:t>9</a:t>
             </a:fld>
             <a:endParaRPr lang="de-DE"/>
           </a:p>
@@ -4445,11 +5152,7 @@
             </a:r>
             <a:r>
               <a:rPr lang="de-DE" sz="1400" dirty="0" smtClean="0"/>
-              <a:t> </a:t>
-            </a:r>
-            <a:r>
-              <a:rPr lang="de-DE" sz="1400" dirty="0" smtClean="0"/>
-              <a:t>wie </a:t>
+              <a:t> wie </a:t>
             </a:r>
             <a:r>
               <a:rPr lang="de-DE" sz="1400" dirty="0" err="1" smtClean="0"/>
@@ -4496,7 +5199,7 @@
           <p:nvPr/>
         </p:nvPicPr>
         <p:blipFill>
-          <a:blip r:embed="rId2"/>
+          <a:blip r:embed="rId3"/>
           <a:stretch>
             <a:fillRect/>
           </a:stretch>
@@ -4559,7 +5262,6 @@
               <a:rPr lang="de-DE" sz="1400" dirty="0" smtClean="0"/>
               <a:t>/der Wirkungszeit selbst)</a:t>
             </a:r>
-            <a:endParaRPr lang="de-DE" sz="1400" dirty="0" smtClean="0"/>
           </a:p>
           <a:p>
             <a:pPr marL="180975" indent="-180975">
@@ -4578,6 +5280,13 @@
   <p:clrMapOvr>
     <a:masterClrMapping/>
   </p:clrMapOvr>
+  <p:timing>
+    <p:tnLst>
+      <p:par>
+        <p:cTn id="1" dur="indefinite" restart="never" nodeType="tmRoot"/>
+      </p:par>
+    </p:tnLst>
+  </p:timing>
 </p:sld>
 </file>
 
@@ -4607,7 +5316,7 @@
           <p:nvPr/>
         </p:nvPicPr>
         <p:blipFill>
-          <a:blip r:embed="rId2"/>
+          <a:blip r:embed="rId3"/>
           <a:stretch>
             <a:fillRect/>
           </a:stretch>
@@ -4726,11 +5435,7 @@
             </a:r>
             <a:r>
               <a:rPr lang="de-DE" sz="1400" dirty="0" smtClean="0"/>
-              <a:t> </a:t>
-            </a:r>
-            <a:r>
-              <a:rPr lang="de-DE" sz="1400" dirty="0" smtClean="0"/>
-              <a:t>wie </a:t>
+              <a:t> wie </a:t>
             </a:r>
             <a:r>
               <a:rPr lang="de-DE" sz="1400" dirty="0" err="1" smtClean="0"/>
@@ -4773,6 +5478,13 @@
   <p:clrMapOvr>
     <a:masterClrMapping/>
   </p:clrMapOvr>
+  <p:timing>
+    <p:tnLst>
+      <p:par>
+        <p:cTn id="1" dur="indefinite" restart="never" nodeType="tmRoot"/>
+      </p:par>
+    </p:tnLst>
+  </p:timing>
 </p:sld>
 </file>
 
@@ -4953,6 +5665,53 @@
               </a:rPr>
               <a:t>Ergebnisse</a:t>
             </a:r>
+            <a:r>
+              <a:rPr lang="en-US" sz="2400" dirty="0" smtClean="0">
+                <a:solidFill>
+                  <a:srgbClr val="9F9F9F"/>
+                </a:solidFill>
+                <a:latin typeface="Eurostile ExtendedTwo" pitchFamily="34" charset="0"/>
+                <a:ea typeface="+mj-ea"/>
+                <a:cs typeface="+mj-cs"/>
+              </a:rPr>
+              <a:t/>
+            </a:r>
+            <a:br>
+              <a:rPr lang="en-US" sz="2400" dirty="0" smtClean="0">
+                <a:solidFill>
+                  <a:srgbClr val="9F9F9F"/>
+                </a:solidFill>
+                <a:latin typeface="Eurostile ExtendedTwo" pitchFamily="34" charset="0"/>
+                <a:ea typeface="+mj-ea"/>
+                <a:cs typeface="+mj-cs"/>
+              </a:rPr>
+            </a:br>
+            <a:r>
+              <a:rPr lang="de-AT" sz="2400" b="1" dirty="0" smtClean="0">
+                <a:solidFill>
+                  <a:schemeClr val="bg2">
+                    <a:lumMod val="75000"/>
+                  </a:schemeClr>
+                </a:solidFill>
+                <a:latin typeface="Arial" pitchFamily="34" charset="0"/>
+                <a:cs typeface="Arial" pitchFamily="34" charset="0"/>
+              </a:rPr>
+              <a:t>Albumbasierte Wirkungszeit</a:t>
+            </a:r>
+            <a:endParaRPr lang="de-AT" sz="2000" b="1" dirty="0" smtClean="0">
+              <a:solidFill>
+                <a:schemeClr val="bg2">
+                  <a:lumMod val="75000"/>
+                </a:schemeClr>
+              </a:solidFill>
+            </a:endParaRPr>
+          </a:p>
+          <a:p>
+            <a:pPr>
+              <a:spcBef>
+                <a:spcPct val="0"/>
+              </a:spcBef>
+            </a:pPr>
             <a:endParaRPr lang="en-US" sz="2400" dirty="0">
               <a:solidFill>
                 <a:srgbClr val="9F9F9F"/>
@@ -5244,6 +6003,53 @@
               </a:rPr>
               <a:t>Optimierung</a:t>
             </a:r>
+            <a:r>
+              <a:rPr lang="en-US" sz="2400" dirty="0" smtClean="0">
+                <a:solidFill>
+                  <a:srgbClr val="9F9F9F"/>
+                </a:solidFill>
+                <a:latin typeface="Eurostile ExtendedTwo" pitchFamily="34" charset="0"/>
+                <a:ea typeface="+mj-ea"/>
+                <a:cs typeface="+mj-cs"/>
+              </a:rPr>
+              <a:t/>
+            </a:r>
+            <a:br>
+              <a:rPr lang="en-US" sz="2400" dirty="0" smtClean="0">
+                <a:solidFill>
+                  <a:srgbClr val="9F9F9F"/>
+                </a:solidFill>
+                <a:latin typeface="Eurostile ExtendedTwo" pitchFamily="34" charset="0"/>
+                <a:ea typeface="+mj-ea"/>
+                <a:cs typeface="+mj-cs"/>
+              </a:rPr>
+            </a:br>
+            <a:r>
+              <a:rPr lang="de-AT" sz="2400" b="1" dirty="0" smtClean="0">
+                <a:solidFill>
+                  <a:schemeClr val="bg2">
+                    <a:lumMod val="75000"/>
+                  </a:schemeClr>
+                </a:solidFill>
+                <a:latin typeface="Arial" pitchFamily="34" charset="0"/>
+                <a:cs typeface="Arial" pitchFamily="34" charset="0"/>
+              </a:rPr>
+              <a:t>Albumbasierte Wirkungszeit</a:t>
+            </a:r>
+            <a:endParaRPr lang="de-AT" sz="2000" b="1" dirty="0" smtClean="0">
+              <a:solidFill>
+                <a:schemeClr val="bg2">
+                  <a:lumMod val="75000"/>
+                </a:schemeClr>
+              </a:solidFill>
+            </a:endParaRPr>
+          </a:p>
+          <a:p>
+            <a:pPr>
+              <a:spcBef>
+                <a:spcPct val="0"/>
+              </a:spcBef>
+            </a:pPr>
             <a:endParaRPr lang="en-US" sz="2400" dirty="0">
               <a:solidFill>
                 <a:srgbClr val="9F9F9F"/>
@@ -5926,6 +6732,57 @@
               </a:rPr>
               <a:t>Informationsgewinnung</a:t>
             </a:r>
+            <a:r>
+              <a:rPr lang="en-US" sz="2400" dirty="0" smtClean="0">
+                <a:solidFill>
+                  <a:srgbClr val="9F9F9F"/>
+                </a:solidFill>
+                <a:latin typeface="Eurostile ExtendedTwo" pitchFamily="34" charset="0"/>
+                <a:ea typeface="+mj-ea"/>
+                <a:cs typeface="+mj-cs"/>
+              </a:rPr>
+              <a:t/>
+            </a:r>
+            <a:br>
+              <a:rPr lang="en-US" sz="2400" dirty="0" smtClean="0">
+                <a:solidFill>
+                  <a:srgbClr val="9F9F9F"/>
+                </a:solidFill>
+                <a:latin typeface="Eurostile ExtendedTwo" pitchFamily="34" charset="0"/>
+                <a:ea typeface="+mj-ea"/>
+                <a:cs typeface="+mj-cs"/>
+              </a:rPr>
+            </a:br>
+            <a:r>
+              <a:rPr lang="de-AT" sz="2400" b="1" dirty="0" smtClean="0">
+                <a:solidFill>
+                  <a:schemeClr val="bg2">
+                    <a:lumMod val="75000"/>
+                  </a:schemeClr>
+                </a:solidFill>
+              </a:rPr>
+              <a:t>Tag </a:t>
+            </a:r>
+            <a:r>
+              <a:rPr lang="de-AT" sz="2400" b="1" dirty="0" err="1" smtClean="0">
+                <a:solidFill>
+                  <a:schemeClr val="bg2">
+                    <a:lumMod val="75000"/>
+                  </a:schemeClr>
+                </a:solidFill>
+              </a:rPr>
+              <a:t>Cloud</a:t>
+            </a:r>
+            <a:r>
+              <a:rPr lang="de-AT" sz="2400" b="1" dirty="0" smtClean="0">
+                <a:solidFill>
+                  <a:schemeClr val="bg2">
+                    <a:lumMod val="75000"/>
+                  </a:schemeClr>
+                </a:solidFill>
+              </a:rPr>
+              <a:t> </a:t>
+            </a:r>
             <a:endParaRPr lang="en-US" sz="2400" dirty="0">
               <a:solidFill>
                 <a:srgbClr val="9F9F9F"/>
@@ -6147,6 +7004,57 @@
                 <a:cs typeface="+mj-cs"/>
               </a:rPr>
               <a:t>Ergebnisse</a:t>
+            </a:r>
+            <a:r>
+              <a:rPr lang="en-US" sz="2400" dirty="0" smtClean="0">
+                <a:solidFill>
+                  <a:srgbClr val="9F9F9F"/>
+                </a:solidFill>
+                <a:latin typeface="Eurostile ExtendedTwo" pitchFamily="34" charset="0"/>
+                <a:ea typeface="+mj-ea"/>
+                <a:cs typeface="+mj-cs"/>
+              </a:rPr>
+              <a:t/>
+            </a:r>
+            <a:br>
+              <a:rPr lang="en-US" sz="2400" dirty="0" smtClean="0">
+                <a:solidFill>
+                  <a:srgbClr val="9F9F9F"/>
+                </a:solidFill>
+                <a:latin typeface="Eurostile ExtendedTwo" pitchFamily="34" charset="0"/>
+                <a:ea typeface="+mj-ea"/>
+                <a:cs typeface="+mj-cs"/>
+              </a:rPr>
+            </a:br>
+            <a:r>
+              <a:rPr lang="de-AT" sz="2400" b="1" dirty="0" smtClean="0">
+                <a:solidFill>
+                  <a:schemeClr val="bg2">
+                    <a:lumMod val="75000"/>
+                  </a:schemeClr>
+                </a:solidFill>
+              </a:rPr>
+              <a:t>Tag </a:t>
+            </a:r>
+            <a:r>
+              <a:rPr lang="de-AT" sz="2400" b="1" dirty="0" err="1" smtClean="0">
+                <a:solidFill>
+                  <a:schemeClr val="bg2">
+                    <a:lumMod val="75000"/>
+                  </a:schemeClr>
+                </a:solidFill>
+              </a:rPr>
+              <a:t>Cloud</a:t>
+            </a:r>
+            <a:r>
+              <a:rPr lang="de-AT" sz="2400" b="1" dirty="0" smtClean="0">
+                <a:solidFill>
+                  <a:schemeClr val="bg2">
+                    <a:lumMod val="75000"/>
+                  </a:schemeClr>
+                </a:solidFill>
+              </a:rPr>
+              <a:t> </a:t>
             </a:r>
             <a:endParaRPr lang="en-US" sz="2400" dirty="0">
               <a:solidFill>
@@ -6395,6 +7303,57 @@
               </a:rPr>
               <a:t>Ergebnisse</a:t>
             </a:r>
+            <a:r>
+              <a:rPr lang="en-US" sz="2400" dirty="0" smtClean="0">
+                <a:solidFill>
+                  <a:srgbClr val="9F9F9F"/>
+                </a:solidFill>
+                <a:latin typeface="Eurostile ExtendedTwo" pitchFamily="34" charset="0"/>
+                <a:ea typeface="+mj-ea"/>
+                <a:cs typeface="+mj-cs"/>
+              </a:rPr>
+              <a:t/>
+            </a:r>
+            <a:br>
+              <a:rPr lang="en-US" sz="2400" dirty="0" smtClean="0">
+                <a:solidFill>
+                  <a:srgbClr val="9F9F9F"/>
+                </a:solidFill>
+                <a:latin typeface="Eurostile ExtendedTwo" pitchFamily="34" charset="0"/>
+                <a:ea typeface="+mj-ea"/>
+                <a:cs typeface="+mj-cs"/>
+              </a:rPr>
+            </a:br>
+            <a:r>
+              <a:rPr lang="de-AT" sz="2400" b="1" dirty="0" smtClean="0">
+                <a:solidFill>
+                  <a:schemeClr val="bg2">
+                    <a:lumMod val="75000"/>
+                  </a:schemeClr>
+                </a:solidFill>
+              </a:rPr>
+              <a:t>Tag </a:t>
+            </a:r>
+            <a:r>
+              <a:rPr lang="de-AT" sz="2400" b="1" dirty="0" err="1" smtClean="0">
+                <a:solidFill>
+                  <a:schemeClr val="bg2">
+                    <a:lumMod val="75000"/>
+                  </a:schemeClr>
+                </a:solidFill>
+              </a:rPr>
+              <a:t>Cloud</a:t>
+            </a:r>
+            <a:r>
+              <a:rPr lang="de-AT" sz="2400" b="1" dirty="0" smtClean="0">
+                <a:solidFill>
+                  <a:schemeClr val="bg2">
+                    <a:lumMod val="75000"/>
+                  </a:schemeClr>
+                </a:solidFill>
+              </a:rPr>
+              <a:t> </a:t>
+            </a:r>
             <a:endParaRPr lang="en-US" sz="2400" dirty="0">
               <a:solidFill>
                 <a:srgbClr val="9F9F9F"/>
@@ -6802,7 +7761,7 @@
                 <a:ea typeface="+mj-ea"/>
                 <a:cs typeface="+mj-cs"/>
               </a:rPr>
-              <a:t>Ergebnisse</a:t>
+              <a:t>Visualisierung</a:t>
             </a:r>
             <a:endParaRPr lang="en-US" sz="2400" dirty="0">
               <a:solidFill>
@@ -7431,7 +8390,7 @@
               </a:spcBef>
             </a:pPr>
             <a:r>
-              <a:rPr lang="en-US" sz="2400" dirty="0" err="1" smtClean="0">
+              <a:rPr lang="en-US" sz="2400" dirty="0" smtClean="0">
                 <a:solidFill>
                   <a:srgbClr val="9F9F9F"/>
                 </a:solidFill>
@@ -7439,7 +8398,7 @@
                 <a:ea typeface="+mj-ea"/>
                 <a:cs typeface="+mj-cs"/>
               </a:rPr>
-              <a:t>Ergebnisse</a:t>
+              <a:t>Work </a:t>
             </a:r>
             <a:r>
               <a:rPr lang="en-US" sz="2400" dirty="0" smtClean="0">
@@ -7450,16 +8409,19 @@
                 <a:ea typeface="+mj-ea"/>
                 <a:cs typeface="+mj-cs"/>
               </a:rPr>
-              <a:t> – Work in progress</a:t>
-            </a:r>
-            <a:endParaRPr lang="en-US" sz="2400" dirty="0">
-              <a:solidFill>
-                <a:srgbClr val="9F9F9F"/>
-              </a:solidFill>
-              <a:latin typeface="Eurostile ExtendedTwo" pitchFamily="34" charset="0"/>
-              <a:ea typeface="+mj-ea"/>
-              <a:cs typeface="+mj-cs"/>
-            </a:endParaRPr>
+              <a:t>in </a:t>
+            </a:r>
+            <a:r>
+              <a:rPr lang="en-US" sz="2400" dirty="0" smtClean="0">
+                <a:solidFill>
+                  <a:srgbClr val="9F9F9F"/>
+                </a:solidFill>
+                <a:latin typeface="Eurostile ExtendedTwo" pitchFamily="34" charset="0"/>
+                <a:ea typeface="+mj-ea"/>
+                <a:cs typeface="+mj-cs"/>
+              </a:rPr>
+              <a:t>progress</a:t>
+            </a:r>
           </a:p>
         </p:txBody>
       </p:sp>
@@ -8168,48 +9130,28 @@
               </a:spcBef>
             </a:pPr>
             <a:r>
-              <a:rPr lang="en-US" sz="2400" dirty="0" err="1">
+              <a:rPr lang="en-US" sz="2400" dirty="0" smtClean="0">
                 <a:solidFill>
                   <a:srgbClr val="9F9F9F"/>
                 </a:solidFill>
                 <a:latin typeface="Eurostile ExtendedTwo" pitchFamily="34" charset="0"/>
               </a:rPr>
-              <a:t>Ergebnisse</a:t>
-            </a:r>
-            <a:r>
-              <a:rPr lang="en-US" sz="2400" dirty="0">
+              <a:t>Work in </a:t>
+            </a:r>
+            <a:r>
+              <a:rPr lang="en-US" sz="2400" dirty="0" smtClean="0">
                 <a:solidFill>
                   <a:srgbClr val="9F9F9F"/>
                 </a:solidFill>
                 <a:latin typeface="Eurostile ExtendedTwo" pitchFamily="34" charset="0"/>
               </a:rPr>
-              <a:t> – </a:t>
-            </a:r>
-            <a:r>
-              <a:rPr lang="en-US" sz="2400" dirty="0" smtClean="0">
-                <a:solidFill>
-                  <a:srgbClr val="9F9F9F"/>
-                </a:solidFill>
-                <a:latin typeface="Eurostile ExtendedTwo" pitchFamily="34" charset="0"/>
-              </a:rPr>
-              <a:t>Work </a:t>
-            </a:r>
-            <a:r>
-              <a:rPr lang="en-US" sz="2400" dirty="0">
-                <a:solidFill>
-                  <a:srgbClr val="9F9F9F"/>
-                </a:solidFill>
-                <a:latin typeface="Eurostile ExtendedTwo" pitchFamily="34" charset="0"/>
-              </a:rPr>
-              <a:t>in progress</a:t>
-            </a:r>
-            <a:endParaRPr lang="en-US" sz="2400" dirty="0">
+              <a:t>progress</a:t>
+            </a:r>
+            <a:endParaRPr lang="en-US" sz="2400" dirty="0" smtClean="0">
               <a:solidFill>
                 <a:srgbClr val="9F9F9F"/>
               </a:solidFill>
               <a:latin typeface="Eurostile ExtendedTwo" pitchFamily="34" charset="0"/>
-              <a:ea typeface="+mj-ea"/>
-              <a:cs typeface="+mj-cs"/>
             </a:endParaRPr>
           </a:p>
         </p:txBody>
@@ -15342,19 +16284,7 @@
                 <a:latin typeface="Arial" pitchFamily="34" charset="0"/>
                 <a:cs typeface="Arial" pitchFamily="34" charset="0"/>
               </a:rPr>
-              <a:t>Feature Extraktion und Ähnlichkeitsmaß (I) – Albumbasierte </a:t>
-            </a:r>
-            <a:r>
-              <a:rPr lang="de-AT" sz="1600" b="1" dirty="0" smtClean="0">
-                <a:solidFill>
-                  <a:schemeClr val="bg2">
-                    <a:lumMod val="75000"/>
-                  </a:schemeClr>
-                </a:solidFill>
-                <a:latin typeface="Arial" pitchFamily="34" charset="0"/>
-                <a:cs typeface="Arial" pitchFamily="34" charset="0"/>
-              </a:rPr>
-              <a:t>Wirkungszeit</a:t>
+              <a:t>Feature Extraktion und Ähnlichkeitsmaß (I) – Albumbasierte Wirkungszeit</a:t>
             </a:r>
             <a:endParaRPr lang="de-AT" sz="1400" b="1" dirty="0" smtClean="0">
               <a:solidFill>
@@ -15398,45 +16328,28 @@
                   </a:schemeClr>
                 </a:solidFill>
               </a:rPr>
+              <a:t> Alben-</a:t>
+            </a:r>
+            <a:r>
+              <a:rPr lang="de-AT" b="1" dirty="0" err="1" smtClean="0">
+                <a:solidFill>
+                  <a:schemeClr val="bg2">
+                    <a:lumMod val="75000"/>
+                  </a:schemeClr>
+                </a:solidFill>
+              </a:rPr>
+              <a:t>Releasedates</a:t>
+            </a:r>
+            <a:r>
+              <a:rPr lang="de-AT" b="1" dirty="0" smtClean="0">
+                <a:solidFill>
+                  <a:schemeClr val="bg2">
+                    <a:lumMod val="75000"/>
+                  </a:schemeClr>
+                </a:solidFill>
+              </a:rPr>
               <a:t> </a:t>
             </a:r>
-            <a:r>
-              <a:rPr lang="de-AT" b="1" dirty="0" smtClean="0">
-                <a:solidFill>
-                  <a:schemeClr val="bg2">
-                    <a:lumMod val="75000"/>
-                  </a:schemeClr>
-                </a:solidFill>
-              </a:rPr>
-              <a:t>Alben-</a:t>
-            </a:r>
-            <a:r>
-              <a:rPr lang="de-AT" b="1" dirty="0" err="1" smtClean="0">
-                <a:solidFill>
-                  <a:schemeClr val="bg2">
-                    <a:lumMod val="75000"/>
-                  </a:schemeClr>
-                </a:solidFill>
-              </a:rPr>
-              <a:t>Releasedates</a:t>
-            </a:r>
-            <a:r>
-              <a:rPr lang="de-AT" b="1" dirty="0" smtClean="0">
-                <a:solidFill>
-                  <a:schemeClr val="bg2">
-                    <a:lumMod val="75000"/>
-                  </a:schemeClr>
-                </a:solidFill>
-              </a:rPr>
-              <a:t> </a:t>
-            </a:r>
-            <a:endParaRPr lang="de-AT" b="1" dirty="0" smtClean="0">
-              <a:solidFill>
-                <a:schemeClr val="bg2">
-                  <a:lumMod val="75000"/>
-                </a:schemeClr>
-              </a:solidFill>
-            </a:endParaRPr>
           </a:p>
           <a:p>
             <a:pPr eaLnBrk="1" hangingPunct="1"/>
@@ -15448,17 +16361,7 @@
                   </a:schemeClr>
                 </a:solidFill>
               </a:rPr>
-              <a:t>Extraktion der </a:t>
-            </a:r>
-            <a:r>
-              <a:rPr lang="de-AT" dirty="0" smtClean="0">
-                <a:solidFill>
-                  <a:schemeClr val="bg2">
-                    <a:lumMod val="75000"/>
-                  </a:schemeClr>
-                </a:solidFill>
-              </a:rPr>
-              <a:t>Alben eines </a:t>
+              <a:t>Extraktion der Alben eines </a:t>
             </a:r>
             <a:r>
               <a:rPr lang="de-AT" dirty="0" err="1" smtClean="0">
@@ -15743,6 +16646,65 @@
               </a:rPr>
               <a:t>Informationsgewinnung</a:t>
             </a:r>
+            <a:r>
+              <a:rPr lang="en-US" sz="2400" dirty="0" smtClean="0">
+                <a:solidFill>
+                  <a:srgbClr val="9F9F9F"/>
+                </a:solidFill>
+                <a:latin typeface="Eurostile ExtendedTwo" pitchFamily="34" charset="0"/>
+                <a:ea typeface="+mj-ea"/>
+                <a:cs typeface="+mj-cs"/>
+              </a:rPr>
+              <a:t>: </a:t>
+            </a:r>
+            <a:br>
+              <a:rPr lang="en-US" sz="2400" dirty="0" smtClean="0">
+                <a:solidFill>
+                  <a:srgbClr val="9F9F9F"/>
+                </a:solidFill>
+                <a:latin typeface="Eurostile ExtendedTwo" pitchFamily="34" charset="0"/>
+                <a:ea typeface="+mj-ea"/>
+                <a:cs typeface="+mj-cs"/>
+              </a:rPr>
+            </a:br>
+            <a:r>
+              <a:rPr lang="de-AT" sz="2400" b="1" dirty="0" smtClean="0">
+                <a:solidFill>
+                  <a:schemeClr val="bg2">
+                    <a:lumMod val="75000"/>
+                  </a:schemeClr>
+                </a:solidFill>
+                <a:latin typeface="Arial" pitchFamily="34" charset="0"/>
+                <a:cs typeface="Arial" pitchFamily="34" charset="0"/>
+              </a:rPr>
+              <a:t>Albumbasierte </a:t>
+            </a:r>
+            <a:r>
+              <a:rPr lang="de-AT" sz="2400" b="1" dirty="0" smtClean="0">
+                <a:solidFill>
+                  <a:schemeClr val="bg2">
+                    <a:lumMod val="75000"/>
+                  </a:schemeClr>
+                </a:solidFill>
+                <a:latin typeface="Arial" pitchFamily="34" charset="0"/>
+                <a:cs typeface="Arial" pitchFamily="34" charset="0"/>
+              </a:rPr>
+              <a:t>Wirkungszeit</a:t>
+            </a:r>
+            <a:endParaRPr lang="de-AT" sz="2000" b="1" dirty="0" smtClean="0">
+              <a:solidFill>
+                <a:schemeClr val="bg2">
+                  <a:lumMod val="75000"/>
+                </a:schemeClr>
+              </a:solidFill>
+            </a:endParaRPr>
+          </a:p>
+          <a:p>
+            <a:pPr>
+              <a:spcBef>
+                <a:spcPct val="0"/>
+              </a:spcBef>
+            </a:pPr>
             <a:endParaRPr lang="en-US" sz="2400" dirty="0">
               <a:solidFill>
                 <a:srgbClr val="9F9F9F"/>
@@ -15763,7 +16725,7 @@
           <p:nvPr/>
         </p:nvPicPr>
         <p:blipFill>
-          <a:blip r:embed="rId2"/>
+          <a:blip r:embed="rId3"/>
           <a:srcRect/>
           <a:stretch>
             <a:fillRect/>
@@ -15865,7 +16827,7 @@
           <p:nvPr/>
         </p:nvPicPr>
         <p:blipFill>
-          <a:blip r:embed="rId2"/>
+          <a:blip r:embed="rId3"/>
           <a:srcRect/>
           <a:stretch>
             <a:fillRect/>
@@ -16022,7 +16984,7 @@
           <p:nvPr/>
         </p:nvPicPr>
         <p:blipFill>
-          <a:blip r:embed="rId2"/>
+          <a:blip r:embed="rId3"/>
           <a:srcRect/>
           <a:stretch>
             <a:fillRect/>
@@ -16077,15 +17039,7 @@
             </a:pPr>
             <a:r>
               <a:rPr lang="de-DE" sz="1400" dirty="0" smtClean="0"/>
-              <a:t>Viele Künstler liegen eng beieinander, nur wenige heben sich ab</a:t>
-            </a:r>
-            <a:r>
-              <a:rPr lang="de-DE" sz="1400" dirty="0" smtClean="0"/>
-              <a:t> </a:t>
-            </a:r>
-            <a:r>
-              <a:rPr lang="de-DE" sz="1400" dirty="0" smtClean="0"/>
-              <a:t>(Miles Davis, Dave Brubeck, Leonard Cohen, Kraftwerk)</a:t>
+              <a:t>Viele Künstler liegen eng beieinander, nur wenige heben sich ab (Miles Davis, Dave Brubeck, Leonard Cohen, Kraftwerk)</a:t>
             </a:r>
           </a:p>
           <a:p>
@@ -16186,6 +17140,13 @@
   <p:clrMapOvr>
     <a:masterClrMapping/>
   </p:clrMapOvr>
+  <p:timing>
+    <p:tnLst>
+      <p:par>
+        <p:cTn id="1" dur="indefinite" restart="never" nodeType="tmRoot"/>
+      </p:par>
+    </p:tnLst>
+  </p:timing>
 </p:sld>
 </file>
 

--- a/presentation/presentation.pptx
+++ b/presentation/presentation.pptx
@@ -19,20 +19,20 @@
     <p:sldId id="265" r:id="rId7"/>
     <p:sldId id="277" r:id="rId8"/>
     <p:sldId id="278" r:id="rId9"/>
-    <p:sldId id="279" r:id="rId10"/>
-    <p:sldId id="280" r:id="rId11"/>
-    <p:sldId id="281" r:id="rId12"/>
-    <p:sldId id="282" r:id="rId13"/>
-    <p:sldId id="283" r:id="rId14"/>
-    <p:sldId id="268" r:id="rId15"/>
-    <p:sldId id="271" r:id="rId16"/>
-    <p:sldId id="276" r:id="rId17"/>
-    <p:sldId id="273" r:id="rId18"/>
+    <p:sldId id="284" r:id="rId10"/>
+    <p:sldId id="279" r:id="rId11"/>
+    <p:sldId id="280" r:id="rId12"/>
+    <p:sldId id="281" r:id="rId13"/>
+    <p:sldId id="282" r:id="rId14"/>
+    <p:sldId id="283" r:id="rId15"/>
+    <p:sldId id="268" r:id="rId16"/>
+    <p:sldId id="271" r:id="rId17"/>
+    <p:sldId id="276" r:id="rId18"/>
     <p:sldId id="274" r:id="rId19"/>
     <p:sldId id="275" r:id="rId20"/>
   </p:sldIdLst>
   <p:sldSz cx="9144000" cy="6858000" type="screen4x3"/>
-  <p:notesSz cx="6858000" cy="9144000"/>
+  <p:notesSz cx="6797675" cy="9928225"/>
   <p:defaultTextStyle>
     <a:defPPr>
       <a:defRPr lang="en-US"/>
@@ -221,19 +221,19 @@
                   <c:v>1</c:v>
                 </c:pt>
                 <c:pt idx="1">
-                  <c:v>0.5756480000000006</c:v>
+                  <c:v>0.57564800000000071</c:v>
                 </c:pt>
                 <c:pt idx="2">
                   <c:v>3.1970000000000012E-2</c:v>
                 </c:pt>
                 <c:pt idx="3">
-                  <c:v>0.25642400000000021</c:v>
+                  <c:v>0.25642400000000026</c:v>
                 </c:pt>
                 <c:pt idx="4">
-                  <c:v>8.9020000000000106E-3</c:v>
+                  <c:v>8.9020000000000141E-3</c:v>
                 </c:pt>
                 <c:pt idx="5">
-                  <c:v>1.2710000000000006E-3</c:v>
+                  <c:v>1.2710000000000009E-3</c:v>
                 </c:pt>
               </c:numCache>
             </c:numRef>
@@ -286,13 +286,13 @@
                 <c:formatCode>General</c:formatCode>
                 <c:ptCount val="6"/>
                 <c:pt idx="0">
-                  <c:v>0.5756480000000006</c:v>
+                  <c:v>0.57564800000000071</c:v>
                 </c:pt>
                 <c:pt idx="1">
                   <c:v>1</c:v>
                 </c:pt>
                 <c:pt idx="2">
-                  <c:v>5.2012000000000058E-2</c:v>
+                  <c:v>5.2012000000000079E-2</c:v>
                 </c:pt>
                 <c:pt idx="3">
                   <c:v>0.50629999999999997</c:v>
@@ -301,7 +301,7 @@
                   <c:v>1.2573000000000001E-2</c:v>
                 </c:pt>
                 <c:pt idx="5">
-                  <c:v>2.2190000000000014E-3</c:v>
+                  <c:v>2.2190000000000018E-3</c:v>
                 </c:pt>
               </c:numCache>
             </c:numRef>
@@ -357,16 +357,16 @@
                   <c:v>3.1970000000000012E-2</c:v>
                 </c:pt>
                 <c:pt idx="1">
-                  <c:v>5.2012000000000058E-2</c:v>
+                  <c:v>5.2012000000000079E-2</c:v>
                 </c:pt>
                 <c:pt idx="2">
                   <c:v>1</c:v>
                 </c:pt>
                 <c:pt idx="3">
-                  <c:v>7.2690000000000046E-2</c:v>
+                  <c:v>7.2690000000000074E-2</c:v>
                 </c:pt>
                 <c:pt idx="4">
-                  <c:v>2.2490000000000014E-3</c:v>
+                  <c:v>2.2490000000000019E-3</c:v>
                 </c:pt>
                 <c:pt idx="5">
                   <c:v>0</c:v>
@@ -422,19 +422,19 @@
                 <c:formatCode>General</c:formatCode>
                 <c:ptCount val="6"/>
                 <c:pt idx="0">
-                  <c:v>0.25642400000000021</c:v>
+                  <c:v>0.25642400000000026</c:v>
                 </c:pt>
                 <c:pt idx="1">
                   <c:v>0.50629999999999997</c:v>
                 </c:pt>
                 <c:pt idx="2">
-                  <c:v>7.2690000000000046E-2</c:v>
+                  <c:v>7.2690000000000074E-2</c:v>
                 </c:pt>
                 <c:pt idx="3">
                   <c:v>1</c:v>
                 </c:pt>
                 <c:pt idx="4">
-                  <c:v>1.5345000000000004E-2</c:v>
+                  <c:v>1.5345000000000008E-2</c:v>
                 </c:pt>
                 <c:pt idx="5">
                   <c:v>1.1479999999999999E-3</c:v>
@@ -490,16 +490,16 @@
                 <c:formatCode>General</c:formatCode>
                 <c:ptCount val="6"/>
                 <c:pt idx="0">
-                  <c:v>8.9020000000000106E-3</c:v>
+                  <c:v>8.9020000000000141E-3</c:v>
                 </c:pt>
                 <c:pt idx="1">
                   <c:v>1.2573000000000001E-2</c:v>
                 </c:pt>
                 <c:pt idx="2">
-                  <c:v>2.2490000000000014E-3</c:v>
+                  <c:v>2.2490000000000019E-3</c:v>
                 </c:pt>
                 <c:pt idx="3">
-                  <c:v>1.5345000000000004E-2</c:v>
+                  <c:v>1.5345000000000008E-2</c:v>
                 </c:pt>
                 <c:pt idx="4">
                   <c:v>1</c:v>
@@ -558,10 +558,10 @@
                 <c:formatCode>General</c:formatCode>
                 <c:ptCount val="6"/>
                 <c:pt idx="0">
-                  <c:v>1.2710000000000006E-3</c:v>
+                  <c:v>1.2710000000000009E-3</c:v>
                 </c:pt>
                 <c:pt idx="1">
-                  <c:v>2.2190000000000014E-3</c:v>
+                  <c:v>2.2190000000000018E-3</c:v>
                 </c:pt>
                 <c:pt idx="2">
                   <c:v>0</c:v>
@@ -579,11 +579,11 @@
             </c:numRef>
           </c:val>
         </c:ser>
-        <c:axId val="49425792"/>
-        <c:axId val="49456256"/>
+        <c:axId val="70676480"/>
+        <c:axId val="70678016"/>
       </c:barChart>
       <c:catAx>
-        <c:axId val="49425792"/>
+        <c:axId val="70676480"/>
         <c:scaling>
           <c:orientation val="minMax"/>
         </c:scaling>
@@ -599,14 +599,14 @@
             <a:endParaRPr lang="en-US"/>
           </a:p>
         </c:txPr>
-        <c:crossAx val="49456256"/>
+        <c:crossAx val="70678016"/>
         <c:crosses val="autoZero"/>
         <c:auto val="1"/>
         <c:lblAlgn val="ctr"/>
         <c:lblOffset val="100"/>
       </c:catAx>
       <c:valAx>
-        <c:axId val="49456256"/>
+        <c:axId val="70678016"/>
         <c:scaling>
           <c:orientation val="minMax"/>
           <c:max val="1"/>
@@ -625,7 +625,7 @@
             <a:endParaRPr lang="en-US"/>
           </a:p>
         </c:txPr>
-        <c:crossAx val="49425792"/>
+        <c:crossAx val="70676480"/>
         <c:crosses val="autoZero"/>
         <c:crossBetween val="between"/>
       </c:valAx>
@@ -710,19 +710,19 @@
                   <c:v>1</c:v>
                 </c:pt>
                 <c:pt idx="1">
-                  <c:v>0.48331700000000016</c:v>
+                  <c:v>0.48331700000000022</c:v>
                 </c:pt>
                 <c:pt idx="2">
                   <c:v>0.16111700000000001</c:v>
                 </c:pt>
                 <c:pt idx="3">
-                  <c:v>0.35282800000000031</c:v>
+                  <c:v>0.35282800000000036</c:v>
                 </c:pt>
                 <c:pt idx="4">
                   <c:v>6.5276000000000001E-2</c:v>
                 </c:pt>
                 <c:pt idx="5">
-                  <c:v>3.8400000000000014E-3</c:v>
+                  <c:v>3.8400000000000018E-3</c:v>
                 </c:pt>
               </c:numCache>
             </c:numRef>
@@ -775,7 +775,7 @@
                 <c:formatCode>General</c:formatCode>
                 <c:ptCount val="6"/>
                 <c:pt idx="0">
-                  <c:v>0.48331700000000016</c:v>
+                  <c:v>0.48331700000000022</c:v>
                 </c:pt>
                 <c:pt idx="1">
                   <c:v>1</c:v>
@@ -784,13 +784,13 @@
                   <c:v>0.22686799999999999</c:v>
                 </c:pt>
                 <c:pt idx="3">
-                  <c:v>0.56716999999999962</c:v>
+                  <c:v>0.56716999999999951</c:v>
                 </c:pt>
                 <c:pt idx="4">
                   <c:v>0.118311</c:v>
                 </c:pt>
                 <c:pt idx="5">
-                  <c:v>5.8550000000000026E-3</c:v>
+                  <c:v>5.8550000000000034E-3</c:v>
                 </c:pt>
               </c:numCache>
             </c:numRef>
@@ -852,13 +852,13 @@
                   <c:v>1</c:v>
                 </c:pt>
                 <c:pt idx="3">
-                  <c:v>0.30366000000000021</c:v>
+                  <c:v>0.30366000000000026</c:v>
                 </c:pt>
                 <c:pt idx="4">
                   <c:v>7.9821000000000003E-2</c:v>
                 </c:pt>
                 <c:pt idx="5">
-                  <c:v>0.32674600000000015</c:v>
+                  <c:v>0.3267460000000002</c:v>
                 </c:pt>
               </c:numCache>
             </c:numRef>
@@ -911,13 +911,13 @@
                 <c:formatCode>General</c:formatCode>
                 <c:ptCount val="6"/>
                 <c:pt idx="0">
-                  <c:v>0.35282800000000031</c:v>
+                  <c:v>0.35282800000000036</c:v>
                 </c:pt>
                 <c:pt idx="1">
-                  <c:v>0.56716999999999962</c:v>
+                  <c:v>0.56716999999999951</c:v>
                 </c:pt>
                 <c:pt idx="2">
-                  <c:v>0.30366000000000021</c:v>
+                  <c:v>0.30366000000000026</c:v>
                 </c:pt>
                 <c:pt idx="3">
                   <c:v>1</c:v>
@@ -994,7 +994,7 @@
                   <c:v>1</c:v>
                 </c:pt>
                 <c:pt idx="5">
-                  <c:v>4.1149999999999971E-3</c:v>
+                  <c:v>4.1149999999999963E-3</c:v>
                 </c:pt>
               </c:numCache>
             </c:numRef>
@@ -1047,19 +1047,19 @@
                 <c:formatCode>General</c:formatCode>
                 <c:ptCount val="6"/>
                 <c:pt idx="0">
-                  <c:v>3.8400000000000014E-3</c:v>
+                  <c:v>3.8400000000000018E-3</c:v>
                 </c:pt>
                 <c:pt idx="1">
-                  <c:v>5.8550000000000026E-3</c:v>
+                  <c:v>5.8550000000000034E-3</c:v>
                 </c:pt>
                 <c:pt idx="2">
-                  <c:v>0.32674600000000015</c:v>
+                  <c:v>0.3267460000000002</c:v>
                 </c:pt>
                 <c:pt idx="3">
                   <c:v>1.0199E-2</c:v>
                 </c:pt>
                 <c:pt idx="4">
-                  <c:v>4.1149999999999971E-3</c:v>
+                  <c:v>4.1149999999999963E-3</c:v>
                 </c:pt>
                 <c:pt idx="5">
                   <c:v>1</c:v>
@@ -1068,11 +1068,11 @@
             </c:numRef>
           </c:val>
         </c:ser>
-        <c:axId val="49112192"/>
-        <c:axId val="49113728"/>
+        <c:axId val="71063040"/>
+        <c:axId val="71064576"/>
       </c:barChart>
       <c:catAx>
-        <c:axId val="49112192"/>
+        <c:axId val="71063040"/>
         <c:scaling>
           <c:orientation val="minMax"/>
         </c:scaling>
@@ -1088,14 +1088,14 @@
             <a:endParaRPr lang="en-US"/>
           </a:p>
         </c:txPr>
-        <c:crossAx val="49113728"/>
+        <c:crossAx val="71064576"/>
         <c:crosses val="autoZero"/>
         <c:auto val="1"/>
         <c:lblAlgn val="ctr"/>
         <c:lblOffset val="100"/>
       </c:catAx>
       <c:valAx>
-        <c:axId val="49113728"/>
+        <c:axId val="71064576"/>
         <c:scaling>
           <c:orientation val="minMax"/>
           <c:max val="1"/>
@@ -1114,7 +1114,7 @@
             <a:endParaRPr lang="en-US"/>
           </a:p>
         </c:txPr>
-        <c:crossAx val="49112192"/>
+        <c:crossAx val="71063040"/>
         <c:crosses val="autoZero"/>
         <c:crossBetween val="between"/>
       </c:valAx>
@@ -1174,7 +1174,7 @@
         <p:spPr>
           <a:xfrm>
             <a:off x="0" y="0"/>
-            <a:ext cx="2971800" cy="457200"/>
+            <a:ext cx="2945659" cy="496411"/>
           </a:xfrm>
           <a:prstGeom prst="rect">
             <a:avLst/>
@@ -1204,8 +1204,8 @@
         </p:nvSpPr>
         <p:spPr>
           <a:xfrm>
-            <a:off x="3884613" y="0"/>
-            <a:ext cx="2971800" cy="457200"/>
+            <a:off x="3850443" y="0"/>
+            <a:ext cx="2945659" cy="496411"/>
           </a:xfrm>
           <a:prstGeom prst="rect">
             <a:avLst/>
@@ -1240,8 +1240,8 @@
         </p:nvSpPr>
         <p:spPr>
           <a:xfrm>
-            <a:off x="0" y="8685213"/>
-            <a:ext cx="2971800" cy="457200"/>
+            <a:off x="0" y="9430091"/>
+            <a:ext cx="2945659" cy="496411"/>
           </a:xfrm>
           <a:prstGeom prst="rect">
             <a:avLst/>
@@ -1271,8 +1271,8 @@
         </p:nvSpPr>
         <p:spPr>
           <a:xfrm>
-            <a:off x="3884613" y="8685213"/>
-            <a:ext cx="2971800" cy="457200"/>
+            <a:off x="3850443" y="9430091"/>
+            <a:ext cx="2945659" cy="496411"/>
           </a:xfrm>
           <a:prstGeom prst="rect">
             <a:avLst/>
@@ -1336,7 +1336,7 @@
         <p:spPr>
           <a:xfrm>
             <a:off x="0" y="0"/>
-            <a:ext cx="2971800" cy="457200"/>
+            <a:ext cx="2945659" cy="496411"/>
           </a:xfrm>
           <a:prstGeom prst="rect">
             <a:avLst/>
@@ -1369,8 +1369,8 @@
         </p:nvSpPr>
         <p:spPr>
           <a:xfrm>
-            <a:off x="3884613" y="0"/>
-            <a:ext cx="2971800" cy="457200"/>
+            <a:off x="3850443" y="0"/>
+            <a:ext cx="2945659" cy="496411"/>
           </a:xfrm>
           <a:prstGeom prst="rect">
             <a:avLst/>
@@ -1410,8 +1410,8 @@
         </p:nvSpPr>
         <p:spPr>
           <a:xfrm>
-            <a:off x="685800" y="4343400"/>
-            <a:ext cx="5486400" cy="4114800"/>
+            <a:off x="679768" y="4715907"/>
+            <a:ext cx="5438140" cy="4467701"/>
           </a:xfrm>
           <a:prstGeom prst="rect">
             <a:avLst/>
@@ -1471,8 +1471,8 @@
         </p:nvSpPr>
         <p:spPr>
           <a:xfrm>
-            <a:off x="0" y="8685213"/>
-            <a:ext cx="2971800" cy="457200"/>
+            <a:off x="0" y="9430091"/>
+            <a:ext cx="2945659" cy="496411"/>
           </a:xfrm>
           <a:prstGeom prst="rect">
             <a:avLst/>
@@ -1505,8 +1505,8 @@
         </p:nvSpPr>
         <p:spPr>
           <a:xfrm>
-            <a:off x="3884613" y="8685213"/>
-            <a:ext cx="2971800" cy="457200"/>
+            <a:off x="3850443" y="9430091"/>
+            <a:ext cx="2945659" cy="496411"/>
           </a:xfrm>
           <a:prstGeom prst="rect">
             <a:avLst/>
@@ -1691,8 +1691,8 @@
         </p:nvSpPr>
         <p:spPr>
           <a:xfrm>
-            <a:off x="1143000" y="685800"/>
-            <a:ext cx="4572000" cy="3429000"/>
+            <a:off x="917575" y="744538"/>
+            <a:ext cx="4962525" cy="3722687"/>
           </a:xfrm>
           <a:prstGeom prst="rect">
             <a:avLst/>
@@ -1792,8 +1792,8 @@
         </p:nvSpPr>
         <p:spPr>
           <a:xfrm>
-            <a:off x="1143000" y="685800"/>
-            <a:ext cx="4572000" cy="3429000"/>
+            <a:off x="917575" y="744538"/>
+            <a:ext cx="4962525" cy="3722687"/>
           </a:xfrm>
           <a:prstGeom prst="rect">
             <a:avLst/>
@@ -1893,8 +1893,8 @@
         </p:nvSpPr>
         <p:spPr>
           <a:xfrm>
-            <a:off x="1143000" y="685800"/>
-            <a:ext cx="4572000" cy="3429000"/>
+            <a:off x="917575" y="744538"/>
+            <a:ext cx="4962525" cy="3722687"/>
           </a:xfrm>
           <a:prstGeom prst="rect">
             <a:avLst/>
@@ -1994,8 +1994,8 @@
         </p:nvSpPr>
         <p:spPr>
           <a:xfrm>
-            <a:off x="1143000" y="685800"/>
-            <a:ext cx="4572000" cy="3429000"/>
+            <a:off x="917575" y="744538"/>
+            <a:ext cx="4962525" cy="3722687"/>
           </a:xfrm>
           <a:prstGeom prst="rect">
             <a:avLst/>
@@ -2095,8 +2095,8 @@
         </p:nvSpPr>
         <p:spPr>
           <a:xfrm>
-            <a:off x="1143000" y="685800"/>
-            <a:ext cx="4572000" cy="3429000"/>
+            <a:off x="917575" y="744538"/>
+            <a:ext cx="4962525" cy="3722687"/>
           </a:xfrm>
           <a:prstGeom prst="rect">
             <a:avLst/>
@@ -2196,8 +2196,8 @@
         </p:nvSpPr>
         <p:spPr>
           <a:xfrm>
-            <a:off x="1143000" y="685800"/>
-            <a:ext cx="4572000" cy="3429000"/>
+            <a:off x="917575" y="744538"/>
+            <a:ext cx="4962525" cy="3722687"/>
           </a:xfrm>
           <a:prstGeom prst="rect">
             <a:avLst/>
@@ -2297,8 +2297,8 @@
         </p:nvSpPr>
         <p:spPr>
           <a:xfrm>
-            <a:off x="1143000" y="685800"/>
-            <a:ext cx="4572000" cy="3429000"/>
+            <a:off x="917575" y="744538"/>
+            <a:ext cx="4962525" cy="3722687"/>
           </a:xfrm>
           <a:prstGeom prst="rect">
             <a:avLst/>
@@ -2398,8 +2398,8 @@
         </p:nvSpPr>
         <p:spPr>
           <a:xfrm>
-            <a:off x="1143000" y="685800"/>
-            <a:ext cx="4572000" cy="3429000"/>
+            <a:off x="917575" y="744538"/>
+            <a:ext cx="4962525" cy="3722687"/>
           </a:xfrm>
           <a:prstGeom prst="rect">
             <a:avLst/>
@@ -2499,8 +2499,8 @@
         </p:nvSpPr>
         <p:spPr>
           <a:xfrm>
-            <a:off x="1143000" y="685800"/>
-            <a:ext cx="4572000" cy="3429000"/>
+            <a:off x="917575" y="744538"/>
+            <a:ext cx="4962525" cy="3722687"/>
           </a:xfrm>
           <a:prstGeom prst="rect">
             <a:avLst/>
@@ -2600,8 +2600,8 @@
         </p:nvSpPr>
         <p:spPr>
           <a:xfrm>
-            <a:off x="1143000" y="685800"/>
-            <a:ext cx="4572000" cy="3429000"/>
+            <a:off x="917575" y="744538"/>
+            <a:ext cx="4962525" cy="3722687"/>
           </a:xfrm>
           <a:prstGeom prst="rect">
             <a:avLst/>
@@ -2701,8 +2701,8 @@
         </p:nvSpPr>
         <p:spPr>
           <a:xfrm>
-            <a:off x="1143000" y="685800"/>
-            <a:ext cx="4572000" cy="3429000"/>
+            <a:off x="917575" y="744538"/>
+            <a:ext cx="4962525" cy="3722687"/>
           </a:xfrm>
           <a:prstGeom prst="rect">
             <a:avLst/>
@@ -2802,8 +2802,8 @@
         </p:nvSpPr>
         <p:spPr>
           <a:xfrm>
-            <a:off x="1143000" y="685800"/>
-            <a:ext cx="4572000" cy="3429000"/>
+            <a:off x="917575" y="744538"/>
+            <a:ext cx="4962525" cy="3722687"/>
           </a:xfrm>
           <a:prstGeom prst="rect">
             <a:avLst/>
@@ -2903,8 +2903,8 @@
         </p:nvSpPr>
         <p:spPr>
           <a:xfrm>
-            <a:off x="1143000" y="685800"/>
-            <a:ext cx="4572000" cy="3429000"/>
+            <a:off x="917575" y="744538"/>
+            <a:ext cx="4962525" cy="3722687"/>
           </a:xfrm>
           <a:prstGeom prst="rect">
             <a:avLst/>
@@ -3004,8 +3004,8 @@
         </p:nvSpPr>
         <p:spPr>
           <a:xfrm>
-            <a:off x="1143000" y="685800"/>
-            <a:ext cx="4572000" cy="3429000"/>
+            <a:off x="917575" y="744538"/>
+            <a:ext cx="4962525" cy="3722687"/>
           </a:xfrm>
           <a:prstGeom prst="rect">
             <a:avLst/>
@@ -3105,8 +3105,8 @@
         </p:nvSpPr>
         <p:spPr>
           <a:xfrm>
-            <a:off x="1143000" y="685800"/>
-            <a:ext cx="4572000" cy="3429000"/>
+            <a:off x="917575" y="744538"/>
+            <a:ext cx="4962525" cy="3722687"/>
           </a:xfrm>
           <a:prstGeom prst="rect">
             <a:avLst/>
@@ -3206,8 +3206,8 @@
         </p:nvSpPr>
         <p:spPr>
           <a:xfrm>
-            <a:off x="1143000" y="685800"/>
-            <a:ext cx="4572000" cy="3429000"/>
+            <a:off x="917575" y="744538"/>
+            <a:ext cx="4962525" cy="3722687"/>
           </a:xfrm>
           <a:prstGeom prst="rect">
             <a:avLst/>
@@ -3307,8 +3307,8 @@
         </p:nvSpPr>
         <p:spPr>
           <a:xfrm>
-            <a:off x="1143000" y="685800"/>
-            <a:ext cx="4572000" cy="3429000"/>
+            <a:off x="917575" y="744538"/>
+            <a:ext cx="4962525" cy="3722687"/>
           </a:xfrm>
           <a:prstGeom prst="rect">
             <a:avLst/>
@@ -3408,8 +3408,8 @@
         </p:nvSpPr>
         <p:spPr>
           <a:xfrm>
-            <a:off x="1143000" y="685800"/>
-            <a:ext cx="4572000" cy="3429000"/>
+            <a:off x="917575" y="744538"/>
+            <a:ext cx="4962525" cy="3722687"/>
           </a:xfrm>
           <a:prstGeom prst="rect">
             <a:avLst/>
@@ -3509,8 +3509,8 @@
         </p:nvSpPr>
         <p:spPr>
           <a:xfrm>
-            <a:off x="1143000" y="685800"/>
-            <a:ext cx="4572000" cy="3429000"/>
+            <a:off x="917575" y="744538"/>
+            <a:ext cx="4962525" cy="3722687"/>
           </a:xfrm>
           <a:prstGeom prst="rect">
             <a:avLst/>
@@ -5082,6 +5082,236 @@
           <a:bodyPr/>
           <a:lstStyle/>
           <a:p>
+            <a:endParaRPr lang="de-DE"/>
+          </a:p>
+        </p:txBody>
+      </p:sp>
+      <p:pic>
+        <p:nvPicPr>
+          <p:cNvPr id="4098" name="Picture 2" descr="C:\Development\Java\mirlastfm\presentation\images\0.75 Similarity.png"/>
+          <p:cNvPicPr>
+            <a:picLocks noChangeAspect="1" noChangeArrowheads="1"/>
+          </p:cNvPicPr>
+          <p:nvPr/>
+        </p:nvPicPr>
+        <p:blipFill>
+          <a:blip r:embed="rId3"/>
+          <a:srcRect/>
+          <a:stretch>
+            <a:fillRect/>
+          </a:stretch>
+        </p:blipFill>
+        <p:spPr bwMode="auto">
+          <a:xfrm>
+            <a:off x="1" y="214290"/>
+            <a:ext cx="9143999" cy="6686550"/>
+          </a:xfrm>
+          <a:prstGeom prst="rect">
+            <a:avLst/>
+          </a:prstGeom>
+          <a:noFill/>
+        </p:spPr>
+      </p:pic>
+      <p:sp>
+        <p:nvSpPr>
+          <p:cNvPr id="5" name="Textfeld 4"/>
+          <p:cNvSpPr txBox="1"/>
+          <p:nvPr/>
+        </p:nvSpPr>
+        <p:spPr>
+          <a:xfrm>
+            <a:off x="4714876" y="2781933"/>
+            <a:ext cx="4214842" cy="3514808"/>
+          </a:xfrm>
+          <a:prstGeom prst="rect">
+            <a:avLst/>
+          </a:prstGeom>
+          <a:noFill/>
+        </p:spPr>
+        <p:txBody>
+          <a:bodyPr wrap="square" rtlCol="0">
+            <a:spAutoFit/>
+          </a:bodyPr>
+          <a:lstStyle/>
+          <a:p>
+            <a:r>
+              <a:rPr lang="de-DE" dirty="0" err="1" smtClean="0"/>
+              <a:t>Similarity</a:t>
+            </a:r>
+            <a:r>
+              <a:rPr lang="de-DE" dirty="0" smtClean="0"/>
+              <a:t>: 0,75</a:t>
+            </a:r>
+          </a:p>
+          <a:p>
+            <a:pPr marL="180975" indent="-180975">
+              <a:buFont typeface="Wingdings" pitchFamily="2" charset="2"/>
+              <a:buChar char="§"/>
+            </a:pPr>
+            <a:r>
+              <a:rPr lang="de-DE" sz="1400" dirty="0" smtClean="0"/>
+              <a:t>Viele Künstler liegen eng beieinander, nur wenige heben sich ab (Miles Davis, Dave Brubeck, Leonard Cohen, Kraftwerk)</a:t>
+            </a:r>
+          </a:p>
+          <a:p>
+            <a:pPr marL="180975" indent="-180975">
+              <a:buFont typeface="Wingdings" pitchFamily="2" charset="2"/>
+              <a:buChar char="§"/>
+            </a:pPr>
+            <a:r>
+              <a:rPr lang="de-DE" sz="1400" dirty="0" smtClean="0"/>
+              <a:t>Miles Davis (1982) hat ausschließlich zu Dave Brubeck (1987 eine Ähnlichkeit von &gt;= 0,75 (Verbindungslinie)</a:t>
+            </a:r>
+          </a:p>
+          <a:p>
+            <a:pPr marL="180975" indent="-180975">
+              <a:buFont typeface="Wingdings" pitchFamily="2" charset="2"/>
+              <a:buChar char="§"/>
+            </a:pPr>
+            <a:r>
+              <a:rPr lang="de-DE" sz="1400" dirty="0" smtClean="0"/>
+              <a:t>Kraftwerk (1990) weist wesentlich mehr Ähnlichkeiten zu anderen </a:t>
+            </a:r>
+            <a:r>
+              <a:rPr lang="de-DE" sz="1400" dirty="0" err="1" smtClean="0"/>
+              <a:t>Artists</a:t>
+            </a:r>
+            <a:r>
+              <a:rPr lang="de-DE" sz="1400" dirty="0" smtClean="0"/>
+              <a:t> auf </a:t>
+            </a:r>
+          </a:p>
+          <a:p>
+            <a:pPr marL="180975" indent="-180975">
+              <a:buFont typeface="Wingdings" pitchFamily="2" charset="2"/>
+              <a:buChar char="§"/>
+            </a:pPr>
+            <a:r>
+              <a:rPr lang="de-DE" sz="1400" dirty="0" smtClean="0"/>
+              <a:t>Zeitliche Abfolge ist erkennbar</a:t>
+            </a:r>
+          </a:p>
+          <a:p>
+            <a:pPr marL="638175" lvl="1" indent="-180975">
+              <a:buFont typeface="Wingdings" pitchFamily="2" charset="2"/>
+              <a:buChar char="§"/>
+            </a:pPr>
+            <a:r>
+              <a:rPr lang="de-DE" sz="1400" dirty="0" smtClean="0"/>
+              <a:t>1982 Miles Davis</a:t>
+            </a:r>
+          </a:p>
+          <a:p>
+            <a:pPr marL="638175" lvl="1" indent="-180975">
+              <a:buFont typeface="Wingdings" pitchFamily="2" charset="2"/>
+              <a:buChar char="§"/>
+            </a:pPr>
+            <a:r>
+              <a:rPr lang="de-DE" sz="1400" dirty="0" smtClean="0"/>
+              <a:t>1997 Bob Marley</a:t>
+            </a:r>
+          </a:p>
+          <a:p>
+            <a:pPr marL="638175" lvl="1" indent="-180975">
+              <a:buFont typeface="Wingdings" pitchFamily="2" charset="2"/>
+              <a:buChar char="§"/>
+            </a:pPr>
+            <a:r>
+              <a:rPr lang="de-DE" sz="1400" dirty="0" smtClean="0"/>
+              <a:t>1998 </a:t>
+            </a:r>
+            <a:r>
+              <a:rPr lang="de-DE" sz="1400" dirty="0" err="1" smtClean="0"/>
+              <a:t>Nirvana</a:t>
+            </a:r>
+            <a:endParaRPr lang="de-DE" sz="1400" dirty="0" smtClean="0"/>
+          </a:p>
+          <a:p>
+            <a:pPr marL="638175" lvl="1" indent="-180975">
+              <a:buFont typeface="Wingdings" pitchFamily="2" charset="2"/>
+              <a:buChar char="§"/>
+            </a:pPr>
+            <a:r>
+              <a:rPr lang="de-DE" sz="1400" dirty="0" smtClean="0"/>
+              <a:t>2003 Justin </a:t>
+            </a:r>
+            <a:r>
+              <a:rPr lang="de-DE" sz="1400" dirty="0" err="1" smtClean="0"/>
+              <a:t>Timerlake</a:t>
+            </a:r>
+            <a:r>
+              <a:rPr lang="de-DE" sz="1400" dirty="0" smtClean="0"/>
+              <a:t>, The Rolling Stones</a:t>
+            </a:r>
+          </a:p>
+        </p:txBody>
+      </p:sp>
+    </p:spTree>
+  </p:cSld>
+  <p:clrMapOvr>
+    <a:masterClrMapping/>
+  </p:clrMapOvr>
+  <p:timing>
+    <p:tnLst>
+      <p:par>
+        <p:cTn id="1" dur="indefinite" restart="never" nodeType="tmRoot"/>
+      </p:par>
+    </p:tnLst>
+  </p:timing>
+</p:sld>
+</file>
+
+<file path=ppt/slides/slide11.xml><?xml version="1.0" encoding="utf-8"?>
+<p:sld xmlns:a="http://schemas.openxmlformats.org/drawingml/2006/main" xmlns:r="http://schemas.openxmlformats.org/officeDocument/2006/relationships" xmlns:p="http://schemas.openxmlformats.org/presentationml/2006/main">
+  <p:cSld>
+    <p:spTree>
+      <p:nvGrpSpPr>
+        <p:cNvPr id="1" name=""/>
+        <p:cNvGrpSpPr/>
+        <p:nvPr/>
+      </p:nvGrpSpPr>
+      <p:grpSpPr>
+        <a:xfrm>
+          <a:off x="0" y="0"/>
+          <a:ext cx="0" cy="0"/>
+          <a:chOff x="0" y="0"/>
+          <a:chExt cx="0" cy="0"/>
+        </a:xfrm>
+      </p:grpSpPr>
+      <p:sp>
+        <p:nvSpPr>
+          <p:cNvPr id="2" name="Titel 1"/>
+          <p:cNvSpPr>
+            <a:spLocks noGrp="1"/>
+          </p:cNvSpPr>
+          <p:nvPr>
+            <p:ph type="title"/>
+          </p:nvPr>
+        </p:nvSpPr>
+        <p:spPr/>
+        <p:txBody>
+          <a:bodyPr/>
+          <a:lstStyle/>
+          <a:p>
+            <a:endParaRPr lang="de-DE"/>
+          </a:p>
+        </p:txBody>
+      </p:sp>
+      <p:sp>
+        <p:nvSpPr>
+          <p:cNvPr id="3" name="Textplatzhalter 2"/>
+          <p:cNvSpPr>
+            <a:spLocks noGrp="1"/>
+          </p:cNvSpPr>
+          <p:nvPr>
+            <p:ph type="body" sz="quarter" idx="12"/>
+          </p:nvPr>
+        </p:nvSpPr>
+        <p:spPr/>
+        <p:txBody>
+          <a:bodyPr/>
+          <a:lstStyle/>
+          <a:p>
             <a:endParaRPr lang="de-DE" dirty="0"/>
           </a:p>
         </p:txBody>
@@ -5290,7 +5520,7 @@
 </p:sld>
 </file>
 
-<file path=ppt/slides/slide11.xml><?xml version="1.0" encoding="utf-8"?>
+<file path=ppt/slides/slide12.xml><?xml version="1.0" encoding="utf-8"?>
 <p:sld xmlns:a="http://schemas.openxmlformats.org/drawingml/2006/main" xmlns:r="http://schemas.openxmlformats.org/officeDocument/2006/relationships" xmlns:p="http://schemas.openxmlformats.org/presentationml/2006/main">
   <p:cSld>
     <p:spTree>
@@ -5488,256 +5718,6 @@
 </p:sld>
 </file>
 
-<file path=ppt/slides/slide12.xml><?xml version="1.0" encoding="utf-8"?>
-<p:sld xmlns:a="http://schemas.openxmlformats.org/drawingml/2006/main" xmlns:r="http://schemas.openxmlformats.org/officeDocument/2006/relationships" xmlns:p="http://schemas.openxmlformats.org/presentationml/2006/main">
-  <p:cSld>
-    <p:spTree>
-      <p:nvGrpSpPr>
-        <p:cNvPr id="1" name=""/>
-        <p:cNvGrpSpPr/>
-        <p:nvPr/>
-      </p:nvGrpSpPr>
-      <p:grpSpPr>
-        <a:xfrm>
-          <a:off x="0" y="0"/>
-          <a:ext cx="0" cy="0"/>
-          <a:chOff x="0" y="0"/>
-          <a:chExt cx="0" cy="0"/>
-        </a:xfrm>
-      </p:grpSpPr>
-      <p:sp>
-        <p:nvSpPr>
-          <p:cNvPr id="3" name="Textplatzhalter 2"/>
-          <p:cNvSpPr>
-            <a:spLocks noGrp="1"/>
-          </p:cNvSpPr>
-          <p:nvPr>
-            <p:ph type="body" sz="quarter" idx="12"/>
-          </p:nvPr>
-        </p:nvSpPr>
-        <p:spPr/>
-        <p:txBody>
-          <a:bodyPr/>
-          <a:lstStyle/>
-          <a:p>
-            <a:r>
-              <a:rPr lang="de-DE" dirty="0" smtClean="0"/>
-              <a:t>Mängel</a:t>
-            </a:r>
-          </a:p>
-          <a:p>
-            <a:pPr lvl="1"/>
-            <a:r>
-              <a:rPr lang="de-DE" dirty="0" smtClean="0"/>
-              <a:t>Bei älteren oder schon verstorbenen Künstler hat die berechnete nichts mit der tatsächlichen Wirkungszeit zu tun, v.a. im Genre Klassik: Wolfgang Amadeus Mozart (1993), J. S. Bach (2000)</a:t>
-            </a:r>
-          </a:p>
-          <a:p>
-            <a:pPr lvl="1"/>
-            <a:r>
-              <a:rPr lang="de-DE" dirty="0" smtClean="0"/>
-              <a:t>Gründe: Alben später veröffentlicht und teilweise in </a:t>
-            </a:r>
-            <a:r>
-              <a:rPr lang="de-DE" dirty="0" err="1" smtClean="0"/>
-              <a:t>lastFM</a:t>
-            </a:r>
-            <a:r>
-              <a:rPr lang="de-DE" dirty="0" smtClean="0"/>
-              <a:t> nicht so gut abgebildet</a:t>
-            </a:r>
-          </a:p>
-          <a:p>
-            <a:pPr lvl="1"/>
-            <a:endParaRPr lang="de-DE" dirty="0" smtClean="0"/>
-          </a:p>
-          <a:p>
-            <a:r>
-              <a:rPr lang="de-DE" dirty="0" smtClean="0"/>
-              <a:t>Genreähnlichkeiten</a:t>
-            </a:r>
-          </a:p>
-          <a:p>
-            <a:pPr lvl="1"/>
-            <a:r>
-              <a:rPr lang="de-DE" dirty="0" smtClean="0"/>
-              <a:t>Bei 0,96 Ähnlichkeit keine aussagekräftigen Ergebnisse (zu kleine Zeitintervalle)</a:t>
-            </a:r>
-          </a:p>
-          <a:p>
-            <a:pPr lvl="1"/>
-            <a:r>
-              <a:rPr lang="de-DE" dirty="0" smtClean="0"/>
-              <a:t>Bei 0,87 bessere Abbildung der Genres</a:t>
-            </a:r>
-            <a:br>
-              <a:rPr lang="de-DE" dirty="0" smtClean="0"/>
-            </a:br>
-            <a:r>
-              <a:rPr lang="de-DE" dirty="0" smtClean="0"/>
-              <a:t>Rap/Hip-Hop: </a:t>
-            </a:r>
-            <a:r>
-              <a:rPr lang="de-DE" dirty="0" err="1" smtClean="0"/>
-              <a:t>Eminem</a:t>
-            </a:r>
-            <a:r>
-              <a:rPr lang="de-DE" dirty="0" smtClean="0"/>
-              <a:t>, Missy Elliott; Electronic: The Chemical Brothers, </a:t>
-            </a:r>
-            <a:r>
-              <a:rPr lang="de-DE" dirty="0" err="1" smtClean="0"/>
-              <a:t>Fatboy</a:t>
-            </a:r>
-            <a:r>
-              <a:rPr lang="de-DE" dirty="0" smtClean="0"/>
-              <a:t> Slim</a:t>
-            </a:r>
-          </a:p>
-          <a:p>
-            <a:pPr lvl="1"/>
-            <a:r>
-              <a:rPr lang="de-DE" dirty="0" smtClean="0"/>
-              <a:t>Aber: Nicht empfehlenswert wegen großer Ungenauigkeiten und vieler Ausreißer!</a:t>
-            </a:r>
-          </a:p>
-          <a:p>
-            <a:endParaRPr lang="de-DE" dirty="0" smtClean="0"/>
-          </a:p>
-          <a:p>
-            <a:pPr lvl="2"/>
-            <a:endParaRPr lang="de-DE" dirty="0"/>
-          </a:p>
-          <a:p>
-            <a:pPr lvl="1"/>
-            <a:endParaRPr lang="de-DE" dirty="0" smtClean="0"/>
-          </a:p>
-          <a:p>
-            <a:pPr lvl="1"/>
-            <a:endParaRPr lang="de-DE" dirty="0" smtClean="0"/>
-          </a:p>
-          <a:p>
-            <a:endParaRPr lang="de-DE" dirty="0" smtClean="0"/>
-          </a:p>
-        </p:txBody>
-      </p:sp>
-      <p:sp>
-        <p:nvSpPr>
-          <p:cNvPr id="4" name="Rectangle 6"/>
-          <p:cNvSpPr>
-            <a:spLocks noChangeArrowheads="1"/>
-          </p:cNvSpPr>
-          <p:nvPr/>
-        </p:nvSpPr>
-        <p:spPr bwMode="auto">
-          <a:xfrm>
-            <a:off x="714348" y="857232"/>
-            <a:ext cx="6929486" cy="450833"/>
-          </a:xfrm>
-          <a:prstGeom prst="rect">
-            <a:avLst/>
-          </a:prstGeom>
-          <a:noFill/>
-          <a:ln w="9525">
-            <a:noFill/>
-            <a:miter lim="800000"/>
-            <a:headEnd/>
-            <a:tailEnd/>
-          </a:ln>
-        </p:spPr>
-        <p:txBody>
-          <a:bodyPr/>
-          <a:lstStyle/>
-          <a:p>
-            <a:pPr>
-              <a:spcBef>
-                <a:spcPct val="0"/>
-              </a:spcBef>
-            </a:pPr>
-            <a:r>
-              <a:rPr lang="en-US" sz="2400" dirty="0" err="1" smtClean="0">
-                <a:solidFill>
-                  <a:srgbClr val="9F9F9F"/>
-                </a:solidFill>
-                <a:latin typeface="Eurostile ExtendedTwo" pitchFamily="34" charset="0"/>
-                <a:ea typeface="+mj-ea"/>
-                <a:cs typeface="+mj-cs"/>
-              </a:rPr>
-              <a:t>Ergebnisse</a:t>
-            </a:r>
-            <a:r>
-              <a:rPr lang="en-US" sz="2400" dirty="0" smtClean="0">
-                <a:solidFill>
-                  <a:srgbClr val="9F9F9F"/>
-                </a:solidFill>
-                <a:latin typeface="Eurostile ExtendedTwo" pitchFamily="34" charset="0"/>
-                <a:ea typeface="+mj-ea"/>
-                <a:cs typeface="+mj-cs"/>
-              </a:rPr>
-              <a:t/>
-            </a:r>
-            <a:br>
-              <a:rPr lang="en-US" sz="2400" dirty="0" smtClean="0">
-                <a:solidFill>
-                  <a:srgbClr val="9F9F9F"/>
-                </a:solidFill>
-                <a:latin typeface="Eurostile ExtendedTwo" pitchFamily="34" charset="0"/>
-                <a:ea typeface="+mj-ea"/>
-                <a:cs typeface="+mj-cs"/>
-              </a:rPr>
-            </a:br>
-            <a:r>
-              <a:rPr lang="de-AT" sz="2400" b="1" dirty="0" smtClean="0">
-                <a:solidFill>
-                  <a:schemeClr val="bg2">
-                    <a:lumMod val="75000"/>
-                  </a:schemeClr>
-                </a:solidFill>
-                <a:latin typeface="Arial" pitchFamily="34" charset="0"/>
-                <a:cs typeface="Arial" pitchFamily="34" charset="0"/>
-              </a:rPr>
-              <a:t>Albumbasierte Wirkungszeit</a:t>
-            </a:r>
-            <a:endParaRPr lang="de-AT" sz="2000" b="1" dirty="0" smtClean="0">
-              <a:solidFill>
-                <a:schemeClr val="bg2">
-                  <a:lumMod val="75000"/>
-                </a:schemeClr>
-              </a:solidFill>
-            </a:endParaRPr>
-          </a:p>
-          <a:p>
-            <a:pPr>
-              <a:spcBef>
-                <a:spcPct val="0"/>
-              </a:spcBef>
-            </a:pPr>
-            <a:endParaRPr lang="en-US" sz="2400" dirty="0">
-              <a:solidFill>
-                <a:srgbClr val="9F9F9F"/>
-              </a:solidFill>
-              <a:latin typeface="Eurostile ExtendedTwo" pitchFamily="34" charset="0"/>
-              <a:ea typeface="+mj-ea"/>
-              <a:cs typeface="+mj-cs"/>
-            </a:endParaRPr>
-          </a:p>
-        </p:txBody>
-      </p:sp>
-    </p:spTree>
-  </p:cSld>
-  <p:clrMapOvr>
-    <a:masterClrMapping/>
-  </p:clrMapOvr>
-  <p:timing>
-    <p:tnLst>
-      <p:par>
-        <p:cTn id="1" dur="indefinite" restart="never" nodeType="tmRoot"/>
-      </p:par>
-    </p:tnLst>
-  </p:timing>
-</p:sld>
-</file>
-
 <file path=ppt/slides/slide13.xml><?xml version="1.0" encoding="utf-8"?>
 <p:sld xmlns:a="http://schemas.openxmlformats.org/drawingml/2006/main" xmlns:r="http://schemas.openxmlformats.org/officeDocument/2006/relationships" xmlns:p="http://schemas.openxmlformats.org/presentationml/2006/main">
   <p:cSld>
@@ -5770,151 +5750,85 @@
           <a:bodyPr/>
           <a:lstStyle/>
           <a:p>
-            <a:pPr marL="0" indent="0">
-              <a:buNone/>
-            </a:pPr>
-            <a:r>
-              <a:rPr lang="de-DE" b="1" dirty="0" smtClean="0"/>
-              <a:t>Fazit</a:t>
-            </a:r>
-          </a:p>
-          <a:p>
-            <a:pPr marL="0" indent="0">
-              <a:buNone/>
-            </a:pPr>
             <a:r>
               <a:rPr lang="de-DE" dirty="0" smtClean="0"/>
-              <a:t>Zum Vergleich der aktiven </a:t>
+              <a:t>Mängel</a:t>
+            </a:r>
+          </a:p>
+          <a:p>
+            <a:pPr lvl="1"/>
+            <a:r>
+              <a:rPr lang="de-DE" dirty="0" smtClean="0"/>
+              <a:t>Bei älteren oder schon verstorbenen Künstler hat die berechnete nichts mit der tatsächlichen Wirkungszeit zu tun, v.a. im Genre Klassik: Wolfgang Amadeus Mozart (1993), J. S. Bach (2000)</a:t>
+            </a:r>
+          </a:p>
+          <a:p>
+            <a:pPr lvl="1"/>
+            <a:r>
+              <a:rPr lang="de-DE" dirty="0" smtClean="0"/>
+              <a:t>Gründe: Alben später veröffentlicht und teilweise in </a:t>
             </a:r>
             <a:r>
               <a:rPr lang="de-DE" dirty="0" err="1" smtClean="0"/>
-              <a:t>Wirkzeit</a:t>
+              <a:t>lastFM</a:t>
             </a:r>
             <a:r>
               <a:rPr lang="de-DE" dirty="0" smtClean="0"/>
-              <a:t> von </a:t>
-            </a:r>
-            <a:r>
-              <a:rPr lang="de-DE" dirty="0" err="1" smtClean="0"/>
-              <a:t>Artists</a:t>
-            </a:r>
+              <a:t> nicht so gut abgebildet</a:t>
+            </a:r>
+          </a:p>
+          <a:p>
+            <a:pPr lvl="1"/>
+            <a:endParaRPr lang="de-DE" dirty="0" smtClean="0"/>
+          </a:p>
+          <a:p>
             <a:r>
               <a:rPr lang="de-DE" dirty="0" smtClean="0"/>
-              <a:t> der letzten 30 Jahre gut geeignet </a:t>
+              <a:t>Genreähnlichkeiten</a:t>
+            </a:r>
+          </a:p>
+          <a:p>
+            <a:pPr lvl="1"/>
+            <a:r>
+              <a:rPr lang="de-DE" dirty="0" smtClean="0"/>
+              <a:t>Bei 0,96 Ähnlichkeit keine aussagekräftigen Ergebnisse (zu kleine Zeitintervalle)</a:t>
+            </a:r>
+          </a:p>
+          <a:p>
+            <a:pPr lvl="1"/>
+            <a:r>
+              <a:rPr lang="de-DE" dirty="0" smtClean="0"/>
+              <a:t>Bei 0,87 bessere Abbildung der Genres</a:t>
             </a:r>
             <a:br>
               <a:rPr lang="de-DE" dirty="0" smtClean="0"/>
             </a:br>
             <a:r>
-              <a:rPr lang="de-DE" dirty="0" smtClean="0">
-                <a:sym typeface="Wingdings" pitchFamily="2" charset="2"/>
-              </a:rPr>
-              <a:t> gute Darstellung WANN die meisten Alben veröffentlicht wurden</a:t>
-            </a:r>
-          </a:p>
-          <a:p>
-            <a:r>
-              <a:rPr lang="de-DE" dirty="0" smtClean="0">
-                <a:sym typeface="Wingdings" pitchFamily="2" charset="2"/>
-              </a:rPr>
-              <a:t>Keine Berücksichtigung ob </a:t>
-            </a:r>
-            <a:r>
-              <a:rPr lang="de-DE" dirty="0" err="1" smtClean="0">
-                <a:sym typeface="Wingdings" pitchFamily="2" charset="2"/>
-              </a:rPr>
-              <a:t>One</a:t>
-            </a:r>
-            <a:r>
-              <a:rPr lang="de-DE" dirty="0" smtClean="0">
-                <a:sym typeface="Wingdings" pitchFamily="2" charset="2"/>
-              </a:rPr>
-              <a:t>-Hit/Album-Wonder oder langjährig Veröffentlichungen </a:t>
+              <a:rPr lang="de-DE" dirty="0" smtClean="0"/>
+              <a:t>Rap/Hip-Hop: </a:t>
+            </a:r>
+            <a:r>
+              <a:rPr lang="de-DE" dirty="0" err="1" smtClean="0"/>
+              <a:t>Eminem</a:t>
+            </a:r>
+            <a:r>
+              <a:rPr lang="de-DE" dirty="0" smtClean="0"/>
+              <a:t>, Missy Elliott; Electronic: The Chemical Brothers, </a:t>
+            </a:r>
+            <a:r>
+              <a:rPr lang="de-DE" dirty="0" err="1" smtClean="0"/>
+              <a:t>Fatboy</a:t>
+            </a:r>
+            <a:r>
+              <a:rPr lang="de-DE" dirty="0" smtClean="0"/>
+              <a:t> Slim</a:t>
             </a:r>
           </a:p>
           <a:p>
             <a:pPr lvl="1"/>
-            <a:endParaRPr lang="de-DE" dirty="0" smtClean="0"/>
-          </a:p>
-          <a:p>
-            <a:pPr marL="0" lvl="1" indent="0">
-              <a:buNone/>
-            </a:pPr>
-            <a:r>
-              <a:rPr lang="de-DE" sz="1600" b="1" dirty="0"/>
-              <a:t>Optimierung</a:t>
-            </a:r>
-          </a:p>
-          <a:p>
             <a:r>
               <a:rPr lang="de-DE" dirty="0" smtClean="0"/>
-              <a:t>Andere Berechnungsart des Features</a:t>
-            </a:r>
-          </a:p>
-          <a:p>
-            <a:pPr lvl="1"/>
-            <a:r>
-              <a:rPr lang="de-DE" dirty="0" smtClean="0"/>
-              <a:t>Mittelwert ohne Werte außerhalb der Standardabweichung</a:t>
-            </a:r>
-          </a:p>
-          <a:p>
-            <a:pPr lvl="1"/>
-            <a:r>
-              <a:rPr lang="de-DE" dirty="0" smtClean="0"/>
-              <a:t>Median  statt arithmetischem Mittel</a:t>
-            </a:r>
-          </a:p>
-          <a:p>
-            <a:pPr lvl="1"/>
-            <a:r>
-              <a:rPr lang="de-DE" dirty="0" smtClean="0"/>
-              <a:t>Ausdehnung der Wirkungszeit auf einen Bereich (von – bis)</a:t>
-            </a:r>
-          </a:p>
-          <a:p>
-            <a:r>
-              <a:rPr lang="de-DE" dirty="0" err="1" smtClean="0"/>
-              <a:t>Pre-Filtering</a:t>
-            </a:r>
-            <a:r>
-              <a:rPr lang="de-DE" dirty="0" smtClean="0"/>
-              <a:t> der verwendeten Alben</a:t>
-            </a:r>
-          </a:p>
-          <a:p>
-            <a:pPr lvl="1"/>
-            <a:r>
-              <a:rPr lang="de-DE" dirty="0" smtClean="0"/>
-              <a:t>Eliminieren von Titeln wie Best-</a:t>
-            </a:r>
-            <a:r>
-              <a:rPr lang="de-DE" dirty="0" err="1" smtClean="0"/>
-              <a:t>Of</a:t>
-            </a:r>
-            <a:r>
-              <a:rPr lang="de-DE" dirty="0" smtClean="0"/>
-              <a:t>, Greatest Hits,…</a:t>
-            </a:r>
-          </a:p>
-          <a:p>
-            <a:r>
-              <a:rPr lang="de-DE" dirty="0" smtClean="0"/>
-              <a:t>Kombination mit weiteren Informationen</a:t>
-            </a:r>
-          </a:p>
-          <a:p>
-            <a:pPr lvl="1"/>
-            <a:r>
-              <a:rPr lang="de-DE" dirty="0" smtClean="0"/>
-              <a:t>Jahreszahlen von Events (Konzerte, etc.)</a:t>
-            </a:r>
-          </a:p>
-          <a:p>
-            <a:pPr lvl="1"/>
-            <a:r>
-              <a:rPr lang="de-DE" dirty="0" smtClean="0"/>
-              <a:t>Artist Infos (Lebzeiten, etc.)</a:t>
+              <a:t>Aber: Nicht empfehlenswert wegen großer Ungenauigkeiten und vieler Ausreißer!</a:t>
             </a:r>
           </a:p>
           <a:p>
@@ -5979,29 +5893,7 @@
                 <a:ea typeface="+mj-ea"/>
                 <a:cs typeface="+mj-cs"/>
               </a:rPr>
-              <a:t>Fazit</a:t>
-            </a:r>
-            <a:r>
-              <a:rPr lang="en-US" sz="2400" dirty="0" smtClean="0">
-                <a:solidFill>
-                  <a:srgbClr val="9F9F9F"/>
-                </a:solidFill>
-                <a:latin typeface="Eurostile ExtendedTwo" pitchFamily="34" charset="0"/>
-                <a:ea typeface="+mj-ea"/>
-                <a:cs typeface="+mj-cs"/>
-              </a:rPr>
-              <a:t> &amp; </a:t>
-            </a:r>
-            <a:r>
-              <a:rPr lang="en-US" sz="2400" dirty="0" err="1" smtClean="0">
-                <a:solidFill>
-                  <a:srgbClr val="9F9F9F"/>
-                </a:solidFill>
-                <a:latin typeface="Eurostile ExtendedTwo" pitchFamily="34" charset="0"/>
-                <a:ea typeface="+mj-ea"/>
-                <a:cs typeface="+mj-cs"/>
-              </a:rPr>
-              <a:t>Optimierung</a:t>
+              <a:t>Ergebnisse</a:t>
             </a:r>
             <a:r>
               <a:rPr lang="en-US" sz="2400" dirty="0" smtClean="0">
@@ -6095,6 +5987,344 @@
       </p:grpSpPr>
       <p:sp>
         <p:nvSpPr>
+          <p:cNvPr id="3" name="Textplatzhalter 2"/>
+          <p:cNvSpPr>
+            <a:spLocks noGrp="1"/>
+          </p:cNvSpPr>
+          <p:nvPr>
+            <p:ph type="body" sz="quarter" idx="12"/>
+          </p:nvPr>
+        </p:nvSpPr>
+        <p:spPr/>
+        <p:txBody>
+          <a:bodyPr/>
+          <a:lstStyle/>
+          <a:p>
+            <a:pPr marL="0" indent="0">
+              <a:buNone/>
+            </a:pPr>
+            <a:r>
+              <a:rPr lang="de-DE" b="1" dirty="0" smtClean="0"/>
+              <a:t>Fazit</a:t>
+            </a:r>
+          </a:p>
+          <a:p>
+            <a:pPr marL="0" indent="0">
+              <a:buNone/>
+            </a:pPr>
+            <a:r>
+              <a:rPr lang="de-DE" dirty="0" smtClean="0"/>
+              <a:t>Zum Vergleich der aktiven </a:t>
+            </a:r>
+            <a:r>
+              <a:rPr lang="de-DE" dirty="0" err="1" smtClean="0"/>
+              <a:t>Wirkzeit</a:t>
+            </a:r>
+            <a:r>
+              <a:rPr lang="de-DE" dirty="0" smtClean="0"/>
+              <a:t> von </a:t>
+            </a:r>
+            <a:r>
+              <a:rPr lang="de-DE" dirty="0" err="1" smtClean="0"/>
+              <a:t>Artists</a:t>
+            </a:r>
+            <a:r>
+              <a:rPr lang="de-DE" dirty="0" smtClean="0"/>
+              <a:t> der letzten 30 Jahre gut geeignet </a:t>
+            </a:r>
+            <a:br>
+              <a:rPr lang="de-DE" dirty="0" smtClean="0"/>
+            </a:br>
+            <a:r>
+              <a:rPr lang="de-DE" dirty="0" smtClean="0">
+                <a:sym typeface="Wingdings" pitchFamily="2" charset="2"/>
+              </a:rPr>
+              <a:t> gute Darstellung WANN die meisten Alben veröffentlicht wurden</a:t>
+            </a:r>
+          </a:p>
+          <a:p>
+            <a:r>
+              <a:rPr lang="de-DE" dirty="0" smtClean="0">
+                <a:sym typeface="Wingdings" pitchFamily="2" charset="2"/>
+              </a:rPr>
+              <a:t>Keine Berücksichtigung ob </a:t>
+            </a:r>
+            <a:r>
+              <a:rPr lang="de-DE" dirty="0" err="1" smtClean="0">
+                <a:sym typeface="Wingdings" pitchFamily="2" charset="2"/>
+              </a:rPr>
+              <a:t>One</a:t>
+            </a:r>
+            <a:r>
+              <a:rPr lang="de-DE" dirty="0" smtClean="0">
+                <a:sym typeface="Wingdings" pitchFamily="2" charset="2"/>
+              </a:rPr>
+              <a:t>-Hit/Album-Wonder oder langjährig Veröffentlichungen </a:t>
+            </a:r>
+          </a:p>
+          <a:p>
+            <a:pPr lvl="1"/>
+            <a:endParaRPr lang="de-DE" dirty="0" smtClean="0"/>
+          </a:p>
+          <a:p>
+            <a:pPr marL="0" lvl="1" indent="0">
+              <a:buNone/>
+            </a:pPr>
+            <a:r>
+              <a:rPr lang="de-DE" sz="1600" b="1" dirty="0"/>
+              <a:t>Optimierung</a:t>
+            </a:r>
+          </a:p>
+          <a:p>
+            <a:r>
+              <a:rPr lang="de-DE" dirty="0" smtClean="0"/>
+              <a:t>Andere Berechnungsart des Features</a:t>
+            </a:r>
+          </a:p>
+          <a:p>
+            <a:pPr lvl="1"/>
+            <a:r>
+              <a:rPr lang="de-DE" dirty="0" smtClean="0"/>
+              <a:t>Mittelwert ohne Werte außerhalb der Standardabweichung</a:t>
+            </a:r>
+          </a:p>
+          <a:p>
+            <a:pPr lvl="1"/>
+            <a:r>
+              <a:rPr lang="de-DE" dirty="0" smtClean="0"/>
+              <a:t>Median  statt arithmetischem Mittel</a:t>
+            </a:r>
+          </a:p>
+          <a:p>
+            <a:pPr lvl="1"/>
+            <a:r>
+              <a:rPr lang="de-DE" dirty="0" smtClean="0"/>
+              <a:t>Ausdehnung der Wirkungszeit auf einen Bereich (von – bis)</a:t>
+            </a:r>
+          </a:p>
+          <a:p>
+            <a:r>
+              <a:rPr lang="de-DE" dirty="0" err="1" smtClean="0"/>
+              <a:t>Pre-Filtering</a:t>
+            </a:r>
+            <a:r>
+              <a:rPr lang="de-DE" dirty="0" smtClean="0"/>
+              <a:t> der verwendeten Alben</a:t>
+            </a:r>
+          </a:p>
+          <a:p>
+            <a:pPr lvl="1"/>
+            <a:r>
+              <a:rPr lang="de-DE" dirty="0" smtClean="0"/>
+              <a:t>Eliminieren von Titeln wie Best-</a:t>
+            </a:r>
+            <a:r>
+              <a:rPr lang="de-DE" dirty="0" err="1" smtClean="0"/>
+              <a:t>Of</a:t>
+            </a:r>
+            <a:r>
+              <a:rPr lang="de-DE" dirty="0" smtClean="0"/>
+              <a:t>, Greatest Hits,…</a:t>
+            </a:r>
+          </a:p>
+          <a:p>
+            <a:r>
+              <a:rPr lang="de-DE" dirty="0" smtClean="0"/>
+              <a:t>Kombination mit weiteren Informationen</a:t>
+            </a:r>
+          </a:p>
+          <a:p>
+            <a:pPr lvl="1"/>
+            <a:r>
+              <a:rPr lang="de-DE" dirty="0" smtClean="0"/>
+              <a:t>Jahreszahlen von Events (Konzerte, etc.)</a:t>
+            </a:r>
+          </a:p>
+          <a:p>
+            <a:pPr lvl="1"/>
+            <a:r>
+              <a:rPr lang="de-DE" dirty="0" smtClean="0"/>
+              <a:t>Artist Infos (Lebzeiten, etc.)</a:t>
+            </a:r>
+          </a:p>
+          <a:p>
+            <a:endParaRPr lang="de-DE" dirty="0" smtClean="0"/>
+          </a:p>
+          <a:p>
+            <a:pPr lvl="2"/>
+            <a:endParaRPr lang="de-DE" dirty="0"/>
+          </a:p>
+          <a:p>
+            <a:pPr lvl="1"/>
+            <a:endParaRPr lang="de-DE" dirty="0" smtClean="0"/>
+          </a:p>
+          <a:p>
+            <a:pPr lvl="1"/>
+            <a:endParaRPr lang="de-DE" dirty="0" smtClean="0"/>
+          </a:p>
+          <a:p>
+            <a:endParaRPr lang="de-DE" dirty="0" smtClean="0"/>
+          </a:p>
+        </p:txBody>
+      </p:sp>
+      <p:sp>
+        <p:nvSpPr>
+          <p:cNvPr id="4" name="Rectangle 6"/>
+          <p:cNvSpPr>
+            <a:spLocks noChangeArrowheads="1"/>
+          </p:cNvSpPr>
+          <p:nvPr/>
+        </p:nvSpPr>
+        <p:spPr bwMode="auto">
+          <a:xfrm>
+            <a:off x="714348" y="857232"/>
+            <a:ext cx="6929486" cy="450833"/>
+          </a:xfrm>
+          <a:prstGeom prst="rect">
+            <a:avLst/>
+          </a:prstGeom>
+          <a:noFill/>
+          <a:ln w="9525">
+            <a:noFill/>
+            <a:miter lim="800000"/>
+            <a:headEnd/>
+            <a:tailEnd/>
+          </a:ln>
+        </p:spPr>
+        <p:txBody>
+          <a:bodyPr/>
+          <a:lstStyle/>
+          <a:p>
+            <a:pPr>
+              <a:spcBef>
+                <a:spcPct val="0"/>
+              </a:spcBef>
+            </a:pPr>
+            <a:r>
+              <a:rPr lang="en-US" sz="2400" dirty="0" err="1" smtClean="0">
+                <a:solidFill>
+                  <a:srgbClr val="9F9F9F"/>
+                </a:solidFill>
+                <a:latin typeface="Eurostile ExtendedTwo" pitchFamily="34" charset="0"/>
+                <a:ea typeface="+mj-ea"/>
+                <a:cs typeface="+mj-cs"/>
+              </a:rPr>
+              <a:t>Fazit</a:t>
+            </a:r>
+            <a:r>
+              <a:rPr lang="en-US" sz="2400" dirty="0" smtClean="0">
+                <a:solidFill>
+                  <a:srgbClr val="9F9F9F"/>
+                </a:solidFill>
+                <a:latin typeface="Eurostile ExtendedTwo" pitchFamily="34" charset="0"/>
+                <a:ea typeface="+mj-ea"/>
+                <a:cs typeface="+mj-cs"/>
+              </a:rPr>
+              <a:t> &amp; </a:t>
+            </a:r>
+            <a:r>
+              <a:rPr lang="en-US" sz="2400" dirty="0" err="1" smtClean="0">
+                <a:solidFill>
+                  <a:srgbClr val="9F9F9F"/>
+                </a:solidFill>
+                <a:latin typeface="Eurostile ExtendedTwo" pitchFamily="34" charset="0"/>
+                <a:ea typeface="+mj-ea"/>
+                <a:cs typeface="+mj-cs"/>
+              </a:rPr>
+              <a:t>Optimierung</a:t>
+            </a:r>
+            <a:r>
+              <a:rPr lang="en-US" sz="2400" dirty="0" smtClean="0">
+                <a:solidFill>
+                  <a:srgbClr val="9F9F9F"/>
+                </a:solidFill>
+                <a:latin typeface="Eurostile ExtendedTwo" pitchFamily="34" charset="0"/>
+                <a:ea typeface="+mj-ea"/>
+                <a:cs typeface="+mj-cs"/>
+              </a:rPr>
+              <a:t/>
+            </a:r>
+            <a:br>
+              <a:rPr lang="en-US" sz="2400" dirty="0" smtClean="0">
+                <a:solidFill>
+                  <a:srgbClr val="9F9F9F"/>
+                </a:solidFill>
+                <a:latin typeface="Eurostile ExtendedTwo" pitchFamily="34" charset="0"/>
+                <a:ea typeface="+mj-ea"/>
+                <a:cs typeface="+mj-cs"/>
+              </a:rPr>
+            </a:br>
+            <a:r>
+              <a:rPr lang="de-AT" sz="2400" b="1" dirty="0" smtClean="0">
+                <a:solidFill>
+                  <a:schemeClr val="bg2">
+                    <a:lumMod val="75000"/>
+                  </a:schemeClr>
+                </a:solidFill>
+                <a:latin typeface="Arial" pitchFamily="34" charset="0"/>
+                <a:cs typeface="Arial" pitchFamily="34" charset="0"/>
+              </a:rPr>
+              <a:t>Albumbasierte Wirkungszeit</a:t>
+            </a:r>
+            <a:endParaRPr lang="de-AT" sz="2000" b="1" dirty="0" smtClean="0">
+              <a:solidFill>
+                <a:schemeClr val="bg2">
+                  <a:lumMod val="75000"/>
+                </a:schemeClr>
+              </a:solidFill>
+            </a:endParaRPr>
+          </a:p>
+          <a:p>
+            <a:pPr>
+              <a:spcBef>
+                <a:spcPct val="0"/>
+              </a:spcBef>
+            </a:pPr>
+            <a:endParaRPr lang="en-US" sz="2400" dirty="0">
+              <a:solidFill>
+                <a:srgbClr val="9F9F9F"/>
+              </a:solidFill>
+              <a:latin typeface="Eurostile ExtendedTwo" pitchFamily="34" charset="0"/>
+              <a:ea typeface="+mj-ea"/>
+              <a:cs typeface="+mj-cs"/>
+            </a:endParaRPr>
+          </a:p>
+        </p:txBody>
+      </p:sp>
+    </p:spTree>
+  </p:cSld>
+  <p:clrMapOvr>
+    <a:masterClrMapping/>
+  </p:clrMapOvr>
+  <p:timing>
+    <p:tnLst>
+      <p:par>
+        <p:cTn id="1" dur="indefinite" restart="never" nodeType="tmRoot"/>
+      </p:par>
+    </p:tnLst>
+  </p:timing>
+</p:sld>
+</file>
+
+<file path=ppt/slides/slide15.xml><?xml version="1.0" encoding="utf-8"?>
+<p:sld xmlns:a="http://schemas.openxmlformats.org/drawingml/2006/main" xmlns:r="http://schemas.openxmlformats.org/officeDocument/2006/relationships" xmlns:p="http://schemas.openxmlformats.org/presentationml/2006/main">
+  <p:cSld>
+    <p:spTree>
+      <p:nvGrpSpPr>
+        <p:cNvPr id="1" name=""/>
+        <p:cNvGrpSpPr/>
+        <p:nvPr/>
+      </p:nvGrpSpPr>
+      <p:grpSpPr>
+        <a:xfrm>
+          <a:off x="0" y="0"/>
+          <a:ext cx="0" cy="0"/>
+          <a:chOff x="0" y="0"/>
+          <a:chExt cx="0" cy="0"/>
+        </a:xfrm>
+      </p:grpSpPr>
+      <p:sp>
+        <p:nvSpPr>
           <p:cNvPr id="3075" name="Rectangle 2"/>
           <p:cNvSpPr>
             <a:spLocks noGrp="1" noChangeArrowheads="1"/>
@@ -6809,7 +7039,7 @@
 </p:sld>
 </file>
 
-<file path=ppt/slides/slide15.xml><?xml version="1.0" encoding="utf-8"?>
+<file path=ppt/slides/slide16.xml><?xml version="1.0" encoding="utf-8"?>
 <p:sld xmlns:a="http://schemas.openxmlformats.org/drawingml/2006/main" xmlns:r="http://schemas.openxmlformats.org/officeDocument/2006/relationships" xmlns:p="http://schemas.openxmlformats.org/presentationml/2006/main">
   <p:cSld>
     <p:spTree>
@@ -7127,7 +7357,7 @@
 </p:sld>
 </file>
 
-<file path=ppt/slides/slide16.xml><?xml version="1.0" encoding="utf-8"?>
+<file path=ppt/slides/slide17.xml><?xml version="1.0" encoding="utf-8"?>
 <p:sld xmlns:a="http://schemas.openxmlformats.org/drawingml/2006/main" xmlns:r="http://schemas.openxmlformats.org/officeDocument/2006/relationships" xmlns:p="http://schemas.openxmlformats.org/presentationml/2006/main">
   <p:cSld>
     <p:spTree>
@@ -7425,396 +7655,6 @@
 </p:sld>
 </file>
 
-<file path=ppt/slides/slide17.xml><?xml version="1.0" encoding="utf-8"?>
-<p:sld xmlns:a="http://schemas.openxmlformats.org/drawingml/2006/main" xmlns:r="http://schemas.openxmlformats.org/officeDocument/2006/relationships" xmlns:p="http://schemas.openxmlformats.org/presentationml/2006/main">
-  <p:cSld>
-    <p:spTree>
-      <p:nvGrpSpPr>
-        <p:cNvPr id="1" name=""/>
-        <p:cNvGrpSpPr/>
-        <p:nvPr/>
-      </p:nvGrpSpPr>
-      <p:grpSpPr>
-        <a:xfrm>
-          <a:off x="0" y="0"/>
-          <a:ext cx="0" cy="0"/>
-          <a:chOff x="0" y="0"/>
-          <a:chExt cx="0" cy="0"/>
-        </a:xfrm>
-      </p:grpSpPr>
-      <p:sp>
-        <p:nvSpPr>
-          <p:cNvPr id="3075" name="Rectangle 2"/>
-          <p:cNvSpPr>
-            <a:spLocks noGrp="1" noChangeArrowheads="1"/>
-          </p:cNvSpPr>
-          <p:nvPr>
-            <p:ph type="body" sz="quarter" idx="12"/>
-          </p:nvPr>
-        </p:nvSpPr>
-        <p:spPr>
-          <a:xfrm>
-            <a:off x="571472" y="1795451"/>
-            <a:ext cx="8072494" cy="4357706"/>
-          </a:xfrm>
-          <a:noFill/>
-        </p:spPr>
-        <p:txBody>
-          <a:bodyPr anchor="t" anchorCtr="0"/>
-          <a:lstStyle/>
-          <a:p>
-            <a:pPr eaLnBrk="1" hangingPunct="1">
-              <a:buNone/>
-            </a:pPr>
-            <a:r>
-              <a:rPr lang="de-AT" b="1" dirty="0" smtClean="0">
-                <a:solidFill>
-                  <a:schemeClr val="bg2">
-                    <a:lumMod val="75000"/>
-                  </a:schemeClr>
-                </a:solidFill>
-              </a:rPr>
-              <a:t>Visualisierung – Clustering </a:t>
-            </a:r>
-          </a:p>
-          <a:p>
-            <a:pPr eaLnBrk="1" hangingPunct="1"/>
-            <a:endParaRPr lang="de-AT" dirty="0" smtClean="0">
-              <a:solidFill>
-                <a:schemeClr val="bg2">
-                  <a:lumMod val="75000"/>
-                </a:schemeClr>
-              </a:solidFill>
-            </a:endParaRPr>
-          </a:p>
-          <a:p>
-            <a:pPr eaLnBrk="1" hangingPunct="1"/>
-            <a:r>
-              <a:rPr lang="de-AT" dirty="0" smtClean="0">
-                <a:solidFill>
-                  <a:schemeClr val="bg2">
-                    <a:lumMod val="75000"/>
-                  </a:schemeClr>
-                </a:solidFill>
-              </a:rPr>
-              <a:t>Jung-basiertes Visualisierungstool zur Darstellung von Ähnlichkeitsclustern</a:t>
-            </a:r>
-          </a:p>
-          <a:p>
-            <a:pPr eaLnBrk="1" hangingPunct="1"/>
-            <a:r>
-              <a:rPr lang="de-AT" b="1" dirty="0" smtClean="0">
-                <a:solidFill>
-                  <a:schemeClr val="bg2">
-                    <a:lumMod val="75000"/>
-                  </a:schemeClr>
-                </a:solidFill>
-              </a:rPr>
-              <a:t>Achtung </a:t>
-            </a:r>
-            <a:br>
-              <a:rPr lang="de-AT" b="1" dirty="0" smtClean="0">
-                <a:solidFill>
-                  <a:schemeClr val="bg2">
-                    <a:lumMod val="75000"/>
-                  </a:schemeClr>
-                </a:solidFill>
-              </a:rPr>
-            </a:br>
-            <a:r>
-              <a:rPr lang="de-AT" dirty="0" smtClean="0">
-                <a:solidFill>
-                  <a:schemeClr val="bg2">
-                    <a:lumMod val="75000"/>
-                  </a:schemeClr>
-                </a:solidFill>
-              </a:rPr>
-              <a:t>ClusterAbstand und </a:t>
-            </a:r>
-            <a:br>
-              <a:rPr lang="de-AT" dirty="0" smtClean="0">
-                <a:solidFill>
-                  <a:schemeClr val="bg2">
-                    <a:lumMod val="75000"/>
-                  </a:schemeClr>
-                </a:solidFill>
-              </a:rPr>
-            </a:br>
-            <a:r>
-              <a:rPr lang="de-AT" dirty="0" smtClean="0">
-                <a:solidFill>
-                  <a:schemeClr val="bg2">
-                    <a:lumMod val="75000"/>
-                  </a:schemeClr>
-                </a:solidFill>
-              </a:rPr>
-              <a:t>Kantenlänge haben keine </a:t>
-            </a:r>
-            <a:br>
-              <a:rPr lang="de-AT" dirty="0" smtClean="0">
-                <a:solidFill>
-                  <a:schemeClr val="bg2">
-                    <a:lumMod val="75000"/>
-                  </a:schemeClr>
-                </a:solidFill>
-              </a:rPr>
-            </a:br>
-            <a:r>
-              <a:rPr lang="de-AT" dirty="0" smtClean="0">
-                <a:solidFill>
-                  <a:schemeClr val="bg2">
-                    <a:lumMod val="75000"/>
-                  </a:schemeClr>
-                </a:solidFill>
-              </a:rPr>
-              <a:t>Bedeutung </a:t>
-            </a:r>
-            <a:br>
-              <a:rPr lang="de-AT" dirty="0" smtClean="0">
-                <a:solidFill>
-                  <a:schemeClr val="bg2">
-                    <a:lumMod val="75000"/>
-                  </a:schemeClr>
-                </a:solidFill>
-              </a:rPr>
-            </a:br>
-            <a:r>
-              <a:rPr lang="de-AT" dirty="0" smtClean="0">
-                <a:solidFill>
-                  <a:schemeClr val="bg2">
-                    <a:lumMod val="75000"/>
-                  </a:schemeClr>
-                </a:solidFill>
-              </a:rPr>
-              <a:t>(Einschränkung nicht </a:t>
-            </a:r>
-            <a:br>
-              <a:rPr lang="de-AT" dirty="0" smtClean="0">
-                <a:solidFill>
-                  <a:schemeClr val="bg2">
-                    <a:lumMod val="75000"/>
-                  </a:schemeClr>
-                </a:solidFill>
-              </a:rPr>
-            </a:br>
-            <a:r>
-              <a:rPr lang="de-AT" dirty="0" smtClean="0">
-                <a:solidFill>
-                  <a:schemeClr val="bg2">
-                    <a:lumMod val="75000"/>
-                  </a:schemeClr>
-                </a:solidFill>
-              </a:rPr>
-              <a:t>sehr elaboriert)</a:t>
-            </a:r>
-          </a:p>
-          <a:p>
-            <a:pPr eaLnBrk="1" hangingPunct="1"/>
-            <a:r>
-              <a:rPr lang="de-AT" dirty="0" err="1" smtClean="0">
-                <a:solidFill>
-                  <a:schemeClr val="bg2">
-                    <a:lumMod val="75000"/>
-                  </a:schemeClr>
-                </a:solidFill>
-              </a:rPr>
-              <a:t>Slider</a:t>
-            </a:r>
-            <a:r>
-              <a:rPr lang="de-AT" dirty="0" smtClean="0">
-                <a:solidFill>
-                  <a:schemeClr val="bg2">
-                    <a:lumMod val="75000"/>
-                  </a:schemeClr>
-                </a:solidFill>
-              </a:rPr>
-              <a:t> für die Wahl </a:t>
-            </a:r>
-            <a:br>
-              <a:rPr lang="de-AT" dirty="0" smtClean="0">
-                <a:solidFill>
-                  <a:schemeClr val="bg2">
-                    <a:lumMod val="75000"/>
-                  </a:schemeClr>
-                </a:solidFill>
-              </a:rPr>
-            </a:br>
-            <a:r>
-              <a:rPr lang="de-AT" dirty="0" smtClean="0">
-                <a:solidFill>
-                  <a:schemeClr val="bg2">
-                    <a:lumMod val="75000"/>
-                  </a:schemeClr>
-                </a:solidFill>
-              </a:rPr>
-              <a:t>des </a:t>
-            </a:r>
-            <a:r>
-              <a:rPr lang="de-AT" dirty="0" err="1" smtClean="0">
-                <a:solidFill>
-                  <a:schemeClr val="bg2">
-                    <a:lumMod val="75000"/>
-                  </a:schemeClr>
-                </a:solidFill>
-              </a:rPr>
-              <a:t>Similarity</a:t>
-            </a:r>
-            <a:r>
-              <a:rPr lang="de-AT" dirty="0" smtClean="0">
-                <a:solidFill>
-                  <a:schemeClr val="bg2">
-                    <a:lumMod val="75000"/>
-                  </a:schemeClr>
-                </a:solidFill>
-              </a:rPr>
-              <a:t>-</a:t>
-            </a:r>
-            <a:br>
-              <a:rPr lang="de-AT" dirty="0" smtClean="0">
-                <a:solidFill>
-                  <a:schemeClr val="bg2">
-                    <a:lumMod val="75000"/>
-                  </a:schemeClr>
-                </a:solidFill>
-              </a:rPr>
-            </a:br>
-            <a:r>
-              <a:rPr lang="de-AT" dirty="0" err="1" smtClean="0">
-                <a:solidFill>
-                  <a:schemeClr val="bg2">
-                    <a:lumMod val="75000"/>
-                  </a:schemeClr>
-                </a:solidFill>
-              </a:rPr>
-              <a:t>Thresholds</a:t>
-            </a:r>
-            <a:r>
-              <a:rPr lang="de-AT" dirty="0" smtClean="0">
-                <a:solidFill>
-                  <a:schemeClr val="bg2">
-                    <a:lumMod val="75000"/>
-                  </a:schemeClr>
-                </a:solidFill>
-              </a:rPr>
-              <a:t>  [0.0-1.0]                                                                                                                                                                                                                                                                                                                                                                                                                                                                                                                                                                                                                                                                                                                                                                                                                                                                                                                                                                                                                                                                                                                                                                                                                </a:t>
-            </a:r>
-          </a:p>
-          <a:p>
-            <a:pPr eaLnBrk="1" hangingPunct="1">
-              <a:buFont typeface="Wingdings" pitchFamily="2" charset="2"/>
-              <a:buChar char="§"/>
-            </a:pPr>
-            <a:r>
-              <a:rPr lang="de-AT" sz="1600" b="1" dirty="0" smtClean="0">
-                <a:solidFill>
-                  <a:schemeClr val="bg2">
-                    <a:lumMod val="75000"/>
-                  </a:schemeClr>
-                </a:solidFill>
-                <a:latin typeface="Arial" pitchFamily="34" charset="0"/>
-                <a:cs typeface="Arial" pitchFamily="34" charset="0"/>
-              </a:rPr>
-              <a:t>Demo</a:t>
-            </a:r>
-          </a:p>
-        </p:txBody>
-      </p:sp>
-      <p:sp>
-        <p:nvSpPr>
-          <p:cNvPr id="3076" name="Rectangle 6"/>
-          <p:cNvSpPr>
-            <a:spLocks noChangeArrowheads="1"/>
-          </p:cNvSpPr>
-          <p:nvPr/>
-        </p:nvSpPr>
-        <p:spPr bwMode="auto">
-          <a:xfrm>
-            <a:off x="714348" y="857232"/>
-            <a:ext cx="6929486" cy="450833"/>
-          </a:xfrm>
-          <a:prstGeom prst="rect">
-            <a:avLst/>
-          </a:prstGeom>
-          <a:noFill/>
-          <a:ln w="9525">
-            <a:noFill/>
-            <a:miter lim="800000"/>
-            <a:headEnd/>
-            <a:tailEnd/>
-          </a:ln>
-        </p:spPr>
-        <p:txBody>
-          <a:bodyPr/>
-          <a:lstStyle/>
-          <a:p>
-            <a:pPr>
-              <a:spcBef>
-                <a:spcPct val="0"/>
-              </a:spcBef>
-            </a:pPr>
-            <a:r>
-              <a:rPr lang="en-US" sz="2400" dirty="0" err="1" smtClean="0">
-                <a:solidFill>
-                  <a:srgbClr val="9F9F9F"/>
-                </a:solidFill>
-                <a:latin typeface="Eurostile ExtendedTwo" pitchFamily="34" charset="0"/>
-                <a:ea typeface="+mj-ea"/>
-                <a:cs typeface="+mj-cs"/>
-              </a:rPr>
-              <a:t>Visualisierung</a:t>
-            </a:r>
-            <a:endParaRPr lang="en-US" sz="2400" dirty="0">
-              <a:solidFill>
-                <a:srgbClr val="9F9F9F"/>
-              </a:solidFill>
-              <a:latin typeface="Eurostile ExtendedTwo" pitchFamily="34" charset="0"/>
-              <a:ea typeface="+mj-ea"/>
-              <a:cs typeface="+mj-cs"/>
-            </a:endParaRPr>
-          </a:p>
-        </p:txBody>
-      </p:sp>
-      <p:pic>
-        <p:nvPicPr>
-          <p:cNvPr id="2050" name="Picture 2" descr="C:\Dokumente und Einstellungen\Jakob.PERVASIVE\Desktop\vis.png"/>
-          <p:cNvPicPr>
-            <a:picLocks noChangeAspect="1" noChangeArrowheads="1"/>
-          </p:cNvPicPr>
-          <p:nvPr/>
-        </p:nvPicPr>
-        <p:blipFill>
-          <a:blip r:embed="rId3"/>
-          <a:srcRect/>
-          <a:stretch>
-            <a:fillRect/>
-          </a:stretch>
-        </p:blipFill>
-        <p:spPr bwMode="auto">
-          <a:xfrm>
-            <a:off x="4000496" y="2786058"/>
-            <a:ext cx="4943454" cy="3896956"/>
-          </a:xfrm>
-          <a:prstGeom prst="rect">
-            <a:avLst/>
-          </a:prstGeom>
-          <a:noFill/>
-        </p:spPr>
-      </p:pic>
-    </p:spTree>
-  </p:cSld>
-  <p:clrMapOvr>
-    <a:masterClrMapping/>
-  </p:clrMapOvr>
-  <p:timing>
-    <p:tnLst>
-      <p:par>
-        <p:cTn id="1" dur="indefinite" restart="never" nodeType="tmRoot"/>
-      </p:par>
-    </p:tnLst>
-  </p:timing>
-</p:sld>
-</file>
-
 <file path=ppt/slides/slide18.xml><?xml version="1.0" encoding="utf-8"?>
 <p:sld xmlns:a="http://schemas.openxmlformats.org/drawingml/2006/main" xmlns:r="http://schemas.openxmlformats.org/officeDocument/2006/relationships" xmlns:p="http://schemas.openxmlformats.org/presentationml/2006/main">
   <p:cSld>
@@ -8398,29 +8238,7 @@
                 <a:ea typeface="+mj-ea"/>
                 <a:cs typeface="+mj-cs"/>
               </a:rPr>
-              <a:t>Work </a:t>
-            </a:r>
-            <a:r>
-              <a:rPr lang="en-US" sz="2400" dirty="0" smtClean="0">
-                <a:solidFill>
-                  <a:srgbClr val="9F9F9F"/>
-                </a:solidFill>
-                <a:latin typeface="Eurostile ExtendedTwo" pitchFamily="34" charset="0"/>
-                <a:ea typeface="+mj-ea"/>
-                <a:cs typeface="+mj-cs"/>
-              </a:rPr>
-              <a:t>in </a:t>
-            </a:r>
-            <a:r>
-              <a:rPr lang="en-US" sz="2400" dirty="0" smtClean="0">
-                <a:solidFill>
-                  <a:srgbClr val="9F9F9F"/>
-                </a:solidFill>
-                <a:latin typeface="Eurostile ExtendedTwo" pitchFamily="34" charset="0"/>
-                <a:ea typeface="+mj-ea"/>
-                <a:cs typeface="+mj-cs"/>
-              </a:rPr>
-              <a:t>progress</a:t>
+              <a:t>Work in progress</a:t>
             </a:r>
           </a:p>
         </p:txBody>
@@ -9136,23 +8954,8 @@
                 </a:solidFill>
                 <a:latin typeface="Eurostile ExtendedTwo" pitchFamily="34" charset="0"/>
               </a:rPr>
-              <a:t>Work in </a:t>
-            </a:r>
-            <a:r>
-              <a:rPr lang="en-US" sz="2400" dirty="0" smtClean="0">
-                <a:solidFill>
-                  <a:srgbClr val="9F9F9F"/>
-                </a:solidFill>
-                <a:latin typeface="Eurostile ExtendedTwo" pitchFamily="34" charset="0"/>
-              </a:rPr>
-              <a:t>progress</a:t>
-            </a:r>
-            <a:endParaRPr lang="en-US" sz="2400" dirty="0" smtClean="0">
-              <a:solidFill>
-                <a:srgbClr val="9F9F9F"/>
-              </a:solidFill>
-              <a:latin typeface="Eurostile ExtendedTwo" pitchFamily="34" charset="0"/>
-            </a:endParaRPr>
+              <a:t>Work in progress</a:t>
+            </a:r>
           </a:p>
         </p:txBody>
       </p:sp>
@@ -9642,6 +9445,18 @@
               <a:buChar char="§"/>
             </a:pPr>
             <a:r>
+              <a:rPr lang="de-AT" sz="1600" dirty="0" err="1" smtClean="0">
+                <a:solidFill>
+                  <a:schemeClr val="bg2">
+                    <a:lumMod val="75000"/>
+                  </a:schemeClr>
+                </a:solidFill>
+                <a:latin typeface="Arial" pitchFamily="34" charset="0"/>
+                <a:cs typeface="Arial" pitchFamily="34" charset="0"/>
+              </a:rPr>
+              <a:t>Context</a:t>
+            </a:r>
+            <a:r>
               <a:rPr lang="de-AT" sz="1600" dirty="0" smtClean="0">
                 <a:solidFill>
                   <a:schemeClr val="bg2">
@@ -9651,79 +9466,199 @@
                 <a:latin typeface="Arial" pitchFamily="34" charset="0"/>
                 <a:cs typeface="Arial" pitchFamily="34" charset="0"/>
               </a:rPr>
-              <a:t>Content-basierte Feature Extraktion</a:t>
-            </a:r>
+              <a:t>-basierte </a:t>
+            </a:r>
+            <a:r>
+              <a:rPr lang="de-AT" sz="1600" dirty="0" smtClean="0">
+                <a:solidFill>
+                  <a:schemeClr val="bg2">
+                    <a:lumMod val="75000"/>
+                  </a:schemeClr>
+                </a:solidFill>
+                <a:latin typeface="Arial" pitchFamily="34" charset="0"/>
+                <a:cs typeface="Arial" pitchFamily="34" charset="0"/>
+              </a:rPr>
+              <a:t>Feature </a:t>
+            </a:r>
+            <a:r>
+              <a:rPr lang="de-AT" sz="1600" dirty="0" smtClean="0">
+                <a:solidFill>
+                  <a:schemeClr val="bg2">
+                    <a:lumMod val="75000"/>
+                  </a:schemeClr>
+                </a:solidFill>
+                <a:latin typeface="Arial" pitchFamily="34" charset="0"/>
+                <a:cs typeface="Arial" pitchFamily="34" charset="0"/>
+              </a:rPr>
+              <a:t>Extraktion </a:t>
+            </a:r>
+            <a:br>
+              <a:rPr lang="de-AT" sz="1600" dirty="0" smtClean="0">
+                <a:solidFill>
+                  <a:schemeClr val="bg2">
+                    <a:lumMod val="75000"/>
+                  </a:schemeClr>
+                </a:solidFill>
+                <a:latin typeface="Arial" pitchFamily="34" charset="0"/>
+                <a:cs typeface="Arial" pitchFamily="34" charset="0"/>
+              </a:rPr>
+            </a:br>
+            <a:r>
+              <a:rPr lang="de-AT" sz="1600" dirty="0" smtClean="0">
+                <a:solidFill>
+                  <a:schemeClr val="bg2">
+                    <a:lumMod val="75000"/>
+                  </a:schemeClr>
+                </a:solidFill>
+                <a:latin typeface="Arial" pitchFamily="34" charset="0"/>
+                <a:cs typeface="Arial" pitchFamily="34" charset="0"/>
+              </a:rPr>
+              <a:t>(Google, </a:t>
+            </a:r>
+            <a:r>
+              <a:rPr lang="de-AT" sz="1600" dirty="0" err="1" smtClean="0">
+                <a:solidFill>
+                  <a:schemeClr val="bg2">
+                    <a:lumMod val="75000"/>
+                  </a:schemeClr>
+                </a:solidFill>
+                <a:latin typeface="Arial" pitchFamily="34" charset="0"/>
+                <a:cs typeface="Arial" pitchFamily="34" charset="0"/>
+              </a:rPr>
+              <a:t>LastFM</a:t>
+            </a:r>
+            <a:r>
+              <a:rPr lang="de-AT" sz="1600" dirty="0" smtClean="0">
+                <a:solidFill>
+                  <a:schemeClr val="bg2">
+                    <a:lumMod val="75000"/>
+                  </a:schemeClr>
+                </a:solidFill>
+                <a:latin typeface="Arial" pitchFamily="34" charset="0"/>
+                <a:cs typeface="Arial" pitchFamily="34" charset="0"/>
+              </a:rPr>
+              <a:t>)</a:t>
+            </a:r>
+            <a:endParaRPr lang="de-AT" sz="1600" dirty="0" smtClean="0">
+              <a:solidFill>
+                <a:schemeClr val="bg2">
+                  <a:lumMod val="75000"/>
+                </a:schemeClr>
+              </a:solidFill>
+              <a:latin typeface="Arial" pitchFamily="34" charset="0"/>
+              <a:cs typeface="Arial" pitchFamily="34" charset="0"/>
+            </a:endParaRPr>
           </a:p>
           <a:p>
             <a:pPr eaLnBrk="1" hangingPunct="1">
               <a:buFont typeface="Wingdings" pitchFamily="2" charset="2"/>
               <a:buChar char="§"/>
             </a:pPr>
-            <a:r>
-              <a:rPr lang="de-AT" sz="1600" dirty="0" smtClean="0">
-                <a:solidFill>
-                  <a:schemeClr val="bg2">
-                    <a:lumMod val="75000"/>
-                  </a:schemeClr>
-                </a:solidFill>
-                <a:latin typeface="Arial" pitchFamily="34" charset="0"/>
-                <a:cs typeface="Arial" pitchFamily="34" charset="0"/>
-              </a:rPr>
-              <a:t>Music </a:t>
-            </a:r>
-            <a:r>
-              <a:rPr lang="de-AT" sz="1600" dirty="0" err="1" smtClean="0">
-                <a:solidFill>
-                  <a:schemeClr val="bg2">
-                    <a:lumMod val="75000"/>
-                  </a:schemeClr>
-                </a:solidFill>
-                <a:latin typeface="Arial" pitchFamily="34" charset="0"/>
-                <a:cs typeface="Arial" pitchFamily="34" charset="0"/>
-              </a:rPr>
-              <a:t>CommunityPortal</a:t>
-            </a:r>
-            <a:r>
-              <a:rPr lang="de-AT" sz="1600" dirty="0" smtClean="0">
-                <a:solidFill>
-                  <a:schemeClr val="bg2">
-                    <a:lumMod val="75000"/>
-                  </a:schemeClr>
-                </a:solidFill>
-                <a:latin typeface="Arial" pitchFamily="34" charset="0"/>
-                <a:cs typeface="Arial" pitchFamily="34" charset="0"/>
-              </a:rPr>
-              <a:t>  </a:t>
-            </a:r>
-            <a:r>
-              <a:rPr lang="de-AT" sz="1600" dirty="0" err="1" smtClean="0">
-                <a:solidFill>
-                  <a:schemeClr val="bg2">
-                    <a:lumMod val="75000"/>
-                  </a:schemeClr>
-                </a:solidFill>
-                <a:latin typeface="Arial" pitchFamily="34" charset="0"/>
-                <a:cs typeface="Arial" pitchFamily="34" charset="0"/>
-              </a:rPr>
-              <a:t>LastFM</a:t>
-            </a:r>
-            <a:r>
-              <a:rPr lang="de-AT" sz="1600" dirty="0" smtClean="0">
-                <a:solidFill>
-                  <a:schemeClr val="bg2">
-                    <a:lumMod val="75000"/>
-                  </a:schemeClr>
-                </a:solidFill>
-                <a:latin typeface="Arial" pitchFamily="34" charset="0"/>
-                <a:cs typeface="Arial" pitchFamily="34" charset="0"/>
-              </a:rPr>
-              <a:t> , Google </a:t>
-            </a:r>
+            <a:endParaRPr lang="de-AT" sz="1600" dirty="0" smtClean="0">
+              <a:solidFill>
+                <a:schemeClr val="bg2">
+                  <a:lumMod val="75000"/>
+                </a:schemeClr>
+              </a:solidFill>
+              <a:latin typeface="Arial" pitchFamily="34" charset="0"/>
+              <a:cs typeface="Arial" pitchFamily="34" charset="0"/>
+            </a:endParaRPr>
           </a:p>
           <a:p>
             <a:pPr eaLnBrk="1" hangingPunct="1">
               <a:buFont typeface="Wingdings" pitchFamily="2" charset="2"/>
               <a:buChar char="§"/>
+            </a:pPr>
+            <a:r>
+              <a:rPr lang="de-AT" sz="1600" dirty="0" smtClean="0">
+                <a:solidFill>
+                  <a:schemeClr val="bg2">
+                    <a:lumMod val="75000"/>
+                  </a:schemeClr>
+                </a:solidFill>
+                <a:latin typeface="Arial" pitchFamily="34" charset="0"/>
+                <a:cs typeface="Arial" pitchFamily="34" charset="0"/>
+              </a:rPr>
+              <a:t>Music Community Portal </a:t>
+            </a:r>
+            <a:r>
+              <a:rPr lang="de-AT" sz="1600" dirty="0" err="1" smtClean="0">
+                <a:solidFill>
+                  <a:schemeClr val="bg2">
+                    <a:lumMod val="75000"/>
+                  </a:schemeClr>
+                </a:solidFill>
+                <a:latin typeface="Arial" pitchFamily="34" charset="0"/>
+                <a:cs typeface="Arial" pitchFamily="34" charset="0"/>
+              </a:rPr>
+              <a:t>LastFM</a:t>
+            </a:r>
+            <a:r>
+              <a:rPr lang="de-AT" sz="1600" dirty="0" smtClean="0">
+                <a:solidFill>
+                  <a:schemeClr val="bg2">
+                    <a:lumMod val="75000"/>
+                  </a:schemeClr>
+                </a:solidFill>
+                <a:latin typeface="Arial" pitchFamily="34" charset="0"/>
+                <a:cs typeface="Arial" pitchFamily="34" charset="0"/>
+              </a:rPr>
+              <a:t>, </a:t>
+            </a:r>
+            <a:endParaRPr lang="de-AT" dirty="0" smtClean="0">
+              <a:solidFill>
+                <a:schemeClr val="bg2">
+                  <a:lumMod val="75000"/>
+                </a:schemeClr>
+              </a:solidFill>
+            </a:endParaRPr>
+          </a:p>
+          <a:p>
+            <a:pPr lvl="1" eaLnBrk="1" hangingPunct="1"/>
+            <a:r>
+              <a:rPr lang="de-AT" dirty="0" smtClean="0">
+                <a:solidFill>
+                  <a:schemeClr val="bg2">
+                    <a:lumMod val="75000"/>
+                  </a:schemeClr>
+                </a:solidFill>
+              </a:rPr>
+              <a:t>Informationskategorien</a:t>
+            </a:r>
+          </a:p>
+          <a:p>
+            <a:pPr lvl="1" eaLnBrk="1" hangingPunct="1"/>
+            <a:r>
+              <a:rPr lang="de-AT" u="sng" dirty="0">
+                <a:solidFill>
+                  <a:schemeClr val="bg2">
+                    <a:lumMod val="75000"/>
+                  </a:schemeClr>
+                </a:solidFill>
+              </a:rPr>
+              <a:t>http://</a:t>
+            </a:r>
+            <a:r>
+              <a:rPr lang="de-AT" u="sng" dirty="0" smtClean="0">
+                <a:solidFill>
+                  <a:schemeClr val="bg2">
+                    <a:lumMod val="75000"/>
+                  </a:schemeClr>
+                </a:solidFill>
+              </a:rPr>
+              <a:t>www.lastfm.de/api </a:t>
+            </a:r>
+            <a:endParaRPr lang="de-AT" u="sng" dirty="0" smtClean="0">
+              <a:solidFill>
+                <a:schemeClr val="bg2">
+                  <a:lumMod val="75000"/>
+                </a:schemeClr>
+              </a:solidFill>
+            </a:endParaRPr>
+          </a:p>
+          <a:p>
+            <a:pPr eaLnBrk="1" hangingPunct="1">
+              <a:buNone/>
             </a:pPr>
             <a:endParaRPr lang="de-AT" dirty="0" smtClean="0">
               <a:solidFill>
@@ -9739,22 +9674,6 @@
               <a:buChar char="§"/>
             </a:pPr>
             <a:r>
-              <a:rPr lang="de-AT" dirty="0" smtClean="0">
-                <a:solidFill>
-                  <a:schemeClr val="bg2">
-                    <a:lumMod val="75000"/>
-                  </a:schemeClr>
-                </a:solidFill>
-              </a:rPr>
-              <a:t>Informationskategorien finden</a:t>
-            </a:r>
-          </a:p>
-          <a:p>
-            <a:pPr eaLnBrk="1" hangingPunct="1">
-              <a:buFont typeface="Wingdings" pitchFamily="2" charset="2"/>
-              <a:buChar char="§"/>
-            </a:pPr>
-            <a:r>
               <a:rPr lang="de-AT" sz="1600" dirty="0" smtClean="0">
                 <a:solidFill>
                   <a:schemeClr val="bg2">
@@ -9764,7 +9683,19 @@
                 <a:latin typeface="Arial" pitchFamily="34" charset="0"/>
                 <a:cs typeface="Arial" pitchFamily="34" charset="0"/>
               </a:rPr>
-              <a:t>Ähnlichkeitsmaße berechnen </a:t>
+              <a:t>Ähnlichkeitsmaße </a:t>
+            </a:r>
+            <a:r>
+              <a:rPr lang="de-AT" sz="1600" dirty="0" smtClean="0">
+                <a:solidFill>
+                  <a:schemeClr val="bg2">
+                    <a:lumMod val="75000"/>
+                  </a:schemeClr>
+                </a:solidFill>
+                <a:latin typeface="Arial" pitchFamily="34" charset="0"/>
+                <a:cs typeface="Arial" pitchFamily="34" charset="0"/>
+              </a:rPr>
+              <a:t>berechnen </a:t>
             </a:r>
           </a:p>
           <a:p>
@@ -9914,73 +9845,58 @@
           </a:p>
         </p:txBody>
       </p:sp>
-      <p:sp>
-        <p:nvSpPr>
-          <p:cNvPr id="3078" name="Text Box 14"/>
-          <p:cNvSpPr txBox="1">
-            <a:spLocks noChangeArrowheads="1"/>
-          </p:cNvSpPr>
+      <p:pic>
+        <p:nvPicPr>
+          <p:cNvPr id="1026" name="Picture 2" descr="C:\jakob\uni\src\presentation\images\lastfmlogo.jpg"/>
+          <p:cNvPicPr>
+            <a:picLocks noChangeAspect="1" noChangeArrowheads="1"/>
+          </p:cNvPicPr>
           <p:nvPr/>
-        </p:nvSpPr>
+        </p:nvPicPr>
+        <p:blipFill>
+          <a:blip r:embed="rId3"/>
+          <a:srcRect/>
+          <a:stretch>
+            <a:fillRect/>
+          </a:stretch>
+        </p:blipFill>
         <p:spPr bwMode="auto">
           <a:xfrm>
-            <a:off x="4714876" y="6000768"/>
-            <a:ext cx="3960812" cy="274637"/>
+            <a:off x="7929586" y="1706145"/>
+            <a:ext cx="857256" cy="294095"/>
           </a:xfrm>
           <a:prstGeom prst="rect">
             <a:avLst/>
           </a:prstGeom>
           <a:noFill/>
-          <a:ln w="9525" algn="ctr">
-            <a:noFill/>
-            <a:miter lim="800000"/>
-            <a:headEnd/>
-            <a:tailEnd/>
-          </a:ln>
         </p:spPr>
-        <p:txBody>
-          <a:bodyPr>
-            <a:spAutoFit/>
-          </a:bodyPr>
-          <a:lstStyle/>
-          <a:p>
-            <a:pPr marL="342900" indent="-342900">
-              <a:spcBef>
-                <a:spcPct val="50000"/>
-              </a:spcBef>
-            </a:pPr>
-            <a:r>
-              <a:rPr lang="de-DE" sz="1200" u="sng" dirty="0">
-                <a:solidFill>
-                  <a:schemeClr val="tx1"/>
-                </a:solidFill>
-              </a:rPr>
-              <a:t>http://www.last.fm/</a:t>
-            </a:r>
-            <a:r>
-              <a:rPr lang="de-DE" sz="1200" dirty="0">
-                <a:solidFill>
-                  <a:schemeClr val="tx1"/>
-                </a:solidFill>
-              </a:rPr>
-              <a:t>    </a:t>
-            </a:r>
-            <a:r>
-              <a:rPr lang="de-DE" sz="1200" u="sng" dirty="0">
-                <a:solidFill>
-                  <a:schemeClr val="tx1"/>
-                </a:solidFill>
-              </a:rPr>
-              <a:t>http://ws.audioscrobbler.com</a:t>
-            </a:r>
-            <a:endParaRPr lang="de-AT" sz="1200" u="sng" dirty="0">
-              <a:solidFill>
-                <a:schemeClr val="tx1"/>
-              </a:solidFill>
-            </a:endParaRPr>
-          </a:p>
-        </p:txBody>
-      </p:sp>
+      </p:pic>
+      <p:pic>
+        <p:nvPicPr>
+          <p:cNvPr id="1027" name="Picture 3" descr="C:\Dokumente und Einstellungen\Jakob.PERVASIVE\Desktop\lastfmapi.png"/>
+          <p:cNvPicPr>
+            <a:picLocks noChangeAspect="1" noChangeArrowheads="1"/>
+          </p:cNvPicPr>
+          <p:nvPr/>
+        </p:nvPicPr>
+        <p:blipFill>
+          <a:blip r:embed="rId4"/>
+          <a:srcRect r="17559"/>
+          <a:stretch>
+            <a:fillRect/>
+          </a:stretch>
+        </p:blipFill>
+        <p:spPr bwMode="auto">
+          <a:xfrm>
+            <a:off x="5000628" y="2000240"/>
+            <a:ext cx="3778596" cy="4629226"/>
+          </a:xfrm>
+          <a:prstGeom prst="rect">
+            <a:avLst/>
+          </a:prstGeom>
+          <a:noFill/>
+        </p:spPr>
+      </p:pic>
     </p:spTree>
   </p:cSld>
   <p:clrMapOvr>
@@ -16677,19 +16593,7 @@
                 <a:latin typeface="Arial" pitchFamily="34" charset="0"/>
                 <a:cs typeface="Arial" pitchFamily="34" charset="0"/>
               </a:rPr>
-              <a:t>Albumbasierte </a:t>
-            </a:r>
-            <a:r>
-              <a:rPr lang="de-AT" sz="2400" b="1" dirty="0" smtClean="0">
-                <a:solidFill>
-                  <a:schemeClr val="bg2">
-                    <a:lumMod val="75000"/>
-                  </a:schemeClr>
-                </a:solidFill>
-                <a:latin typeface="Arial" pitchFamily="34" charset="0"/>
-                <a:cs typeface="Arial" pitchFamily="34" charset="0"/>
-              </a:rPr>
-              <a:t>Wirkungszeit</a:t>
+              <a:t>Albumbasierte Wirkungszeit</a:t>
             </a:r>
             <a:endParaRPr lang="de-AT" sz="2000" b="1" dirty="0" smtClean="0">
               <a:solidFill>
@@ -16939,45 +16843,339 @@
       </p:grpSpPr>
       <p:sp>
         <p:nvSpPr>
-          <p:cNvPr id="2" name="Titel 1"/>
+          <p:cNvPr id="3075" name="Rectangle 2"/>
           <p:cNvSpPr>
-            <a:spLocks noGrp="1"/>
-          </p:cNvSpPr>
-          <p:nvPr>
-            <p:ph type="title"/>
-          </p:nvPr>
-        </p:nvSpPr>
-        <p:spPr/>
-        <p:txBody>
-          <a:bodyPr/>
-          <a:lstStyle/>
-          <a:p>
-            <a:endParaRPr lang="de-DE"/>
-          </a:p>
-        </p:txBody>
-      </p:sp>
-      <p:sp>
-        <p:nvSpPr>
-          <p:cNvPr id="3" name="Textplatzhalter 2"/>
-          <p:cNvSpPr>
-            <a:spLocks noGrp="1"/>
+            <a:spLocks noGrp="1" noChangeArrowheads="1"/>
           </p:cNvSpPr>
           <p:nvPr>
             <p:ph type="body" sz="quarter" idx="12"/>
           </p:nvPr>
         </p:nvSpPr>
-        <p:spPr/>
+        <p:spPr>
+          <a:xfrm>
+            <a:off x="571472" y="1795451"/>
+            <a:ext cx="8072494" cy="4357706"/>
+          </a:xfrm>
+          <a:noFill/>
+        </p:spPr>
+        <p:txBody>
+          <a:bodyPr anchor="t" anchorCtr="0"/>
+          <a:lstStyle/>
+          <a:p>
+            <a:pPr eaLnBrk="1" hangingPunct="1">
+              <a:buNone/>
+            </a:pPr>
+            <a:r>
+              <a:rPr lang="de-AT" b="1" dirty="0" smtClean="0">
+                <a:solidFill>
+                  <a:schemeClr val="bg2">
+                    <a:lumMod val="75000"/>
+                  </a:schemeClr>
+                </a:solidFill>
+              </a:rPr>
+              <a:t>Visualisierung – Clustering </a:t>
+            </a:r>
+          </a:p>
+          <a:p>
+            <a:pPr eaLnBrk="1" hangingPunct="1"/>
+            <a:endParaRPr lang="de-AT" dirty="0" smtClean="0">
+              <a:solidFill>
+                <a:schemeClr val="bg2">
+                  <a:lumMod val="75000"/>
+                </a:schemeClr>
+              </a:solidFill>
+            </a:endParaRPr>
+          </a:p>
+          <a:p>
+            <a:pPr eaLnBrk="1" hangingPunct="1"/>
+            <a:r>
+              <a:rPr lang="de-AT" dirty="0" smtClean="0">
+                <a:solidFill>
+                  <a:schemeClr val="bg2">
+                    <a:lumMod val="75000"/>
+                  </a:schemeClr>
+                </a:solidFill>
+              </a:rPr>
+              <a:t>Jung-basiertes Visualisierungstool zur Darstellung von Ähnlichkeitsclustern</a:t>
+            </a:r>
+          </a:p>
+          <a:p>
+            <a:pPr eaLnBrk="1" hangingPunct="1"/>
+            <a:r>
+              <a:rPr lang="de-AT" b="1" dirty="0" smtClean="0">
+                <a:solidFill>
+                  <a:schemeClr val="bg2">
+                    <a:lumMod val="75000"/>
+                  </a:schemeClr>
+                </a:solidFill>
+              </a:rPr>
+              <a:t>Achtung </a:t>
+            </a:r>
+            <a:br>
+              <a:rPr lang="de-AT" b="1" dirty="0" smtClean="0">
+                <a:solidFill>
+                  <a:schemeClr val="bg2">
+                    <a:lumMod val="75000"/>
+                  </a:schemeClr>
+                </a:solidFill>
+              </a:rPr>
+            </a:br>
+            <a:r>
+              <a:rPr lang="de-AT" dirty="0" smtClean="0">
+                <a:solidFill>
+                  <a:schemeClr val="bg2">
+                    <a:lumMod val="75000"/>
+                  </a:schemeClr>
+                </a:solidFill>
+              </a:rPr>
+              <a:t>ClusterAbstand und </a:t>
+            </a:r>
+            <a:br>
+              <a:rPr lang="de-AT" dirty="0" smtClean="0">
+                <a:solidFill>
+                  <a:schemeClr val="bg2">
+                    <a:lumMod val="75000"/>
+                  </a:schemeClr>
+                </a:solidFill>
+              </a:rPr>
+            </a:br>
+            <a:r>
+              <a:rPr lang="de-AT" dirty="0" smtClean="0">
+                <a:solidFill>
+                  <a:schemeClr val="bg2">
+                    <a:lumMod val="75000"/>
+                  </a:schemeClr>
+                </a:solidFill>
+              </a:rPr>
+              <a:t>Kantenlänge haben keine </a:t>
+            </a:r>
+            <a:br>
+              <a:rPr lang="de-AT" dirty="0" smtClean="0">
+                <a:solidFill>
+                  <a:schemeClr val="bg2">
+                    <a:lumMod val="75000"/>
+                  </a:schemeClr>
+                </a:solidFill>
+              </a:rPr>
+            </a:br>
+            <a:r>
+              <a:rPr lang="de-AT" dirty="0" smtClean="0">
+                <a:solidFill>
+                  <a:schemeClr val="bg2">
+                    <a:lumMod val="75000"/>
+                  </a:schemeClr>
+                </a:solidFill>
+              </a:rPr>
+              <a:t>Bedeutung </a:t>
+            </a:r>
+            <a:br>
+              <a:rPr lang="de-AT" dirty="0" smtClean="0">
+                <a:solidFill>
+                  <a:schemeClr val="bg2">
+                    <a:lumMod val="75000"/>
+                  </a:schemeClr>
+                </a:solidFill>
+              </a:rPr>
+            </a:br>
+            <a:r>
+              <a:rPr lang="de-AT" dirty="0" smtClean="0">
+                <a:solidFill>
+                  <a:schemeClr val="bg2">
+                    <a:lumMod val="75000"/>
+                  </a:schemeClr>
+                </a:solidFill>
+              </a:rPr>
+              <a:t>(Einschränkung nicht </a:t>
+            </a:r>
+            <a:br>
+              <a:rPr lang="de-AT" dirty="0" smtClean="0">
+                <a:solidFill>
+                  <a:schemeClr val="bg2">
+                    <a:lumMod val="75000"/>
+                  </a:schemeClr>
+                </a:solidFill>
+              </a:rPr>
+            </a:br>
+            <a:r>
+              <a:rPr lang="de-AT" dirty="0" smtClean="0">
+                <a:solidFill>
+                  <a:schemeClr val="bg2">
+                    <a:lumMod val="75000"/>
+                  </a:schemeClr>
+                </a:solidFill>
+              </a:rPr>
+              <a:t>sehr elaboriert)</a:t>
+            </a:r>
+          </a:p>
+          <a:p>
+            <a:pPr eaLnBrk="1" hangingPunct="1"/>
+            <a:r>
+              <a:rPr lang="de-AT" dirty="0" err="1" smtClean="0">
+                <a:solidFill>
+                  <a:schemeClr val="bg2">
+                    <a:lumMod val="75000"/>
+                  </a:schemeClr>
+                </a:solidFill>
+              </a:rPr>
+              <a:t>Slider</a:t>
+            </a:r>
+            <a:r>
+              <a:rPr lang="de-AT" dirty="0" smtClean="0">
+                <a:solidFill>
+                  <a:schemeClr val="bg2">
+                    <a:lumMod val="75000"/>
+                  </a:schemeClr>
+                </a:solidFill>
+              </a:rPr>
+              <a:t> für die Wahl </a:t>
+            </a:r>
+            <a:br>
+              <a:rPr lang="de-AT" dirty="0" smtClean="0">
+                <a:solidFill>
+                  <a:schemeClr val="bg2">
+                    <a:lumMod val="75000"/>
+                  </a:schemeClr>
+                </a:solidFill>
+              </a:rPr>
+            </a:br>
+            <a:r>
+              <a:rPr lang="de-AT" dirty="0" smtClean="0">
+                <a:solidFill>
+                  <a:schemeClr val="bg2">
+                    <a:lumMod val="75000"/>
+                  </a:schemeClr>
+                </a:solidFill>
+              </a:rPr>
+              <a:t>des </a:t>
+            </a:r>
+            <a:r>
+              <a:rPr lang="de-AT" dirty="0" err="1" smtClean="0">
+                <a:solidFill>
+                  <a:schemeClr val="bg2">
+                    <a:lumMod val="75000"/>
+                  </a:schemeClr>
+                </a:solidFill>
+              </a:rPr>
+              <a:t>Similarity</a:t>
+            </a:r>
+            <a:r>
+              <a:rPr lang="de-AT" dirty="0" smtClean="0">
+                <a:solidFill>
+                  <a:schemeClr val="bg2">
+                    <a:lumMod val="75000"/>
+                  </a:schemeClr>
+                </a:solidFill>
+              </a:rPr>
+              <a:t>-</a:t>
+            </a:r>
+            <a:br>
+              <a:rPr lang="de-AT" dirty="0" smtClean="0">
+                <a:solidFill>
+                  <a:schemeClr val="bg2">
+                    <a:lumMod val="75000"/>
+                  </a:schemeClr>
+                </a:solidFill>
+              </a:rPr>
+            </a:br>
+            <a:r>
+              <a:rPr lang="de-AT" dirty="0" err="1" smtClean="0">
+                <a:solidFill>
+                  <a:schemeClr val="bg2">
+                    <a:lumMod val="75000"/>
+                  </a:schemeClr>
+                </a:solidFill>
+              </a:rPr>
+              <a:t>Thresholds</a:t>
+            </a:r>
+            <a:r>
+              <a:rPr lang="de-AT" dirty="0" smtClean="0">
+                <a:solidFill>
+                  <a:schemeClr val="bg2">
+                    <a:lumMod val="75000"/>
+                  </a:schemeClr>
+                </a:solidFill>
+              </a:rPr>
+              <a:t>  [0.0-1.0]                                                                                                                                                                                                                                                                                                                                                                                                                                                                                                                                                                                                                                                                                                                                                                                                                                                                                                                                                                                                                                                                                                                                                                                                                </a:t>
+            </a:r>
+          </a:p>
+          <a:p>
+            <a:pPr eaLnBrk="1" hangingPunct="1">
+              <a:buFont typeface="Wingdings" pitchFamily="2" charset="2"/>
+              <a:buChar char="§"/>
+            </a:pPr>
+            <a:r>
+              <a:rPr lang="de-AT" sz="1600" b="1" dirty="0" smtClean="0">
+                <a:solidFill>
+                  <a:schemeClr val="bg2">
+                    <a:lumMod val="75000"/>
+                  </a:schemeClr>
+                </a:solidFill>
+                <a:latin typeface="Arial" pitchFamily="34" charset="0"/>
+                <a:cs typeface="Arial" pitchFamily="34" charset="0"/>
+              </a:rPr>
+              <a:t>Demo</a:t>
+            </a:r>
+          </a:p>
+        </p:txBody>
+      </p:sp>
+      <p:sp>
+        <p:nvSpPr>
+          <p:cNvPr id="3076" name="Rectangle 6"/>
+          <p:cNvSpPr>
+            <a:spLocks noChangeArrowheads="1"/>
+          </p:cNvSpPr>
+          <p:nvPr/>
+        </p:nvSpPr>
+        <p:spPr bwMode="auto">
+          <a:xfrm>
+            <a:off x="714348" y="857232"/>
+            <a:ext cx="6929486" cy="450833"/>
+          </a:xfrm>
+          <a:prstGeom prst="rect">
+            <a:avLst/>
+          </a:prstGeom>
+          <a:noFill/>
+          <a:ln w="9525">
+            <a:noFill/>
+            <a:miter lim="800000"/>
+            <a:headEnd/>
+            <a:tailEnd/>
+          </a:ln>
+        </p:spPr>
         <p:txBody>
           <a:bodyPr/>
           <a:lstStyle/>
           <a:p>
-            <a:endParaRPr lang="de-DE"/>
+            <a:pPr>
+              <a:spcBef>
+                <a:spcPct val="0"/>
+              </a:spcBef>
+            </a:pPr>
+            <a:r>
+              <a:rPr lang="en-US" sz="2400" dirty="0" err="1" smtClean="0">
+                <a:solidFill>
+                  <a:srgbClr val="9F9F9F"/>
+                </a:solidFill>
+                <a:latin typeface="Eurostile ExtendedTwo" pitchFamily="34" charset="0"/>
+                <a:ea typeface="+mj-ea"/>
+                <a:cs typeface="+mj-cs"/>
+              </a:rPr>
+              <a:t>Visualisierung</a:t>
+            </a:r>
+            <a:endParaRPr lang="en-US" sz="2400" dirty="0">
+              <a:solidFill>
+                <a:srgbClr val="9F9F9F"/>
+              </a:solidFill>
+              <a:latin typeface="Eurostile ExtendedTwo" pitchFamily="34" charset="0"/>
+              <a:ea typeface="+mj-ea"/>
+              <a:cs typeface="+mj-cs"/>
+            </a:endParaRPr>
           </a:p>
         </p:txBody>
       </p:sp>
       <p:pic>
         <p:nvPicPr>
-          <p:cNvPr id="4098" name="Picture 2" descr="C:\Development\Java\mirlastfm\presentation\images\0.75 Similarity.png"/>
+          <p:cNvPr id="2050" name="Picture 2" descr="C:\Dokumente und Einstellungen\Jakob.PERVASIVE\Desktop\vis.png"/>
           <p:cNvPicPr>
             <a:picLocks noChangeAspect="1" noChangeArrowheads="1"/>
           </p:cNvPicPr>
@@ -16992,8 +17190,8 @@
         </p:blipFill>
         <p:spPr bwMode="auto">
           <a:xfrm>
-            <a:off x="1" y="214290"/>
-            <a:ext cx="9143999" cy="6686550"/>
+            <a:off x="4000496" y="2786058"/>
+            <a:ext cx="4943454" cy="3896956"/>
           </a:xfrm>
           <a:prstGeom prst="rect">
             <a:avLst/>
@@ -17001,140 +17199,6 @@
           <a:noFill/>
         </p:spPr>
       </p:pic>
-      <p:sp>
-        <p:nvSpPr>
-          <p:cNvPr id="5" name="Textfeld 4"/>
-          <p:cNvSpPr txBox="1"/>
-          <p:nvPr/>
-        </p:nvSpPr>
-        <p:spPr>
-          <a:xfrm>
-            <a:off x="4714876" y="2781933"/>
-            <a:ext cx="4214842" cy="3514808"/>
-          </a:xfrm>
-          <a:prstGeom prst="rect">
-            <a:avLst/>
-          </a:prstGeom>
-          <a:noFill/>
-        </p:spPr>
-        <p:txBody>
-          <a:bodyPr wrap="square" rtlCol="0">
-            <a:spAutoFit/>
-          </a:bodyPr>
-          <a:lstStyle/>
-          <a:p>
-            <a:r>
-              <a:rPr lang="de-DE" dirty="0" err="1" smtClean="0"/>
-              <a:t>Similarity</a:t>
-            </a:r>
-            <a:r>
-              <a:rPr lang="de-DE" dirty="0" smtClean="0"/>
-              <a:t>: 0,75</a:t>
-            </a:r>
-          </a:p>
-          <a:p>
-            <a:pPr marL="180975" indent="-180975">
-              <a:buFont typeface="Wingdings" pitchFamily="2" charset="2"/>
-              <a:buChar char="§"/>
-            </a:pPr>
-            <a:r>
-              <a:rPr lang="de-DE" sz="1400" dirty="0" smtClean="0"/>
-              <a:t>Viele Künstler liegen eng beieinander, nur wenige heben sich ab (Miles Davis, Dave Brubeck, Leonard Cohen, Kraftwerk)</a:t>
-            </a:r>
-          </a:p>
-          <a:p>
-            <a:pPr marL="180975" indent="-180975">
-              <a:buFont typeface="Wingdings" pitchFamily="2" charset="2"/>
-              <a:buChar char="§"/>
-            </a:pPr>
-            <a:r>
-              <a:rPr lang="de-DE" sz="1400" dirty="0" smtClean="0"/>
-              <a:t>Miles Davis (1982) hat ausschließlich zu Dave Brubeck (1987 eine Ähnlichkeit von &gt;= 0,75 (Verbindungslinie)</a:t>
-            </a:r>
-          </a:p>
-          <a:p>
-            <a:pPr marL="180975" indent="-180975">
-              <a:buFont typeface="Wingdings" pitchFamily="2" charset="2"/>
-              <a:buChar char="§"/>
-            </a:pPr>
-            <a:r>
-              <a:rPr lang="de-DE" sz="1400" dirty="0" smtClean="0"/>
-              <a:t>Kraftwerk (1990) weist wesentlich mehr Ähnlichkeiten zu anderen </a:t>
-            </a:r>
-            <a:r>
-              <a:rPr lang="de-DE" sz="1400" dirty="0" err="1" smtClean="0"/>
-              <a:t>Artists</a:t>
-            </a:r>
-            <a:r>
-              <a:rPr lang="de-DE" sz="1400" dirty="0" smtClean="0"/>
-              <a:t> auf </a:t>
-            </a:r>
-          </a:p>
-          <a:p>
-            <a:pPr marL="180975" indent="-180975">
-              <a:buFont typeface="Wingdings" pitchFamily="2" charset="2"/>
-              <a:buChar char="§"/>
-            </a:pPr>
-            <a:r>
-              <a:rPr lang="de-DE" sz="1400" dirty="0" smtClean="0"/>
-              <a:t>Zeitliche Abfolge ist erkennbar</a:t>
-            </a:r>
-          </a:p>
-          <a:p>
-            <a:pPr marL="638175" lvl="1" indent="-180975">
-              <a:buFont typeface="Wingdings" pitchFamily="2" charset="2"/>
-              <a:buChar char="§"/>
-            </a:pPr>
-            <a:r>
-              <a:rPr lang="de-DE" sz="1400" dirty="0" smtClean="0"/>
-              <a:t>1982 Miles Davis</a:t>
-            </a:r>
-          </a:p>
-          <a:p>
-            <a:pPr marL="638175" lvl="1" indent="-180975">
-              <a:buFont typeface="Wingdings" pitchFamily="2" charset="2"/>
-              <a:buChar char="§"/>
-            </a:pPr>
-            <a:r>
-              <a:rPr lang="de-DE" sz="1400" dirty="0" smtClean="0"/>
-              <a:t>1997 Bob Marley</a:t>
-            </a:r>
-          </a:p>
-          <a:p>
-            <a:pPr marL="638175" lvl="1" indent="-180975">
-              <a:buFont typeface="Wingdings" pitchFamily="2" charset="2"/>
-              <a:buChar char="§"/>
-            </a:pPr>
-            <a:r>
-              <a:rPr lang="de-DE" sz="1400" dirty="0" smtClean="0"/>
-              <a:t>1998 </a:t>
-            </a:r>
-            <a:r>
-              <a:rPr lang="de-DE" sz="1400" dirty="0" err="1" smtClean="0"/>
-              <a:t>Nirvana</a:t>
-            </a:r>
-            <a:endParaRPr lang="de-DE" sz="1400" dirty="0" smtClean="0"/>
-          </a:p>
-          <a:p>
-            <a:pPr marL="638175" lvl="1" indent="-180975">
-              <a:buFont typeface="Wingdings" pitchFamily="2" charset="2"/>
-              <a:buChar char="§"/>
-            </a:pPr>
-            <a:r>
-              <a:rPr lang="de-DE" sz="1400" dirty="0" smtClean="0"/>
-              <a:t>2003 Justin </a:t>
-            </a:r>
-            <a:r>
-              <a:rPr lang="de-DE" sz="1400" dirty="0" err="1" smtClean="0"/>
-              <a:t>Timerlake</a:t>
-            </a:r>
-            <a:r>
-              <a:rPr lang="de-DE" sz="1400" dirty="0" smtClean="0"/>
-              <a:t>, The Rolling Stones</a:t>
-            </a:r>
-          </a:p>
-        </p:txBody>
-      </p:sp>
     </p:spTree>
   </p:cSld>
   <p:clrMapOvr>

--- a/presentation/presentation.pptx
+++ b/presentation/presentation.pptx
@@ -164,7 +164,7 @@
 <file path=ppt/charts/chart1.xml><?xml version="1.0" encoding="utf-8"?>
 <c:chartSpace xmlns:c="http://schemas.openxmlformats.org/drawingml/2006/chart" xmlns:a="http://schemas.openxmlformats.org/drawingml/2006/main" xmlns:r="http://schemas.openxmlformats.org/officeDocument/2006/relationships">
   <c:date1904 val="1"/>
-  <c:lang val="en-US"/>
+  <c:lang val="de-DE"/>
   <c:chart>
     <c:plotArea>
       <c:layout/>
@@ -221,19 +221,19 @@
                   <c:v>1</c:v>
                 </c:pt>
                 <c:pt idx="1">
-                  <c:v>0.57564800000000071</c:v>
+                  <c:v>0.57564800000000083</c:v>
                 </c:pt>
                 <c:pt idx="2">
                   <c:v>3.1970000000000012E-2</c:v>
                 </c:pt>
                 <c:pt idx="3">
-                  <c:v>0.25642400000000026</c:v>
+                  <c:v>0.25642400000000032</c:v>
                 </c:pt>
                 <c:pt idx="4">
-                  <c:v>8.9020000000000141E-3</c:v>
+                  <c:v>8.9020000000000175E-3</c:v>
                 </c:pt>
                 <c:pt idx="5">
-                  <c:v>1.2710000000000009E-3</c:v>
+                  <c:v>1.2710000000000011E-3</c:v>
                 </c:pt>
               </c:numCache>
             </c:numRef>
@@ -286,13 +286,13 @@
                 <c:formatCode>General</c:formatCode>
                 <c:ptCount val="6"/>
                 <c:pt idx="0">
-                  <c:v>0.57564800000000071</c:v>
+                  <c:v>0.57564800000000083</c:v>
                 </c:pt>
                 <c:pt idx="1">
                   <c:v>1</c:v>
                 </c:pt>
                 <c:pt idx="2">
-                  <c:v>5.2012000000000079E-2</c:v>
+                  <c:v>5.20120000000001E-2</c:v>
                 </c:pt>
                 <c:pt idx="3">
                   <c:v>0.50629999999999997</c:v>
@@ -301,7 +301,7 @@
                   <c:v>1.2573000000000001E-2</c:v>
                 </c:pt>
                 <c:pt idx="5">
-                  <c:v>2.2190000000000018E-3</c:v>
+                  <c:v>2.2190000000000022E-3</c:v>
                 </c:pt>
               </c:numCache>
             </c:numRef>
@@ -357,16 +357,16 @@
                   <c:v>3.1970000000000012E-2</c:v>
                 </c:pt>
                 <c:pt idx="1">
-                  <c:v>5.2012000000000079E-2</c:v>
+                  <c:v>5.20120000000001E-2</c:v>
                 </c:pt>
                 <c:pt idx="2">
                   <c:v>1</c:v>
                 </c:pt>
                 <c:pt idx="3">
-                  <c:v>7.2690000000000074E-2</c:v>
+                  <c:v>7.2690000000000088E-2</c:v>
                 </c:pt>
                 <c:pt idx="4">
-                  <c:v>2.2490000000000019E-3</c:v>
+                  <c:v>2.2490000000000023E-3</c:v>
                 </c:pt>
                 <c:pt idx="5">
                   <c:v>0</c:v>
@@ -422,19 +422,19 @@
                 <c:formatCode>General</c:formatCode>
                 <c:ptCount val="6"/>
                 <c:pt idx="0">
-                  <c:v>0.25642400000000026</c:v>
+                  <c:v>0.25642400000000032</c:v>
                 </c:pt>
                 <c:pt idx="1">
                   <c:v>0.50629999999999997</c:v>
                 </c:pt>
                 <c:pt idx="2">
-                  <c:v>7.2690000000000074E-2</c:v>
+                  <c:v>7.2690000000000088E-2</c:v>
                 </c:pt>
                 <c:pt idx="3">
                   <c:v>1</c:v>
                 </c:pt>
                 <c:pt idx="4">
-                  <c:v>1.5345000000000008E-2</c:v>
+                  <c:v>1.5345000000000011E-2</c:v>
                 </c:pt>
                 <c:pt idx="5">
                   <c:v>1.1479999999999999E-3</c:v>
@@ -490,16 +490,16 @@
                 <c:formatCode>General</c:formatCode>
                 <c:ptCount val="6"/>
                 <c:pt idx="0">
-                  <c:v>8.9020000000000141E-3</c:v>
+                  <c:v>8.9020000000000175E-3</c:v>
                 </c:pt>
                 <c:pt idx="1">
                   <c:v>1.2573000000000001E-2</c:v>
                 </c:pt>
                 <c:pt idx="2">
-                  <c:v>2.2490000000000019E-3</c:v>
+                  <c:v>2.2490000000000023E-3</c:v>
                 </c:pt>
                 <c:pt idx="3">
-                  <c:v>1.5345000000000008E-2</c:v>
+                  <c:v>1.5345000000000011E-2</c:v>
                 </c:pt>
                 <c:pt idx="4">
                   <c:v>1</c:v>
@@ -558,10 +558,10 @@
                 <c:formatCode>General</c:formatCode>
                 <c:ptCount val="6"/>
                 <c:pt idx="0">
-                  <c:v>1.2710000000000009E-3</c:v>
+                  <c:v>1.2710000000000011E-3</c:v>
                 </c:pt>
                 <c:pt idx="1">
-                  <c:v>2.2190000000000018E-3</c:v>
+                  <c:v>2.2190000000000022E-3</c:v>
                 </c:pt>
                 <c:pt idx="2">
                   <c:v>0</c:v>
@@ -579,11 +579,11 @@
             </c:numRef>
           </c:val>
         </c:ser>
-        <c:axId val="70676480"/>
-        <c:axId val="70678016"/>
+        <c:axId val="74324224"/>
+        <c:axId val="74391552"/>
       </c:barChart>
       <c:catAx>
-        <c:axId val="70676480"/>
+        <c:axId val="74324224"/>
         <c:scaling>
           <c:orientation val="minMax"/>
         </c:scaling>
@@ -596,17 +596,17 @@
             <a:pPr>
               <a:defRPr lang="en-US"/>
             </a:pPr>
-            <a:endParaRPr lang="en-US"/>
+            <a:endParaRPr lang="de-DE"/>
           </a:p>
         </c:txPr>
-        <c:crossAx val="70678016"/>
+        <c:crossAx val="74391552"/>
         <c:crosses val="autoZero"/>
         <c:auto val="1"/>
         <c:lblAlgn val="ctr"/>
         <c:lblOffset val="100"/>
       </c:catAx>
       <c:valAx>
-        <c:axId val="70678016"/>
+        <c:axId val="74391552"/>
         <c:scaling>
           <c:orientation val="minMax"/>
           <c:max val="1"/>
@@ -622,10 +622,10 @@
             <a:pPr>
               <a:defRPr lang="en-US"/>
             </a:pPr>
-            <a:endParaRPr lang="en-US"/>
+            <a:endParaRPr lang="de-DE"/>
           </a:p>
         </c:txPr>
-        <c:crossAx val="70676480"/>
+        <c:crossAx val="74324224"/>
         <c:crosses val="autoZero"/>
         <c:crossBetween val="between"/>
       </c:valAx>
@@ -640,7 +640,7 @@
           <a:pPr>
             <a:defRPr lang="en-US"/>
           </a:pPr>
-          <a:endParaRPr lang="en-US"/>
+          <a:endParaRPr lang="de-DE"/>
         </a:p>
       </c:txPr>
     </c:legend>
@@ -653,7 +653,7 @@
 <file path=ppt/charts/chart2.xml><?xml version="1.0" encoding="utf-8"?>
 <c:chartSpace xmlns:c="http://schemas.openxmlformats.org/drawingml/2006/chart" xmlns:a="http://schemas.openxmlformats.org/drawingml/2006/main" xmlns:r="http://schemas.openxmlformats.org/officeDocument/2006/relationships">
   <c:date1904 val="1"/>
-  <c:lang val="en-US"/>
+  <c:lang val="de-DE"/>
   <c:chart>
     <c:plotArea>
       <c:layout/>
@@ -710,19 +710,19 @@
                   <c:v>1</c:v>
                 </c:pt>
                 <c:pt idx="1">
-                  <c:v>0.48331700000000022</c:v>
+                  <c:v>0.48331700000000027</c:v>
                 </c:pt>
                 <c:pt idx="2">
                   <c:v>0.16111700000000001</c:v>
                 </c:pt>
                 <c:pt idx="3">
-                  <c:v>0.35282800000000036</c:v>
+                  <c:v>0.35282800000000042</c:v>
                 </c:pt>
                 <c:pt idx="4">
                   <c:v>6.5276000000000001E-2</c:v>
                 </c:pt>
                 <c:pt idx="5">
-                  <c:v>3.8400000000000018E-3</c:v>
+                  <c:v>3.8400000000000023E-3</c:v>
                 </c:pt>
               </c:numCache>
             </c:numRef>
@@ -775,7 +775,7 @@
                 <c:formatCode>General</c:formatCode>
                 <c:ptCount val="6"/>
                 <c:pt idx="0">
-                  <c:v>0.48331700000000022</c:v>
+                  <c:v>0.48331700000000027</c:v>
                 </c:pt>
                 <c:pt idx="1">
                   <c:v>1</c:v>
@@ -852,13 +852,13 @@
                   <c:v>1</c:v>
                 </c:pt>
                 <c:pt idx="3">
-                  <c:v>0.30366000000000026</c:v>
+                  <c:v>0.30366000000000032</c:v>
                 </c:pt>
                 <c:pt idx="4">
                   <c:v>7.9821000000000003E-2</c:v>
                 </c:pt>
                 <c:pt idx="5">
-                  <c:v>0.3267460000000002</c:v>
+                  <c:v>0.32674600000000026</c:v>
                 </c:pt>
               </c:numCache>
             </c:numRef>
@@ -911,13 +911,13 @@
                 <c:formatCode>General</c:formatCode>
                 <c:ptCount val="6"/>
                 <c:pt idx="0">
-                  <c:v>0.35282800000000036</c:v>
+                  <c:v>0.35282800000000042</c:v>
                 </c:pt>
                 <c:pt idx="1">
                   <c:v>0.56716999999999951</c:v>
                 </c:pt>
                 <c:pt idx="2">
-                  <c:v>0.30366000000000026</c:v>
+                  <c:v>0.30366000000000032</c:v>
                 </c:pt>
                 <c:pt idx="3">
                   <c:v>1</c:v>
@@ -994,7 +994,7 @@
                   <c:v>1</c:v>
                 </c:pt>
                 <c:pt idx="5">
-                  <c:v>4.1149999999999963E-3</c:v>
+                  <c:v>4.1149999999999954E-3</c:v>
                 </c:pt>
               </c:numCache>
             </c:numRef>
@@ -1047,19 +1047,19 @@
                 <c:formatCode>General</c:formatCode>
                 <c:ptCount val="6"/>
                 <c:pt idx="0">
-                  <c:v>3.8400000000000018E-3</c:v>
+                  <c:v>3.8400000000000023E-3</c:v>
                 </c:pt>
                 <c:pt idx="1">
                   <c:v>5.8550000000000034E-3</c:v>
                 </c:pt>
                 <c:pt idx="2">
-                  <c:v>0.3267460000000002</c:v>
+                  <c:v>0.32674600000000026</c:v>
                 </c:pt>
                 <c:pt idx="3">
                   <c:v>1.0199E-2</c:v>
                 </c:pt>
                 <c:pt idx="4">
-                  <c:v>4.1149999999999963E-3</c:v>
+                  <c:v>4.1149999999999954E-3</c:v>
                 </c:pt>
                 <c:pt idx="5">
                   <c:v>1</c:v>
@@ -1068,11 +1068,11 @@
             </c:numRef>
           </c:val>
         </c:ser>
-        <c:axId val="71063040"/>
-        <c:axId val="71064576"/>
+        <c:axId val="75059200"/>
+        <c:axId val="75060736"/>
       </c:barChart>
       <c:catAx>
-        <c:axId val="71063040"/>
+        <c:axId val="75059200"/>
         <c:scaling>
           <c:orientation val="minMax"/>
         </c:scaling>
@@ -1085,17 +1085,17 @@
             <a:pPr>
               <a:defRPr lang="en-US"/>
             </a:pPr>
-            <a:endParaRPr lang="en-US"/>
+            <a:endParaRPr lang="de-DE"/>
           </a:p>
         </c:txPr>
-        <c:crossAx val="71064576"/>
+        <c:crossAx val="75060736"/>
         <c:crosses val="autoZero"/>
         <c:auto val="1"/>
         <c:lblAlgn val="ctr"/>
         <c:lblOffset val="100"/>
       </c:catAx>
       <c:valAx>
-        <c:axId val="71064576"/>
+        <c:axId val="75060736"/>
         <c:scaling>
           <c:orientation val="minMax"/>
           <c:max val="1"/>
@@ -1111,10 +1111,10 @@
             <a:pPr>
               <a:defRPr lang="en-US"/>
             </a:pPr>
-            <a:endParaRPr lang="en-US"/>
+            <a:endParaRPr lang="de-DE"/>
           </a:p>
         </c:txPr>
-        <c:crossAx val="71063040"/>
+        <c:crossAx val="75059200"/>
         <c:crosses val="autoZero"/>
         <c:crossBetween val="between"/>
       </c:valAx>
@@ -1129,7 +1129,7 @@
           <a:pPr>
             <a:defRPr lang="en-US"/>
           </a:pPr>
-          <a:endParaRPr lang="en-US"/>
+          <a:endParaRPr lang="de-DE"/>
         </a:p>
       </c:txPr>
     </c:legend>
@@ -5103,7 +5103,7 @@
         </p:blipFill>
         <p:spPr bwMode="auto">
           <a:xfrm>
-            <a:off x="1" y="214290"/>
+            <a:off x="1" y="171474"/>
             <a:ext cx="9143999" cy="6686550"/>
           </a:xfrm>
           <a:prstGeom prst="rect">
@@ -5904,9 +5904,27 @@
                 <a:ea typeface="+mj-ea"/>
                 <a:cs typeface="+mj-cs"/>
               </a:rPr>
-              <a:t/>
-            </a:r>
-            <a:br>
+              <a:t> </a:t>
+            </a:r>
+            <a:r>
+              <a:rPr lang="en-US" sz="2400" dirty="0" smtClean="0">
+                <a:solidFill>
+                  <a:srgbClr val="9F9F9F"/>
+                </a:solidFill>
+                <a:latin typeface="Eurostile ExtendedTwo" pitchFamily="34" charset="0"/>
+              </a:rPr>
+              <a:t>: </a:t>
+            </a:r>
+            <a:r>
+              <a:rPr lang="de-AT" sz="2400" dirty="0" smtClean="0">
+                <a:solidFill>
+                  <a:srgbClr val="9F9F9F"/>
+                </a:solidFill>
+                <a:latin typeface="Eurostile ExtendedTwo" pitchFamily="34" charset="0"/>
+              </a:rPr>
+              <a:t>Albumbasierte Wirkungszeit </a:t>
+            </a:r>
+            <a:r>
               <a:rPr lang="en-US" sz="2400" dirty="0" smtClean="0">
                 <a:solidFill>
                   <a:srgbClr val="9F9F9F"/>
@@ -5915,19 +5933,18 @@
                 <a:ea typeface="+mj-ea"/>
                 <a:cs typeface="+mj-cs"/>
               </a:rPr>
+              <a:t/>
+            </a:r>
+            <a:br>
+              <a:rPr lang="en-US" sz="2400" dirty="0" smtClean="0">
+                <a:solidFill>
+                  <a:srgbClr val="9F9F9F"/>
+                </a:solidFill>
+                <a:latin typeface="Eurostile ExtendedTwo" pitchFamily="34" charset="0"/>
+                <a:ea typeface="+mj-ea"/>
+                <a:cs typeface="+mj-cs"/>
+              </a:rPr>
             </a:br>
-            <a:r>
-              <a:rPr lang="de-AT" sz="2400" b="1" dirty="0" smtClean="0">
-                <a:solidFill>
-                  <a:schemeClr val="bg2">
-                    <a:lumMod val="75000"/>
-                  </a:schemeClr>
-                </a:solidFill>
-                <a:latin typeface="Arial" pitchFamily="34" charset="0"/>
-                <a:cs typeface="Arial" pitchFamily="34" charset="0"/>
-              </a:rPr>
-              <a:t>Albumbasierte Wirkungszeit</a:t>
-            </a:r>
             <a:endParaRPr lang="de-AT" sz="2000" b="1" dirty="0" smtClean="0">
               <a:solidFill>
                 <a:schemeClr val="bg2">
@@ -6242,10 +6259,10 @@
                 <a:ea typeface="+mj-ea"/>
                 <a:cs typeface="+mj-cs"/>
               </a:rPr>
-              <a:t/>
-            </a:r>
-            <a:br>
-              <a:rPr lang="en-US" sz="2400" dirty="0" smtClean="0">
+              <a:t> : </a:t>
+            </a:r>
+            <a:r>
+              <a:rPr lang="de-AT" sz="2400" dirty="0" smtClean="0">
                 <a:solidFill>
                   <a:srgbClr val="9F9F9F"/>
                 </a:solidFill>
@@ -6253,26 +6270,8 @@
                 <a:ea typeface="+mj-ea"/>
                 <a:cs typeface="+mj-cs"/>
               </a:rPr>
-            </a:br>
-            <a:r>
-              <a:rPr lang="de-AT" sz="2400" b="1" dirty="0" smtClean="0">
-                <a:solidFill>
-                  <a:schemeClr val="bg2">
-                    <a:lumMod val="75000"/>
-                  </a:schemeClr>
-                </a:solidFill>
-                <a:latin typeface="Arial" pitchFamily="34" charset="0"/>
-                <a:cs typeface="Arial" pitchFamily="34" charset="0"/>
-              </a:rPr>
               <a:t>Albumbasierte Wirkungszeit</a:t>
             </a:r>
-            <a:endParaRPr lang="de-AT" sz="2000" b="1" dirty="0" smtClean="0">
-              <a:solidFill>
-                <a:schemeClr val="bg2">
-                  <a:lumMod val="75000"/>
-                </a:schemeClr>
-              </a:solidFill>
-            </a:endParaRPr>
           </a:p>
           <a:p>
             <a:pPr>
@@ -6971,9 +6970,9 @@
                 <a:ea typeface="+mj-ea"/>
                 <a:cs typeface="+mj-cs"/>
               </a:rPr>
-              <a:t/>
-            </a:r>
-            <a:br>
+              <a:t> : Tag Cloud</a:t>
+            </a:r>
+            <a:r>
               <a:rPr lang="en-US" sz="2400" dirty="0" smtClean="0">
                 <a:solidFill>
                   <a:srgbClr val="9F9F9F"/>
@@ -6982,37 +6981,18 @@
                 <a:ea typeface="+mj-ea"/>
                 <a:cs typeface="+mj-cs"/>
               </a:rPr>
+              <a:t/>
+            </a:r>
+            <a:br>
+              <a:rPr lang="en-US" sz="2400" dirty="0" smtClean="0">
+                <a:solidFill>
+                  <a:srgbClr val="9F9F9F"/>
+                </a:solidFill>
+                <a:latin typeface="Eurostile ExtendedTwo" pitchFamily="34" charset="0"/>
+                <a:ea typeface="+mj-ea"/>
+                <a:cs typeface="+mj-cs"/>
+              </a:rPr>
             </a:br>
-            <a:r>
-              <a:rPr lang="de-AT" sz="2400" b="1" dirty="0" smtClean="0">
-                <a:solidFill>
-                  <a:schemeClr val="bg2">
-                    <a:lumMod val="75000"/>
-                  </a:schemeClr>
-                </a:solidFill>
-              </a:rPr>
-              <a:t>Tag </a:t>
-            </a:r>
-            <a:r>
-              <a:rPr lang="de-AT" sz="2400" b="1" dirty="0" err="1" smtClean="0">
-                <a:solidFill>
-                  <a:schemeClr val="bg2">
-                    <a:lumMod val="75000"/>
-                  </a:schemeClr>
-                </a:solidFill>
-              </a:rPr>
-              <a:t>Cloud</a:t>
-            </a:r>
-            <a:r>
-              <a:rPr lang="de-AT" sz="2400" b="1" dirty="0" smtClean="0">
-                <a:solidFill>
-                  <a:schemeClr val="bg2">
-                    <a:lumMod val="75000"/>
-                  </a:schemeClr>
-                </a:solidFill>
-              </a:rPr>
-              <a:t> </a:t>
-            </a:r>
             <a:endParaRPr lang="en-US" sz="2400" dirty="0">
               <a:solidFill>
                 <a:srgbClr val="9F9F9F"/>
@@ -7244,9 +7224,18 @@
                 <a:ea typeface="+mj-ea"/>
                 <a:cs typeface="+mj-cs"/>
               </a:rPr>
-              <a:t/>
-            </a:r>
-            <a:br>
+              <a:t> </a:t>
+            </a:r>
+            <a:r>
+              <a:rPr lang="en-US" sz="2400" dirty="0" smtClean="0">
+                <a:solidFill>
+                  <a:srgbClr val="9F9F9F"/>
+                </a:solidFill>
+                <a:latin typeface="Eurostile ExtendedTwo" pitchFamily="34" charset="0"/>
+              </a:rPr>
+              <a:t>: Tag Cloud </a:t>
+            </a:r>
+            <a:r>
               <a:rPr lang="en-US" sz="2400" dirty="0" smtClean="0">
                 <a:solidFill>
                   <a:srgbClr val="9F9F9F"/>
@@ -7255,37 +7244,18 @@
                 <a:ea typeface="+mj-ea"/>
                 <a:cs typeface="+mj-cs"/>
               </a:rPr>
+              <a:t/>
+            </a:r>
+            <a:br>
+              <a:rPr lang="en-US" sz="2400" dirty="0" smtClean="0">
+                <a:solidFill>
+                  <a:srgbClr val="9F9F9F"/>
+                </a:solidFill>
+                <a:latin typeface="Eurostile ExtendedTwo" pitchFamily="34" charset="0"/>
+                <a:ea typeface="+mj-ea"/>
+                <a:cs typeface="+mj-cs"/>
+              </a:rPr>
             </a:br>
-            <a:r>
-              <a:rPr lang="de-AT" sz="2400" b="1" dirty="0" smtClean="0">
-                <a:solidFill>
-                  <a:schemeClr val="bg2">
-                    <a:lumMod val="75000"/>
-                  </a:schemeClr>
-                </a:solidFill>
-              </a:rPr>
-              <a:t>Tag </a:t>
-            </a:r>
-            <a:r>
-              <a:rPr lang="de-AT" sz="2400" b="1" dirty="0" err="1" smtClean="0">
-                <a:solidFill>
-                  <a:schemeClr val="bg2">
-                    <a:lumMod val="75000"/>
-                  </a:schemeClr>
-                </a:solidFill>
-              </a:rPr>
-              <a:t>Cloud</a:t>
-            </a:r>
-            <a:r>
-              <a:rPr lang="de-AT" sz="2400" b="1" dirty="0" smtClean="0">
-                <a:solidFill>
-                  <a:schemeClr val="bg2">
-                    <a:lumMod val="75000"/>
-                  </a:schemeClr>
-                </a:solidFill>
-              </a:rPr>
-              <a:t> </a:t>
-            </a:r>
             <a:endParaRPr lang="en-US" sz="2400" dirty="0">
               <a:solidFill>
                 <a:srgbClr val="9F9F9F"/>
@@ -7542,9 +7512,18 @@
                 <a:ea typeface="+mj-ea"/>
                 <a:cs typeface="+mj-cs"/>
               </a:rPr>
-              <a:t/>
-            </a:r>
-            <a:br>
+              <a:t> </a:t>
+            </a:r>
+            <a:r>
+              <a:rPr lang="en-US" sz="2400" dirty="0" smtClean="0">
+                <a:solidFill>
+                  <a:srgbClr val="9F9F9F"/>
+                </a:solidFill>
+                <a:latin typeface="Eurostile ExtendedTwo" pitchFamily="34" charset="0"/>
+              </a:rPr>
+              <a:t>: Tag Cloud </a:t>
+            </a:r>
+            <a:r>
               <a:rPr lang="en-US" sz="2400" dirty="0" smtClean="0">
                 <a:solidFill>
                   <a:srgbClr val="9F9F9F"/>
@@ -7553,37 +7532,18 @@
                 <a:ea typeface="+mj-ea"/>
                 <a:cs typeface="+mj-cs"/>
               </a:rPr>
+              <a:t/>
+            </a:r>
+            <a:br>
+              <a:rPr lang="en-US" sz="2400" dirty="0" smtClean="0">
+                <a:solidFill>
+                  <a:srgbClr val="9F9F9F"/>
+                </a:solidFill>
+                <a:latin typeface="Eurostile ExtendedTwo" pitchFamily="34" charset="0"/>
+                <a:ea typeface="+mj-ea"/>
+                <a:cs typeface="+mj-cs"/>
+              </a:rPr>
             </a:br>
-            <a:r>
-              <a:rPr lang="de-AT" sz="2400" b="1" dirty="0" smtClean="0">
-                <a:solidFill>
-                  <a:schemeClr val="bg2">
-                    <a:lumMod val="75000"/>
-                  </a:schemeClr>
-                </a:solidFill>
-              </a:rPr>
-              <a:t>Tag </a:t>
-            </a:r>
-            <a:r>
-              <a:rPr lang="de-AT" sz="2400" b="1" dirty="0" err="1" smtClean="0">
-                <a:solidFill>
-                  <a:schemeClr val="bg2">
-                    <a:lumMod val="75000"/>
-                  </a:schemeClr>
-                </a:solidFill>
-              </a:rPr>
-              <a:t>Cloud</a:t>
-            </a:r>
-            <a:r>
-              <a:rPr lang="de-AT" sz="2400" b="1" dirty="0" smtClean="0">
-                <a:solidFill>
-                  <a:schemeClr val="bg2">
-                    <a:lumMod val="75000"/>
-                  </a:schemeClr>
-                </a:solidFill>
-              </a:rPr>
-              <a:t> </a:t>
-            </a:r>
             <a:endParaRPr lang="en-US" sz="2400" dirty="0">
               <a:solidFill>
                 <a:srgbClr val="9F9F9F"/>
@@ -9466,9 +9426,9 @@
                 <a:latin typeface="Arial" pitchFamily="34" charset="0"/>
                 <a:cs typeface="Arial" pitchFamily="34" charset="0"/>
               </a:rPr>
-              <a:t>-basierte </a:t>
-            </a:r>
-            <a:r>
+              <a:t>-basierte Feature Extraktion </a:t>
+            </a:r>
+            <a:br>
               <a:rPr lang="de-AT" sz="1600" dirty="0" smtClean="0">
                 <a:solidFill>
                   <a:schemeClr val="bg2">
@@ -9478,8 +9438,7 @@
                 <a:latin typeface="Arial" pitchFamily="34" charset="0"/>
                 <a:cs typeface="Arial" pitchFamily="34" charset="0"/>
               </a:rPr>
-              <a:t>Feature </a:t>
-            </a:r>
+            </a:br>
             <a:r>
               <a:rPr lang="de-AT" sz="1600" dirty="0" smtClean="0">
                 <a:solidFill>
@@ -9490,10 +9449,10 @@
                 <a:latin typeface="Arial" pitchFamily="34" charset="0"/>
                 <a:cs typeface="Arial" pitchFamily="34" charset="0"/>
               </a:rPr>
-              <a:t>Extraktion </a:t>
-            </a:r>
-            <a:br>
-              <a:rPr lang="de-AT" sz="1600" dirty="0" smtClean="0">
+              <a:t>(Google, </a:t>
+            </a:r>
+            <a:r>
+              <a:rPr lang="de-AT" sz="1600" dirty="0" err="1" smtClean="0">
                 <a:solidFill>
                   <a:schemeClr val="bg2">
                     <a:lumMod val="75000"/>
@@ -9502,7 +9461,8 @@
                 <a:latin typeface="Arial" pitchFamily="34" charset="0"/>
                 <a:cs typeface="Arial" pitchFamily="34" charset="0"/>
               </a:rPr>
-            </a:br>
+              <a:t>LastFM</a:t>
+            </a:r>
             <a:r>
               <a:rPr lang="de-AT" sz="1600" dirty="0" smtClean="0">
                 <a:solidFill>
@@ -9513,41 +9473,8 @@
                 <a:latin typeface="Arial" pitchFamily="34" charset="0"/>
                 <a:cs typeface="Arial" pitchFamily="34" charset="0"/>
               </a:rPr>
-              <a:t>(Google, </a:t>
-            </a:r>
-            <a:r>
-              <a:rPr lang="de-AT" sz="1600" dirty="0" err="1" smtClean="0">
-                <a:solidFill>
-                  <a:schemeClr val="bg2">
-                    <a:lumMod val="75000"/>
-                  </a:schemeClr>
-                </a:solidFill>
-                <a:latin typeface="Arial" pitchFamily="34" charset="0"/>
-                <a:cs typeface="Arial" pitchFamily="34" charset="0"/>
-              </a:rPr>
-              <a:t>LastFM</a:t>
-            </a:r>
-            <a:r>
-              <a:rPr lang="de-AT" sz="1600" dirty="0" smtClean="0">
-                <a:solidFill>
-                  <a:schemeClr val="bg2">
-                    <a:lumMod val="75000"/>
-                  </a:schemeClr>
-                </a:solidFill>
-                <a:latin typeface="Arial" pitchFamily="34" charset="0"/>
-                <a:cs typeface="Arial" pitchFamily="34" charset="0"/>
-              </a:rPr>
               <a:t>)</a:t>
             </a:r>
-            <a:endParaRPr lang="de-AT" sz="1600" dirty="0" smtClean="0">
-              <a:solidFill>
-                <a:schemeClr val="bg2">
-                  <a:lumMod val="75000"/>
-                </a:schemeClr>
-              </a:solidFill>
-              <a:latin typeface="Arial" pitchFamily="34" charset="0"/>
-              <a:cs typeface="Arial" pitchFamily="34" charset="0"/>
-            </a:endParaRPr>
           </a:p>
           <a:p>
             <a:pPr eaLnBrk="1" hangingPunct="1">
@@ -9648,13 +9575,6 @@
               </a:rPr>
               <a:t>www.lastfm.de/api </a:t>
             </a:r>
-            <a:endParaRPr lang="de-AT" u="sng" dirty="0" smtClean="0">
-              <a:solidFill>
-                <a:schemeClr val="bg2">
-                  <a:lumMod val="75000"/>
-                </a:schemeClr>
-              </a:solidFill>
-            </a:endParaRPr>
           </a:p>
           <a:p>
             <a:pPr eaLnBrk="1" hangingPunct="1">
@@ -9683,19 +9603,7 @@
                 <a:latin typeface="Arial" pitchFamily="34" charset="0"/>
                 <a:cs typeface="Arial" pitchFamily="34" charset="0"/>
               </a:rPr>
-              <a:t>Ähnlichkeitsmaße </a:t>
-            </a:r>
-            <a:r>
-              <a:rPr lang="de-AT" sz="1600" dirty="0" smtClean="0">
-                <a:solidFill>
-                  <a:schemeClr val="bg2">
-                    <a:lumMod val="75000"/>
-                  </a:schemeClr>
-                </a:solidFill>
-                <a:latin typeface="Arial" pitchFamily="34" charset="0"/>
-                <a:cs typeface="Arial" pitchFamily="34" charset="0"/>
-              </a:rPr>
-              <a:t>berechnen </a:t>
+              <a:t>Ähnlichkeitsmaße berechnen </a:t>
             </a:r>
           </a:p>
           <a:p>
@@ -16529,7 +16437,7 @@
         <p:spPr bwMode="auto">
           <a:xfrm>
             <a:off x="714348" y="857232"/>
-            <a:ext cx="6929486" cy="450833"/>
+            <a:ext cx="7572428" cy="450833"/>
           </a:xfrm>
           <a:prstGeom prst="rect">
             <a:avLst/>
@@ -16571,9 +16479,27 @@
                 <a:ea typeface="+mj-ea"/>
                 <a:cs typeface="+mj-cs"/>
               </a:rPr>
+              <a:t> </a:t>
+            </a:r>
+            <a:r>
+              <a:rPr lang="en-US" sz="2400" dirty="0" smtClean="0">
+                <a:solidFill>
+                  <a:srgbClr val="9F9F9F"/>
+                </a:solidFill>
+                <a:latin typeface="Eurostile ExtendedTwo" pitchFamily="34" charset="0"/>
+              </a:rPr>
               <a:t>: </a:t>
             </a:r>
-            <a:br>
+            <a:r>
+              <a:rPr lang="de-AT" sz="2400" dirty="0" smtClean="0">
+                <a:solidFill>
+                  <a:srgbClr val="9F9F9F"/>
+                </a:solidFill>
+                <a:latin typeface="Eurostile ExtendedTwo" pitchFamily="34" charset="0"/>
+              </a:rPr>
+              <a:t>Albumbasierte Wirkungszeit </a:t>
+            </a:r>
+            <a:r>
               <a:rPr lang="en-US" sz="2400" dirty="0" smtClean="0">
                 <a:solidFill>
                   <a:srgbClr val="9F9F9F"/>
@@ -16582,19 +16508,18 @@
                 <a:ea typeface="+mj-ea"/>
                 <a:cs typeface="+mj-cs"/>
               </a:rPr>
+              <a:t/>
+            </a:r>
+            <a:br>
+              <a:rPr lang="en-US" sz="2400" dirty="0" smtClean="0">
+                <a:solidFill>
+                  <a:srgbClr val="9F9F9F"/>
+                </a:solidFill>
+                <a:latin typeface="Eurostile ExtendedTwo" pitchFamily="34" charset="0"/>
+                <a:ea typeface="+mj-ea"/>
+                <a:cs typeface="+mj-cs"/>
+              </a:rPr>
             </a:br>
-            <a:r>
-              <a:rPr lang="de-AT" sz="2400" b="1" dirty="0" smtClean="0">
-                <a:solidFill>
-                  <a:schemeClr val="bg2">
-                    <a:lumMod val="75000"/>
-                  </a:schemeClr>
-                </a:solidFill>
-                <a:latin typeface="Arial" pitchFamily="34" charset="0"/>
-                <a:cs typeface="Arial" pitchFamily="34" charset="0"/>
-              </a:rPr>
-              <a:t>Albumbasierte Wirkungszeit</a:t>
-            </a:r>
             <a:endParaRPr lang="de-AT" sz="2000" b="1" dirty="0" smtClean="0">
               <a:solidFill>
                 <a:schemeClr val="bg2">

--- a/presentation/presentation.pptx
+++ b/presentation/presentation.pptx
@@ -5,10 +5,10 @@
     <p:sldMasterId id="2147483648" r:id="rId1"/>
   </p:sldMasterIdLst>
   <p:notesMasterIdLst>
-    <p:notesMasterId r:id="rId21"/>
+    <p:notesMasterId r:id="rId22"/>
   </p:notesMasterIdLst>
   <p:handoutMasterIdLst>
-    <p:handoutMasterId r:id="rId22"/>
+    <p:handoutMasterId r:id="rId23"/>
   </p:handoutMasterIdLst>
   <p:sldIdLst>
     <p:sldId id="256" r:id="rId2"/>
@@ -28,8 +28,9 @@
     <p:sldId id="268" r:id="rId16"/>
     <p:sldId id="271" r:id="rId17"/>
     <p:sldId id="276" r:id="rId18"/>
-    <p:sldId id="274" r:id="rId19"/>
-    <p:sldId id="275" r:id="rId20"/>
+    <p:sldId id="285" r:id="rId19"/>
+    <p:sldId id="274" r:id="rId20"/>
+    <p:sldId id="275" r:id="rId21"/>
   </p:sldIdLst>
   <p:sldSz cx="9144000" cy="6858000" type="screen4x3"/>
   <p:notesSz cx="6797675" cy="9928225"/>
@@ -164,7 +165,7 @@
 <file path=ppt/charts/chart1.xml><?xml version="1.0" encoding="utf-8"?>
 <c:chartSpace xmlns:c="http://schemas.openxmlformats.org/drawingml/2006/chart" xmlns:a="http://schemas.openxmlformats.org/drawingml/2006/main" xmlns:r="http://schemas.openxmlformats.org/officeDocument/2006/relationships">
   <c:date1904 val="1"/>
-  <c:lang val="de-DE"/>
+  <c:lang val="en-US"/>
   <c:chart>
     <c:plotArea>
       <c:layout/>
@@ -221,7 +222,7 @@
                   <c:v>1</c:v>
                 </c:pt>
                 <c:pt idx="1">
-                  <c:v>0.57564800000000083</c:v>
+                  <c:v>0.57564800000000094</c:v>
                 </c:pt>
                 <c:pt idx="2">
                   <c:v>3.1970000000000012E-2</c:v>
@@ -230,10 +231,10 @@
                   <c:v>0.25642400000000032</c:v>
                 </c:pt>
                 <c:pt idx="4">
-                  <c:v>8.9020000000000175E-3</c:v>
+                  <c:v>8.902000000000021E-3</c:v>
                 </c:pt>
                 <c:pt idx="5">
-                  <c:v>1.2710000000000011E-3</c:v>
+                  <c:v>1.2710000000000013E-3</c:v>
                 </c:pt>
               </c:numCache>
             </c:numRef>
@@ -286,13 +287,13 @@
                 <c:formatCode>General</c:formatCode>
                 <c:ptCount val="6"/>
                 <c:pt idx="0">
-                  <c:v>0.57564800000000083</c:v>
+                  <c:v>0.57564800000000094</c:v>
                 </c:pt>
                 <c:pt idx="1">
                   <c:v>1</c:v>
                 </c:pt>
                 <c:pt idx="2">
-                  <c:v>5.20120000000001E-2</c:v>
+                  <c:v>5.2012000000000114E-2</c:v>
                 </c:pt>
                 <c:pt idx="3">
                   <c:v>0.50629999999999997</c:v>
@@ -301,7 +302,7 @@
                   <c:v>1.2573000000000001E-2</c:v>
                 </c:pt>
                 <c:pt idx="5">
-                  <c:v>2.2190000000000022E-3</c:v>
+                  <c:v>2.2190000000000027E-3</c:v>
                 </c:pt>
               </c:numCache>
             </c:numRef>
@@ -357,16 +358,16 @@
                   <c:v>3.1970000000000012E-2</c:v>
                 </c:pt>
                 <c:pt idx="1">
-                  <c:v>5.20120000000001E-2</c:v>
+                  <c:v>5.2012000000000114E-2</c:v>
                 </c:pt>
                 <c:pt idx="2">
                   <c:v>1</c:v>
                 </c:pt>
                 <c:pt idx="3">
-                  <c:v>7.2690000000000088E-2</c:v>
+                  <c:v>7.2690000000000102E-2</c:v>
                 </c:pt>
                 <c:pt idx="4">
-                  <c:v>2.2490000000000023E-3</c:v>
+                  <c:v>2.2490000000000032E-3</c:v>
                 </c:pt>
                 <c:pt idx="5">
                   <c:v>0</c:v>
@@ -428,13 +429,13 @@
                   <c:v>0.50629999999999997</c:v>
                 </c:pt>
                 <c:pt idx="2">
-                  <c:v>7.2690000000000088E-2</c:v>
+                  <c:v>7.2690000000000102E-2</c:v>
                 </c:pt>
                 <c:pt idx="3">
                   <c:v>1</c:v>
                 </c:pt>
                 <c:pt idx="4">
-                  <c:v>1.5345000000000011E-2</c:v>
+                  <c:v>1.5345000000000013E-2</c:v>
                 </c:pt>
                 <c:pt idx="5">
                   <c:v>1.1479999999999999E-3</c:v>
@@ -490,16 +491,16 @@
                 <c:formatCode>General</c:formatCode>
                 <c:ptCount val="6"/>
                 <c:pt idx="0">
-                  <c:v>8.9020000000000175E-3</c:v>
+                  <c:v>8.902000000000021E-3</c:v>
                 </c:pt>
                 <c:pt idx="1">
                   <c:v>1.2573000000000001E-2</c:v>
                 </c:pt>
                 <c:pt idx="2">
-                  <c:v>2.2490000000000023E-3</c:v>
+                  <c:v>2.2490000000000032E-3</c:v>
                 </c:pt>
                 <c:pt idx="3">
-                  <c:v>1.5345000000000011E-2</c:v>
+                  <c:v>1.5345000000000013E-2</c:v>
                 </c:pt>
                 <c:pt idx="4">
                   <c:v>1</c:v>
@@ -558,10 +559,10 @@
                 <c:formatCode>General</c:formatCode>
                 <c:ptCount val="6"/>
                 <c:pt idx="0">
-                  <c:v>1.2710000000000011E-3</c:v>
+                  <c:v>1.2710000000000013E-3</c:v>
                 </c:pt>
                 <c:pt idx="1">
-                  <c:v>2.2190000000000022E-3</c:v>
+                  <c:v>2.2190000000000027E-3</c:v>
                 </c:pt>
                 <c:pt idx="2">
                   <c:v>0</c:v>
@@ -579,11 +580,11 @@
             </c:numRef>
           </c:val>
         </c:ser>
-        <c:axId val="74324224"/>
-        <c:axId val="74391552"/>
+        <c:axId val="57430016"/>
+        <c:axId val="57431552"/>
       </c:barChart>
       <c:catAx>
-        <c:axId val="74324224"/>
+        <c:axId val="57430016"/>
         <c:scaling>
           <c:orientation val="minMax"/>
         </c:scaling>
@@ -596,17 +597,17 @@
             <a:pPr>
               <a:defRPr lang="en-US"/>
             </a:pPr>
-            <a:endParaRPr lang="de-DE"/>
+            <a:endParaRPr lang="en-US"/>
           </a:p>
         </c:txPr>
-        <c:crossAx val="74391552"/>
+        <c:crossAx val="57431552"/>
         <c:crosses val="autoZero"/>
         <c:auto val="1"/>
         <c:lblAlgn val="ctr"/>
         <c:lblOffset val="100"/>
       </c:catAx>
       <c:valAx>
-        <c:axId val="74391552"/>
+        <c:axId val="57431552"/>
         <c:scaling>
           <c:orientation val="minMax"/>
           <c:max val="1"/>
@@ -622,10 +623,10 @@
             <a:pPr>
               <a:defRPr lang="en-US"/>
             </a:pPr>
-            <a:endParaRPr lang="de-DE"/>
+            <a:endParaRPr lang="en-US"/>
           </a:p>
         </c:txPr>
-        <c:crossAx val="74324224"/>
+        <c:crossAx val="57430016"/>
         <c:crosses val="autoZero"/>
         <c:crossBetween val="between"/>
       </c:valAx>
@@ -640,7 +641,7 @@
           <a:pPr>
             <a:defRPr lang="en-US"/>
           </a:pPr>
-          <a:endParaRPr lang="de-DE"/>
+          <a:endParaRPr lang="en-US"/>
         </a:p>
       </c:txPr>
     </c:legend>
@@ -653,7 +654,7 @@
 <file path=ppt/charts/chart2.xml><?xml version="1.0" encoding="utf-8"?>
 <c:chartSpace xmlns:c="http://schemas.openxmlformats.org/drawingml/2006/chart" xmlns:a="http://schemas.openxmlformats.org/drawingml/2006/main" xmlns:r="http://schemas.openxmlformats.org/officeDocument/2006/relationships">
   <c:date1904 val="1"/>
-  <c:lang val="de-DE"/>
+  <c:lang val="en-US"/>
   <c:chart>
     <c:plotArea>
       <c:layout/>
@@ -710,19 +711,19 @@
                   <c:v>1</c:v>
                 </c:pt>
                 <c:pt idx="1">
-                  <c:v>0.48331700000000027</c:v>
+                  <c:v>0.48331700000000033</c:v>
                 </c:pt>
                 <c:pt idx="2">
                   <c:v>0.16111700000000001</c:v>
                 </c:pt>
                 <c:pt idx="3">
-                  <c:v>0.35282800000000042</c:v>
+                  <c:v>0.35282800000000047</c:v>
                 </c:pt>
                 <c:pt idx="4">
                   <c:v>6.5276000000000001E-2</c:v>
                 </c:pt>
                 <c:pt idx="5">
-                  <c:v>3.8400000000000023E-3</c:v>
+                  <c:v>3.8400000000000031E-3</c:v>
                 </c:pt>
               </c:numCache>
             </c:numRef>
@@ -775,7 +776,7 @@
                 <c:formatCode>General</c:formatCode>
                 <c:ptCount val="6"/>
                 <c:pt idx="0">
-                  <c:v>0.48331700000000027</c:v>
+                  <c:v>0.48331700000000033</c:v>
                 </c:pt>
                 <c:pt idx="1">
                   <c:v>1</c:v>
@@ -858,7 +859,7 @@
                   <c:v>7.9821000000000003E-2</c:v>
                 </c:pt>
                 <c:pt idx="5">
-                  <c:v>0.32674600000000026</c:v>
+                  <c:v>0.32674600000000031</c:v>
                 </c:pt>
               </c:numCache>
             </c:numRef>
@@ -911,7 +912,7 @@
                 <c:formatCode>General</c:formatCode>
                 <c:ptCount val="6"/>
                 <c:pt idx="0">
-                  <c:v>0.35282800000000042</c:v>
+                  <c:v>0.35282800000000047</c:v>
                 </c:pt>
                 <c:pt idx="1">
                   <c:v>0.56716999999999951</c:v>
@@ -994,7 +995,7 @@
                   <c:v>1</c:v>
                 </c:pt>
                 <c:pt idx="5">
-                  <c:v>4.1149999999999954E-3</c:v>
+                  <c:v>4.1149999999999945E-3</c:v>
                 </c:pt>
               </c:numCache>
             </c:numRef>
@@ -1047,19 +1048,19 @@
                 <c:formatCode>General</c:formatCode>
                 <c:ptCount val="6"/>
                 <c:pt idx="0">
-                  <c:v>3.8400000000000023E-3</c:v>
+                  <c:v>3.8400000000000031E-3</c:v>
                 </c:pt>
                 <c:pt idx="1">
                   <c:v>5.8550000000000034E-3</c:v>
                 </c:pt>
                 <c:pt idx="2">
-                  <c:v>0.32674600000000026</c:v>
+                  <c:v>0.32674600000000031</c:v>
                 </c:pt>
                 <c:pt idx="3">
                   <c:v>1.0199E-2</c:v>
                 </c:pt>
                 <c:pt idx="4">
-                  <c:v>4.1149999999999954E-3</c:v>
+                  <c:v>4.1149999999999945E-3</c:v>
                 </c:pt>
                 <c:pt idx="5">
                   <c:v>1</c:v>
@@ -1068,11 +1069,11 @@
             </c:numRef>
           </c:val>
         </c:ser>
-        <c:axId val="75059200"/>
-        <c:axId val="75060736"/>
+        <c:axId val="58021376"/>
+        <c:axId val="58022912"/>
       </c:barChart>
       <c:catAx>
-        <c:axId val="75059200"/>
+        <c:axId val="58021376"/>
         <c:scaling>
           <c:orientation val="minMax"/>
         </c:scaling>
@@ -1085,17 +1086,17 @@
             <a:pPr>
               <a:defRPr lang="en-US"/>
             </a:pPr>
-            <a:endParaRPr lang="de-DE"/>
+            <a:endParaRPr lang="en-US"/>
           </a:p>
         </c:txPr>
-        <c:crossAx val="75060736"/>
+        <c:crossAx val="58022912"/>
         <c:crosses val="autoZero"/>
         <c:auto val="1"/>
         <c:lblAlgn val="ctr"/>
         <c:lblOffset val="100"/>
       </c:catAx>
       <c:valAx>
-        <c:axId val="75060736"/>
+        <c:axId val="58022912"/>
         <c:scaling>
           <c:orientation val="minMax"/>
           <c:max val="1"/>
@@ -1111,10 +1112,10 @@
             <a:pPr>
               <a:defRPr lang="en-US"/>
             </a:pPr>
-            <a:endParaRPr lang="de-DE"/>
+            <a:endParaRPr lang="en-US"/>
           </a:p>
         </c:txPr>
-        <c:crossAx val="75059200"/>
+        <c:crossAx val="58021376"/>
         <c:crosses val="autoZero"/>
         <c:crossBetween val="between"/>
       </c:valAx>
@@ -1129,9 +1130,297 @@
           <a:pPr>
             <a:defRPr lang="en-US"/>
           </a:pPr>
-          <a:endParaRPr lang="de-DE"/>
+          <a:endParaRPr lang="en-US"/>
         </a:p>
       </c:txPr>
+    </c:legend>
+    <c:plotVisOnly val="1"/>
+  </c:chart>
+  <c:externalData r:id="rId1"/>
+</c:chartSpace>
+</file>
+
+<file path=ppt/charts/chart3.xml><?xml version="1.0" encoding="utf-8"?>
+<c:chartSpace xmlns:c="http://schemas.openxmlformats.org/drawingml/2006/chart" xmlns:a="http://schemas.openxmlformats.org/drawingml/2006/main" xmlns:r="http://schemas.openxmlformats.org/officeDocument/2006/relationships">
+  <c:lang val="en-US"/>
+  <c:chart>
+    <c:autoTitleDeleted val="1"/>
+    <c:plotArea>
+      <c:layout/>
+      <c:lineChart>
+        <c:grouping val="standard"/>
+        <c:ser>
+          <c:idx val="0"/>
+          <c:order val="0"/>
+          <c:tx>
+            <c:strRef>
+              <c:f>'2artist sorted by jC'!$B$1</c:f>
+              <c:strCache>
+                <c:ptCount val="1"/>
+                <c:pt idx="0">
+                  <c:v>Johnny Cash</c:v>
+                </c:pt>
+              </c:strCache>
+            </c:strRef>
+          </c:tx>
+          <c:marker>
+            <c:symbol val="none"/>
+          </c:marker>
+          <c:cat>
+            <c:strRef>
+              <c:f>'2artist sorted by jC'!$A$2:$A$10</c:f>
+              <c:strCache>
+                <c:ptCount val="9"/>
+                <c:pt idx="0">
+                  <c:v>Johnny Cash</c:v>
+                </c:pt>
+                <c:pt idx="1">
+                  <c:v>John Denver</c:v>
+                </c:pt>
+                <c:pt idx="2">
+                  <c:v>Willie Nelson</c:v>
+                </c:pt>
+                <c:pt idx="3">
+                  <c:v>Kris Kristofferson</c:v>
+                </c:pt>
+                <c:pt idx="4">
+                  <c:v>Roger Miller</c:v>
+                </c:pt>
+                <c:pt idx="5">
+                  <c:v>Lee Hazlewood</c:v>
+                </c:pt>
+                <c:pt idx="6">
+                  <c:v>Hank Williams</c:v>
+                </c:pt>
+                <c:pt idx="7">
+                  <c:v>Dolly Parton</c:v>
+                </c:pt>
+                <c:pt idx="8">
+                  <c:v>Garth Brooks</c:v>
+                </c:pt>
+              </c:strCache>
+            </c:strRef>
+          </c:cat>
+          <c:val>
+            <c:numRef>
+              <c:f>'2artist sorted by jC'!$B$2:$B$10</c:f>
+              <c:numCache>
+                <c:formatCode>General</c:formatCode>
+                <c:ptCount val="9"/>
+                <c:pt idx="0">
+                  <c:v>1</c:v>
+                </c:pt>
+                <c:pt idx="1">
+                  <c:v>0.94202300000000005</c:v>
+                </c:pt>
+                <c:pt idx="2">
+                  <c:v>0.939245</c:v>
+                </c:pt>
+                <c:pt idx="3">
+                  <c:v>0.93182500000000001</c:v>
+                </c:pt>
+                <c:pt idx="4">
+                  <c:v>0.88711300000000004</c:v>
+                </c:pt>
+                <c:pt idx="5">
+                  <c:v>0.87655000000000005</c:v>
+                </c:pt>
+                <c:pt idx="6">
+                  <c:v>0.874278</c:v>
+                </c:pt>
+                <c:pt idx="7">
+                  <c:v>0.83538199999999996</c:v>
+                </c:pt>
+                <c:pt idx="8">
+                  <c:v>0.82807699999999995</c:v>
+                </c:pt>
+              </c:numCache>
+            </c:numRef>
+          </c:val>
+        </c:ser>
+        <c:marker val="1"/>
+        <c:axId val="89603456"/>
+        <c:axId val="89798144"/>
+      </c:lineChart>
+      <c:catAx>
+        <c:axId val="89603456"/>
+        <c:scaling>
+          <c:orientation val="minMax"/>
+        </c:scaling>
+        <c:axPos val="b"/>
+        <c:tickLblPos val="nextTo"/>
+        <c:crossAx val="89798144"/>
+        <c:crosses val="autoZero"/>
+        <c:auto val="1"/>
+        <c:lblAlgn val="ctr"/>
+        <c:lblOffset val="100"/>
+      </c:catAx>
+      <c:valAx>
+        <c:axId val="89798144"/>
+        <c:scaling>
+          <c:orientation val="minMax"/>
+        </c:scaling>
+        <c:axPos val="l"/>
+        <c:majorGridlines/>
+        <c:numFmt formatCode="General" sourceLinked="1"/>
+        <c:tickLblPos val="nextTo"/>
+        <c:crossAx val="89603456"/>
+        <c:crosses val="autoZero"/>
+        <c:crossBetween val="between"/>
+      </c:valAx>
+      <c:spPr>
+        <a:solidFill>
+          <a:schemeClr val="bg1"/>
+        </a:solidFill>
+      </c:spPr>
+    </c:plotArea>
+    <c:legend>
+      <c:legendPos val="r"/>
+      <c:layout/>
+    </c:legend>
+    <c:plotVisOnly val="1"/>
+  </c:chart>
+  <c:externalData r:id="rId1"/>
+</c:chartSpace>
+</file>
+
+<file path=ppt/charts/chart4.xml><?xml version="1.0" encoding="utf-8"?>
+<c:chartSpace xmlns:c="http://schemas.openxmlformats.org/drawingml/2006/chart" xmlns:a="http://schemas.openxmlformats.org/drawingml/2006/main" xmlns:r="http://schemas.openxmlformats.org/officeDocument/2006/relationships">
+  <c:lang val="en-US"/>
+  <c:chart>
+    <c:autoTitleDeleted val="1"/>
+    <c:plotArea>
+      <c:layout/>
+      <c:lineChart>
+        <c:grouping val="standard"/>
+        <c:ser>
+          <c:idx val="0"/>
+          <c:order val="0"/>
+          <c:tx>
+            <c:strRef>
+              <c:f>'2Artist_sortedbyRS'!$B$1</c:f>
+              <c:strCache>
+                <c:ptCount val="1"/>
+                <c:pt idx="0">
+                  <c:v>The Rolling Stones</c:v>
+                </c:pt>
+              </c:strCache>
+            </c:strRef>
+          </c:tx>
+          <c:marker>
+            <c:symbol val="none"/>
+          </c:marker>
+          <c:cat>
+            <c:strRef>
+              <c:f>'2Artist_sortedbyRS'!$A$2:$A$10</c:f>
+              <c:strCache>
+                <c:ptCount val="9"/>
+                <c:pt idx="0">
+                  <c:v>The Rolling Stones</c:v>
+                </c:pt>
+                <c:pt idx="1">
+                  <c:v>The Who</c:v>
+                </c:pt>
+                <c:pt idx="2">
+                  <c:v>The Animals</c:v>
+                </c:pt>
+                <c:pt idx="3">
+                  <c:v>The Kinks</c:v>
+                </c:pt>
+                <c:pt idx="4">
+                  <c:v>The Yardbirds</c:v>
+                </c:pt>
+                <c:pt idx="5">
+                  <c:v>Deep Purple</c:v>
+                </c:pt>
+                <c:pt idx="6">
+                  <c:v>Elvis Presley</c:v>
+                </c:pt>
+                <c:pt idx="7">
+                  <c:v>AC/DC</c:v>
+                </c:pt>
+                <c:pt idx="8">
+                  <c:v>Alice Cooper</c:v>
+                </c:pt>
+              </c:strCache>
+            </c:strRef>
+          </c:cat>
+          <c:val>
+            <c:numRef>
+              <c:f>'2Artist_sortedbyRS'!$B$2:$B$10</c:f>
+              <c:numCache>
+                <c:formatCode>General</c:formatCode>
+                <c:ptCount val="9"/>
+                <c:pt idx="0">
+                  <c:v>1</c:v>
+                </c:pt>
+                <c:pt idx="1">
+                  <c:v>0.970136</c:v>
+                </c:pt>
+                <c:pt idx="2">
+                  <c:v>0.93909500000000001</c:v>
+                </c:pt>
+                <c:pt idx="3">
+                  <c:v>0.91686800000000002</c:v>
+                </c:pt>
+                <c:pt idx="4">
+                  <c:v>0.882996</c:v>
+                </c:pt>
+                <c:pt idx="5">
+                  <c:v>0.74434</c:v>
+                </c:pt>
+                <c:pt idx="6">
+                  <c:v>0.63604300000000003</c:v>
+                </c:pt>
+                <c:pt idx="7">
+                  <c:v>0.62105900000000003</c:v>
+                </c:pt>
+                <c:pt idx="8">
+                  <c:v>0.60450099999999996</c:v>
+                </c:pt>
+              </c:numCache>
+            </c:numRef>
+          </c:val>
+        </c:ser>
+        <c:marker val="1"/>
+        <c:axId val="56134656"/>
+        <c:axId val="56678272"/>
+      </c:lineChart>
+      <c:catAx>
+        <c:axId val="56134656"/>
+        <c:scaling>
+          <c:orientation val="minMax"/>
+        </c:scaling>
+        <c:axPos val="b"/>
+        <c:tickLblPos val="nextTo"/>
+        <c:crossAx val="56678272"/>
+        <c:crosses val="autoZero"/>
+        <c:auto val="1"/>
+        <c:lblAlgn val="ctr"/>
+        <c:lblOffset val="100"/>
+      </c:catAx>
+      <c:valAx>
+        <c:axId val="56678272"/>
+        <c:scaling>
+          <c:orientation val="minMax"/>
+        </c:scaling>
+        <c:axPos val="l"/>
+        <c:majorGridlines/>
+        <c:numFmt formatCode="General" sourceLinked="1"/>
+        <c:tickLblPos val="nextTo"/>
+        <c:crossAx val="56134656"/>
+        <c:crosses val="autoZero"/>
+        <c:crossBetween val="between"/>
+      </c:valAx>
+      <c:spPr>
+        <a:solidFill>
+          <a:schemeClr val="bg1"/>
+        </a:solidFill>
+      </c:spPr>
+    </c:plotArea>
+    <c:legend>
+      <c:legendPos val="r"/>
+      <c:layout/>
     </c:legend>
     <c:plotVisOnly val="1"/>
   </c:chart>
@@ -2861,6 +3150,107 @@
                 <a:defRPr/>
               </a:pPr>
               <a:t>2</a:t>
+            </a:fld>
+            <a:endParaRPr lang="de-DE"/>
+          </a:p>
+        </p:txBody>
+      </p:sp>
+    </p:spTree>
+  </p:cSld>
+  <p:clrMapOvr>
+    <a:masterClrMapping/>
+  </p:clrMapOvr>
+</p:notes>
+</file>
+
+<file path=ppt/notesSlides/notesSlide20.xml><?xml version="1.0" encoding="utf-8"?>
+<p:notes xmlns:a="http://schemas.openxmlformats.org/drawingml/2006/main" xmlns:r="http://schemas.openxmlformats.org/officeDocument/2006/relationships" xmlns:p="http://schemas.openxmlformats.org/presentationml/2006/main">
+  <p:cSld>
+    <p:spTree>
+      <p:nvGrpSpPr>
+        <p:cNvPr id="1" name=""/>
+        <p:cNvGrpSpPr/>
+        <p:nvPr/>
+      </p:nvGrpSpPr>
+      <p:grpSpPr>
+        <a:xfrm>
+          <a:off x="0" y="0"/>
+          <a:ext cx="0" cy="0"/>
+          <a:chOff x="0" y="0"/>
+          <a:chExt cx="0" cy="0"/>
+        </a:xfrm>
+      </p:grpSpPr>
+      <p:sp>
+        <p:nvSpPr>
+          <p:cNvPr id="2" name="Folienbildplatzhalter 1"/>
+          <p:cNvSpPr>
+            <a:spLocks noGrp="1" noRot="1" noChangeAspect="1"/>
+          </p:cNvSpPr>
+          <p:nvPr>
+            <p:ph type="sldImg"/>
+          </p:nvPr>
+        </p:nvSpPr>
+        <p:spPr>
+          <a:xfrm>
+            <a:off x="917575" y="744538"/>
+            <a:ext cx="4962525" cy="3722687"/>
+          </a:xfrm>
+          <a:prstGeom prst="rect">
+            <a:avLst/>
+          </a:prstGeom>
+          <a:noFill/>
+          <a:ln w="12700">
+            <a:solidFill>
+              <a:prstClr val="black"/>
+            </a:solidFill>
+          </a:ln>
+        </p:spPr>
+      </p:sp>
+      <p:sp>
+        <p:nvSpPr>
+          <p:cNvPr id="3" name="Notizenplatzhalter 2"/>
+          <p:cNvSpPr>
+            <a:spLocks noGrp="1"/>
+          </p:cNvSpPr>
+          <p:nvPr>
+            <p:ph type="body" idx="1"/>
+          </p:nvPr>
+        </p:nvSpPr>
+        <p:spPr/>
+        <p:txBody>
+          <a:bodyPr>
+            <a:normAutofit/>
+          </a:bodyPr>
+          <a:lstStyle/>
+          <a:p>
+            <a:endParaRPr lang="en-US"/>
+          </a:p>
+        </p:txBody>
+      </p:sp>
+      <p:sp>
+        <p:nvSpPr>
+          <p:cNvPr id="4" name="Foliennummernplatzhalter 3"/>
+          <p:cNvSpPr>
+            <a:spLocks noGrp="1"/>
+          </p:cNvSpPr>
+          <p:nvPr>
+            <p:ph type="sldNum" sz="quarter" idx="10"/>
+          </p:nvPr>
+        </p:nvSpPr>
+        <p:spPr/>
+        <p:txBody>
+          <a:bodyPr/>
+          <a:lstStyle/>
+          <a:p>
+            <a:pPr>
+              <a:defRPr/>
+            </a:pPr>
+            <a:fld id="{3C549A6F-F38E-4E7F-8356-DEE4D662C949}" type="slidenum">
+              <a:rPr lang="de-DE" smtClean="0"/>
+              <a:pPr>
+                <a:defRPr/>
+              </a:pPr>
+              <a:t>20</a:t>
             </a:fld>
             <a:endParaRPr lang="de-DE"/>
           </a:p>
@@ -6972,17 +7362,6 @@
               </a:rPr>
               <a:t> : Tag Cloud</a:t>
             </a:r>
-            <a:r>
-              <a:rPr lang="en-US" sz="2400" dirty="0" smtClean="0">
-                <a:solidFill>
-                  <a:srgbClr val="9F9F9F"/>
-                </a:solidFill>
-                <a:latin typeface="Eurostile ExtendedTwo" pitchFamily="34" charset="0"/>
-                <a:ea typeface="+mj-ea"/>
-                <a:cs typeface="+mj-cs"/>
-              </a:rPr>
-              <a:t/>
-            </a:r>
             <a:br>
               <a:rPr lang="en-US" sz="2400" dirty="0" smtClean="0">
                 <a:solidFill>
@@ -7632,6 +8011,58 @@
           <a:chExt cx="0" cy="0"/>
         </a:xfrm>
       </p:grpSpPr>
+      <p:pic>
+        <p:nvPicPr>
+          <p:cNvPr id="1026" name="Picture 2" descr="C:\jakob\uni\src\presentation\images\similar_cash.png"/>
+          <p:cNvPicPr>
+            <a:picLocks noChangeAspect="1" noChangeArrowheads="1"/>
+          </p:cNvPicPr>
+          <p:nvPr/>
+        </p:nvPicPr>
+        <p:blipFill>
+          <a:blip r:embed="rId3"/>
+          <a:srcRect/>
+          <a:stretch>
+            <a:fillRect/>
+          </a:stretch>
+        </p:blipFill>
+        <p:spPr bwMode="auto">
+          <a:xfrm>
+            <a:off x="214282" y="4605356"/>
+            <a:ext cx="5867400" cy="1466850"/>
+          </a:xfrm>
+          <a:prstGeom prst="rect">
+            <a:avLst/>
+          </a:prstGeom>
+          <a:noFill/>
+        </p:spPr>
+      </p:pic>
+      <p:pic>
+        <p:nvPicPr>
+          <p:cNvPr id="1027" name="Picture 3" descr="C:\jakob\uni\src\presentation\images\similar_stones.png"/>
+          <p:cNvPicPr>
+            <a:picLocks noChangeAspect="1" noChangeArrowheads="1"/>
+          </p:cNvPicPr>
+          <p:nvPr/>
+        </p:nvPicPr>
+        <p:blipFill>
+          <a:blip r:embed="rId4"/>
+          <a:srcRect/>
+          <a:stretch>
+            <a:fillRect/>
+          </a:stretch>
+        </p:blipFill>
+        <p:spPr bwMode="auto">
+          <a:xfrm>
+            <a:off x="214322" y="2285992"/>
+            <a:ext cx="5715000" cy="1143000"/>
+          </a:xfrm>
+          <a:prstGeom prst="rect">
+            <a:avLst/>
+          </a:prstGeom>
+          <a:noFill/>
+        </p:spPr>
+      </p:pic>
       <p:sp>
         <p:nvSpPr>
           <p:cNvPr id="3075" name="Rectangle 2"/>
@@ -7645,7 +8076,7 @@
         <p:spPr>
           <a:xfrm>
             <a:off x="571472" y="1795451"/>
-            <a:ext cx="3857652" cy="4357706"/>
+            <a:ext cx="7643866" cy="4357706"/>
           </a:xfrm>
           <a:noFill/>
         </p:spPr>
@@ -7664,7 +8095,47 @@
                   </a:schemeClr>
                 </a:solidFill>
               </a:rPr>
-              <a:t>Versuch Genre Klassifizierung</a:t>
+              <a:t>Ähnlichste Künstler - </a:t>
+            </a:r>
+            <a:r>
+              <a:rPr lang="de-AT" b="1" dirty="0" err="1" smtClean="0">
+                <a:solidFill>
+                  <a:schemeClr val="bg2">
+                    <a:lumMod val="75000"/>
+                  </a:schemeClr>
+                </a:solidFill>
+              </a:rPr>
+              <a:t>TagCloudSim</a:t>
+            </a:r>
+            <a:r>
+              <a:rPr lang="de-AT" b="1" dirty="0" smtClean="0">
+                <a:solidFill>
+                  <a:schemeClr val="bg2">
+                    <a:lumMod val="75000"/>
+                  </a:schemeClr>
+                </a:solidFill>
+              </a:rPr>
+              <a:t> versus </a:t>
+            </a:r>
+            <a:r>
+              <a:rPr lang="de-AT" b="1" dirty="0" err="1" smtClean="0">
+                <a:solidFill>
+                  <a:schemeClr val="bg2">
+                    <a:lumMod val="75000"/>
+                  </a:schemeClr>
+                </a:solidFill>
+              </a:rPr>
+              <a:t>LastFM</a:t>
+            </a:r>
+            <a:r>
+              <a:rPr lang="de-AT" b="1" dirty="0" smtClean="0">
+                <a:solidFill>
+                  <a:schemeClr val="bg2">
+                    <a:lumMod val="75000"/>
+                  </a:schemeClr>
+                </a:solidFill>
+              </a:rPr>
+              <a:t> Website</a:t>
             </a:r>
             <a:endParaRPr lang="de-AT" dirty="0" smtClean="0">
               <a:solidFill>
@@ -7673,460 +8144,6 @@
                 </a:schemeClr>
               </a:solidFill>
             </a:endParaRPr>
-          </a:p>
-          <a:p>
-            <a:pPr lvl="1" eaLnBrk="1" hangingPunct="1"/>
-            <a:r>
-              <a:rPr lang="de-AT" dirty="0" smtClean="0">
-                <a:solidFill>
-                  <a:schemeClr val="bg2">
-                    <a:lumMod val="75000"/>
-                  </a:schemeClr>
-                </a:solidFill>
-              </a:rPr>
-              <a:t>Klassifikation der Labels des Genre&lt;&gt;Artist </a:t>
-            </a:r>
-            <a:r>
-              <a:rPr lang="de-AT" dirty="0" err="1" smtClean="0">
-                <a:solidFill>
-                  <a:schemeClr val="bg2">
-                    <a:lumMod val="75000"/>
-                  </a:schemeClr>
-                </a:solidFill>
-              </a:rPr>
-              <a:t>Mappings</a:t>
-            </a:r>
-            <a:r>
-              <a:rPr lang="de-AT" dirty="0" smtClean="0">
-                <a:solidFill>
-                  <a:schemeClr val="bg2">
-                    <a:lumMod val="75000"/>
-                  </a:schemeClr>
-                </a:solidFill>
-              </a:rPr>
-              <a:t> </a:t>
-            </a:r>
-            <a:br>
-              <a:rPr lang="de-AT" dirty="0" smtClean="0">
-                <a:solidFill>
-                  <a:schemeClr val="bg2">
-                    <a:lumMod val="75000"/>
-                  </a:schemeClr>
-                </a:solidFill>
-              </a:rPr>
-            </a:br>
-            <a:endParaRPr lang="de-AT" dirty="0" smtClean="0">
-              <a:solidFill>
-                <a:schemeClr val="bg2">
-                  <a:lumMod val="75000"/>
-                </a:schemeClr>
-              </a:solidFill>
-            </a:endParaRPr>
-          </a:p>
-          <a:p>
-            <a:pPr lvl="1" eaLnBrk="1" hangingPunct="1"/>
-            <a:endParaRPr lang="de-AT" sz="1400" dirty="0" smtClean="0">
-              <a:solidFill>
-                <a:schemeClr val="bg2">
-                  <a:lumMod val="75000"/>
-                </a:schemeClr>
-              </a:solidFill>
-              <a:latin typeface="Arial" pitchFamily="34" charset="0"/>
-              <a:cs typeface="Arial" pitchFamily="34" charset="0"/>
-            </a:endParaRPr>
-          </a:p>
-          <a:p>
-            <a:pPr lvl="1" eaLnBrk="1" hangingPunct="1"/>
-            <a:r>
-              <a:rPr lang="de-AT" dirty="0" smtClean="0">
-                <a:solidFill>
-                  <a:schemeClr val="bg2">
-                    <a:lumMod val="75000"/>
-                  </a:schemeClr>
-                </a:solidFill>
-              </a:rPr>
-              <a:t>Gute Resultate bei Default Einstellungen</a:t>
-            </a:r>
-            <a:r>
-              <a:rPr lang="de-AT" dirty="0">
-                <a:solidFill>
-                  <a:schemeClr val="bg2">
-                    <a:lumMod val="75000"/>
-                  </a:schemeClr>
-                </a:solidFill>
-              </a:rPr>
-              <a:t> </a:t>
-            </a:r>
-            <a:r>
-              <a:rPr lang="de-AT" dirty="0" smtClean="0">
-                <a:solidFill>
-                  <a:schemeClr val="bg2">
-                    <a:lumMod val="75000"/>
-                  </a:schemeClr>
-                </a:solidFill>
-              </a:rPr>
-              <a:t>, 10-fold CV</a:t>
-            </a:r>
-            <a:br>
-              <a:rPr lang="de-AT" dirty="0" smtClean="0">
-                <a:solidFill>
-                  <a:schemeClr val="bg2">
-                    <a:lumMod val="75000"/>
-                  </a:schemeClr>
-                </a:solidFill>
-              </a:rPr>
-            </a:br>
-            <a:r>
-              <a:rPr lang="de-AT" b="1" dirty="0" err="1" smtClean="0">
-                <a:solidFill>
-                  <a:schemeClr val="bg2">
-                    <a:lumMod val="75000"/>
-                  </a:schemeClr>
-                </a:solidFill>
-              </a:rPr>
-              <a:t>Lazy</a:t>
-            </a:r>
-            <a:r>
-              <a:rPr lang="de-AT" b="1" dirty="0" smtClean="0">
-                <a:solidFill>
-                  <a:schemeClr val="bg2">
-                    <a:lumMod val="75000"/>
-                  </a:schemeClr>
-                </a:solidFill>
-              </a:rPr>
-              <a:t> </a:t>
-            </a:r>
-            <a:r>
-              <a:rPr lang="de-AT" b="1" dirty="0" err="1" smtClean="0">
-                <a:solidFill>
-                  <a:schemeClr val="bg2">
-                    <a:lumMod val="75000"/>
-                  </a:schemeClr>
-                </a:solidFill>
-              </a:rPr>
-              <a:t>Ibk</a:t>
-            </a:r>
-            <a:r>
-              <a:rPr lang="de-AT" b="1" dirty="0" smtClean="0">
-                <a:solidFill>
-                  <a:schemeClr val="bg2">
-                    <a:lumMod val="75000"/>
-                  </a:schemeClr>
-                </a:solidFill>
-              </a:rPr>
-              <a:t> (KNN </a:t>
-            </a:r>
-            <a:r>
-              <a:rPr lang="de-AT" b="1" dirty="0" err="1" smtClean="0">
-                <a:solidFill>
-                  <a:schemeClr val="bg2">
-                    <a:lumMod val="75000"/>
-                  </a:schemeClr>
-                </a:solidFill>
-              </a:rPr>
-              <a:t>Klassifier</a:t>
-            </a:r>
-            <a:r>
-              <a:rPr lang="de-AT" b="1" dirty="0">
-                <a:solidFill>
-                  <a:schemeClr val="bg2">
-                    <a:lumMod val="75000"/>
-                  </a:schemeClr>
-                </a:solidFill>
-              </a:rPr>
-              <a:t>)  - </a:t>
-            </a:r>
-            <a:r>
-              <a:rPr lang="de-AT" b="1" dirty="0" smtClean="0">
-                <a:solidFill>
-                  <a:schemeClr val="bg2">
-                    <a:lumMod val="75000"/>
-                  </a:schemeClr>
-                </a:solidFill>
-              </a:rPr>
-              <a:t>95 % </a:t>
-            </a:r>
-            <a:r>
-              <a:rPr lang="de-AT" dirty="0" smtClean="0">
-                <a:solidFill>
-                  <a:schemeClr val="bg2">
-                    <a:lumMod val="75000"/>
-                  </a:schemeClr>
-                </a:solidFill>
-              </a:rPr>
-              <a:t>, Naive </a:t>
-            </a:r>
-            <a:r>
-              <a:rPr lang="de-AT" dirty="0" err="1" smtClean="0">
-                <a:solidFill>
-                  <a:schemeClr val="bg2">
-                    <a:lumMod val="75000"/>
-                  </a:schemeClr>
-                </a:solidFill>
-              </a:rPr>
-              <a:t>Bayes</a:t>
-            </a:r>
-            <a:r>
-              <a:rPr lang="de-AT" dirty="0">
-                <a:solidFill>
-                  <a:schemeClr val="bg2">
-                    <a:lumMod val="75000"/>
-                  </a:schemeClr>
-                </a:solidFill>
-              </a:rPr>
-              <a:t> - </a:t>
-            </a:r>
-            <a:r>
-              <a:rPr lang="de-AT" dirty="0" smtClean="0">
-                <a:solidFill>
-                  <a:schemeClr val="bg2">
-                    <a:lumMod val="75000"/>
-                  </a:schemeClr>
-                </a:solidFill>
-              </a:rPr>
-              <a:t>89%</a:t>
-            </a:r>
-            <a:br>
-              <a:rPr lang="de-AT" dirty="0" smtClean="0">
-                <a:solidFill>
-                  <a:schemeClr val="bg2">
-                    <a:lumMod val="75000"/>
-                  </a:schemeClr>
-                </a:solidFill>
-              </a:rPr>
-            </a:br>
-            <a:r>
-              <a:rPr lang="de-AT" b="1" dirty="0" err="1" smtClean="0">
-                <a:solidFill>
-                  <a:schemeClr val="bg2">
-                    <a:lumMod val="75000"/>
-                  </a:schemeClr>
-                </a:solidFill>
-              </a:rPr>
-              <a:t>Baseline</a:t>
-            </a:r>
-            <a:r>
-              <a:rPr lang="de-AT" b="1" dirty="0" smtClean="0">
-                <a:solidFill>
-                  <a:schemeClr val="bg2">
-                    <a:lumMod val="75000"/>
-                  </a:schemeClr>
-                </a:solidFill>
-              </a:rPr>
-              <a:t> </a:t>
-            </a:r>
-            <a:r>
-              <a:rPr lang="de-AT" b="1" dirty="0" err="1" smtClean="0">
-                <a:solidFill>
-                  <a:schemeClr val="bg2">
-                    <a:lumMod val="75000"/>
-                  </a:schemeClr>
-                </a:solidFill>
-              </a:rPr>
-              <a:t>ZeroR</a:t>
-            </a:r>
-            <a:r>
-              <a:rPr lang="de-AT" b="1" dirty="0" smtClean="0">
-                <a:solidFill>
-                  <a:schemeClr val="bg2">
-                    <a:lumMod val="75000"/>
-                  </a:schemeClr>
-                </a:solidFill>
-              </a:rPr>
-              <a:t>, 4,5%</a:t>
-            </a:r>
-          </a:p>
-          <a:p>
-            <a:pPr lvl="1" eaLnBrk="1" hangingPunct="1"/>
-            <a:endParaRPr lang="de-AT" b="1" dirty="0" smtClean="0">
-              <a:solidFill>
-                <a:schemeClr val="bg2">
-                  <a:lumMod val="75000"/>
-                </a:schemeClr>
-              </a:solidFill>
-            </a:endParaRPr>
-          </a:p>
-          <a:p>
-            <a:pPr lvl="1" eaLnBrk="1" hangingPunct="1"/>
-            <a:r>
-              <a:rPr lang="de-AT" sz="1400" b="1" dirty="0" smtClean="0">
-                <a:solidFill>
-                  <a:schemeClr val="bg2">
-                    <a:lumMod val="75000"/>
-                  </a:schemeClr>
-                </a:solidFill>
-                <a:latin typeface="Arial" pitchFamily="34" charset="0"/>
-                <a:cs typeface="Arial" pitchFamily="34" charset="0"/>
-              </a:rPr>
-              <a:t>Aber: </a:t>
-            </a:r>
-            <a:r>
-              <a:rPr lang="de-AT" sz="1400" dirty="0" smtClean="0">
-                <a:solidFill>
-                  <a:schemeClr val="bg2">
-                    <a:lumMod val="75000"/>
-                  </a:schemeClr>
-                </a:solidFill>
-                <a:latin typeface="Arial" pitchFamily="34" charset="0"/>
-                <a:cs typeface="Arial" pitchFamily="34" charset="0"/>
-              </a:rPr>
-              <a:t>Unabhängigkeit der Features&lt;&gt; </a:t>
-            </a:r>
-            <a:r>
-              <a:rPr lang="de-AT" sz="1400" dirty="0" err="1" smtClean="0">
-                <a:solidFill>
-                  <a:schemeClr val="bg2">
-                    <a:lumMod val="75000"/>
-                  </a:schemeClr>
-                </a:solidFill>
-                <a:latin typeface="Arial" pitchFamily="34" charset="0"/>
-                <a:cs typeface="Arial" pitchFamily="34" charset="0"/>
-              </a:rPr>
-              <a:t>Instances</a:t>
-            </a:r>
-            <a:r>
-              <a:rPr lang="de-AT" sz="1400" dirty="0" smtClean="0">
-                <a:solidFill>
-                  <a:schemeClr val="bg2">
-                    <a:lumMod val="75000"/>
-                  </a:schemeClr>
-                </a:solidFill>
-                <a:latin typeface="Arial" pitchFamily="34" charset="0"/>
-                <a:cs typeface="Arial" pitchFamily="34" charset="0"/>
-              </a:rPr>
-              <a:t> nicht gegeben. Jeder Artist ist ultimativ unterscheidbar durch eine Dimension (1.0) </a:t>
-            </a:r>
-            <a:r>
-              <a:rPr lang="de-AT" sz="1400" dirty="0" smtClean="0">
-                <a:solidFill>
-                  <a:schemeClr val="bg2">
-                    <a:lumMod val="75000"/>
-                  </a:schemeClr>
-                </a:solidFill>
-                <a:latin typeface="Arial" pitchFamily="34" charset="0"/>
-                <a:cs typeface="Arial" pitchFamily="34" charset="0"/>
-                <a:sym typeface="Wingdings" pitchFamily="2" charset="2"/>
-              </a:rPr>
-              <a:t> </a:t>
-            </a:r>
-            <a:r>
-              <a:rPr lang="de-AT" sz="1400" dirty="0" err="1" smtClean="0">
-                <a:solidFill>
-                  <a:schemeClr val="bg2">
-                    <a:lumMod val="75000"/>
-                  </a:schemeClr>
-                </a:solidFill>
-                <a:latin typeface="Arial" pitchFamily="34" charset="0"/>
-                <a:cs typeface="Arial" pitchFamily="34" charset="0"/>
-                <a:sym typeface="Wingdings" pitchFamily="2" charset="2"/>
-              </a:rPr>
-              <a:t>Overfitting</a:t>
-            </a:r>
-            <a:r>
-              <a:rPr lang="de-AT" sz="1400" dirty="0" smtClean="0">
-                <a:solidFill>
-                  <a:schemeClr val="bg2">
-                    <a:lumMod val="75000"/>
-                  </a:schemeClr>
-                </a:solidFill>
-                <a:latin typeface="Arial" pitchFamily="34" charset="0"/>
-                <a:cs typeface="Arial" pitchFamily="34" charset="0"/>
-                <a:sym typeface="Wingdings" pitchFamily="2" charset="2"/>
-              </a:rPr>
-              <a:t> </a:t>
-            </a:r>
-            <a:endParaRPr lang="de-AT" sz="1400" dirty="0" smtClean="0">
-              <a:solidFill>
-                <a:schemeClr val="bg2">
-                  <a:lumMod val="75000"/>
-                </a:schemeClr>
-              </a:solidFill>
-              <a:latin typeface="Arial" pitchFamily="34" charset="0"/>
-              <a:cs typeface="Arial" pitchFamily="34" charset="0"/>
-            </a:endParaRPr>
-          </a:p>
-          <a:p>
-            <a:pPr lvl="1" eaLnBrk="1" hangingPunct="1"/>
-            <a:r>
-              <a:rPr lang="de-AT" dirty="0" err="1" smtClean="0">
-                <a:solidFill>
-                  <a:schemeClr val="bg2">
-                    <a:lumMod val="75000"/>
-                  </a:schemeClr>
-                </a:solidFill>
-              </a:rPr>
-              <a:t>Geplant:Nur</a:t>
-            </a:r>
-            <a:r>
-              <a:rPr lang="de-AT" dirty="0" smtClean="0">
-                <a:solidFill>
-                  <a:schemeClr val="bg2">
-                    <a:lumMod val="75000"/>
-                  </a:schemeClr>
-                </a:solidFill>
-              </a:rPr>
-              <a:t> Ähnlichkeiten der Top 10 </a:t>
-            </a:r>
-            <a:r>
-              <a:rPr lang="de-AT" dirty="0" err="1" smtClean="0">
-                <a:solidFill>
-                  <a:schemeClr val="bg2">
-                    <a:lumMod val="75000"/>
-                  </a:schemeClr>
-                </a:solidFill>
-              </a:rPr>
-              <a:t>Artists</a:t>
-            </a:r>
-            <a:r>
-              <a:rPr lang="de-AT" dirty="0" smtClean="0">
-                <a:solidFill>
-                  <a:schemeClr val="bg2">
-                    <a:lumMod val="75000"/>
-                  </a:schemeClr>
-                </a:solidFill>
-              </a:rPr>
-              <a:t> eines Genres als Features, Alle überbleibenden </a:t>
-            </a:r>
-            <a:r>
-              <a:rPr lang="de-AT" dirty="0" err="1" smtClean="0">
-                <a:solidFill>
-                  <a:schemeClr val="bg2">
-                    <a:lumMod val="75000"/>
-                  </a:schemeClr>
-                </a:solidFill>
-              </a:rPr>
-              <a:t>Artists</a:t>
-            </a:r>
-            <a:r>
-              <a:rPr lang="de-AT" dirty="0" smtClean="0">
-                <a:solidFill>
-                  <a:schemeClr val="bg2">
-                    <a:lumMod val="75000"/>
-                  </a:schemeClr>
-                </a:solidFill>
-              </a:rPr>
-              <a:t> als </a:t>
-            </a:r>
-            <a:r>
-              <a:rPr lang="de-AT" dirty="0" err="1" smtClean="0">
-                <a:solidFill>
-                  <a:schemeClr val="bg2">
-                    <a:lumMod val="75000"/>
-                  </a:schemeClr>
-                </a:solidFill>
-              </a:rPr>
-              <a:t>Instances</a:t>
-            </a:r>
-            <a:r>
-              <a:rPr lang="de-AT" dirty="0" smtClean="0">
-                <a:solidFill>
-                  <a:schemeClr val="bg2">
-                    <a:lumMod val="75000"/>
-                  </a:schemeClr>
-                </a:solidFill>
-              </a:rPr>
-              <a:t> </a:t>
-            </a:r>
           </a:p>
           <a:p>
             <a:pPr lvl="1" eaLnBrk="1" hangingPunct="1"/>
@@ -8190,540 +8207,66 @@
               </a:spcBef>
             </a:pPr>
             <a:r>
+              <a:rPr lang="en-US" sz="2400" dirty="0" err="1" smtClean="0">
+                <a:solidFill>
+                  <a:srgbClr val="9F9F9F"/>
+                </a:solidFill>
+                <a:latin typeface="Eurostile ExtendedTwo" pitchFamily="34" charset="0"/>
+              </a:rPr>
+              <a:t>Ergebnisse</a:t>
+            </a:r>
+            <a:r>
               <a:rPr lang="en-US" sz="2400" dirty="0" smtClean="0">
                 <a:solidFill>
                   <a:srgbClr val="9F9F9F"/>
                 </a:solidFill>
                 <a:latin typeface="Eurostile ExtendedTwo" pitchFamily="34" charset="0"/>
-                <a:ea typeface="+mj-ea"/>
-                <a:cs typeface="+mj-cs"/>
-              </a:rPr>
-              <a:t>Work in progress</a:t>
-            </a:r>
+              </a:rPr>
+              <a:t> : Tag Cloud</a:t>
+            </a:r>
+            <a:endParaRPr lang="en-US" sz="2400" dirty="0" smtClean="0">
+              <a:solidFill>
+                <a:srgbClr val="9F9F9F"/>
+              </a:solidFill>
+              <a:latin typeface="Eurostile ExtendedTwo" pitchFamily="34" charset="0"/>
+              <a:ea typeface="+mj-ea"/>
+              <a:cs typeface="+mj-cs"/>
+            </a:endParaRPr>
           </a:p>
         </p:txBody>
       </p:sp>
-      <p:sp>
-        <p:nvSpPr>
-          <p:cNvPr id="5" name="Rechteck 4"/>
-          <p:cNvSpPr/>
+      <p:graphicFrame>
+        <p:nvGraphicFramePr>
+          <p:cNvPr id="6" name="Diagramm 5"/>
+          <p:cNvGraphicFramePr/>
           <p:nvPr/>
-        </p:nvSpPr>
-        <p:spPr>
-          <a:xfrm>
-            <a:off x="4429124" y="2143116"/>
-            <a:ext cx="4714908" cy="3822585"/>
-          </a:xfrm>
-          <a:prstGeom prst="rect">
-            <a:avLst/>
-          </a:prstGeom>
-        </p:spPr>
-        <p:txBody>
-          <a:bodyPr wrap="square">
-            <a:spAutoFit/>
-          </a:bodyPr>
-          <a:lstStyle/>
-          <a:p>
-            <a:r>
-              <a:rPr lang="de-AT" sz="1200" b="1" dirty="0" err="1" smtClean="0">
-                <a:solidFill>
-                  <a:schemeClr val="tx1"/>
-                </a:solidFill>
-                <a:latin typeface="Courier New" pitchFamily="49" charset="0"/>
-                <a:cs typeface="Courier New" pitchFamily="49" charset="0"/>
-              </a:rPr>
-              <a:t>Lazy</a:t>
-            </a:r>
-            <a:r>
-              <a:rPr lang="de-AT" sz="1200" b="1" dirty="0" smtClean="0">
-                <a:solidFill>
-                  <a:schemeClr val="tx1"/>
-                </a:solidFill>
-                <a:latin typeface="Courier New" pitchFamily="49" charset="0"/>
-                <a:cs typeface="Courier New" pitchFamily="49" charset="0"/>
-              </a:rPr>
-              <a:t> </a:t>
-            </a:r>
-            <a:r>
-              <a:rPr lang="de-AT" sz="1200" b="1" dirty="0" err="1" smtClean="0">
-                <a:solidFill>
-                  <a:schemeClr val="tx1"/>
-                </a:solidFill>
-                <a:latin typeface="Courier New" pitchFamily="49" charset="0"/>
-                <a:cs typeface="Courier New" pitchFamily="49" charset="0"/>
-              </a:rPr>
-              <a:t>IBk</a:t>
-            </a:r>
-            <a:endParaRPr lang="de-DE" sz="1200" b="1" dirty="0" smtClean="0">
-              <a:solidFill>
-                <a:schemeClr val="tx1"/>
-              </a:solidFill>
-              <a:latin typeface="Courier New" pitchFamily="49" charset="0"/>
-              <a:cs typeface="Courier New" pitchFamily="49" charset="0"/>
-            </a:endParaRPr>
-          </a:p>
-          <a:p>
-            <a:r>
-              <a:rPr lang="de-DE" sz="1200" b="1" dirty="0" smtClean="0">
-                <a:solidFill>
-                  <a:schemeClr val="tx1"/>
-                </a:solidFill>
-                <a:latin typeface="Courier New" pitchFamily="49" charset="0"/>
-                <a:cs typeface="Courier New" pitchFamily="49" charset="0"/>
-              </a:rPr>
-              <a:t>TP Rate   FP Rate   Precision  Class</a:t>
-            </a:r>
-          </a:p>
-          <a:p>
-            <a:r>
-              <a:rPr lang="de-DE" sz="1200" b="1" dirty="0" smtClean="0">
-                <a:solidFill>
-                  <a:schemeClr val="tx1"/>
-                </a:solidFill>
-                <a:latin typeface="Courier New" pitchFamily="49" charset="0"/>
-                <a:cs typeface="Courier New" pitchFamily="49" charset="0"/>
-              </a:rPr>
-              <a:t>1         0          1         </a:t>
-            </a:r>
-            <a:r>
-              <a:rPr lang="de-DE" sz="1200" b="1" dirty="0" err="1" smtClean="0">
-                <a:solidFill>
-                  <a:schemeClr val="tx1"/>
-                </a:solidFill>
-                <a:latin typeface="Courier New" pitchFamily="49" charset="0"/>
-                <a:cs typeface="Courier New" pitchFamily="49" charset="0"/>
-              </a:rPr>
-              <a:t>reggae</a:t>
-            </a:r>
-            <a:endParaRPr lang="de-DE" sz="1200" b="1" dirty="0" smtClean="0">
-              <a:solidFill>
-                <a:schemeClr val="tx1"/>
-              </a:solidFill>
-              <a:latin typeface="Courier New" pitchFamily="49" charset="0"/>
-              <a:cs typeface="Courier New" pitchFamily="49" charset="0"/>
-            </a:endParaRPr>
-          </a:p>
-          <a:p>
-            <a:r>
-              <a:rPr lang="de-DE" sz="1200" b="1" dirty="0" smtClean="0">
-                <a:solidFill>
-                  <a:schemeClr val="tx1"/>
-                </a:solidFill>
-                <a:latin typeface="Courier New" pitchFamily="49" charset="0"/>
-                <a:cs typeface="Courier New" pitchFamily="49" charset="0"/>
-              </a:rPr>
-              <a:t>0.938     0          1         </a:t>
-            </a:r>
-            <a:r>
-              <a:rPr lang="de-DE" sz="1200" b="1" dirty="0" err="1" smtClean="0">
-                <a:solidFill>
-                  <a:schemeClr val="tx1"/>
-                </a:solidFill>
-                <a:latin typeface="Courier New" pitchFamily="49" charset="0"/>
-                <a:cs typeface="Courier New" pitchFamily="49" charset="0"/>
-              </a:rPr>
-              <a:t>alt.rockindie</a:t>
-            </a:r>
-            <a:endParaRPr lang="de-DE" sz="1200" b="1" dirty="0" smtClean="0">
-              <a:solidFill>
-                <a:schemeClr val="tx1"/>
-              </a:solidFill>
-              <a:latin typeface="Courier New" pitchFamily="49" charset="0"/>
-              <a:cs typeface="Courier New" pitchFamily="49" charset="0"/>
-            </a:endParaRPr>
-          </a:p>
-          <a:p>
-            <a:r>
-              <a:rPr lang="de-DE" sz="1200" b="1" dirty="0" smtClean="0">
-                <a:solidFill>
-                  <a:schemeClr val="tx1"/>
-                </a:solidFill>
-                <a:latin typeface="Courier New" pitchFamily="49" charset="0"/>
-                <a:cs typeface="Courier New" pitchFamily="49" charset="0"/>
-              </a:rPr>
-              <a:t>0.875     0.01       0.875     </a:t>
-            </a:r>
-            <a:r>
-              <a:rPr lang="de-DE" sz="1200" b="1" dirty="0" err="1" smtClean="0">
-                <a:solidFill>
-                  <a:schemeClr val="tx1"/>
-                </a:solidFill>
-                <a:latin typeface="Courier New" pitchFamily="49" charset="0"/>
-                <a:cs typeface="Courier New" pitchFamily="49" charset="0"/>
-              </a:rPr>
-              <a:t>folk</a:t>
-            </a:r>
-            <a:endParaRPr lang="de-DE" sz="1200" b="1" dirty="0" smtClean="0">
-              <a:solidFill>
-                <a:schemeClr val="tx1"/>
-              </a:solidFill>
-              <a:latin typeface="Courier New" pitchFamily="49" charset="0"/>
-              <a:cs typeface="Courier New" pitchFamily="49" charset="0"/>
-            </a:endParaRPr>
-          </a:p>
-          <a:p>
-            <a:r>
-              <a:rPr lang="de-DE" sz="1200" b="1" dirty="0" smtClean="0">
-                <a:solidFill>
-                  <a:schemeClr val="tx1"/>
-                </a:solidFill>
-                <a:latin typeface="Courier New" pitchFamily="49" charset="0"/>
-                <a:cs typeface="Courier New" pitchFamily="49" charset="0"/>
-              </a:rPr>
-              <a:t>1         0.005      0.941     jazz</a:t>
-            </a:r>
-          </a:p>
-          <a:p>
-            <a:r>
-              <a:rPr lang="de-DE" sz="1200" b="1" dirty="0" smtClean="0">
-                <a:solidFill>
-                  <a:schemeClr val="tx1"/>
-                </a:solidFill>
-                <a:latin typeface="Courier New" pitchFamily="49" charset="0"/>
-                <a:cs typeface="Courier New" pitchFamily="49" charset="0"/>
-              </a:rPr>
-              <a:t>1         0.01       0.889     </a:t>
-            </a:r>
-            <a:r>
-              <a:rPr lang="de-DE" sz="1200" b="1" dirty="0" err="1" smtClean="0">
-                <a:solidFill>
-                  <a:schemeClr val="tx1"/>
-                </a:solidFill>
-                <a:latin typeface="Courier New" pitchFamily="49" charset="0"/>
-                <a:cs typeface="Courier New" pitchFamily="49" charset="0"/>
-              </a:rPr>
-              <a:t>pop</a:t>
-            </a:r>
-            <a:endParaRPr lang="de-DE" sz="1200" b="1" dirty="0" smtClean="0">
-              <a:solidFill>
-                <a:schemeClr val="tx1"/>
-              </a:solidFill>
-              <a:latin typeface="Courier New" pitchFamily="49" charset="0"/>
-              <a:cs typeface="Courier New" pitchFamily="49" charset="0"/>
-            </a:endParaRPr>
-          </a:p>
-          <a:p>
-            <a:r>
-              <a:rPr lang="de-DE" sz="1200" b="1" dirty="0" smtClean="0">
-                <a:solidFill>
-                  <a:schemeClr val="tx1"/>
-                </a:solidFill>
-                <a:latin typeface="Courier New" pitchFamily="49" charset="0"/>
-                <a:cs typeface="Courier New" pitchFamily="49" charset="0"/>
-              </a:rPr>
-              <a:t>0.938     0          1         </a:t>
-            </a:r>
-            <a:r>
-              <a:rPr lang="de-DE" sz="1200" b="1" dirty="0" err="1" smtClean="0">
-                <a:solidFill>
-                  <a:schemeClr val="tx1"/>
-                </a:solidFill>
-                <a:latin typeface="Courier New" pitchFamily="49" charset="0"/>
-                <a:cs typeface="Courier New" pitchFamily="49" charset="0"/>
-              </a:rPr>
-              <a:t>punk</a:t>
-            </a:r>
-            <a:endParaRPr lang="de-DE" sz="1200" b="1" dirty="0" smtClean="0">
-              <a:solidFill>
-                <a:schemeClr val="tx1"/>
-              </a:solidFill>
-              <a:latin typeface="Courier New" pitchFamily="49" charset="0"/>
-              <a:cs typeface="Courier New" pitchFamily="49" charset="0"/>
-            </a:endParaRPr>
-          </a:p>
-          <a:p>
-            <a:r>
-              <a:rPr lang="de-DE" sz="1200" b="1" dirty="0" smtClean="0">
-                <a:solidFill>
-                  <a:schemeClr val="tx1"/>
-                </a:solidFill>
-                <a:latin typeface="Courier New" pitchFamily="49" charset="0"/>
-                <a:cs typeface="Courier New" pitchFamily="49" charset="0"/>
-              </a:rPr>
-              <a:t>1         0.005      0.941     </a:t>
-            </a:r>
-            <a:r>
-              <a:rPr lang="de-DE" sz="1200" b="1" dirty="0" err="1" smtClean="0">
-                <a:solidFill>
-                  <a:schemeClr val="tx1"/>
-                </a:solidFill>
-                <a:latin typeface="Courier New" pitchFamily="49" charset="0"/>
-                <a:cs typeface="Courier New" pitchFamily="49" charset="0"/>
-              </a:rPr>
-              <a:t>electronica</a:t>
-            </a:r>
-            <a:endParaRPr lang="de-DE" sz="1200" b="1" dirty="0" smtClean="0">
-              <a:solidFill>
-                <a:schemeClr val="tx1"/>
-              </a:solidFill>
-              <a:latin typeface="Courier New" pitchFamily="49" charset="0"/>
-              <a:cs typeface="Courier New" pitchFamily="49" charset="0"/>
-            </a:endParaRPr>
-          </a:p>
-          <a:p>
-            <a:r>
-              <a:rPr lang="de-DE" sz="1200" b="1" dirty="0" smtClean="0">
-                <a:solidFill>
-                  <a:schemeClr val="tx1"/>
-                </a:solidFill>
-                <a:latin typeface="Courier New" pitchFamily="49" charset="0"/>
-                <a:cs typeface="Courier New" pitchFamily="49" charset="0"/>
-              </a:rPr>
-              <a:t>0.875     0.005      0.933     </a:t>
-            </a:r>
-            <a:r>
-              <a:rPr lang="de-DE" sz="1200" b="1" dirty="0" err="1" smtClean="0">
-                <a:solidFill>
-                  <a:schemeClr val="tx1"/>
-                </a:solidFill>
-                <a:latin typeface="Courier New" pitchFamily="49" charset="0"/>
-                <a:cs typeface="Courier New" pitchFamily="49" charset="0"/>
-              </a:rPr>
-              <a:t>country</a:t>
-            </a:r>
-            <a:endParaRPr lang="de-DE" sz="1200" b="1" dirty="0" smtClean="0">
-              <a:solidFill>
-                <a:schemeClr val="tx1"/>
-              </a:solidFill>
-              <a:latin typeface="Courier New" pitchFamily="49" charset="0"/>
-              <a:cs typeface="Courier New" pitchFamily="49" charset="0"/>
-            </a:endParaRPr>
-          </a:p>
-          <a:p>
-            <a:r>
-              <a:rPr lang="de-DE" sz="1200" b="1" dirty="0" smtClean="0">
-                <a:solidFill>
-                  <a:schemeClr val="tx1"/>
-                </a:solidFill>
-                <a:latin typeface="Courier New" pitchFamily="49" charset="0"/>
-                <a:cs typeface="Courier New" pitchFamily="49" charset="0"/>
-              </a:rPr>
-              <a:t>1         0          1         </a:t>
-            </a:r>
-            <a:r>
-              <a:rPr lang="de-DE" sz="1200" b="1" dirty="0" err="1" smtClean="0">
-                <a:solidFill>
-                  <a:schemeClr val="tx1"/>
-                </a:solidFill>
-                <a:latin typeface="Courier New" pitchFamily="49" charset="0"/>
-                <a:cs typeface="Courier New" pitchFamily="49" charset="0"/>
-              </a:rPr>
-              <a:t>classical</a:t>
-            </a:r>
-            <a:endParaRPr lang="de-DE" sz="1200" b="1" dirty="0" smtClean="0">
-              <a:solidFill>
-                <a:schemeClr val="tx1"/>
-              </a:solidFill>
-              <a:latin typeface="Courier New" pitchFamily="49" charset="0"/>
-              <a:cs typeface="Courier New" pitchFamily="49" charset="0"/>
-            </a:endParaRPr>
-          </a:p>
-          <a:p>
-            <a:r>
-              <a:rPr lang="de-DE" sz="1200" b="1" dirty="0" smtClean="0">
-                <a:solidFill>
-                  <a:schemeClr val="tx1"/>
-                </a:solidFill>
-                <a:latin typeface="Courier New" pitchFamily="49" charset="0"/>
-                <a:cs typeface="Courier New" pitchFamily="49" charset="0"/>
-              </a:rPr>
-              <a:t>1         0          1         </a:t>
-            </a:r>
-            <a:r>
-              <a:rPr lang="de-DE" sz="1200" b="1" dirty="0" err="1" smtClean="0">
-                <a:solidFill>
-                  <a:schemeClr val="tx1"/>
-                </a:solidFill>
-                <a:latin typeface="Courier New" pitchFamily="49" charset="0"/>
-                <a:cs typeface="Courier New" pitchFamily="49" charset="0"/>
-              </a:rPr>
-              <a:t>heavymetalhardrock</a:t>
-            </a:r>
-            <a:endParaRPr lang="de-DE" sz="1200" b="1" dirty="0" smtClean="0">
-              <a:solidFill>
-                <a:schemeClr val="tx1"/>
-              </a:solidFill>
-              <a:latin typeface="Courier New" pitchFamily="49" charset="0"/>
-              <a:cs typeface="Courier New" pitchFamily="49" charset="0"/>
-            </a:endParaRPr>
-          </a:p>
-          <a:p>
-            <a:r>
-              <a:rPr lang="de-DE" sz="1200" b="1" dirty="0" smtClean="0">
-                <a:solidFill>
-                  <a:schemeClr val="tx1"/>
-                </a:solidFill>
-                <a:latin typeface="Courier New" pitchFamily="49" charset="0"/>
-                <a:cs typeface="Courier New" pitchFamily="49" charset="0"/>
-              </a:rPr>
-              <a:t>0.938     0.005      0.938     </a:t>
-            </a:r>
-            <a:r>
-              <a:rPr lang="de-DE" sz="1200" b="1" dirty="0" err="1" smtClean="0">
-                <a:solidFill>
-                  <a:schemeClr val="tx1"/>
-                </a:solidFill>
-                <a:latin typeface="Courier New" pitchFamily="49" charset="0"/>
-                <a:cs typeface="Courier New" pitchFamily="49" charset="0"/>
-              </a:rPr>
-              <a:t>rocknroll</a:t>
-            </a:r>
-            <a:endParaRPr lang="de-DE" sz="1200" b="1" dirty="0" smtClean="0">
-              <a:solidFill>
-                <a:schemeClr val="tx1"/>
-              </a:solidFill>
-              <a:latin typeface="Courier New" pitchFamily="49" charset="0"/>
-              <a:cs typeface="Courier New" pitchFamily="49" charset="0"/>
-            </a:endParaRPr>
-          </a:p>
-          <a:p>
-            <a:r>
-              <a:rPr lang="de-DE" sz="1200" b="1" dirty="0" smtClean="0">
-                <a:solidFill>
-                  <a:schemeClr val="tx1"/>
-                </a:solidFill>
-                <a:latin typeface="Courier New" pitchFamily="49" charset="0"/>
-                <a:cs typeface="Courier New" pitchFamily="49" charset="0"/>
-              </a:rPr>
-              <a:t>0.938     0.005      0.938     </a:t>
-            </a:r>
-            <a:r>
-              <a:rPr lang="de-DE" sz="1200" b="1" dirty="0" err="1" smtClean="0">
-                <a:solidFill>
-                  <a:schemeClr val="tx1"/>
-                </a:solidFill>
-                <a:latin typeface="Courier New" pitchFamily="49" charset="0"/>
-                <a:cs typeface="Courier New" pitchFamily="49" charset="0"/>
-              </a:rPr>
-              <a:t>rnbsoul</a:t>
-            </a:r>
-            <a:endParaRPr lang="de-DE" sz="1200" b="1" dirty="0" smtClean="0">
-              <a:solidFill>
-                <a:schemeClr val="tx1"/>
-              </a:solidFill>
-              <a:latin typeface="Courier New" pitchFamily="49" charset="0"/>
-              <a:cs typeface="Courier New" pitchFamily="49" charset="0"/>
-            </a:endParaRPr>
-          </a:p>
-          <a:p>
-            <a:r>
-              <a:rPr lang="de-DE" sz="1200" b="1" dirty="0" smtClean="0">
-                <a:solidFill>
-                  <a:schemeClr val="tx1"/>
-                </a:solidFill>
-                <a:latin typeface="Courier New" pitchFamily="49" charset="0"/>
-                <a:cs typeface="Courier New" pitchFamily="49" charset="0"/>
-              </a:rPr>
-              <a:t>1         0          1         </a:t>
-            </a:r>
-            <a:r>
-              <a:rPr lang="de-DE" sz="1200" b="1" dirty="0" err="1" smtClean="0">
-                <a:solidFill>
-                  <a:schemeClr val="tx1"/>
-                </a:solidFill>
-                <a:latin typeface="Courier New" pitchFamily="49" charset="0"/>
-                <a:cs typeface="Courier New" pitchFamily="49" charset="0"/>
-              </a:rPr>
-              <a:t>raphiphop</a:t>
-            </a:r>
-            <a:endParaRPr lang="de-DE" sz="1200" b="1" dirty="0" smtClean="0">
-              <a:solidFill>
-                <a:schemeClr val="tx1"/>
-              </a:solidFill>
-              <a:latin typeface="Courier New" pitchFamily="49" charset="0"/>
-              <a:cs typeface="Courier New" pitchFamily="49" charset="0"/>
-            </a:endParaRPr>
-          </a:p>
-          <a:p>
-            <a:r>
-              <a:rPr lang="de-DE" sz="1200" b="1" dirty="0" smtClean="0">
-                <a:solidFill>
-                  <a:schemeClr val="tx1"/>
-                </a:solidFill>
-                <a:latin typeface="Courier New" pitchFamily="49" charset="0"/>
-                <a:cs typeface="Courier New" pitchFamily="49" charset="0"/>
-              </a:rPr>
-              <a:t>0.938     0          1         </a:t>
-            </a:r>
-            <a:r>
-              <a:rPr lang="de-DE" sz="1200" b="1" dirty="0" err="1" smtClean="0">
-                <a:solidFill>
-                  <a:schemeClr val="tx1"/>
-                </a:solidFill>
-                <a:latin typeface="Courier New" pitchFamily="49" charset="0"/>
-                <a:cs typeface="Courier New" pitchFamily="49" charset="0"/>
-              </a:rPr>
-              <a:t>blues</a:t>
-            </a:r>
-            <a:endParaRPr lang="de-DE" sz="1200" b="1" dirty="0" smtClean="0">
-              <a:solidFill>
-                <a:schemeClr val="tx1"/>
-              </a:solidFill>
-              <a:latin typeface="Courier New" pitchFamily="49" charset="0"/>
-              <a:cs typeface="Courier New" pitchFamily="49" charset="0"/>
-            </a:endParaRPr>
-          </a:p>
-          <a:p>
-            <a:r>
-              <a:rPr lang="de-DE" sz="1200" b="1" dirty="0" smtClean="0">
-                <a:solidFill>
-                  <a:schemeClr val="tx1"/>
-                </a:solidFill>
-                <a:latin typeface="Courier New" pitchFamily="49" charset="0"/>
-                <a:cs typeface="Courier New" pitchFamily="49" charset="0"/>
-              </a:rPr>
-              <a:t>0.96      0.003      0.961    (</a:t>
-            </a:r>
-            <a:r>
-              <a:rPr lang="de-DE" sz="1200" b="1" dirty="0" err="1" smtClean="0">
-                <a:solidFill>
-                  <a:schemeClr val="tx1"/>
-                </a:solidFill>
-                <a:latin typeface="Courier New" pitchFamily="49" charset="0"/>
-                <a:cs typeface="Courier New" pitchFamily="49" charset="0"/>
-              </a:rPr>
-              <a:t>Weighted</a:t>
-            </a:r>
-            <a:r>
-              <a:rPr lang="de-DE" sz="1200" b="1" dirty="0" smtClean="0">
-                <a:solidFill>
-                  <a:schemeClr val="tx1"/>
-                </a:solidFill>
-                <a:latin typeface="Courier New" pitchFamily="49" charset="0"/>
-                <a:cs typeface="Courier New" pitchFamily="49" charset="0"/>
-              </a:rPr>
-              <a:t> </a:t>
-            </a:r>
-            <a:r>
-              <a:rPr lang="de-DE" sz="1200" b="1" dirty="0" err="1" smtClean="0">
-                <a:solidFill>
-                  <a:schemeClr val="tx1"/>
-                </a:solidFill>
-                <a:latin typeface="Courier New" pitchFamily="49" charset="0"/>
-                <a:cs typeface="Courier New" pitchFamily="49" charset="0"/>
-              </a:rPr>
-              <a:t>Avg</a:t>
-            </a:r>
-            <a:r>
-              <a:rPr lang="de-DE" sz="1200" b="1" dirty="0" smtClean="0">
-                <a:solidFill>
-                  <a:schemeClr val="tx1"/>
-                </a:solidFill>
-                <a:latin typeface="Courier New" pitchFamily="49" charset="0"/>
-                <a:cs typeface="Courier New" pitchFamily="49" charset="0"/>
-              </a:rPr>
-              <a:t>)</a:t>
-            </a:r>
-            <a:endParaRPr lang="de-DE" sz="1200" b="1" dirty="0">
-              <a:solidFill>
-                <a:schemeClr val="tx1"/>
-              </a:solidFill>
-              <a:latin typeface="Courier New" pitchFamily="49" charset="0"/>
-              <a:cs typeface="Courier New" pitchFamily="49" charset="0"/>
-            </a:endParaRPr>
-          </a:p>
-        </p:txBody>
-      </p:sp>
+        </p:nvGraphicFramePr>
+        <p:xfrm>
+          <a:off x="4929190" y="4371982"/>
+          <a:ext cx="4143404" cy="2486042"/>
+        </p:xfrm>
+        <a:graphic>
+          <a:graphicData uri="http://schemas.openxmlformats.org/drawingml/2006/chart">
+            <c:chart xmlns:c="http://schemas.openxmlformats.org/drawingml/2006/chart" xmlns:r="http://schemas.openxmlformats.org/officeDocument/2006/relationships" r:id="rId5"/>
+          </a:graphicData>
+        </a:graphic>
+      </p:graphicFrame>
+      <p:graphicFrame>
+        <p:nvGraphicFramePr>
+          <p:cNvPr id="7" name="Diagramm 6"/>
+          <p:cNvGraphicFramePr/>
+          <p:nvPr/>
+        </p:nvGraphicFramePr>
+        <p:xfrm>
+          <a:off x="4714876" y="2014552"/>
+          <a:ext cx="4143404" cy="2486042"/>
+        </p:xfrm>
+        <a:graphic>
+          <a:graphicData uri="http://schemas.openxmlformats.org/drawingml/2006/chart">
+            <c:chart xmlns:c="http://schemas.openxmlformats.org/drawingml/2006/chart" xmlns:r="http://schemas.openxmlformats.org/officeDocument/2006/relationships" r:id="rId6"/>
+          </a:graphicData>
+        </a:graphic>
+      </p:graphicFrame>
     </p:spTree>
   </p:cSld>
   <p:clrMapOvr>
@@ -8769,7 +8312,7 @@
         <p:spPr>
           <a:xfrm>
             <a:off x="571472" y="1795451"/>
-            <a:ext cx="8072494" cy="4357706"/>
+            <a:ext cx="3857652" cy="4357706"/>
           </a:xfrm>
           <a:noFill/>
         </p:spPr>
@@ -8781,95 +8324,501 @@
               <a:buNone/>
             </a:pPr>
             <a:r>
-              <a:rPr lang="de-AT" sz="1600" b="1" dirty="0" smtClean="0">
-                <a:solidFill>
-                  <a:schemeClr val="bg2">
-                    <a:lumMod val="75000"/>
-                  </a:schemeClr>
-                </a:solidFill>
-                <a:latin typeface="Arial" pitchFamily="34" charset="0"/>
-                <a:cs typeface="Arial" pitchFamily="34" charset="0"/>
-              </a:rPr>
-              <a:t>Versuch Genre Clustering </a:t>
-            </a:r>
-          </a:p>
-          <a:p>
-            <a:pPr eaLnBrk="1" hangingPunct="1"/>
-            <a:r>
-              <a:rPr lang="de-AT" sz="1600" dirty="0" smtClean="0">
-                <a:solidFill>
-                  <a:schemeClr val="bg2">
-                    <a:lumMod val="75000"/>
-                  </a:schemeClr>
-                </a:solidFill>
-              </a:rPr>
-              <a:t>14 </a:t>
-            </a:r>
-            <a:r>
-              <a:rPr lang="de-AT" dirty="0" smtClean="0">
-                <a:solidFill>
-                  <a:schemeClr val="bg2">
-                    <a:lumMod val="75000"/>
-                  </a:schemeClr>
-                </a:solidFill>
-              </a:rPr>
-              <a:t>Genres </a:t>
-            </a:r>
-            <a:r>
-              <a:rPr lang="de-AT" dirty="0" smtClean="0">
-                <a:solidFill>
-                  <a:schemeClr val="bg2">
-                    <a:lumMod val="75000"/>
-                  </a:schemeClr>
-                </a:solidFill>
-                <a:sym typeface="Wingdings" pitchFamily="2" charset="2"/>
-              </a:rPr>
-              <a:t> </a:t>
-            </a:r>
-            <a:r>
-              <a:rPr lang="de-AT" dirty="0" err="1" smtClean="0">
-                <a:solidFill>
-                  <a:schemeClr val="bg2">
-                    <a:lumMod val="75000"/>
-                  </a:schemeClr>
-                </a:solidFill>
-                <a:sym typeface="Wingdings" pitchFamily="2" charset="2"/>
-              </a:rPr>
-              <a:t>kMeans</a:t>
-            </a:r>
-            <a:r>
-              <a:rPr lang="de-AT" dirty="0" smtClean="0">
-                <a:solidFill>
-                  <a:schemeClr val="bg2">
-                    <a:lumMod val="75000"/>
-                  </a:schemeClr>
-                </a:solidFill>
-                <a:sym typeface="Wingdings" pitchFamily="2" charset="2"/>
-              </a:rPr>
-              <a:t> Clustering mit 14 Cluster?!</a:t>
-            </a:r>
-          </a:p>
-          <a:p>
-            <a:pPr lvl="1" eaLnBrk="1" hangingPunct="1"/>
-            <a:endParaRPr lang="de-AT" sz="1600" dirty="0">
+              <a:rPr lang="de-AT" b="1" dirty="0" smtClean="0">
+                <a:solidFill>
+                  <a:schemeClr val="bg2">
+                    <a:lumMod val="75000"/>
+                  </a:schemeClr>
+                </a:solidFill>
+              </a:rPr>
+              <a:t>Versuch Genre Klassifizierung</a:t>
+            </a:r>
+            <a:endParaRPr lang="de-AT" dirty="0" smtClean="0">
               <a:solidFill>
                 <a:schemeClr val="bg2">
                   <a:lumMod val="75000"/>
                 </a:schemeClr>
               </a:solidFill>
-              <a:sym typeface="Wingdings" pitchFamily="2" charset="2"/>
             </a:endParaRPr>
           </a:p>
           <a:p>
-            <a:pPr eaLnBrk="1" hangingPunct="1">
-              <a:buNone/>
-            </a:pPr>
+            <a:pPr lvl="1" eaLnBrk="1" hangingPunct="1"/>
+            <a:r>
+              <a:rPr lang="de-AT" dirty="0" smtClean="0">
+                <a:solidFill>
+                  <a:schemeClr val="bg2">
+                    <a:lumMod val="75000"/>
+                  </a:schemeClr>
+                </a:solidFill>
+              </a:rPr>
+              <a:t>Klassifikation der Labels des Genre&lt;&gt;Artist </a:t>
+            </a:r>
+            <a:r>
+              <a:rPr lang="de-AT" dirty="0" err="1" smtClean="0">
+                <a:solidFill>
+                  <a:schemeClr val="bg2">
+                    <a:lumMod val="75000"/>
+                  </a:schemeClr>
+                </a:solidFill>
+              </a:rPr>
+              <a:t>Mappings</a:t>
+            </a:r>
+            <a:r>
+              <a:rPr lang="de-AT" dirty="0" smtClean="0">
+                <a:solidFill>
+                  <a:schemeClr val="bg2">
+                    <a:lumMod val="75000"/>
+                  </a:schemeClr>
+                </a:solidFill>
+              </a:rPr>
+              <a:t> </a:t>
+            </a:r>
+            <a:br>
+              <a:rPr lang="de-AT" dirty="0" smtClean="0">
+                <a:solidFill>
+                  <a:schemeClr val="bg2">
+                    <a:lumMod val="75000"/>
+                  </a:schemeClr>
+                </a:solidFill>
+              </a:rPr>
+            </a:br>
+            <a:endParaRPr lang="de-AT" dirty="0" smtClean="0">
+              <a:solidFill>
+                <a:schemeClr val="bg2">
+                  <a:lumMod val="75000"/>
+                </a:schemeClr>
+              </a:solidFill>
+            </a:endParaRPr>
+          </a:p>
+          <a:p>
+            <a:pPr lvl="1" eaLnBrk="1" hangingPunct="1"/>
+            <a:endParaRPr lang="de-AT" sz="1400" dirty="0" smtClean="0">
+              <a:solidFill>
+                <a:schemeClr val="bg2">
+                  <a:lumMod val="75000"/>
+                </a:schemeClr>
+              </a:solidFill>
+              <a:latin typeface="Arial" pitchFamily="34" charset="0"/>
+              <a:cs typeface="Arial" pitchFamily="34" charset="0"/>
+            </a:endParaRPr>
+          </a:p>
+          <a:p>
+            <a:pPr lvl="1" eaLnBrk="1" hangingPunct="1"/>
+            <a:r>
+              <a:rPr lang="de-AT" dirty="0" smtClean="0">
+                <a:solidFill>
+                  <a:schemeClr val="bg2">
+                    <a:lumMod val="75000"/>
+                  </a:schemeClr>
+                </a:solidFill>
+              </a:rPr>
+              <a:t>Gute Resultate bei Default Einstellungen</a:t>
+            </a:r>
+            <a:r>
+              <a:rPr lang="de-AT" dirty="0">
+                <a:solidFill>
+                  <a:schemeClr val="bg2">
+                    <a:lumMod val="75000"/>
+                  </a:schemeClr>
+                </a:solidFill>
+              </a:rPr>
+              <a:t> </a:t>
+            </a:r>
+            <a:r>
+              <a:rPr lang="de-AT" dirty="0" smtClean="0">
+                <a:solidFill>
+                  <a:schemeClr val="bg2">
+                    <a:lumMod val="75000"/>
+                  </a:schemeClr>
+                </a:solidFill>
+              </a:rPr>
+              <a:t>, 10-fold CV</a:t>
+            </a:r>
+            <a:br>
+              <a:rPr lang="de-AT" dirty="0" smtClean="0">
+                <a:solidFill>
+                  <a:schemeClr val="bg2">
+                    <a:lumMod val="75000"/>
+                  </a:schemeClr>
+                </a:solidFill>
+              </a:rPr>
+            </a:br>
+            <a:r>
+              <a:rPr lang="de-AT" b="1" dirty="0" err="1" smtClean="0">
+                <a:solidFill>
+                  <a:schemeClr val="bg2">
+                    <a:lumMod val="75000"/>
+                  </a:schemeClr>
+                </a:solidFill>
+              </a:rPr>
+              <a:t>Lazy</a:t>
+            </a:r>
+            <a:r>
+              <a:rPr lang="de-AT" b="1" dirty="0" smtClean="0">
+                <a:solidFill>
+                  <a:schemeClr val="bg2">
+                    <a:lumMod val="75000"/>
+                  </a:schemeClr>
+                </a:solidFill>
+              </a:rPr>
+              <a:t> </a:t>
+            </a:r>
+            <a:r>
+              <a:rPr lang="de-AT" b="1" dirty="0" err="1" smtClean="0">
+                <a:solidFill>
+                  <a:schemeClr val="bg2">
+                    <a:lumMod val="75000"/>
+                  </a:schemeClr>
+                </a:solidFill>
+              </a:rPr>
+              <a:t>Ibk</a:t>
+            </a:r>
+            <a:r>
+              <a:rPr lang="de-AT" b="1" dirty="0" smtClean="0">
+                <a:solidFill>
+                  <a:schemeClr val="bg2">
+                    <a:lumMod val="75000"/>
+                  </a:schemeClr>
+                </a:solidFill>
+              </a:rPr>
+              <a:t> (KNN </a:t>
+            </a:r>
+            <a:r>
+              <a:rPr lang="de-AT" b="1" dirty="0" err="1" smtClean="0">
+                <a:solidFill>
+                  <a:schemeClr val="bg2">
+                    <a:lumMod val="75000"/>
+                  </a:schemeClr>
+                </a:solidFill>
+              </a:rPr>
+              <a:t>Klassifier</a:t>
+            </a:r>
+            <a:r>
+              <a:rPr lang="de-AT" b="1" dirty="0">
+                <a:solidFill>
+                  <a:schemeClr val="bg2">
+                    <a:lumMod val="75000"/>
+                  </a:schemeClr>
+                </a:solidFill>
+              </a:rPr>
+              <a:t>)  - </a:t>
+            </a:r>
+            <a:r>
+              <a:rPr lang="de-AT" b="1" dirty="0" smtClean="0">
+                <a:solidFill>
+                  <a:schemeClr val="bg2">
+                    <a:lumMod val="75000"/>
+                  </a:schemeClr>
+                </a:solidFill>
+              </a:rPr>
+              <a:t>95 % </a:t>
+            </a:r>
+            <a:r>
+              <a:rPr lang="de-AT" dirty="0" smtClean="0">
+                <a:solidFill>
+                  <a:schemeClr val="bg2">
+                    <a:lumMod val="75000"/>
+                  </a:schemeClr>
+                </a:solidFill>
+              </a:rPr>
+              <a:t>, Naive </a:t>
+            </a:r>
+            <a:r>
+              <a:rPr lang="de-AT" dirty="0" err="1" smtClean="0">
+                <a:solidFill>
+                  <a:schemeClr val="bg2">
+                    <a:lumMod val="75000"/>
+                  </a:schemeClr>
+                </a:solidFill>
+              </a:rPr>
+              <a:t>Bayes</a:t>
+            </a:r>
+            <a:r>
+              <a:rPr lang="de-AT" dirty="0">
+                <a:solidFill>
+                  <a:schemeClr val="bg2">
+                    <a:lumMod val="75000"/>
+                  </a:schemeClr>
+                </a:solidFill>
+              </a:rPr>
+              <a:t> - </a:t>
+            </a:r>
+            <a:r>
+              <a:rPr lang="de-AT" dirty="0" smtClean="0">
+                <a:solidFill>
+                  <a:schemeClr val="bg2">
+                    <a:lumMod val="75000"/>
+                  </a:schemeClr>
+                </a:solidFill>
+              </a:rPr>
+              <a:t>89%</a:t>
+            </a:r>
+            <a:br>
+              <a:rPr lang="de-AT" dirty="0" smtClean="0">
+                <a:solidFill>
+                  <a:schemeClr val="bg2">
+                    <a:lumMod val="75000"/>
+                  </a:schemeClr>
+                </a:solidFill>
+              </a:rPr>
+            </a:br>
+            <a:r>
+              <a:rPr lang="de-AT" b="1" dirty="0" err="1" smtClean="0">
+                <a:solidFill>
+                  <a:schemeClr val="bg2">
+                    <a:lumMod val="75000"/>
+                  </a:schemeClr>
+                </a:solidFill>
+              </a:rPr>
+              <a:t>Baseline</a:t>
+            </a:r>
+            <a:r>
+              <a:rPr lang="de-AT" b="1" dirty="0" smtClean="0">
+                <a:solidFill>
+                  <a:schemeClr val="bg2">
+                    <a:lumMod val="75000"/>
+                  </a:schemeClr>
+                </a:solidFill>
+              </a:rPr>
+              <a:t> </a:t>
+            </a:r>
+            <a:r>
+              <a:rPr lang="de-AT" b="1" dirty="0" err="1" smtClean="0">
+                <a:solidFill>
+                  <a:schemeClr val="bg2">
+                    <a:lumMod val="75000"/>
+                  </a:schemeClr>
+                </a:solidFill>
+              </a:rPr>
+              <a:t>ZeroR</a:t>
+            </a:r>
+            <a:r>
+              <a:rPr lang="de-AT" b="1" dirty="0" smtClean="0">
+                <a:solidFill>
+                  <a:schemeClr val="bg2">
+                    <a:lumMod val="75000"/>
+                  </a:schemeClr>
+                </a:solidFill>
+              </a:rPr>
+              <a:t>, 4,5%</a:t>
+            </a:r>
+          </a:p>
+          <a:p>
+            <a:pPr lvl="1" eaLnBrk="1" hangingPunct="1"/>
             <a:endParaRPr lang="de-AT" b="1" dirty="0" smtClean="0">
               <a:solidFill>
                 <a:schemeClr val="bg2">
                   <a:lumMod val="75000"/>
                 </a:schemeClr>
               </a:solidFill>
+            </a:endParaRPr>
+          </a:p>
+          <a:p>
+            <a:pPr lvl="1" eaLnBrk="1" hangingPunct="1"/>
+            <a:r>
+              <a:rPr lang="de-AT" sz="1400" b="1" dirty="0" smtClean="0">
+                <a:solidFill>
+                  <a:schemeClr val="bg2">
+                    <a:lumMod val="75000"/>
+                  </a:schemeClr>
+                </a:solidFill>
+                <a:latin typeface="Arial" pitchFamily="34" charset="0"/>
+                <a:cs typeface="Arial" pitchFamily="34" charset="0"/>
+              </a:rPr>
+              <a:t>Aber: </a:t>
+            </a:r>
+            <a:r>
+              <a:rPr lang="de-AT" sz="1400" dirty="0" smtClean="0">
+                <a:solidFill>
+                  <a:schemeClr val="bg2">
+                    <a:lumMod val="75000"/>
+                  </a:schemeClr>
+                </a:solidFill>
+                <a:latin typeface="Arial" pitchFamily="34" charset="0"/>
+                <a:cs typeface="Arial" pitchFamily="34" charset="0"/>
+              </a:rPr>
+              <a:t>Unabhängigkeit der Features&lt;&gt; </a:t>
+            </a:r>
+            <a:r>
+              <a:rPr lang="de-AT" sz="1400" dirty="0" err="1" smtClean="0">
+                <a:solidFill>
+                  <a:schemeClr val="bg2">
+                    <a:lumMod val="75000"/>
+                  </a:schemeClr>
+                </a:solidFill>
+                <a:latin typeface="Arial" pitchFamily="34" charset="0"/>
+                <a:cs typeface="Arial" pitchFamily="34" charset="0"/>
+              </a:rPr>
+              <a:t>Instances</a:t>
+            </a:r>
+            <a:r>
+              <a:rPr lang="de-AT" sz="1400" dirty="0" smtClean="0">
+                <a:solidFill>
+                  <a:schemeClr val="bg2">
+                    <a:lumMod val="75000"/>
+                  </a:schemeClr>
+                </a:solidFill>
+                <a:latin typeface="Arial" pitchFamily="34" charset="0"/>
+                <a:cs typeface="Arial" pitchFamily="34" charset="0"/>
+              </a:rPr>
+              <a:t> nicht gegeben. Jeder Artist ist ultimativ unterscheidbar durch eine Dimension (1.0) </a:t>
+            </a:r>
+            <a:r>
+              <a:rPr lang="de-AT" sz="1400" dirty="0" smtClean="0">
+                <a:solidFill>
+                  <a:schemeClr val="bg2">
+                    <a:lumMod val="75000"/>
+                  </a:schemeClr>
+                </a:solidFill>
+                <a:latin typeface="Arial" pitchFamily="34" charset="0"/>
+                <a:cs typeface="Arial" pitchFamily="34" charset="0"/>
+                <a:sym typeface="Wingdings" pitchFamily="2" charset="2"/>
+              </a:rPr>
+              <a:t> </a:t>
+            </a:r>
+            <a:r>
+              <a:rPr lang="de-AT" sz="1400" dirty="0" err="1" smtClean="0">
+                <a:solidFill>
+                  <a:schemeClr val="bg2">
+                    <a:lumMod val="75000"/>
+                  </a:schemeClr>
+                </a:solidFill>
+                <a:latin typeface="Arial" pitchFamily="34" charset="0"/>
+                <a:cs typeface="Arial" pitchFamily="34" charset="0"/>
+                <a:sym typeface="Wingdings" pitchFamily="2" charset="2"/>
+              </a:rPr>
+              <a:t>Overfitting</a:t>
+            </a:r>
+            <a:r>
+              <a:rPr lang="de-AT" sz="1400" dirty="0" smtClean="0">
+                <a:solidFill>
+                  <a:schemeClr val="bg2">
+                    <a:lumMod val="75000"/>
+                  </a:schemeClr>
+                </a:solidFill>
+                <a:latin typeface="Arial" pitchFamily="34" charset="0"/>
+                <a:cs typeface="Arial" pitchFamily="34" charset="0"/>
+                <a:sym typeface="Wingdings" pitchFamily="2" charset="2"/>
+              </a:rPr>
+              <a:t> </a:t>
+            </a:r>
+            <a:endParaRPr lang="de-AT" sz="1400" dirty="0" smtClean="0">
+              <a:solidFill>
+                <a:schemeClr val="bg2">
+                  <a:lumMod val="75000"/>
+                </a:schemeClr>
+              </a:solidFill>
+              <a:latin typeface="Arial" pitchFamily="34" charset="0"/>
+              <a:cs typeface="Arial" pitchFamily="34" charset="0"/>
+            </a:endParaRPr>
+          </a:p>
+          <a:p>
+            <a:pPr lvl="1" eaLnBrk="1" hangingPunct="1"/>
+            <a:r>
+              <a:rPr lang="de-AT" dirty="0" err="1" smtClean="0">
+                <a:solidFill>
+                  <a:schemeClr val="bg2">
+                    <a:lumMod val="75000"/>
+                  </a:schemeClr>
+                </a:solidFill>
+              </a:rPr>
+              <a:t>Geplant:Nur</a:t>
+            </a:r>
+            <a:r>
+              <a:rPr lang="de-AT" dirty="0" smtClean="0">
+                <a:solidFill>
+                  <a:schemeClr val="bg2">
+                    <a:lumMod val="75000"/>
+                  </a:schemeClr>
+                </a:solidFill>
+              </a:rPr>
+              <a:t> Ähnlichkeiten der Top 10 </a:t>
+            </a:r>
+            <a:r>
+              <a:rPr lang="de-AT" dirty="0" err="1" smtClean="0">
+                <a:solidFill>
+                  <a:schemeClr val="bg2">
+                    <a:lumMod val="75000"/>
+                  </a:schemeClr>
+                </a:solidFill>
+              </a:rPr>
+              <a:t>Artists</a:t>
+            </a:r>
+            <a:r>
+              <a:rPr lang="de-AT" dirty="0" smtClean="0">
+                <a:solidFill>
+                  <a:schemeClr val="bg2">
+                    <a:lumMod val="75000"/>
+                  </a:schemeClr>
+                </a:solidFill>
+              </a:rPr>
+              <a:t> eines Genres als Features, Alle überbleibenden </a:t>
+            </a:r>
+            <a:r>
+              <a:rPr lang="de-AT" dirty="0" err="1" smtClean="0">
+                <a:solidFill>
+                  <a:schemeClr val="bg2">
+                    <a:lumMod val="75000"/>
+                  </a:schemeClr>
+                </a:solidFill>
+              </a:rPr>
+              <a:t>Artists</a:t>
+            </a:r>
+            <a:r>
+              <a:rPr lang="de-AT" dirty="0" smtClean="0">
+                <a:solidFill>
+                  <a:schemeClr val="bg2">
+                    <a:lumMod val="75000"/>
+                  </a:schemeClr>
+                </a:solidFill>
+              </a:rPr>
+              <a:t> als </a:t>
+            </a:r>
+            <a:r>
+              <a:rPr lang="de-AT" dirty="0" err="1" smtClean="0">
+                <a:solidFill>
+                  <a:schemeClr val="bg2">
+                    <a:lumMod val="75000"/>
+                  </a:schemeClr>
+                </a:solidFill>
+              </a:rPr>
+              <a:t>Instances</a:t>
+            </a:r>
+            <a:r>
+              <a:rPr lang="de-AT" dirty="0" smtClean="0">
+                <a:solidFill>
+                  <a:schemeClr val="bg2">
+                    <a:lumMod val="75000"/>
+                  </a:schemeClr>
+                </a:solidFill>
+              </a:rPr>
+              <a:t> </a:t>
+            </a:r>
+          </a:p>
+          <a:p>
+            <a:pPr lvl="1" eaLnBrk="1" hangingPunct="1"/>
+            <a:endParaRPr lang="de-AT" sz="1400" dirty="0" smtClean="0">
+              <a:solidFill>
+                <a:schemeClr val="bg2">
+                  <a:lumMod val="75000"/>
+                </a:schemeClr>
+              </a:solidFill>
+              <a:latin typeface="Arial" pitchFamily="34" charset="0"/>
+              <a:cs typeface="Arial" pitchFamily="34" charset="0"/>
+            </a:endParaRPr>
+          </a:p>
+          <a:p>
+            <a:pPr eaLnBrk="1" hangingPunct="1">
+              <a:buNone/>
+            </a:pPr>
+            <a:endParaRPr lang="de-AT" sz="1600" dirty="0" smtClean="0">
+              <a:solidFill>
+                <a:schemeClr val="bg2">
+                  <a:lumMod val="75000"/>
+                </a:schemeClr>
+              </a:solidFill>
+              <a:latin typeface="Arial" pitchFamily="34" charset="0"/>
+              <a:cs typeface="Arial" pitchFamily="34" charset="0"/>
             </a:endParaRPr>
           </a:p>
         </p:txBody>
@@ -8913,148 +8862,10 @@
                   <a:srgbClr val="9F9F9F"/>
                 </a:solidFill>
                 <a:latin typeface="Eurostile ExtendedTwo" pitchFamily="34" charset="0"/>
+                <a:ea typeface="+mj-ea"/>
+                <a:cs typeface="+mj-cs"/>
               </a:rPr>
               <a:t>Work in progress</a:t>
-            </a:r>
-          </a:p>
-        </p:txBody>
-      </p:sp>
-      <p:sp>
-        <p:nvSpPr>
-          <p:cNvPr id="4" name="Rechteck 3"/>
-          <p:cNvSpPr/>
-          <p:nvPr/>
-        </p:nvSpPr>
-        <p:spPr>
-          <a:xfrm>
-            <a:off x="2357422" y="2786058"/>
-            <a:ext cx="2643206" cy="2049792"/>
-          </a:xfrm>
-          <a:prstGeom prst="rect">
-            <a:avLst/>
-          </a:prstGeom>
-          <a:solidFill>
-            <a:schemeClr val="bg1"/>
-          </a:solidFill>
-        </p:spPr>
-        <p:txBody>
-          <a:bodyPr wrap="square">
-            <a:spAutoFit/>
-          </a:bodyPr>
-          <a:lstStyle/>
-          <a:p>
-            <a:r>
-              <a:rPr lang="de-DE" sz="1200" b="1" dirty="0" smtClean="0">
-                <a:latin typeface="Courier New" pitchFamily="49" charset="0"/>
-                <a:cs typeface="Courier New" pitchFamily="49" charset="0"/>
-              </a:rPr>
-              <a:t>Reggae 2x</a:t>
-            </a:r>
-          </a:p>
-          <a:p>
-            <a:r>
-              <a:rPr lang="de-DE" sz="1200" b="1" dirty="0" err="1" smtClean="0">
-                <a:latin typeface="Courier New" pitchFamily="49" charset="0"/>
-                <a:cs typeface="Courier New" pitchFamily="49" charset="0"/>
-              </a:rPr>
-              <a:t>country</a:t>
-            </a:r>
-            <a:endParaRPr lang="de-DE" sz="1200" b="1" dirty="0" smtClean="0">
-              <a:latin typeface="Courier New" pitchFamily="49" charset="0"/>
-              <a:cs typeface="Courier New" pitchFamily="49" charset="0"/>
-            </a:endParaRPr>
-          </a:p>
-          <a:p>
-            <a:r>
-              <a:rPr lang="de-DE" sz="1200" b="1" dirty="0" err="1" smtClean="0">
-                <a:latin typeface="Courier New" pitchFamily="49" charset="0"/>
-                <a:cs typeface="Courier New" pitchFamily="49" charset="0"/>
-              </a:rPr>
-              <a:t>electronica</a:t>
-            </a:r>
-            <a:endParaRPr lang="de-DE" sz="1200" b="1" dirty="0" smtClean="0">
-              <a:latin typeface="Courier New" pitchFamily="49" charset="0"/>
-              <a:cs typeface="Courier New" pitchFamily="49" charset="0"/>
-            </a:endParaRPr>
-          </a:p>
-          <a:p>
-            <a:r>
-              <a:rPr lang="de-DE" sz="1200" b="1" dirty="0" err="1" smtClean="0">
-                <a:latin typeface="Courier New" pitchFamily="49" charset="0"/>
-                <a:cs typeface="Courier New" pitchFamily="49" charset="0"/>
-              </a:rPr>
-              <a:t>raphiphop</a:t>
-            </a:r>
-            <a:r>
-              <a:rPr lang="de-DE" sz="1200" b="1" dirty="0" smtClean="0">
-                <a:latin typeface="Courier New" pitchFamily="49" charset="0"/>
-                <a:cs typeface="Courier New" pitchFamily="49" charset="0"/>
-              </a:rPr>
-              <a:t> 3x</a:t>
-            </a:r>
-          </a:p>
-          <a:p>
-            <a:r>
-              <a:rPr lang="de-DE" sz="1200" b="1" dirty="0" err="1" smtClean="0">
-                <a:latin typeface="Courier New" pitchFamily="49" charset="0"/>
-                <a:cs typeface="Courier New" pitchFamily="49" charset="0"/>
-              </a:rPr>
-              <a:t>heavymetalhardrock</a:t>
-            </a:r>
-            <a:endParaRPr lang="de-DE" sz="1200" b="1" dirty="0" smtClean="0">
-              <a:latin typeface="Courier New" pitchFamily="49" charset="0"/>
-              <a:cs typeface="Courier New" pitchFamily="49" charset="0"/>
-            </a:endParaRPr>
-          </a:p>
-          <a:p>
-            <a:r>
-              <a:rPr lang="de-DE" sz="1200" b="1" dirty="0" err="1" smtClean="0">
-                <a:latin typeface="Courier New" pitchFamily="49" charset="0"/>
-                <a:cs typeface="Courier New" pitchFamily="49" charset="0"/>
-              </a:rPr>
-              <a:t>punk</a:t>
-            </a:r>
-            <a:r>
-              <a:rPr lang="de-DE" sz="1200" b="1" dirty="0" smtClean="0">
-                <a:latin typeface="Courier New" pitchFamily="49" charset="0"/>
-                <a:cs typeface="Courier New" pitchFamily="49" charset="0"/>
-              </a:rPr>
-              <a:t> 3x</a:t>
-            </a:r>
-          </a:p>
-          <a:p>
-            <a:r>
-              <a:rPr lang="de-DE" sz="1200" b="1" dirty="0" err="1" smtClean="0">
-                <a:latin typeface="Courier New" pitchFamily="49" charset="0"/>
-                <a:cs typeface="Courier New" pitchFamily="49" charset="0"/>
-              </a:rPr>
-              <a:t>Classical</a:t>
-            </a:r>
-            <a:endParaRPr lang="de-DE" sz="1200" b="1" dirty="0" smtClean="0">
-              <a:latin typeface="Courier New" pitchFamily="49" charset="0"/>
-              <a:cs typeface="Courier New" pitchFamily="49" charset="0"/>
-            </a:endParaRPr>
-          </a:p>
-          <a:p>
-            <a:r>
-              <a:rPr lang="de-DE" sz="1200" b="1" dirty="0" err="1" smtClean="0">
-                <a:latin typeface="Courier New" pitchFamily="49" charset="0"/>
-                <a:cs typeface="Courier New" pitchFamily="49" charset="0"/>
-              </a:rPr>
-              <a:t>rnbsoul</a:t>
-            </a:r>
-            <a:endParaRPr lang="de-DE" sz="1200" b="1" dirty="0" smtClean="0">
-              <a:latin typeface="Courier New" pitchFamily="49" charset="0"/>
-              <a:cs typeface="Courier New" pitchFamily="49" charset="0"/>
-            </a:endParaRPr>
-          </a:p>
-          <a:p>
-            <a:r>
-              <a:rPr lang="de-DE" sz="1200" b="1" dirty="0" smtClean="0">
-                <a:latin typeface="Courier New" pitchFamily="49" charset="0"/>
-                <a:cs typeface="Courier New" pitchFamily="49" charset="0"/>
-              </a:rPr>
-              <a:t>jazz</a:t>
             </a:r>
           </a:p>
         </p:txBody>
@@ -9067,15 +8878,12 @@
         </p:nvSpPr>
         <p:spPr>
           <a:xfrm>
-            <a:off x="357158" y="2786058"/>
-            <a:ext cx="2000264" cy="3157788"/>
+            <a:off x="4429124" y="2143116"/>
+            <a:ext cx="4714908" cy="3822585"/>
           </a:xfrm>
           <a:prstGeom prst="rect">
             <a:avLst/>
           </a:prstGeom>
-          <a:solidFill>
-            <a:schemeClr val="bg1"/>
-          </a:solidFill>
         </p:spPr>
         <p:txBody>
           <a:bodyPr wrap="square">
@@ -9084,18 +8892,15 @@
           <a:lstStyle/>
           <a:p>
             <a:r>
-              <a:rPr lang="de-DE" sz="1200" b="1" dirty="0" err="1" smtClean="0">
+              <a:rPr lang="de-AT" sz="1200" b="1" dirty="0" err="1" smtClean="0">
+                <a:solidFill>
+                  <a:schemeClr val="tx1"/>
+                </a:solidFill>
                 <a:latin typeface="Courier New" pitchFamily="49" charset="0"/>
                 <a:cs typeface="Courier New" pitchFamily="49" charset="0"/>
               </a:rPr>
-              <a:t>country</a:t>
-            </a:r>
-            <a:endParaRPr lang="de-DE" sz="1200" b="1" dirty="0" smtClean="0">
-              <a:latin typeface="Courier New" pitchFamily="49" charset="0"/>
-              <a:cs typeface="Courier New" pitchFamily="49" charset="0"/>
-            </a:endParaRPr>
-          </a:p>
-          <a:p>
+              <a:t>Lazy</a:t>
+            </a:r>
             <a:r>
               <a:rPr lang="de-AT" sz="1200" b="1" dirty="0" smtClean="0">
                 <a:solidFill>
@@ -9104,66 +8909,17 @@
                 <a:latin typeface="Courier New" pitchFamily="49" charset="0"/>
                 <a:cs typeface="Courier New" pitchFamily="49" charset="0"/>
               </a:rPr>
-              <a:t>Folk </a:t>
-            </a:r>
-          </a:p>
-          <a:p>
-            <a:r>
-              <a:rPr lang="de-AT" sz="1200" b="1" dirty="0" smtClean="0">
+              <a:t> </a:t>
+            </a:r>
+            <a:r>
+              <a:rPr lang="de-AT" sz="1200" b="1" dirty="0" err="1" smtClean="0">
+                <a:solidFill>
+                  <a:schemeClr val="tx1"/>
+                </a:solidFill>
                 <a:latin typeface="Courier New" pitchFamily="49" charset="0"/>
                 <a:cs typeface="Courier New" pitchFamily="49" charset="0"/>
               </a:rPr>
-              <a:t>Jazz</a:t>
-            </a:r>
-          </a:p>
-          <a:p>
-            <a:r>
-              <a:rPr lang="de-AT" sz="1200" b="1" dirty="0" smtClean="0">
-                <a:solidFill>
-                  <a:schemeClr val="tx1"/>
-                </a:solidFill>
-                <a:latin typeface="Courier New" pitchFamily="49" charset="0"/>
-                <a:cs typeface="Courier New" pitchFamily="49" charset="0"/>
-              </a:rPr>
-              <a:t>Blues </a:t>
-            </a:r>
-          </a:p>
-          <a:p>
-            <a:r>
-              <a:rPr lang="de-DE" sz="1200" b="1" dirty="0" err="1" smtClean="0">
-                <a:latin typeface="Courier New" pitchFamily="49" charset="0"/>
-                <a:cs typeface="Courier New" pitchFamily="49" charset="0"/>
-              </a:rPr>
-              <a:t>rnbsoul</a:t>
-            </a:r>
-            <a:endParaRPr lang="de-DE" sz="1200" b="1" dirty="0" smtClean="0">
-              <a:latin typeface="Courier New" pitchFamily="49" charset="0"/>
-              <a:cs typeface="Courier New" pitchFamily="49" charset="0"/>
-            </a:endParaRPr>
-          </a:p>
-          <a:p>
-            <a:r>
-              <a:rPr lang="de-DE" sz="1200" b="1" dirty="0" err="1" smtClean="0">
-                <a:latin typeface="Courier New" pitchFamily="49" charset="0"/>
-                <a:cs typeface="Courier New" pitchFamily="49" charset="0"/>
-              </a:rPr>
-              <a:t>hHeavymetalhardrock</a:t>
-            </a:r>
-            <a:endParaRPr lang="de-DE" sz="1200" b="1" dirty="0" smtClean="0">
-              <a:latin typeface="Courier New" pitchFamily="49" charset="0"/>
-              <a:cs typeface="Courier New" pitchFamily="49" charset="0"/>
-            </a:endParaRPr>
-          </a:p>
-          <a:p>
-            <a:r>
-              <a:rPr lang="de-AT" sz="1200" b="1" dirty="0" err="1" smtClean="0">
-                <a:solidFill>
-                  <a:schemeClr val="tx1"/>
-                </a:solidFill>
-                <a:latin typeface="Courier New" pitchFamily="49" charset="0"/>
-                <a:cs typeface="Courier New" pitchFamily="49" charset="0"/>
-              </a:rPr>
-              <a:t>Alt.rockindie</a:t>
+              <a:t>IBk</a:t>
             </a:r>
             <a:endParaRPr lang="de-DE" sz="1200" b="1" dirty="0" smtClean="0">
               <a:solidFill>
@@ -9175,149 +8931,466 @@
           </a:p>
           <a:p>
             <a:r>
-              <a:rPr lang="de-DE" sz="1200" b="1" dirty="0" err="1" smtClean="0">
+              <a:rPr lang="de-DE" sz="1200" b="1" dirty="0" smtClean="0">
+                <a:solidFill>
+                  <a:schemeClr val="tx1"/>
+                </a:solidFill>
                 <a:latin typeface="Courier New" pitchFamily="49" charset="0"/>
                 <a:cs typeface="Courier New" pitchFamily="49" charset="0"/>
               </a:rPr>
-              <a:t>punk</a:t>
+              <a:t>TP Rate   FP Rate   Precision  Class</a:t>
+            </a:r>
+          </a:p>
+          <a:p>
+            <a:r>
+              <a:rPr lang="de-DE" sz="1200" b="1" dirty="0" smtClean="0">
+                <a:solidFill>
+                  <a:schemeClr val="tx1"/>
+                </a:solidFill>
+                <a:latin typeface="Courier New" pitchFamily="49" charset="0"/>
+                <a:cs typeface="Courier New" pitchFamily="49" charset="0"/>
+              </a:rPr>
+              <a:t>1         0          1         </a:t>
+            </a:r>
+            <a:r>
+              <a:rPr lang="de-DE" sz="1200" b="1" dirty="0" err="1" smtClean="0">
+                <a:solidFill>
+                  <a:schemeClr val="tx1"/>
+                </a:solidFill>
+                <a:latin typeface="Courier New" pitchFamily="49" charset="0"/>
+                <a:cs typeface="Courier New" pitchFamily="49" charset="0"/>
+              </a:rPr>
+              <a:t>reggae</a:t>
             </a:r>
             <a:endParaRPr lang="de-DE" sz="1200" b="1" dirty="0" smtClean="0">
+              <a:solidFill>
+                <a:schemeClr val="tx1"/>
+              </a:solidFill>
               <a:latin typeface="Courier New" pitchFamily="49" charset="0"/>
               <a:cs typeface="Courier New" pitchFamily="49" charset="0"/>
             </a:endParaRPr>
           </a:p>
           <a:p>
             <a:r>
-              <a:rPr lang="de-DE" sz="1200" b="1" dirty="0" err="1" smtClean="0">
+              <a:rPr lang="de-DE" sz="1200" b="1" dirty="0" smtClean="0">
+                <a:solidFill>
+                  <a:schemeClr val="tx1"/>
+                </a:solidFill>
                 <a:latin typeface="Courier New" pitchFamily="49" charset="0"/>
                 <a:cs typeface="Courier New" pitchFamily="49" charset="0"/>
               </a:rPr>
-              <a:t>Raphiphop</a:t>
+              <a:t>0.938     0          1         </a:t>
+            </a:r>
+            <a:r>
+              <a:rPr lang="de-DE" sz="1200" b="1" dirty="0" err="1" smtClean="0">
+                <a:solidFill>
+                  <a:schemeClr val="tx1"/>
+                </a:solidFill>
+                <a:latin typeface="Courier New" pitchFamily="49" charset="0"/>
+                <a:cs typeface="Courier New" pitchFamily="49" charset="0"/>
+              </a:rPr>
+              <a:t>alt.rockindie</a:t>
             </a:r>
             <a:endParaRPr lang="de-DE" sz="1200" b="1" dirty="0" smtClean="0">
+              <a:solidFill>
+                <a:schemeClr val="tx1"/>
+              </a:solidFill>
               <a:latin typeface="Courier New" pitchFamily="49" charset="0"/>
               <a:cs typeface="Courier New" pitchFamily="49" charset="0"/>
             </a:endParaRPr>
           </a:p>
           <a:p>
             <a:r>
-              <a:rPr lang="de-AT" sz="1200" b="1" dirty="0" err="1" smtClean="0">
+              <a:rPr lang="de-DE" sz="1200" b="1" dirty="0" smtClean="0">
+                <a:solidFill>
+                  <a:schemeClr val="tx1"/>
+                </a:solidFill>
                 <a:latin typeface="Courier New" pitchFamily="49" charset="0"/>
                 <a:cs typeface="Courier New" pitchFamily="49" charset="0"/>
               </a:rPr>
-              <a:t>electronica</a:t>
+              <a:t>0.875     0.01       0.875     </a:t>
+            </a:r>
+            <a:r>
+              <a:rPr lang="de-DE" sz="1200" b="1" dirty="0" err="1" smtClean="0">
+                <a:solidFill>
+                  <a:schemeClr val="tx1"/>
+                </a:solidFill>
+                <a:latin typeface="Courier New" pitchFamily="49" charset="0"/>
+                <a:cs typeface="Courier New" pitchFamily="49" charset="0"/>
+              </a:rPr>
+              <a:t>folk</a:t>
             </a:r>
             <a:endParaRPr lang="de-DE" sz="1200" b="1" dirty="0" smtClean="0">
+              <a:solidFill>
+                <a:schemeClr val="tx1"/>
+              </a:solidFill>
               <a:latin typeface="Courier New" pitchFamily="49" charset="0"/>
               <a:cs typeface="Courier New" pitchFamily="49" charset="0"/>
             </a:endParaRPr>
           </a:p>
           <a:p>
             <a:r>
-              <a:rPr lang="de-DE" sz="1200" b="1" dirty="0" err="1" smtClean="0">
+              <a:rPr lang="de-DE" sz="1200" b="1" dirty="0" smtClean="0">
+                <a:solidFill>
+                  <a:schemeClr val="tx1"/>
+                </a:solidFill>
                 <a:latin typeface="Courier New" pitchFamily="49" charset="0"/>
                 <a:cs typeface="Courier New" pitchFamily="49" charset="0"/>
               </a:rPr>
-              <a:t>reggae</a:t>
+              <a:t>1         0.005      0.941     jazz</a:t>
+            </a:r>
+          </a:p>
+          <a:p>
+            <a:r>
+              <a:rPr lang="de-DE" sz="1200" b="1" dirty="0" smtClean="0">
+                <a:solidFill>
+                  <a:schemeClr val="tx1"/>
+                </a:solidFill>
+                <a:latin typeface="Courier New" pitchFamily="49" charset="0"/>
+                <a:cs typeface="Courier New" pitchFamily="49" charset="0"/>
+              </a:rPr>
+              <a:t>1         0.01       0.889     </a:t>
+            </a:r>
+            <a:r>
+              <a:rPr lang="de-DE" sz="1200" b="1" dirty="0" err="1" smtClean="0">
+                <a:solidFill>
+                  <a:schemeClr val="tx1"/>
+                </a:solidFill>
+                <a:latin typeface="Courier New" pitchFamily="49" charset="0"/>
+                <a:cs typeface="Courier New" pitchFamily="49" charset="0"/>
+              </a:rPr>
+              <a:t>pop</a:t>
             </a:r>
             <a:endParaRPr lang="de-DE" sz="1200" b="1" dirty="0" smtClean="0">
+              <a:solidFill>
+                <a:schemeClr val="tx1"/>
+              </a:solidFill>
               <a:latin typeface="Courier New" pitchFamily="49" charset="0"/>
               <a:cs typeface="Courier New" pitchFamily="49" charset="0"/>
             </a:endParaRPr>
           </a:p>
           <a:p>
             <a:r>
-              <a:rPr lang="de-DE" sz="1200" b="1" dirty="0" err="1" smtClean="0">
+              <a:rPr lang="de-DE" sz="1200" b="1" dirty="0" smtClean="0">
+                <a:solidFill>
+                  <a:schemeClr val="tx1"/>
+                </a:solidFill>
                 <a:latin typeface="Courier New" pitchFamily="49" charset="0"/>
                 <a:cs typeface="Courier New" pitchFamily="49" charset="0"/>
               </a:rPr>
-              <a:t>RocknRoll</a:t>
+              <a:t>0.938     0          1         </a:t>
+            </a:r>
+            <a:r>
+              <a:rPr lang="de-DE" sz="1200" b="1" dirty="0" err="1" smtClean="0">
+                <a:solidFill>
+                  <a:schemeClr val="tx1"/>
+                </a:solidFill>
+                <a:latin typeface="Courier New" pitchFamily="49" charset="0"/>
+                <a:cs typeface="Courier New" pitchFamily="49" charset="0"/>
+              </a:rPr>
+              <a:t>punk</a:t>
             </a:r>
             <a:endParaRPr lang="de-DE" sz="1200" b="1" dirty="0" smtClean="0">
+              <a:solidFill>
+                <a:schemeClr val="tx1"/>
+              </a:solidFill>
               <a:latin typeface="Courier New" pitchFamily="49" charset="0"/>
               <a:cs typeface="Courier New" pitchFamily="49" charset="0"/>
             </a:endParaRPr>
           </a:p>
           <a:p>
             <a:r>
-              <a:rPr lang="de-AT" sz="1200" b="1" dirty="0" err="1" smtClean="0">
+              <a:rPr lang="de-DE" sz="1200" b="1" dirty="0" smtClean="0">
+                <a:solidFill>
+                  <a:schemeClr val="tx1"/>
+                </a:solidFill>
                 <a:latin typeface="Courier New" pitchFamily="49" charset="0"/>
                 <a:cs typeface="Courier New" pitchFamily="49" charset="0"/>
               </a:rPr>
-              <a:t>pop</a:t>
+              <a:t>1         0.005      0.941     </a:t>
+            </a:r>
+            <a:r>
+              <a:rPr lang="de-DE" sz="1200" b="1" dirty="0" err="1" smtClean="0">
+                <a:solidFill>
+                  <a:schemeClr val="tx1"/>
+                </a:solidFill>
+                <a:latin typeface="Courier New" pitchFamily="49" charset="0"/>
+                <a:cs typeface="Courier New" pitchFamily="49" charset="0"/>
+              </a:rPr>
+              <a:t>electronica</a:t>
             </a:r>
             <a:endParaRPr lang="de-DE" sz="1200" b="1" dirty="0" smtClean="0">
+              <a:solidFill>
+                <a:schemeClr val="tx1"/>
+              </a:solidFill>
               <a:latin typeface="Courier New" pitchFamily="49" charset="0"/>
               <a:cs typeface="Courier New" pitchFamily="49" charset="0"/>
             </a:endParaRPr>
           </a:p>
           <a:p>
             <a:r>
-              <a:rPr lang="de-DE" sz="1200" b="1" dirty="0" err="1" smtClean="0">
+              <a:rPr lang="de-DE" sz="1200" b="1" dirty="0" smtClean="0">
+                <a:solidFill>
+                  <a:schemeClr val="tx1"/>
+                </a:solidFill>
                 <a:latin typeface="Courier New" pitchFamily="49" charset="0"/>
                 <a:cs typeface="Courier New" pitchFamily="49" charset="0"/>
               </a:rPr>
-              <a:t>classical</a:t>
-            </a:r>
-            <a:endParaRPr lang="de-DE" sz="1200" b="1" dirty="0">
+              <a:t>0.875     0.005      0.933     </a:t>
+            </a:r>
+            <a:r>
+              <a:rPr lang="de-DE" sz="1200" b="1" dirty="0" err="1" smtClean="0">
+                <a:solidFill>
+                  <a:schemeClr val="tx1"/>
+                </a:solidFill>
+                <a:latin typeface="Courier New" pitchFamily="49" charset="0"/>
+                <a:cs typeface="Courier New" pitchFamily="49" charset="0"/>
+              </a:rPr>
+              <a:t>country</a:t>
+            </a:r>
+            <a:endParaRPr lang="de-DE" sz="1200" b="1" dirty="0" smtClean="0">
+              <a:solidFill>
+                <a:schemeClr val="tx1"/>
+              </a:solidFill>
               <a:latin typeface="Courier New" pitchFamily="49" charset="0"/>
               <a:cs typeface="Courier New" pitchFamily="49" charset="0"/>
             </a:endParaRPr>
           </a:p>
+          <a:p>
+            <a:r>
+              <a:rPr lang="de-DE" sz="1200" b="1" dirty="0" smtClean="0">
+                <a:solidFill>
+                  <a:schemeClr val="tx1"/>
+                </a:solidFill>
+                <a:latin typeface="Courier New" pitchFamily="49" charset="0"/>
+                <a:cs typeface="Courier New" pitchFamily="49" charset="0"/>
+              </a:rPr>
+              <a:t>1         0          1         </a:t>
+            </a:r>
+            <a:r>
+              <a:rPr lang="de-DE" sz="1200" b="1" dirty="0" err="1" smtClean="0">
+                <a:solidFill>
+                  <a:schemeClr val="tx1"/>
+                </a:solidFill>
+                <a:latin typeface="Courier New" pitchFamily="49" charset="0"/>
+                <a:cs typeface="Courier New" pitchFamily="49" charset="0"/>
+              </a:rPr>
+              <a:t>classical</a:t>
+            </a:r>
+            <a:endParaRPr lang="de-DE" sz="1200" b="1" dirty="0" smtClean="0">
+              <a:solidFill>
+                <a:schemeClr val="tx1"/>
+              </a:solidFill>
+              <a:latin typeface="Courier New" pitchFamily="49" charset="0"/>
+              <a:cs typeface="Courier New" pitchFamily="49" charset="0"/>
+            </a:endParaRPr>
+          </a:p>
+          <a:p>
+            <a:r>
+              <a:rPr lang="de-DE" sz="1200" b="1" dirty="0" smtClean="0">
+                <a:solidFill>
+                  <a:schemeClr val="tx1"/>
+                </a:solidFill>
+                <a:latin typeface="Courier New" pitchFamily="49" charset="0"/>
+                <a:cs typeface="Courier New" pitchFamily="49" charset="0"/>
+              </a:rPr>
+              <a:t>1         0          1         </a:t>
+            </a:r>
+            <a:r>
+              <a:rPr lang="de-DE" sz="1200" b="1" dirty="0" err="1" smtClean="0">
+                <a:solidFill>
+                  <a:schemeClr val="tx1"/>
+                </a:solidFill>
+                <a:latin typeface="Courier New" pitchFamily="49" charset="0"/>
+                <a:cs typeface="Courier New" pitchFamily="49" charset="0"/>
+              </a:rPr>
+              <a:t>heavymetalhardrock</a:t>
+            </a:r>
+            <a:endParaRPr lang="de-DE" sz="1200" b="1" dirty="0" smtClean="0">
+              <a:solidFill>
+                <a:schemeClr val="tx1"/>
+              </a:solidFill>
+              <a:latin typeface="Courier New" pitchFamily="49" charset="0"/>
+              <a:cs typeface="Courier New" pitchFamily="49" charset="0"/>
+            </a:endParaRPr>
+          </a:p>
+          <a:p>
+            <a:r>
+              <a:rPr lang="de-DE" sz="1200" b="1" dirty="0" smtClean="0">
+                <a:solidFill>
+                  <a:schemeClr val="tx1"/>
+                </a:solidFill>
+                <a:latin typeface="Courier New" pitchFamily="49" charset="0"/>
+                <a:cs typeface="Courier New" pitchFamily="49" charset="0"/>
+              </a:rPr>
+              <a:t>0.938     0.005      0.938     </a:t>
+            </a:r>
+            <a:r>
+              <a:rPr lang="de-DE" sz="1200" b="1" dirty="0" err="1" smtClean="0">
+                <a:solidFill>
+                  <a:schemeClr val="tx1"/>
+                </a:solidFill>
+                <a:latin typeface="Courier New" pitchFamily="49" charset="0"/>
+                <a:cs typeface="Courier New" pitchFamily="49" charset="0"/>
+              </a:rPr>
+              <a:t>rocknroll</a:t>
+            </a:r>
+            <a:endParaRPr lang="de-DE" sz="1200" b="1" dirty="0" smtClean="0">
+              <a:solidFill>
+                <a:schemeClr val="tx1"/>
+              </a:solidFill>
+              <a:latin typeface="Courier New" pitchFamily="49" charset="0"/>
+              <a:cs typeface="Courier New" pitchFamily="49" charset="0"/>
+            </a:endParaRPr>
+          </a:p>
+          <a:p>
+            <a:r>
+              <a:rPr lang="de-DE" sz="1200" b="1" dirty="0" smtClean="0">
+                <a:solidFill>
+                  <a:schemeClr val="tx1"/>
+                </a:solidFill>
+                <a:latin typeface="Courier New" pitchFamily="49" charset="0"/>
+                <a:cs typeface="Courier New" pitchFamily="49" charset="0"/>
+              </a:rPr>
+              <a:t>0.938     0.005      0.938     </a:t>
+            </a:r>
+            <a:r>
+              <a:rPr lang="de-DE" sz="1200" b="1" dirty="0" err="1" smtClean="0">
+                <a:solidFill>
+                  <a:schemeClr val="tx1"/>
+                </a:solidFill>
+                <a:latin typeface="Courier New" pitchFamily="49" charset="0"/>
+                <a:cs typeface="Courier New" pitchFamily="49" charset="0"/>
+              </a:rPr>
+              <a:t>rnbsoul</a:t>
+            </a:r>
+            <a:endParaRPr lang="de-DE" sz="1200" b="1" dirty="0" smtClean="0">
+              <a:solidFill>
+                <a:schemeClr val="tx1"/>
+              </a:solidFill>
+              <a:latin typeface="Courier New" pitchFamily="49" charset="0"/>
+              <a:cs typeface="Courier New" pitchFamily="49" charset="0"/>
+            </a:endParaRPr>
+          </a:p>
+          <a:p>
+            <a:r>
+              <a:rPr lang="de-DE" sz="1200" b="1" dirty="0" smtClean="0">
+                <a:solidFill>
+                  <a:schemeClr val="tx1"/>
+                </a:solidFill>
+                <a:latin typeface="Courier New" pitchFamily="49" charset="0"/>
+                <a:cs typeface="Courier New" pitchFamily="49" charset="0"/>
+              </a:rPr>
+              <a:t>1         0          1         </a:t>
+            </a:r>
+            <a:r>
+              <a:rPr lang="de-DE" sz="1200" b="1" dirty="0" err="1" smtClean="0">
+                <a:solidFill>
+                  <a:schemeClr val="tx1"/>
+                </a:solidFill>
+                <a:latin typeface="Courier New" pitchFamily="49" charset="0"/>
+                <a:cs typeface="Courier New" pitchFamily="49" charset="0"/>
+              </a:rPr>
+              <a:t>raphiphop</a:t>
+            </a:r>
+            <a:endParaRPr lang="de-DE" sz="1200" b="1" dirty="0" smtClean="0">
+              <a:solidFill>
+                <a:schemeClr val="tx1"/>
+              </a:solidFill>
+              <a:latin typeface="Courier New" pitchFamily="49" charset="0"/>
+              <a:cs typeface="Courier New" pitchFamily="49" charset="0"/>
+            </a:endParaRPr>
+          </a:p>
+          <a:p>
+            <a:r>
+              <a:rPr lang="de-DE" sz="1200" b="1" dirty="0" smtClean="0">
+                <a:solidFill>
+                  <a:schemeClr val="tx1"/>
+                </a:solidFill>
+                <a:latin typeface="Courier New" pitchFamily="49" charset="0"/>
+                <a:cs typeface="Courier New" pitchFamily="49" charset="0"/>
+              </a:rPr>
+              <a:t>0.938     0          1         </a:t>
+            </a:r>
+            <a:r>
+              <a:rPr lang="de-DE" sz="1200" b="1" dirty="0" err="1" smtClean="0">
+                <a:solidFill>
+                  <a:schemeClr val="tx1"/>
+                </a:solidFill>
+                <a:latin typeface="Courier New" pitchFamily="49" charset="0"/>
+                <a:cs typeface="Courier New" pitchFamily="49" charset="0"/>
+              </a:rPr>
+              <a:t>blues</a:t>
+            </a:r>
+            <a:endParaRPr lang="de-DE" sz="1200" b="1" dirty="0" smtClean="0">
+              <a:solidFill>
+                <a:schemeClr val="tx1"/>
+              </a:solidFill>
+              <a:latin typeface="Courier New" pitchFamily="49" charset="0"/>
+              <a:cs typeface="Courier New" pitchFamily="49" charset="0"/>
+            </a:endParaRPr>
+          </a:p>
+          <a:p>
+            <a:r>
+              <a:rPr lang="de-DE" sz="1200" b="1" dirty="0" smtClean="0">
+                <a:solidFill>
+                  <a:schemeClr val="tx1"/>
+                </a:solidFill>
+                <a:latin typeface="Courier New" pitchFamily="49" charset="0"/>
+                <a:cs typeface="Courier New" pitchFamily="49" charset="0"/>
+              </a:rPr>
+              <a:t>0.96      0.003      0.961    (</a:t>
+            </a:r>
+            <a:r>
+              <a:rPr lang="de-DE" sz="1200" b="1" dirty="0" err="1" smtClean="0">
+                <a:solidFill>
+                  <a:schemeClr val="tx1"/>
+                </a:solidFill>
+                <a:latin typeface="Courier New" pitchFamily="49" charset="0"/>
+                <a:cs typeface="Courier New" pitchFamily="49" charset="0"/>
+              </a:rPr>
+              <a:t>Weighted</a:t>
+            </a:r>
+            <a:r>
+              <a:rPr lang="de-DE" sz="1200" b="1" dirty="0" smtClean="0">
+                <a:solidFill>
+                  <a:schemeClr val="tx1"/>
+                </a:solidFill>
+                <a:latin typeface="Courier New" pitchFamily="49" charset="0"/>
+                <a:cs typeface="Courier New" pitchFamily="49" charset="0"/>
+              </a:rPr>
+              <a:t> </a:t>
+            </a:r>
+            <a:r>
+              <a:rPr lang="de-DE" sz="1200" b="1" dirty="0" err="1" smtClean="0">
+                <a:solidFill>
+                  <a:schemeClr val="tx1"/>
+                </a:solidFill>
+                <a:latin typeface="Courier New" pitchFamily="49" charset="0"/>
+                <a:cs typeface="Courier New" pitchFamily="49" charset="0"/>
+              </a:rPr>
+              <a:t>Avg</a:t>
+            </a:r>
+            <a:r>
+              <a:rPr lang="de-DE" sz="1200" b="1" dirty="0" smtClean="0">
+                <a:solidFill>
+                  <a:schemeClr val="tx1"/>
+                </a:solidFill>
+                <a:latin typeface="Courier New" pitchFamily="49" charset="0"/>
+                <a:cs typeface="Courier New" pitchFamily="49" charset="0"/>
+              </a:rPr>
+              <a:t>)</a:t>
+            </a:r>
+            <a:endParaRPr lang="de-DE" sz="1200" b="1" dirty="0">
+              <a:solidFill>
+                <a:schemeClr val="tx1"/>
+              </a:solidFill>
+              <a:latin typeface="Courier New" pitchFamily="49" charset="0"/>
+              <a:cs typeface="Courier New" pitchFamily="49" charset="0"/>
+            </a:endParaRPr>
+          </a:p>
         </p:txBody>
       </p:sp>
-      <p:pic>
-        <p:nvPicPr>
-          <p:cNvPr id="20482" name="Picture 2" descr="C:\Documents and Settings\Jakob\Desktop\cluster.png"/>
-          <p:cNvPicPr>
-            <a:picLocks noChangeAspect="1" noChangeArrowheads="1"/>
-          </p:cNvPicPr>
-          <p:nvPr/>
-        </p:nvPicPr>
-        <p:blipFill>
-          <a:blip r:embed="rId3"/>
-          <a:srcRect/>
-          <a:stretch>
-            <a:fillRect/>
-          </a:stretch>
-        </p:blipFill>
-        <p:spPr bwMode="auto">
-          <a:xfrm>
-            <a:off x="4714876" y="2428868"/>
-            <a:ext cx="4286935" cy="3214710"/>
-          </a:xfrm>
-          <a:prstGeom prst="rect">
-            <a:avLst/>
-          </a:prstGeom>
-          <a:noFill/>
-        </p:spPr>
-      </p:pic>
-      <p:pic>
-        <p:nvPicPr>
-          <p:cNvPr id="7" name="Picture 2" descr="C:\Documents and Settings\Jakob\Desktop\cluster.png"/>
-          <p:cNvPicPr>
-            <a:picLocks noChangeAspect="1" noChangeArrowheads="1"/>
-          </p:cNvPicPr>
-          <p:nvPr/>
-        </p:nvPicPr>
-        <p:blipFill>
-          <a:blip r:embed="rId3"/>
-          <a:srcRect l="-1666" t="24444" r="31677" b="17778"/>
-          <a:stretch>
-            <a:fillRect/>
-          </a:stretch>
-        </p:blipFill>
-        <p:spPr bwMode="auto">
-          <a:xfrm>
-            <a:off x="4143372" y="3929066"/>
-            <a:ext cx="4572032" cy="2830306"/>
-          </a:xfrm>
-          <a:prstGeom prst="rect">
-            <a:avLst/>
-          </a:prstGeom>
-          <a:noFill/>
-        </p:spPr>
-      </p:pic>
     </p:spTree>
   </p:cSld>
   <p:clrMapOvr>
@@ -9798,6 +9871,600 @@
           <a:xfrm>
             <a:off x="5000628" y="2000240"/>
             <a:ext cx="3778596" cy="4629226"/>
+          </a:xfrm>
+          <a:prstGeom prst="rect">
+            <a:avLst/>
+          </a:prstGeom>
+          <a:noFill/>
+        </p:spPr>
+      </p:pic>
+    </p:spTree>
+  </p:cSld>
+  <p:clrMapOvr>
+    <a:masterClrMapping/>
+  </p:clrMapOvr>
+  <p:timing>
+    <p:tnLst>
+      <p:par>
+        <p:cTn id="1" dur="indefinite" restart="never" nodeType="tmRoot"/>
+      </p:par>
+    </p:tnLst>
+  </p:timing>
+</p:sld>
+</file>
+
+<file path=ppt/slides/slide20.xml><?xml version="1.0" encoding="utf-8"?>
+<p:sld xmlns:a="http://schemas.openxmlformats.org/drawingml/2006/main" xmlns:r="http://schemas.openxmlformats.org/officeDocument/2006/relationships" xmlns:p="http://schemas.openxmlformats.org/presentationml/2006/main">
+  <p:cSld>
+    <p:spTree>
+      <p:nvGrpSpPr>
+        <p:cNvPr id="1" name=""/>
+        <p:cNvGrpSpPr/>
+        <p:nvPr/>
+      </p:nvGrpSpPr>
+      <p:grpSpPr>
+        <a:xfrm>
+          <a:off x="0" y="0"/>
+          <a:ext cx="0" cy="0"/>
+          <a:chOff x="0" y="0"/>
+          <a:chExt cx="0" cy="0"/>
+        </a:xfrm>
+      </p:grpSpPr>
+      <p:sp>
+        <p:nvSpPr>
+          <p:cNvPr id="3075" name="Rectangle 2"/>
+          <p:cNvSpPr>
+            <a:spLocks noGrp="1" noChangeArrowheads="1"/>
+          </p:cNvSpPr>
+          <p:nvPr>
+            <p:ph type="body" sz="quarter" idx="12"/>
+          </p:nvPr>
+        </p:nvSpPr>
+        <p:spPr>
+          <a:xfrm>
+            <a:off x="571472" y="1795451"/>
+            <a:ext cx="8072494" cy="4357706"/>
+          </a:xfrm>
+          <a:noFill/>
+        </p:spPr>
+        <p:txBody>
+          <a:bodyPr anchor="t" anchorCtr="0"/>
+          <a:lstStyle/>
+          <a:p>
+            <a:pPr eaLnBrk="1" hangingPunct="1">
+              <a:buNone/>
+            </a:pPr>
+            <a:r>
+              <a:rPr lang="de-AT" sz="1600" b="1" dirty="0" smtClean="0">
+                <a:solidFill>
+                  <a:schemeClr val="bg2">
+                    <a:lumMod val="75000"/>
+                  </a:schemeClr>
+                </a:solidFill>
+                <a:latin typeface="Arial" pitchFamily="34" charset="0"/>
+                <a:cs typeface="Arial" pitchFamily="34" charset="0"/>
+              </a:rPr>
+              <a:t>Versuch Genre Clustering </a:t>
+            </a:r>
+          </a:p>
+          <a:p>
+            <a:pPr eaLnBrk="1" hangingPunct="1"/>
+            <a:r>
+              <a:rPr lang="de-AT" sz="1600" dirty="0" smtClean="0">
+                <a:solidFill>
+                  <a:schemeClr val="bg2">
+                    <a:lumMod val="75000"/>
+                  </a:schemeClr>
+                </a:solidFill>
+              </a:rPr>
+              <a:t>14 </a:t>
+            </a:r>
+            <a:r>
+              <a:rPr lang="de-AT" dirty="0" smtClean="0">
+                <a:solidFill>
+                  <a:schemeClr val="bg2">
+                    <a:lumMod val="75000"/>
+                  </a:schemeClr>
+                </a:solidFill>
+              </a:rPr>
+              <a:t>Genres </a:t>
+            </a:r>
+            <a:r>
+              <a:rPr lang="de-AT" dirty="0" smtClean="0">
+                <a:solidFill>
+                  <a:schemeClr val="bg2">
+                    <a:lumMod val="75000"/>
+                  </a:schemeClr>
+                </a:solidFill>
+                <a:sym typeface="Wingdings" pitchFamily="2" charset="2"/>
+              </a:rPr>
+              <a:t> </a:t>
+            </a:r>
+            <a:r>
+              <a:rPr lang="de-AT" dirty="0" err="1" smtClean="0">
+                <a:solidFill>
+                  <a:schemeClr val="bg2">
+                    <a:lumMod val="75000"/>
+                  </a:schemeClr>
+                </a:solidFill>
+                <a:sym typeface="Wingdings" pitchFamily="2" charset="2"/>
+              </a:rPr>
+              <a:t>kMeans</a:t>
+            </a:r>
+            <a:r>
+              <a:rPr lang="de-AT" dirty="0" smtClean="0">
+                <a:solidFill>
+                  <a:schemeClr val="bg2">
+                    <a:lumMod val="75000"/>
+                  </a:schemeClr>
+                </a:solidFill>
+                <a:sym typeface="Wingdings" pitchFamily="2" charset="2"/>
+              </a:rPr>
+              <a:t> Clustering mit 14 Cluster?!</a:t>
+            </a:r>
+          </a:p>
+          <a:p>
+            <a:pPr lvl="1" eaLnBrk="1" hangingPunct="1"/>
+            <a:endParaRPr lang="de-AT" sz="1600" dirty="0">
+              <a:solidFill>
+                <a:schemeClr val="bg2">
+                  <a:lumMod val="75000"/>
+                </a:schemeClr>
+              </a:solidFill>
+              <a:sym typeface="Wingdings" pitchFamily="2" charset="2"/>
+            </a:endParaRPr>
+          </a:p>
+          <a:p>
+            <a:pPr eaLnBrk="1" hangingPunct="1">
+              <a:buNone/>
+            </a:pPr>
+            <a:endParaRPr lang="de-AT" b="1" dirty="0" smtClean="0">
+              <a:solidFill>
+                <a:schemeClr val="bg2">
+                  <a:lumMod val="75000"/>
+                </a:schemeClr>
+              </a:solidFill>
+            </a:endParaRPr>
+          </a:p>
+        </p:txBody>
+      </p:sp>
+      <p:sp>
+        <p:nvSpPr>
+          <p:cNvPr id="3076" name="Rectangle 6"/>
+          <p:cNvSpPr>
+            <a:spLocks noChangeArrowheads="1"/>
+          </p:cNvSpPr>
+          <p:nvPr/>
+        </p:nvSpPr>
+        <p:spPr bwMode="auto">
+          <a:xfrm>
+            <a:off x="714348" y="857232"/>
+            <a:ext cx="6929486" cy="450833"/>
+          </a:xfrm>
+          <a:prstGeom prst="rect">
+            <a:avLst/>
+          </a:prstGeom>
+          <a:noFill/>
+          <a:ln w="9525">
+            <a:noFill/>
+            <a:miter lim="800000"/>
+            <a:headEnd/>
+            <a:tailEnd/>
+          </a:ln>
+        </p:spPr>
+        <p:txBody>
+          <a:bodyPr/>
+          <a:lstStyle/>
+          <a:p>
+            <a:pPr>
+              <a:spcBef>
+                <a:spcPct val="0"/>
+              </a:spcBef>
+            </a:pPr>
+            <a:r>
+              <a:rPr lang="en-US" sz="2400" dirty="0" smtClean="0">
+                <a:solidFill>
+                  <a:srgbClr val="9F9F9F"/>
+                </a:solidFill>
+                <a:latin typeface="Eurostile ExtendedTwo" pitchFamily="34" charset="0"/>
+              </a:rPr>
+              <a:t>Work in progress</a:t>
+            </a:r>
+          </a:p>
+        </p:txBody>
+      </p:sp>
+      <p:sp>
+        <p:nvSpPr>
+          <p:cNvPr id="4" name="Rechteck 3"/>
+          <p:cNvSpPr/>
+          <p:nvPr/>
+        </p:nvSpPr>
+        <p:spPr>
+          <a:xfrm>
+            <a:off x="2357422" y="2786058"/>
+            <a:ext cx="2643206" cy="2049792"/>
+          </a:xfrm>
+          <a:prstGeom prst="rect">
+            <a:avLst/>
+          </a:prstGeom>
+          <a:solidFill>
+            <a:schemeClr val="bg1"/>
+          </a:solidFill>
+        </p:spPr>
+        <p:txBody>
+          <a:bodyPr wrap="square">
+            <a:spAutoFit/>
+          </a:bodyPr>
+          <a:lstStyle/>
+          <a:p>
+            <a:r>
+              <a:rPr lang="de-DE" sz="1200" b="1" dirty="0" smtClean="0">
+                <a:latin typeface="Courier New" pitchFamily="49" charset="0"/>
+                <a:cs typeface="Courier New" pitchFamily="49" charset="0"/>
+              </a:rPr>
+              <a:t>Reggae 2x</a:t>
+            </a:r>
+          </a:p>
+          <a:p>
+            <a:r>
+              <a:rPr lang="de-DE" sz="1200" b="1" dirty="0" err="1" smtClean="0">
+                <a:latin typeface="Courier New" pitchFamily="49" charset="0"/>
+                <a:cs typeface="Courier New" pitchFamily="49" charset="0"/>
+              </a:rPr>
+              <a:t>country</a:t>
+            </a:r>
+            <a:endParaRPr lang="de-DE" sz="1200" b="1" dirty="0" smtClean="0">
+              <a:latin typeface="Courier New" pitchFamily="49" charset="0"/>
+              <a:cs typeface="Courier New" pitchFamily="49" charset="0"/>
+            </a:endParaRPr>
+          </a:p>
+          <a:p>
+            <a:r>
+              <a:rPr lang="de-DE" sz="1200" b="1" dirty="0" err="1" smtClean="0">
+                <a:latin typeface="Courier New" pitchFamily="49" charset="0"/>
+                <a:cs typeface="Courier New" pitchFamily="49" charset="0"/>
+              </a:rPr>
+              <a:t>electronica</a:t>
+            </a:r>
+            <a:endParaRPr lang="de-DE" sz="1200" b="1" dirty="0" smtClean="0">
+              <a:latin typeface="Courier New" pitchFamily="49" charset="0"/>
+              <a:cs typeface="Courier New" pitchFamily="49" charset="0"/>
+            </a:endParaRPr>
+          </a:p>
+          <a:p>
+            <a:r>
+              <a:rPr lang="de-DE" sz="1200" b="1" dirty="0" err="1" smtClean="0">
+                <a:latin typeface="Courier New" pitchFamily="49" charset="0"/>
+                <a:cs typeface="Courier New" pitchFamily="49" charset="0"/>
+              </a:rPr>
+              <a:t>raphiphop</a:t>
+            </a:r>
+            <a:r>
+              <a:rPr lang="de-DE" sz="1200" b="1" dirty="0" smtClean="0">
+                <a:latin typeface="Courier New" pitchFamily="49" charset="0"/>
+                <a:cs typeface="Courier New" pitchFamily="49" charset="0"/>
+              </a:rPr>
+              <a:t> 3x</a:t>
+            </a:r>
+          </a:p>
+          <a:p>
+            <a:r>
+              <a:rPr lang="de-DE" sz="1200" b="1" dirty="0" err="1" smtClean="0">
+                <a:latin typeface="Courier New" pitchFamily="49" charset="0"/>
+                <a:cs typeface="Courier New" pitchFamily="49" charset="0"/>
+              </a:rPr>
+              <a:t>heavymetalhardrock</a:t>
+            </a:r>
+            <a:endParaRPr lang="de-DE" sz="1200" b="1" dirty="0" smtClean="0">
+              <a:latin typeface="Courier New" pitchFamily="49" charset="0"/>
+              <a:cs typeface="Courier New" pitchFamily="49" charset="0"/>
+            </a:endParaRPr>
+          </a:p>
+          <a:p>
+            <a:r>
+              <a:rPr lang="de-DE" sz="1200" b="1" dirty="0" err="1" smtClean="0">
+                <a:latin typeface="Courier New" pitchFamily="49" charset="0"/>
+                <a:cs typeface="Courier New" pitchFamily="49" charset="0"/>
+              </a:rPr>
+              <a:t>punk</a:t>
+            </a:r>
+            <a:r>
+              <a:rPr lang="de-DE" sz="1200" b="1" dirty="0" smtClean="0">
+                <a:latin typeface="Courier New" pitchFamily="49" charset="0"/>
+                <a:cs typeface="Courier New" pitchFamily="49" charset="0"/>
+              </a:rPr>
+              <a:t> 3x</a:t>
+            </a:r>
+          </a:p>
+          <a:p>
+            <a:r>
+              <a:rPr lang="de-DE" sz="1200" b="1" dirty="0" err="1" smtClean="0">
+                <a:latin typeface="Courier New" pitchFamily="49" charset="0"/>
+                <a:cs typeface="Courier New" pitchFamily="49" charset="0"/>
+              </a:rPr>
+              <a:t>Classical</a:t>
+            </a:r>
+            <a:endParaRPr lang="de-DE" sz="1200" b="1" dirty="0" smtClean="0">
+              <a:latin typeface="Courier New" pitchFamily="49" charset="0"/>
+              <a:cs typeface="Courier New" pitchFamily="49" charset="0"/>
+            </a:endParaRPr>
+          </a:p>
+          <a:p>
+            <a:r>
+              <a:rPr lang="de-DE" sz="1200" b="1" dirty="0" err="1" smtClean="0">
+                <a:latin typeface="Courier New" pitchFamily="49" charset="0"/>
+                <a:cs typeface="Courier New" pitchFamily="49" charset="0"/>
+              </a:rPr>
+              <a:t>rnbsoul</a:t>
+            </a:r>
+            <a:endParaRPr lang="de-DE" sz="1200" b="1" dirty="0" smtClean="0">
+              <a:latin typeface="Courier New" pitchFamily="49" charset="0"/>
+              <a:cs typeface="Courier New" pitchFamily="49" charset="0"/>
+            </a:endParaRPr>
+          </a:p>
+          <a:p>
+            <a:r>
+              <a:rPr lang="de-DE" sz="1200" b="1" dirty="0" smtClean="0">
+                <a:latin typeface="Courier New" pitchFamily="49" charset="0"/>
+                <a:cs typeface="Courier New" pitchFamily="49" charset="0"/>
+              </a:rPr>
+              <a:t>jazz</a:t>
+            </a:r>
+          </a:p>
+        </p:txBody>
+      </p:sp>
+      <p:sp>
+        <p:nvSpPr>
+          <p:cNvPr id="5" name="Rechteck 4"/>
+          <p:cNvSpPr/>
+          <p:nvPr/>
+        </p:nvSpPr>
+        <p:spPr>
+          <a:xfrm>
+            <a:off x="357158" y="2786058"/>
+            <a:ext cx="2000264" cy="3157788"/>
+          </a:xfrm>
+          <a:prstGeom prst="rect">
+            <a:avLst/>
+          </a:prstGeom>
+          <a:solidFill>
+            <a:schemeClr val="bg1"/>
+          </a:solidFill>
+        </p:spPr>
+        <p:txBody>
+          <a:bodyPr wrap="square">
+            <a:spAutoFit/>
+          </a:bodyPr>
+          <a:lstStyle/>
+          <a:p>
+            <a:r>
+              <a:rPr lang="de-DE" sz="1200" b="1" dirty="0" err="1" smtClean="0">
+                <a:latin typeface="Courier New" pitchFamily="49" charset="0"/>
+                <a:cs typeface="Courier New" pitchFamily="49" charset="0"/>
+              </a:rPr>
+              <a:t>country</a:t>
+            </a:r>
+            <a:endParaRPr lang="de-DE" sz="1200" b="1" dirty="0" smtClean="0">
+              <a:latin typeface="Courier New" pitchFamily="49" charset="0"/>
+              <a:cs typeface="Courier New" pitchFamily="49" charset="0"/>
+            </a:endParaRPr>
+          </a:p>
+          <a:p>
+            <a:r>
+              <a:rPr lang="de-AT" sz="1200" b="1" dirty="0" smtClean="0">
+                <a:solidFill>
+                  <a:schemeClr val="tx1"/>
+                </a:solidFill>
+                <a:latin typeface="Courier New" pitchFamily="49" charset="0"/>
+                <a:cs typeface="Courier New" pitchFamily="49" charset="0"/>
+              </a:rPr>
+              <a:t>Folk </a:t>
+            </a:r>
+          </a:p>
+          <a:p>
+            <a:r>
+              <a:rPr lang="de-AT" sz="1200" b="1" dirty="0" smtClean="0">
+                <a:latin typeface="Courier New" pitchFamily="49" charset="0"/>
+                <a:cs typeface="Courier New" pitchFamily="49" charset="0"/>
+              </a:rPr>
+              <a:t>Jazz</a:t>
+            </a:r>
+          </a:p>
+          <a:p>
+            <a:r>
+              <a:rPr lang="de-AT" sz="1200" b="1" dirty="0" smtClean="0">
+                <a:solidFill>
+                  <a:schemeClr val="tx1"/>
+                </a:solidFill>
+                <a:latin typeface="Courier New" pitchFamily="49" charset="0"/>
+                <a:cs typeface="Courier New" pitchFamily="49" charset="0"/>
+              </a:rPr>
+              <a:t>Blues </a:t>
+            </a:r>
+          </a:p>
+          <a:p>
+            <a:r>
+              <a:rPr lang="de-DE" sz="1200" b="1" dirty="0" err="1" smtClean="0">
+                <a:latin typeface="Courier New" pitchFamily="49" charset="0"/>
+                <a:cs typeface="Courier New" pitchFamily="49" charset="0"/>
+              </a:rPr>
+              <a:t>rnbsoul</a:t>
+            </a:r>
+            <a:endParaRPr lang="de-DE" sz="1200" b="1" dirty="0" smtClean="0">
+              <a:latin typeface="Courier New" pitchFamily="49" charset="0"/>
+              <a:cs typeface="Courier New" pitchFamily="49" charset="0"/>
+            </a:endParaRPr>
+          </a:p>
+          <a:p>
+            <a:r>
+              <a:rPr lang="de-DE" sz="1200" b="1" dirty="0" err="1" smtClean="0">
+                <a:latin typeface="Courier New" pitchFamily="49" charset="0"/>
+                <a:cs typeface="Courier New" pitchFamily="49" charset="0"/>
+              </a:rPr>
+              <a:t>hHeavymetalhardrock</a:t>
+            </a:r>
+            <a:endParaRPr lang="de-DE" sz="1200" b="1" dirty="0" smtClean="0">
+              <a:latin typeface="Courier New" pitchFamily="49" charset="0"/>
+              <a:cs typeface="Courier New" pitchFamily="49" charset="0"/>
+            </a:endParaRPr>
+          </a:p>
+          <a:p>
+            <a:r>
+              <a:rPr lang="de-AT" sz="1200" b="1" dirty="0" err="1" smtClean="0">
+                <a:solidFill>
+                  <a:schemeClr val="tx1"/>
+                </a:solidFill>
+                <a:latin typeface="Courier New" pitchFamily="49" charset="0"/>
+                <a:cs typeface="Courier New" pitchFamily="49" charset="0"/>
+              </a:rPr>
+              <a:t>Alt.rockindie</a:t>
+            </a:r>
+            <a:endParaRPr lang="de-DE" sz="1200" b="1" dirty="0" smtClean="0">
+              <a:solidFill>
+                <a:schemeClr val="tx1"/>
+              </a:solidFill>
+              <a:latin typeface="Courier New" pitchFamily="49" charset="0"/>
+              <a:cs typeface="Courier New" pitchFamily="49" charset="0"/>
+            </a:endParaRPr>
+          </a:p>
+          <a:p>
+            <a:r>
+              <a:rPr lang="de-DE" sz="1200" b="1" dirty="0" err="1" smtClean="0">
+                <a:latin typeface="Courier New" pitchFamily="49" charset="0"/>
+                <a:cs typeface="Courier New" pitchFamily="49" charset="0"/>
+              </a:rPr>
+              <a:t>punk</a:t>
+            </a:r>
+            <a:endParaRPr lang="de-DE" sz="1200" b="1" dirty="0" smtClean="0">
+              <a:latin typeface="Courier New" pitchFamily="49" charset="0"/>
+              <a:cs typeface="Courier New" pitchFamily="49" charset="0"/>
+            </a:endParaRPr>
+          </a:p>
+          <a:p>
+            <a:r>
+              <a:rPr lang="de-DE" sz="1200" b="1" dirty="0" err="1" smtClean="0">
+                <a:latin typeface="Courier New" pitchFamily="49" charset="0"/>
+                <a:cs typeface="Courier New" pitchFamily="49" charset="0"/>
+              </a:rPr>
+              <a:t>Raphiphop</a:t>
+            </a:r>
+            <a:endParaRPr lang="de-DE" sz="1200" b="1" dirty="0" smtClean="0">
+              <a:latin typeface="Courier New" pitchFamily="49" charset="0"/>
+              <a:cs typeface="Courier New" pitchFamily="49" charset="0"/>
+            </a:endParaRPr>
+          </a:p>
+          <a:p>
+            <a:r>
+              <a:rPr lang="de-AT" sz="1200" b="1" dirty="0" err="1" smtClean="0">
+                <a:latin typeface="Courier New" pitchFamily="49" charset="0"/>
+                <a:cs typeface="Courier New" pitchFamily="49" charset="0"/>
+              </a:rPr>
+              <a:t>electronica</a:t>
+            </a:r>
+            <a:endParaRPr lang="de-DE" sz="1200" b="1" dirty="0" smtClean="0">
+              <a:latin typeface="Courier New" pitchFamily="49" charset="0"/>
+              <a:cs typeface="Courier New" pitchFamily="49" charset="0"/>
+            </a:endParaRPr>
+          </a:p>
+          <a:p>
+            <a:r>
+              <a:rPr lang="de-DE" sz="1200" b="1" dirty="0" err="1" smtClean="0">
+                <a:latin typeface="Courier New" pitchFamily="49" charset="0"/>
+                <a:cs typeface="Courier New" pitchFamily="49" charset="0"/>
+              </a:rPr>
+              <a:t>reggae</a:t>
+            </a:r>
+            <a:endParaRPr lang="de-DE" sz="1200" b="1" dirty="0" smtClean="0">
+              <a:latin typeface="Courier New" pitchFamily="49" charset="0"/>
+              <a:cs typeface="Courier New" pitchFamily="49" charset="0"/>
+            </a:endParaRPr>
+          </a:p>
+          <a:p>
+            <a:r>
+              <a:rPr lang="de-DE" sz="1200" b="1" dirty="0" err="1" smtClean="0">
+                <a:latin typeface="Courier New" pitchFamily="49" charset="0"/>
+                <a:cs typeface="Courier New" pitchFamily="49" charset="0"/>
+              </a:rPr>
+              <a:t>RocknRoll</a:t>
+            </a:r>
+            <a:endParaRPr lang="de-DE" sz="1200" b="1" dirty="0" smtClean="0">
+              <a:latin typeface="Courier New" pitchFamily="49" charset="0"/>
+              <a:cs typeface="Courier New" pitchFamily="49" charset="0"/>
+            </a:endParaRPr>
+          </a:p>
+          <a:p>
+            <a:r>
+              <a:rPr lang="de-AT" sz="1200" b="1" dirty="0" err="1" smtClean="0">
+                <a:latin typeface="Courier New" pitchFamily="49" charset="0"/>
+                <a:cs typeface="Courier New" pitchFamily="49" charset="0"/>
+              </a:rPr>
+              <a:t>pop</a:t>
+            </a:r>
+            <a:endParaRPr lang="de-DE" sz="1200" b="1" dirty="0" smtClean="0">
+              <a:latin typeface="Courier New" pitchFamily="49" charset="0"/>
+              <a:cs typeface="Courier New" pitchFamily="49" charset="0"/>
+            </a:endParaRPr>
+          </a:p>
+          <a:p>
+            <a:r>
+              <a:rPr lang="de-DE" sz="1200" b="1" dirty="0" err="1" smtClean="0">
+                <a:latin typeface="Courier New" pitchFamily="49" charset="0"/>
+                <a:cs typeface="Courier New" pitchFamily="49" charset="0"/>
+              </a:rPr>
+              <a:t>classical</a:t>
+            </a:r>
+            <a:endParaRPr lang="de-DE" sz="1200" b="1" dirty="0">
+              <a:latin typeface="Courier New" pitchFamily="49" charset="0"/>
+              <a:cs typeface="Courier New" pitchFamily="49" charset="0"/>
+            </a:endParaRPr>
+          </a:p>
+        </p:txBody>
+      </p:sp>
+      <p:pic>
+        <p:nvPicPr>
+          <p:cNvPr id="20482" name="Picture 2" descr="C:\Documents and Settings\Jakob\Desktop\cluster.png"/>
+          <p:cNvPicPr>
+            <a:picLocks noChangeAspect="1" noChangeArrowheads="1"/>
+          </p:cNvPicPr>
+          <p:nvPr/>
+        </p:nvPicPr>
+        <p:blipFill>
+          <a:blip r:embed="rId3"/>
+          <a:srcRect/>
+          <a:stretch>
+            <a:fillRect/>
+          </a:stretch>
+        </p:blipFill>
+        <p:spPr bwMode="auto">
+          <a:xfrm>
+            <a:off x="4714876" y="2428868"/>
+            <a:ext cx="4286935" cy="3214710"/>
+          </a:xfrm>
+          <a:prstGeom prst="rect">
+            <a:avLst/>
+          </a:prstGeom>
+          <a:noFill/>
+        </p:spPr>
+      </p:pic>
+      <p:pic>
+        <p:nvPicPr>
+          <p:cNvPr id="7" name="Picture 2" descr="C:\Documents and Settings\Jakob\Desktop\cluster.png"/>
+          <p:cNvPicPr>
+            <a:picLocks noChangeAspect="1" noChangeArrowheads="1"/>
+          </p:cNvPicPr>
+          <p:nvPr/>
+        </p:nvPicPr>
+        <p:blipFill>
+          <a:blip r:embed="rId3"/>
+          <a:srcRect l="-1666" t="24444" r="31677" b="17778"/>
+          <a:stretch>
+            <a:fillRect/>
+          </a:stretch>
+        </p:blipFill>
+        <p:spPr bwMode="auto">
+          <a:xfrm>
+            <a:off x="4143372" y="3929066"/>
+            <a:ext cx="4572032" cy="2830306"/>
           </a:xfrm>
           <a:prstGeom prst="rect">
             <a:avLst/>

--- a/presentation/presentation.pptx
+++ b/presentation/presentation.pptx
@@ -222,7 +222,7 @@
                   <c:v>1</c:v>
                 </c:pt>
                 <c:pt idx="1">
-                  <c:v>0.57564800000000094</c:v>
+                  <c:v>0.57564800000000116</c:v>
                 </c:pt>
                 <c:pt idx="2">
                   <c:v>3.1970000000000012E-2</c:v>
@@ -231,10 +231,10 @@
                   <c:v>0.25642400000000032</c:v>
                 </c:pt>
                 <c:pt idx="4">
-                  <c:v>8.902000000000021E-3</c:v>
+                  <c:v>8.9020000000000262E-3</c:v>
                 </c:pt>
                 <c:pt idx="5">
-                  <c:v>1.2710000000000013E-3</c:v>
+                  <c:v>1.2710000000000017E-3</c:v>
                 </c:pt>
               </c:numCache>
             </c:numRef>
@@ -287,13 +287,13 @@
                 <c:formatCode>General</c:formatCode>
                 <c:ptCount val="6"/>
                 <c:pt idx="0">
-                  <c:v>0.57564800000000094</c:v>
+                  <c:v>0.57564800000000116</c:v>
                 </c:pt>
                 <c:pt idx="1">
                   <c:v>1</c:v>
                 </c:pt>
                 <c:pt idx="2">
-                  <c:v>5.2012000000000114E-2</c:v>
+                  <c:v>5.2012000000000141E-2</c:v>
                 </c:pt>
                 <c:pt idx="3">
                   <c:v>0.50629999999999997</c:v>
@@ -302,7 +302,7 @@
                   <c:v>1.2573000000000001E-2</c:v>
                 </c:pt>
                 <c:pt idx="5">
-                  <c:v>2.2190000000000027E-3</c:v>
+                  <c:v>2.219000000000004E-3</c:v>
                 </c:pt>
               </c:numCache>
             </c:numRef>
@@ -358,16 +358,16 @@
                   <c:v>3.1970000000000012E-2</c:v>
                 </c:pt>
                 <c:pt idx="1">
-                  <c:v>5.2012000000000114E-2</c:v>
+                  <c:v>5.2012000000000141E-2</c:v>
                 </c:pt>
                 <c:pt idx="2">
                   <c:v>1</c:v>
                 </c:pt>
                 <c:pt idx="3">
-                  <c:v>7.2690000000000102E-2</c:v>
+                  <c:v>7.269000000000013E-2</c:v>
                 </c:pt>
                 <c:pt idx="4">
-                  <c:v>2.2490000000000032E-3</c:v>
+                  <c:v>2.249000000000004E-3</c:v>
                 </c:pt>
                 <c:pt idx="5">
                   <c:v>0</c:v>
@@ -429,13 +429,13 @@
                   <c:v>0.50629999999999997</c:v>
                 </c:pt>
                 <c:pt idx="2">
-                  <c:v>7.2690000000000102E-2</c:v>
+                  <c:v>7.269000000000013E-2</c:v>
                 </c:pt>
                 <c:pt idx="3">
                   <c:v>1</c:v>
                 </c:pt>
                 <c:pt idx="4">
-                  <c:v>1.5345000000000013E-2</c:v>
+                  <c:v>1.534500000000002E-2</c:v>
                 </c:pt>
                 <c:pt idx="5">
                   <c:v>1.1479999999999999E-3</c:v>
@@ -491,16 +491,16 @@
                 <c:formatCode>General</c:formatCode>
                 <c:ptCount val="6"/>
                 <c:pt idx="0">
-                  <c:v>8.902000000000021E-3</c:v>
+                  <c:v>8.9020000000000262E-3</c:v>
                 </c:pt>
                 <c:pt idx="1">
                   <c:v>1.2573000000000001E-2</c:v>
                 </c:pt>
                 <c:pt idx="2">
-                  <c:v>2.2490000000000032E-3</c:v>
+                  <c:v>2.249000000000004E-3</c:v>
                 </c:pt>
                 <c:pt idx="3">
-                  <c:v>1.5345000000000013E-2</c:v>
+                  <c:v>1.534500000000002E-2</c:v>
                 </c:pt>
                 <c:pt idx="4">
                   <c:v>1</c:v>
@@ -559,10 +559,10 @@
                 <c:formatCode>General</c:formatCode>
                 <c:ptCount val="6"/>
                 <c:pt idx="0">
-                  <c:v>1.2710000000000013E-3</c:v>
+                  <c:v>1.2710000000000017E-3</c:v>
                 </c:pt>
                 <c:pt idx="1">
-                  <c:v>2.2190000000000027E-3</c:v>
+                  <c:v>2.219000000000004E-3</c:v>
                 </c:pt>
                 <c:pt idx="2">
                   <c:v>0</c:v>
@@ -580,11 +580,11 @@
             </c:numRef>
           </c:val>
         </c:ser>
-        <c:axId val="57430016"/>
-        <c:axId val="57431552"/>
+        <c:axId val="75109120"/>
+        <c:axId val="75110656"/>
       </c:barChart>
       <c:catAx>
-        <c:axId val="57430016"/>
+        <c:axId val="75109120"/>
         <c:scaling>
           <c:orientation val="minMax"/>
         </c:scaling>
@@ -600,14 +600,14 @@
             <a:endParaRPr lang="en-US"/>
           </a:p>
         </c:txPr>
-        <c:crossAx val="57431552"/>
+        <c:crossAx val="75110656"/>
         <c:crosses val="autoZero"/>
         <c:auto val="1"/>
         <c:lblAlgn val="ctr"/>
         <c:lblOffset val="100"/>
       </c:catAx>
       <c:valAx>
-        <c:axId val="57431552"/>
+        <c:axId val="75110656"/>
         <c:scaling>
           <c:orientation val="minMax"/>
           <c:max val="1"/>
@@ -626,7 +626,7 @@
             <a:endParaRPr lang="en-US"/>
           </a:p>
         </c:txPr>
-        <c:crossAx val="57430016"/>
+        <c:crossAx val="75109120"/>
         <c:crosses val="autoZero"/>
         <c:crossBetween val="between"/>
       </c:valAx>
@@ -711,19 +711,19 @@
                   <c:v>1</c:v>
                 </c:pt>
                 <c:pt idx="1">
-                  <c:v>0.48331700000000033</c:v>
+                  <c:v>0.48331700000000044</c:v>
                 </c:pt>
                 <c:pt idx="2">
                   <c:v>0.16111700000000001</c:v>
                 </c:pt>
                 <c:pt idx="3">
-                  <c:v>0.35282800000000047</c:v>
+                  <c:v>0.35282800000000064</c:v>
                 </c:pt>
                 <c:pt idx="4">
                   <c:v>6.5276000000000001E-2</c:v>
                 </c:pt>
                 <c:pt idx="5">
-                  <c:v>3.8400000000000031E-3</c:v>
+                  <c:v>3.840000000000004E-3</c:v>
                 </c:pt>
               </c:numCache>
             </c:numRef>
@@ -776,7 +776,7 @@
                 <c:formatCode>General</c:formatCode>
                 <c:ptCount val="6"/>
                 <c:pt idx="0">
-                  <c:v>0.48331700000000033</c:v>
+                  <c:v>0.48331700000000044</c:v>
                 </c:pt>
                 <c:pt idx="1">
                   <c:v>1</c:v>
@@ -912,7 +912,7 @@
                 <c:formatCode>General</c:formatCode>
                 <c:ptCount val="6"/>
                 <c:pt idx="0">
-                  <c:v>0.35282800000000047</c:v>
+                  <c:v>0.35282800000000064</c:v>
                 </c:pt>
                 <c:pt idx="1">
                   <c:v>0.56716999999999951</c:v>
@@ -1048,7 +1048,7 @@
                 <c:formatCode>General</c:formatCode>
                 <c:ptCount val="6"/>
                 <c:pt idx="0">
-                  <c:v>3.8400000000000031E-3</c:v>
+                  <c:v>3.840000000000004E-3</c:v>
                 </c:pt>
                 <c:pt idx="1">
                   <c:v>5.8550000000000034E-3</c:v>
@@ -1069,11 +1069,11 @@
             </c:numRef>
           </c:val>
         </c:ser>
-        <c:axId val="58021376"/>
-        <c:axId val="58022912"/>
+        <c:axId val="75716864"/>
+        <c:axId val="75722752"/>
       </c:barChart>
       <c:catAx>
-        <c:axId val="58021376"/>
+        <c:axId val="75716864"/>
         <c:scaling>
           <c:orientation val="minMax"/>
         </c:scaling>
@@ -1089,14 +1089,14 @@
             <a:endParaRPr lang="en-US"/>
           </a:p>
         </c:txPr>
-        <c:crossAx val="58022912"/>
+        <c:crossAx val="75722752"/>
         <c:crosses val="autoZero"/>
         <c:auto val="1"/>
         <c:lblAlgn val="ctr"/>
         <c:lblOffset val="100"/>
       </c:catAx>
       <c:valAx>
-        <c:axId val="58022912"/>
+        <c:axId val="75722752"/>
         <c:scaling>
           <c:orientation val="minMax"/>
           <c:max val="1"/>
@@ -1115,7 +1115,7 @@
             <a:endParaRPr lang="en-US"/>
           </a:p>
         </c:txPr>
-        <c:crossAx val="58021376"/>
+        <c:crossAx val="75716864"/>
         <c:crosses val="autoZero"/>
         <c:crossBetween val="between"/>
       </c:valAx>
@@ -1142,6 +1142,7 @@
 
 <file path=ppt/charts/chart3.xml><?xml version="1.0" encoding="utf-8"?>
 <c:chartSpace xmlns:c="http://schemas.openxmlformats.org/drawingml/2006/chart" xmlns:a="http://schemas.openxmlformats.org/drawingml/2006/main" xmlns:r="http://schemas.openxmlformats.org/officeDocument/2006/relationships">
+  <c:date1904 val="1"/>
   <c:lang val="en-US"/>
   <c:chart>
     <c:autoTitleDeleted val="1"/>
@@ -1214,49 +1215,49 @@
                   <c:v>0.94202300000000005</c:v>
                 </c:pt>
                 <c:pt idx="2">
-                  <c:v>0.939245</c:v>
+                  <c:v>0.93924500000000022</c:v>
                 </c:pt>
                 <c:pt idx="3">
-                  <c:v>0.93182500000000001</c:v>
+                  <c:v>0.93182500000000024</c:v>
                 </c:pt>
                 <c:pt idx="4">
-                  <c:v>0.88711300000000004</c:v>
+                  <c:v>0.88711299999999971</c:v>
                 </c:pt>
                 <c:pt idx="5">
                   <c:v>0.87655000000000005</c:v>
                 </c:pt>
                 <c:pt idx="6">
-                  <c:v>0.874278</c:v>
+                  <c:v>0.87427800000000022</c:v>
                 </c:pt>
                 <c:pt idx="7">
                   <c:v>0.83538199999999996</c:v>
                 </c:pt>
                 <c:pt idx="8">
-                  <c:v>0.82807699999999995</c:v>
+                  <c:v>0.82807699999999973</c:v>
                 </c:pt>
               </c:numCache>
             </c:numRef>
           </c:val>
         </c:ser>
         <c:marker val="1"/>
-        <c:axId val="89603456"/>
-        <c:axId val="89798144"/>
+        <c:axId val="75741440"/>
+        <c:axId val="74797056"/>
       </c:lineChart>
       <c:catAx>
-        <c:axId val="89603456"/>
+        <c:axId val="75741440"/>
         <c:scaling>
           <c:orientation val="minMax"/>
         </c:scaling>
         <c:axPos val="b"/>
         <c:tickLblPos val="nextTo"/>
-        <c:crossAx val="89798144"/>
+        <c:crossAx val="74797056"/>
         <c:crosses val="autoZero"/>
         <c:auto val="1"/>
         <c:lblAlgn val="ctr"/>
         <c:lblOffset val="100"/>
       </c:catAx>
       <c:valAx>
-        <c:axId val="89798144"/>
+        <c:axId val="74797056"/>
         <c:scaling>
           <c:orientation val="minMax"/>
         </c:scaling>
@@ -1264,7 +1265,7 @@
         <c:majorGridlines/>
         <c:numFmt formatCode="General" sourceLinked="1"/>
         <c:tickLblPos val="nextTo"/>
-        <c:crossAx val="89603456"/>
+        <c:crossAx val="75741440"/>
         <c:crosses val="autoZero"/>
         <c:crossBetween val="between"/>
       </c:valAx>
@@ -1358,7 +1359,7 @@
                   <c:v>0.970136</c:v>
                 </c:pt>
                 <c:pt idx="2">
-                  <c:v>0.93909500000000001</c:v>
+                  <c:v>0.93909500000000024</c:v>
                 </c:pt>
                 <c:pt idx="3">
                   <c:v>0.91686800000000002</c:v>
@@ -1367,13 +1368,13 @@
                   <c:v>0.882996</c:v>
                 </c:pt>
                 <c:pt idx="5">
-                  <c:v>0.74434</c:v>
+                  <c:v>0.74434000000000022</c:v>
                 </c:pt>
                 <c:pt idx="6">
-                  <c:v>0.63604300000000003</c:v>
+                  <c:v>0.63604300000000025</c:v>
                 </c:pt>
                 <c:pt idx="7">
-                  <c:v>0.62105900000000003</c:v>
+                  <c:v>0.62105900000000025</c:v>
                 </c:pt>
                 <c:pt idx="8">
                   <c:v>0.60450099999999996</c:v>
@@ -1383,24 +1384,24 @@
           </c:val>
         </c:ser>
         <c:marker val="1"/>
-        <c:axId val="56134656"/>
-        <c:axId val="56678272"/>
+        <c:axId val="74812416"/>
+        <c:axId val="74818304"/>
       </c:lineChart>
       <c:catAx>
-        <c:axId val="56134656"/>
+        <c:axId val="74812416"/>
         <c:scaling>
           <c:orientation val="minMax"/>
         </c:scaling>
         <c:axPos val="b"/>
         <c:tickLblPos val="nextTo"/>
-        <c:crossAx val="56678272"/>
+        <c:crossAx val="74818304"/>
         <c:crosses val="autoZero"/>
         <c:auto val="1"/>
         <c:lblAlgn val="ctr"/>
         <c:lblOffset val="100"/>
       </c:catAx>
       <c:valAx>
-        <c:axId val="56678272"/>
+        <c:axId val="74818304"/>
         <c:scaling>
           <c:orientation val="minMax"/>
         </c:scaling>
@@ -1408,7 +1409,7 @@
         <c:majorGridlines/>
         <c:numFmt formatCode="General" sourceLinked="1"/>
         <c:tickLblPos val="nextTo"/>
-        <c:crossAx val="56134656"/>
+        <c:crossAx val="74812416"/>
         <c:crosses val="autoZero"/>
         <c:crossBetween val="between"/>
       </c:valAx>
@@ -15881,32 +15882,6 @@
           </a:p>
         </p:txBody>
       </p:sp>
-      <p:pic>
-        <p:nvPicPr>
-          <p:cNvPr id="19458" name="Picture 2" descr="C:\Documents and Settings\Jakob\Desktop\implementierung.png"/>
-          <p:cNvPicPr>
-            <a:picLocks noChangeAspect="1" noChangeArrowheads="1"/>
-          </p:cNvPicPr>
-          <p:nvPr/>
-        </p:nvPicPr>
-        <p:blipFill>
-          <a:blip r:embed="rId3"/>
-          <a:srcRect/>
-          <a:stretch>
-            <a:fillRect/>
-          </a:stretch>
-        </p:blipFill>
-        <p:spPr bwMode="auto">
-          <a:xfrm>
-            <a:off x="6715140" y="2428868"/>
-            <a:ext cx="2057624" cy="3786214"/>
-          </a:xfrm>
-          <a:prstGeom prst="rect">
-            <a:avLst/>
-          </a:prstGeom>
-          <a:noFill/>
-        </p:spPr>
-      </p:pic>
     </p:spTree>
   </p:cSld>
   <p:clrMapOvr>
@@ -16046,10 +16021,10 @@
                 <a:latin typeface="Arial" pitchFamily="34" charset="0"/>
                 <a:cs typeface="Arial" pitchFamily="34" charset="0"/>
               </a:rPr>
-              <a:t>&lt; 250 </a:t>
-            </a:r>
-            <a:r>
-              <a:rPr lang="de-AT" sz="1400" dirty="0" err="1" smtClean="0">
+              <a:t>~ </a:t>
+            </a:r>
+            <a:r>
+              <a:rPr lang="de-AT" sz="1400" dirty="0" smtClean="0">
                 <a:solidFill>
                   <a:schemeClr val="bg2">
                     <a:lumMod val="75000"/>
@@ -16058,10 +16033,10 @@
                 <a:latin typeface="Arial" pitchFamily="34" charset="0"/>
                 <a:cs typeface="Arial" pitchFamily="34" charset="0"/>
               </a:rPr>
-              <a:t>Artists</a:t>
-            </a:r>
-            <a:r>
-              <a:rPr lang="de-AT" sz="1400" dirty="0" smtClean="0">
+              <a:t>250 </a:t>
+            </a:r>
+            <a:r>
+              <a:rPr lang="de-AT" sz="1400" dirty="0" err="1" smtClean="0">
                 <a:solidFill>
                   <a:schemeClr val="bg2">
                     <a:lumMod val="75000"/>
@@ -16070,7 +16045,43 @@
                 <a:latin typeface="Arial" pitchFamily="34" charset="0"/>
                 <a:cs typeface="Arial" pitchFamily="34" charset="0"/>
               </a:rPr>
-              <a:t>, 11 Genres </a:t>
+              <a:t>Artists</a:t>
+            </a:r>
+            <a:r>
+              <a:rPr lang="de-AT" sz="1400" dirty="0" smtClean="0">
+                <a:solidFill>
+                  <a:schemeClr val="bg2">
+                    <a:lumMod val="75000"/>
+                  </a:schemeClr>
+                </a:solidFill>
+                <a:latin typeface="Arial" pitchFamily="34" charset="0"/>
+                <a:cs typeface="Arial" pitchFamily="34" charset="0"/>
+              </a:rPr>
+              <a:t>, </a:t>
+            </a:r>
+            <a:r>
+              <a:rPr lang="de-AT" sz="1400" dirty="0" smtClean="0">
+                <a:solidFill>
+                  <a:schemeClr val="bg2">
+                    <a:lumMod val="75000"/>
+                  </a:schemeClr>
+                </a:solidFill>
+                <a:latin typeface="Arial" pitchFamily="34" charset="0"/>
+                <a:cs typeface="Arial" pitchFamily="34" charset="0"/>
+              </a:rPr>
+              <a:t>14 </a:t>
+            </a:r>
+            <a:r>
+              <a:rPr lang="de-AT" sz="1400" dirty="0" smtClean="0">
+                <a:solidFill>
+                  <a:schemeClr val="bg2">
+                    <a:lumMod val="75000"/>
+                  </a:schemeClr>
+                </a:solidFill>
+                <a:latin typeface="Arial" pitchFamily="34" charset="0"/>
+                <a:cs typeface="Arial" pitchFamily="34" charset="0"/>
+              </a:rPr>
+              <a:t>Genres </a:t>
             </a:r>
           </a:p>
           <a:p>
